--- a/실기 정리/정보처리 기능사 실기.pptx
+++ b/실기 정리/정보처리 기능사 실기.pptx
@@ -115,6 +115,11 @@
       </a:defRPr>
     </a:lvl9pPr>
   </p:defaultTextStyle>
+  <p:extLst>
+    <p:ext uri="{EFAFB233-063F-42B5-8137-9DF3F51BA10A}">
+      <p15:sldGuideLst xmlns:p15="http://schemas.microsoft.com/office/powerpoint/2012/main"/>
+    </p:ext>
+  </p:extLst>
 </p:presentation>
 </file>
 
@@ -265,7 +270,7 @@
           <a:p>
             <a:fld id="{5F662FEA-D639-4FDF-9E2F-83059EC2917D}" type="datetimeFigureOut">
               <a:rPr lang="ko-KR" altLang="en-US" smtClean="0"/>
-              <a:t>2024-06-18</a:t>
+              <a:t>2024-06-23</a:t>
             </a:fld>
             <a:endParaRPr lang="ko-KR" altLang="en-US"/>
           </a:p>
@@ -463,7 +468,7 @@
           <a:p>
             <a:fld id="{5F662FEA-D639-4FDF-9E2F-83059EC2917D}" type="datetimeFigureOut">
               <a:rPr lang="ko-KR" altLang="en-US" smtClean="0"/>
-              <a:t>2024-06-18</a:t>
+              <a:t>2024-06-23</a:t>
             </a:fld>
             <a:endParaRPr lang="ko-KR" altLang="en-US"/>
           </a:p>
@@ -671,7 +676,7 @@
           <a:p>
             <a:fld id="{5F662FEA-D639-4FDF-9E2F-83059EC2917D}" type="datetimeFigureOut">
               <a:rPr lang="ko-KR" altLang="en-US" smtClean="0"/>
-              <a:t>2024-06-18</a:t>
+              <a:t>2024-06-23</a:t>
             </a:fld>
             <a:endParaRPr lang="ko-KR" altLang="en-US"/>
           </a:p>
@@ -869,7 +874,7 @@
           <a:p>
             <a:fld id="{5F662FEA-D639-4FDF-9E2F-83059EC2917D}" type="datetimeFigureOut">
               <a:rPr lang="ko-KR" altLang="en-US" smtClean="0"/>
-              <a:t>2024-06-18</a:t>
+              <a:t>2024-06-23</a:t>
             </a:fld>
             <a:endParaRPr lang="ko-KR" altLang="en-US"/>
           </a:p>
@@ -1144,7 +1149,7 @@
           <a:p>
             <a:fld id="{5F662FEA-D639-4FDF-9E2F-83059EC2917D}" type="datetimeFigureOut">
               <a:rPr lang="ko-KR" altLang="en-US" smtClean="0"/>
-              <a:t>2024-06-18</a:t>
+              <a:t>2024-06-23</a:t>
             </a:fld>
             <a:endParaRPr lang="ko-KR" altLang="en-US"/>
           </a:p>
@@ -1409,7 +1414,7 @@
           <a:p>
             <a:fld id="{5F662FEA-D639-4FDF-9E2F-83059EC2917D}" type="datetimeFigureOut">
               <a:rPr lang="ko-KR" altLang="en-US" smtClean="0"/>
-              <a:t>2024-06-18</a:t>
+              <a:t>2024-06-23</a:t>
             </a:fld>
             <a:endParaRPr lang="ko-KR" altLang="en-US"/>
           </a:p>
@@ -1821,7 +1826,7 @@
           <a:p>
             <a:fld id="{5F662FEA-D639-4FDF-9E2F-83059EC2917D}" type="datetimeFigureOut">
               <a:rPr lang="ko-KR" altLang="en-US" smtClean="0"/>
-              <a:t>2024-06-18</a:t>
+              <a:t>2024-06-23</a:t>
             </a:fld>
             <a:endParaRPr lang="ko-KR" altLang="en-US"/>
           </a:p>
@@ -1962,7 +1967,7 @@
           <a:p>
             <a:fld id="{5F662FEA-D639-4FDF-9E2F-83059EC2917D}" type="datetimeFigureOut">
               <a:rPr lang="ko-KR" altLang="en-US" smtClean="0"/>
-              <a:t>2024-06-18</a:t>
+              <a:t>2024-06-23</a:t>
             </a:fld>
             <a:endParaRPr lang="ko-KR" altLang="en-US"/>
           </a:p>
@@ -2075,7 +2080,7 @@
           <a:p>
             <a:fld id="{5F662FEA-D639-4FDF-9E2F-83059EC2917D}" type="datetimeFigureOut">
               <a:rPr lang="ko-KR" altLang="en-US" smtClean="0"/>
-              <a:t>2024-06-18</a:t>
+              <a:t>2024-06-23</a:t>
             </a:fld>
             <a:endParaRPr lang="ko-KR" altLang="en-US"/>
           </a:p>
@@ -2386,7 +2391,7 @@
           <a:p>
             <a:fld id="{5F662FEA-D639-4FDF-9E2F-83059EC2917D}" type="datetimeFigureOut">
               <a:rPr lang="ko-KR" altLang="en-US" smtClean="0"/>
-              <a:t>2024-06-18</a:t>
+              <a:t>2024-06-23</a:t>
             </a:fld>
             <a:endParaRPr lang="ko-KR" altLang="en-US"/>
           </a:p>
@@ -2674,7 +2679,7 @@
           <a:p>
             <a:fld id="{5F662FEA-D639-4FDF-9E2F-83059EC2917D}" type="datetimeFigureOut">
               <a:rPr lang="ko-KR" altLang="en-US" smtClean="0"/>
-              <a:t>2024-06-18</a:t>
+              <a:t>2024-06-23</a:t>
             </a:fld>
             <a:endParaRPr lang="ko-KR" altLang="en-US"/>
           </a:p>
@@ -2915,7 +2920,7 @@
           <a:p>
             <a:fld id="{5F662FEA-D639-4FDF-9E2F-83059EC2917D}" type="datetimeFigureOut">
               <a:rPr lang="ko-KR" altLang="en-US" smtClean="0"/>
-              <a:t>2024-06-18</a:t>
+              <a:t>2024-06-23</a:t>
             </a:fld>
             <a:endParaRPr lang="ko-KR" altLang="en-US"/>
           </a:p>
@@ -9847,7 +9852,7 @@
         <p:spPr bwMode="auto">
           <a:xfrm>
             <a:off x="838201" y="2086437"/>
-            <a:ext cx="5257800" cy="4406438"/>
+            <a:ext cx="10515598" cy="4406438"/>
           </a:xfrm>
           <a:prstGeom prst="rect">
             <a:avLst/>

--- a/실기 정리/정보처리 기능사 실기.pptx
+++ b/실기 정리/정보처리 기능사 실기.pptx
@@ -14,9 +14,19 @@
     <p:sldId id="265" r:id="rId8"/>
     <p:sldId id="266" r:id="rId9"/>
     <p:sldId id="267" r:id="rId10"/>
-    <p:sldId id="258" r:id="rId11"/>
-    <p:sldId id="259" r:id="rId12"/>
-    <p:sldId id="260" r:id="rId13"/>
+    <p:sldId id="268" r:id="rId11"/>
+    <p:sldId id="269" r:id="rId12"/>
+    <p:sldId id="270" r:id="rId13"/>
+    <p:sldId id="271" r:id="rId14"/>
+    <p:sldId id="272" r:id="rId15"/>
+    <p:sldId id="273" r:id="rId16"/>
+    <p:sldId id="274" r:id="rId17"/>
+    <p:sldId id="275" r:id="rId18"/>
+    <p:sldId id="276" r:id="rId19"/>
+    <p:sldId id="277" r:id="rId20"/>
+    <p:sldId id="258" r:id="rId21"/>
+    <p:sldId id="259" r:id="rId22"/>
+    <p:sldId id="260" r:id="rId23"/>
   </p:sldIdLst>
   <p:sldSz cx="12192000" cy="6858000"/>
   <p:notesSz cx="6858000" cy="9144000"/>
@@ -270,7 +280,7 @@
           <a:p>
             <a:fld id="{5F662FEA-D639-4FDF-9E2F-83059EC2917D}" type="datetimeFigureOut">
               <a:rPr lang="ko-KR" altLang="en-US" smtClean="0"/>
-              <a:t>2024-06-23</a:t>
+              <a:t>2024-06-24</a:t>
             </a:fld>
             <a:endParaRPr lang="ko-KR" altLang="en-US"/>
           </a:p>
@@ -468,7 +478,7 @@
           <a:p>
             <a:fld id="{5F662FEA-D639-4FDF-9E2F-83059EC2917D}" type="datetimeFigureOut">
               <a:rPr lang="ko-KR" altLang="en-US" smtClean="0"/>
-              <a:t>2024-06-23</a:t>
+              <a:t>2024-06-24</a:t>
             </a:fld>
             <a:endParaRPr lang="ko-KR" altLang="en-US"/>
           </a:p>
@@ -676,7 +686,7 @@
           <a:p>
             <a:fld id="{5F662FEA-D639-4FDF-9E2F-83059EC2917D}" type="datetimeFigureOut">
               <a:rPr lang="ko-KR" altLang="en-US" smtClean="0"/>
-              <a:t>2024-06-23</a:t>
+              <a:t>2024-06-24</a:t>
             </a:fld>
             <a:endParaRPr lang="ko-KR" altLang="en-US"/>
           </a:p>
@@ -874,7 +884,7 @@
           <a:p>
             <a:fld id="{5F662FEA-D639-4FDF-9E2F-83059EC2917D}" type="datetimeFigureOut">
               <a:rPr lang="ko-KR" altLang="en-US" smtClean="0"/>
-              <a:t>2024-06-23</a:t>
+              <a:t>2024-06-24</a:t>
             </a:fld>
             <a:endParaRPr lang="ko-KR" altLang="en-US"/>
           </a:p>
@@ -1149,7 +1159,7 @@
           <a:p>
             <a:fld id="{5F662FEA-D639-4FDF-9E2F-83059EC2917D}" type="datetimeFigureOut">
               <a:rPr lang="ko-KR" altLang="en-US" smtClean="0"/>
-              <a:t>2024-06-23</a:t>
+              <a:t>2024-06-24</a:t>
             </a:fld>
             <a:endParaRPr lang="ko-KR" altLang="en-US"/>
           </a:p>
@@ -1414,7 +1424,7 @@
           <a:p>
             <a:fld id="{5F662FEA-D639-4FDF-9E2F-83059EC2917D}" type="datetimeFigureOut">
               <a:rPr lang="ko-KR" altLang="en-US" smtClean="0"/>
-              <a:t>2024-06-23</a:t>
+              <a:t>2024-06-24</a:t>
             </a:fld>
             <a:endParaRPr lang="ko-KR" altLang="en-US"/>
           </a:p>
@@ -1826,7 +1836,7 @@
           <a:p>
             <a:fld id="{5F662FEA-D639-4FDF-9E2F-83059EC2917D}" type="datetimeFigureOut">
               <a:rPr lang="ko-KR" altLang="en-US" smtClean="0"/>
-              <a:t>2024-06-23</a:t>
+              <a:t>2024-06-24</a:t>
             </a:fld>
             <a:endParaRPr lang="ko-KR" altLang="en-US"/>
           </a:p>
@@ -1967,7 +1977,7 @@
           <a:p>
             <a:fld id="{5F662FEA-D639-4FDF-9E2F-83059EC2917D}" type="datetimeFigureOut">
               <a:rPr lang="ko-KR" altLang="en-US" smtClean="0"/>
-              <a:t>2024-06-23</a:t>
+              <a:t>2024-06-24</a:t>
             </a:fld>
             <a:endParaRPr lang="ko-KR" altLang="en-US"/>
           </a:p>
@@ -2080,7 +2090,7 @@
           <a:p>
             <a:fld id="{5F662FEA-D639-4FDF-9E2F-83059EC2917D}" type="datetimeFigureOut">
               <a:rPr lang="ko-KR" altLang="en-US" smtClean="0"/>
-              <a:t>2024-06-23</a:t>
+              <a:t>2024-06-24</a:t>
             </a:fld>
             <a:endParaRPr lang="ko-KR" altLang="en-US"/>
           </a:p>
@@ -2391,7 +2401,7 @@
           <a:p>
             <a:fld id="{5F662FEA-D639-4FDF-9E2F-83059EC2917D}" type="datetimeFigureOut">
               <a:rPr lang="ko-KR" altLang="en-US" smtClean="0"/>
-              <a:t>2024-06-23</a:t>
+              <a:t>2024-06-24</a:t>
             </a:fld>
             <a:endParaRPr lang="ko-KR" altLang="en-US"/>
           </a:p>
@@ -2679,7 +2689,7 @@
           <a:p>
             <a:fld id="{5F662FEA-D639-4FDF-9E2F-83059EC2917D}" type="datetimeFigureOut">
               <a:rPr lang="ko-KR" altLang="en-US" smtClean="0"/>
-              <a:t>2024-06-23</a:t>
+              <a:t>2024-06-24</a:t>
             </a:fld>
             <a:endParaRPr lang="ko-KR" altLang="en-US"/>
           </a:p>
@@ -2920,7 +2930,7 @@
           <a:p>
             <a:fld id="{5F662FEA-D639-4FDF-9E2F-83059EC2917D}" type="datetimeFigureOut">
               <a:rPr lang="ko-KR" altLang="en-US" smtClean="0"/>
-              <a:t>2024-06-23</a:t>
+              <a:t>2024-06-24</a:t>
             </a:fld>
             <a:endParaRPr lang="ko-KR" altLang="en-US"/>
           </a:p>
@@ -3482,96 +3492,873 @@
           <p:cNvPr id="2" name="제목 1">
             <a:extLst>
               <a:ext uri="{FF2B5EF4-FFF2-40B4-BE49-F238E27FC236}">
-                <a16:creationId xmlns:a16="http://schemas.microsoft.com/office/drawing/2014/main" id="{2E41EADC-5899-4B0A-A906-3D947B19B652}"/>
+                <a16:creationId xmlns:a16="http://schemas.microsoft.com/office/drawing/2014/main" id="{4E4AD352-B2F0-43FE-8E43-A0ABB2C96559}"/>
               </a:ext>
             </a:extLst>
           </p:cNvPr>
-          <p:cNvSpPr>
-            <a:spLocks noGrp="1"/>
+          <p:cNvSpPr txBox="1">
+            <a:spLocks/>
           </p:cNvSpPr>
-          <p:nvPr>
-            <p:ph type="ctrTitle"/>
-          </p:nvPr>
+          <p:nvPr/>
         </p:nvSpPr>
-        <p:spPr/>
+        <p:spPr>
+          <a:xfrm>
+            <a:off x="838200" y="365125"/>
+            <a:ext cx="10515600" cy="649943"/>
+          </a:xfrm>
+          <a:prstGeom prst="rect">
+            <a:avLst/>
+          </a:prstGeom>
+        </p:spPr>
         <p:txBody>
-          <a:bodyPr/>
-          <a:lstStyle/>
+          <a:bodyPr>
+            <a:normAutofit fontScale="97500" lnSpcReduction="10000"/>
+          </a:bodyPr>
+          <a:lstStyle>
+            <a:lvl1pPr algn="l" defTabSz="914400" rtl="0" eaLnBrk="1" latinLnBrk="1" hangingPunct="1">
+              <a:lnSpc>
+                <a:spcPct val="90000"/>
+              </a:lnSpc>
+              <a:spcBef>
+                <a:spcPct val="0"/>
+              </a:spcBef>
+              <a:buNone/>
+              <a:defRPr sz="4400" kern="1200">
+                <a:solidFill>
+                  <a:schemeClr val="tx1"/>
+                </a:solidFill>
+                <a:latin typeface="+mj-lt"/>
+                <a:ea typeface="+mj-ea"/>
+                <a:cs typeface="+mj-cs"/>
+              </a:defRPr>
+            </a:lvl1pPr>
+          </a:lstStyle>
           <a:p>
             <a:r>
               <a:rPr lang="en-US" altLang="ko-KR" dirty="0"/>
-              <a:t>2.</a:t>
+              <a:t>Section</a:t>
             </a:r>
             <a:r>
               <a:rPr lang="ko-KR" altLang="en-US" dirty="0"/>
-              <a:t>프로그래밍 언어 활용</a:t>
-            </a:r>
+              <a:t> </a:t>
+            </a:r>
+            <a:r>
+              <a:rPr lang="en-US" altLang="ko-KR" dirty="0"/>
+              <a:t>002</a:t>
+            </a:r>
+            <a:r>
+              <a:rPr lang="ko-KR" altLang="en-US" dirty="0"/>
+              <a:t> </a:t>
+            </a:r>
+            <a:r>
+              <a:rPr lang="en-US" altLang="ko-KR" dirty="0"/>
+              <a:t>Windows</a:t>
+            </a:r>
+            <a:endParaRPr lang="ko-KR" altLang="en-US" dirty="0"/>
           </a:p>
         </p:txBody>
       </p:sp>
       <p:sp>
         <p:nvSpPr>
-          <p:cNvPr id="3" name="부제목 2">
+          <p:cNvPr id="3" name="TextBox 2">
             <a:extLst>
               <a:ext uri="{FF2B5EF4-FFF2-40B4-BE49-F238E27FC236}">
-                <a16:creationId xmlns:a16="http://schemas.microsoft.com/office/drawing/2014/main" id="{D90E34A4-7BE6-45F6-B6CB-ACB5AC0D6B1D}"/>
+                <a16:creationId xmlns:a16="http://schemas.microsoft.com/office/drawing/2014/main" id="{98EF59E1-02E7-4377-991A-419D27F2D87E}"/>
               </a:ext>
             </a:extLst>
           </p:cNvPr>
-          <p:cNvSpPr>
-            <a:spLocks noGrp="1"/>
-          </p:cNvSpPr>
-          <p:nvPr>
-            <p:ph type="subTitle" idx="1"/>
-          </p:nvPr>
+          <p:cNvSpPr txBox="1"/>
+          <p:nvPr/>
         </p:nvSpPr>
-        <p:spPr/>
+        <p:spPr>
+          <a:xfrm>
+            <a:off x="838200" y="1015068"/>
+            <a:ext cx="10515599" cy="1077218"/>
+          </a:xfrm>
+          <a:prstGeom prst="rect">
+            <a:avLst/>
+          </a:prstGeom>
+          <a:noFill/>
+        </p:spPr>
         <p:txBody>
-          <a:bodyPr>
-            <a:normAutofit lnSpcReduction="10000"/>
+          <a:bodyPr wrap="square" rtlCol="0">
+            <a:spAutoFit/>
           </a:bodyPr>
           <a:lstStyle/>
           <a:p>
+            <a:pPr>
+              <a:lnSpc>
+                <a:spcPct val="200000"/>
+              </a:lnSpc>
+            </a:pPr>
             <a:r>
               <a:rPr lang="en-US" altLang="ko-KR" dirty="0"/>
-              <a:t>1. </a:t>
+              <a:t>1] </a:t>
             </a:r>
             <a:r>
               <a:rPr lang="ko-KR" altLang="en-US" dirty="0"/>
-              <a:t>프로그래밍 언어의 종류</a:t>
+              <a:t>최신 </a:t>
+            </a:r>
+            <a:r>
+              <a:rPr lang="en-US" altLang="ko-KR" dirty="0"/>
+              <a:t>Windows</a:t>
+            </a:r>
+            <a:r>
+              <a:rPr lang="ko-KR" altLang="en-US" dirty="0"/>
+              <a:t>의 특징</a:t>
             </a:r>
             <a:endParaRPr lang="en-US" altLang="ko-KR" dirty="0"/>
           </a:p>
           <a:p>
-            <a:r>
-              <a:rPr lang="en-US" altLang="ko-KR" dirty="0"/>
-              <a:t>2. C</a:t>
-            </a:r>
-            <a:r>
-              <a:rPr lang="ko-KR" altLang="en-US" dirty="0"/>
-              <a:t>언어</a:t>
-            </a:r>
-            <a:endParaRPr lang="en-US" altLang="ko-KR" dirty="0"/>
-          </a:p>
-          <a:p>
-            <a:r>
-              <a:rPr lang="en-US" altLang="ko-KR" dirty="0"/>
-              <a:t>3. Java</a:t>
-            </a:r>
-          </a:p>
-          <a:p>
-            <a:r>
-              <a:rPr lang="en-US" altLang="ko-KR" dirty="0"/>
-              <a:t>4. Python</a:t>
-            </a:r>
-            <a:endParaRPr lang="ko-KR" altLang="en-US" dirty="0"/>
+            <a:pPr marL="285750" indent="-285750">
+              <a:buFontTx/>
+              <a:buChar char="-"/>
+            </a:pPr>
+            <a:r>
+              <a:rPr lang="ko-KR" altLang="en-US" sz="1400" dirty="0"/>
+              <a:t>한글 </a:t>
+            </a:r>
+            <a:r>
+              <a:rPr lang="en-US" altLang="ko-KR" sz="1400" dirty="0"/>
+              <a:t>Windows</a:t>
+            </a:r>
+            <a:r>
+              <a:rPr lang="ko-KR" altLang="en-US" sz="1400" dirty="0"/>
+              <a:t>는 컴퓨터 시스템의 하드웨어를 효율적으로 관리</a:t>
+            </a:r>
+            <a:endParaRPr lang="en-US" altLang="ko-KR" sz="1400" dirty="0"/>
+          </a:p>
+          <a:p>
+            <a:pPr marL="285750" indent="-285750">
+              <a:buFontTx/>
+              <a:buChar char="-"/>
+            </a:pPr>
+            <a:r>
+              <a:rPr lang="ko-KR" altLang="en-US" sz="1400" dirty="0"/>
+              <a:t>사용자에게는 더 편리한 환경을 제공하기 위해 만들어진 개인용 컴퓨터 시스템의 운영체제</a:t>
+            </a:r>
+            <a:endParaRPr lang="en-US" altLang="ko-KR" sz="1400" dirty="0"/>
           </a:p>
         </p:txBody>
       </p:sp>
+      <p:graphicFrame>
+        <p:nvGraphicFramePr>
+          <p:cNvPr id="4" name="표 4">
+            <a:extLst>
+              <a:ext uri="{FF2B5EF4-FFF2-40B4-BE49-F238E27FC236}">
+                <a16:creationId xmlns:a16="http://schemas.microsoft.com/office/drawing/2014/main" id="{18EDB0E9-A4F6-4DD6-9711-5F6E46A86EFD}"/>
+              </a:ext>
+            </a:extLst>
+          </p:cNvPr>
+          <p:cNvGraphicFramePr>
+            <a:graphicFrameLocks noGrp="1"/>
+          </p:cNvGraphicFramePr>
+          <p:nvPr>
+            <p:extLst>
+              <p:ext uri="{D42A27DB-BD31-4B8C-83A1-F6EECF244321}">
+                <p14:modId xmlns:p14="http://schemas.microsoft.com/office/powerpoint/2010/main" val="3149277470"/>
+              </p:ext>
+            </p:extLst>
+          </p:nvPr>
+        </p:nvGraphicFramePr>
+        <p:xfrm>
+          <a:off x="838200" y="2092286"/>
+          <a:ext cx="10515600" cy="4663440"/>
+        </p:xfrm>
+        <a:graphic>
+          <a:graphicData uri="http://schemas.openxmlformats.org/drawingml/2006/table">
+            <a:tbl>
+              <a:tblPr firstRow="1" bandRow="1">
+                <a:tableStyleId>{5940675A-B579-460E-94D1-54222C63F5DA}</a:tableStyleId>
+              </a:tblPr>
+              <a:tblGrid>
+                <a:gridCol w="3826080">
+                  <a:extLst>
+                    <a:ext uri="{9D8B030D-6E8A-4147-A177-3AD203B41FA5}">
+                      <a16:colId xmlns:a16="http://schemas.microsoft.com/office/drawing/2014/main" val="3019568098"/>
+                    </a:ext>
+                  </a:extLst>
+                </a:gridCol>
+                <a:gridCol w="6689520">
+                  <a:extLst>
+                    <a:ext uri="{9D8B030D-6E8A-4147-A177-3AD203B41FA5}">
+                      <a16:colId xmlns:a16="http://schemas.microsoft.com/office/drawing/2014/main" val="3895876198"/>
+                    </a:ext>
+                  </a:extLst>
+                </a:gridCol>
+              </a:tblGrid>
+              <a:tr h="370840">
+                <a:tc>
+                  <a:txBody>
+                    <a:bodyPr/>
+                    <a:lstStyle/>
+                    <a:p>
+                      <a:pPr algn="ctr" latinLnBrk="1"/>
+                      <a:r>
+                        <a:rPr lang="ko-KR" altLang="en-US" sz="1400" dirty="0"/>
+                        <a:t>그래픽 사용자 인터페이스</a:t>
+                      </a:r>
+                      <a:r>
+                        <a:rPr lang="en-US" altLang="ko-KR" sz="1400" dirty="0"/>
+                        <a:t>(GUI)</a:t>
+                      </a:r>
+                      <a:r>
+                        <a:rPr lang="ko-KR" altLang="en-US" sz="1400" dirty="0"/>
+                        <a:t> 사용</a:t>
+                      </a:r>
+                    </a:p>
+                  </a:txBody>
+                  <a:tcPr anchor="ctr">
+                    <a:solidFill>
+                      <a:srgbClr val="FFC000"/>
+                    </a:solidFill>
+                  </a:tcPr>
+                </a:tc>
+                <a:tc>
+                  <a:txBody>
+                    <a:bodyPr/>
+                    <a:lstStyle/>
+                    <a:p>
+                      <a:pPr marL="0" indent="0" latinLnBrk="1">
+                        <a:buFontTx/>
+                        <a:buNone/>
+                      </a:pPr>
+                      <a:r>
+                        <a:rPr lang="ko-KR" altLang="en-US" sz="1200" dirty="0"/>
+                        <a:t>키보드로 명령어를 직접 입력하지 않고</a:t>
+                      </a:r>
+                      <a:r>
+                        <a:rPr lang="en-US" altLang="ko-KR" sz="1200" dirty="0"/>
+                        <a:t>, </a:t>
+                      </a:r>
+                      <a:r>
+                        <a:rPr lang="ko-KR" altLang="en-US" sz="1200" dirty="0"/>
+                        <a:t>아이콘이나 메뉴를 마우스로 선택하여 모든 작업을 수행하는 사용자 작업 환경</a:t>
+                      </a:r>
+                      <a:r>
+                        <a:rPr lang="en-US" altLang="ko-KR" sz="1200" dirty="0"/>
+                        <a:t>(GUI)</a:t>
+                      </a:r>
+                      <a:r>
+                        <a:rPr lang="ko-KR" altLang="en-US" sz="1200" dirty="0"/>
+                        <a:t>을 사용함</a:t>
+                      </a:r>
+                      <a:endParaRPr lang="en-US" altLang="ko-KR" sz="1200" dirty="0"/>
+                    </a:p>
+                  </a:txBody>
+                  <a:tcPr/>
+                </a:tc>
+                <a:extLst>
+                  <a:ext uri="{0D108BD9-81ED-4DB2-BD59-A6C34878D82A}">
+                    <a16:rowId xmlns:a16="http://schemas.microsoft.com/office/drawing/2014/main" val="2137561024"/>
+                  </a:ext>
+                </a:extLst>
+              </a:tr>
+              <a:tr h="370840">
+                <a:tc>
+                  <a:txBody>
+                    <a:bodyPr/>
+                    <a:lstStyle/>
+                    <a:p>
+                      <a:pPr algn="ctr" latinLnBrk="1"/>
+                      <a:r>
+                        <a:rPr lang="ko-KR" altLang="en-US" sz="1400" dirty="0"/>
+                        <a:t>선점형 멀티태스킹</a:t>
+                      </a:r>
+                      <a:r>
+                        <a:rPr lang="en-US" altLang="ko-KR" sz="1400" dirty="0"/>
+                        <a:t>(Preemptive Multi-Tasking)</a:t>
+                      </a:r>
+                      <a:endParaRPr lang="ko-KR" altLang="en-US" sz="1400" dirty="0"/>
+                    </a:p>
+                  </a:txBody>
+                  <a:tcPr anchor="ctr">
+                    <a:solidFill>
+                      <a:srgbClr val="FFC000"/>
+                    </a:solidFill>
+                  </a:tcPr>
+                </a:tc>
+                <a:tc>
+                  <a:txBody>
+                    <a:bodyPr/>
+                    <a:lstStyle/>
+                    <a:p>
+                      <a:pPr marL="0" indent="0" latinLnBrk="1">
+                        <a:buFontTx/>
+                        <a:buNone/>
+                      </a:pPr>
+                      <a:r>
+                        <a:rPr lang="ko-KR" altLang="en-US" sz="1200" dirty="0"/>
+                        <a:t>운영체제가 각 작업의 </a:t>
+                      </a:r>
+                      <a:r>
+                        <a:rPr lang="en-US" altLang="ko-KR" sz="1200" dirty="0"/>
+                        <a:t>CPU </a:t>
+                      </a:r>
+                      <a:r>
+                        <a:rPr lang="ko-KR" altLang="en-US" sz="1200" dirty="0"/>
+                        <a:t>이용 시간을 제어하여 응용 프로그램 실행 중 문제가 발생하면 해당 프로그램을 강제로 종료 시키고</a:t>
+                      </a:r>
+                      <a:r>
+                        <a:rPr lang="en-US" altLang="ko-KR" sz="1200" dirty="0"/>
+                        <a:t>, </a:t>
+                      </a:r>
+                      <a:r>
+                        <a:rPr lang="ko-KR" altLang="en-US" sz="1200" dirty="0"/>
+                        <a:t>모든 시스템 자원을 반환하는 멀티태스킹 운영 방식</a:t>
+                      </a:r>
+                      <a:r>
+                        <a:rPr lang="en-US" altLang="ko-KR" sz="1200" dirty="0"/>
+                        <a:t> </a:t>
+                      </a:r>
+                      <a:endParaRPr lang="ko-KR" altLang="en-US" sz="1200" dirty="0"/>
+                    </a:p>
+                  </a:txBody>
+                  <a:tcPr/>
+                </a:tc>
+                <a:extLst>
+                  <a:ext uri="{0D108BD9-81ED-4DB2-BD59-A6C34878D82A}">
+                    <a16:rowId xmlns:a16="http://schemas.microsoft.com/office/drawing/2014/main" val="4193254257"/>
+                  </a:ext>
+                </a:extLst>
+              </a:tr>
+              <a:tr h="370840">
+                <a:tc>
+                  <a:txBody>
+                    <a:bodyPr/>
+                    <a:lstStyle/>
+                    <a:p>
+                      <a:pPr algn="ctr" latinLnBrk="1"/>
+                      <a:r>
+                        <a:rPr lang="en-US" altLang="ko-KR" sz="1400" dirty="0"/>
+                        <a:t>32</a:t>
+                      </a:r>
+                      <a:r>
+                        <a:rPr lang="ko-KR" altLang="en-US" sz="1400" dirty="0"/>
+                        <a:t>비트 또는 </a:t>
+                      </a:r>
+                      <a:r>
+                        <a:rPr lang="en-US" altLang="ko-KR" sz="1400" dirty="0"/>
+                        <a:t>64</a:t>
+                      </a:r>
+                      <a:r>
+                        <a:rPr lang="ko-KR" altLang="en-US" sz="1400" dirty="0"/>
+                        <a:t>비트 데이터 처리</a:t>
+                      </a:r>
+                      <a:endParaRPr lang="en-US" altLang="ko-KR" sz="1400" dirty="0"/>
+                    </a:p>
+                  </a:txBody>
+                  <a:tcPr anchor="ctr">
+                    <a:solidFill>
+                      <a:srgbClr val="FFC000"/>
+                    </a:solidFill>
+                  </a:tcPr>
+                </a:tc>
+                <a:tc>
+                  <a:txBody>
+                    <a:bodyPr/>
+                    <a:lstStyle/>
+                    <a:p>
+                      <a:pPr marL="0" indent="0" latinLnBrk="1">
+                        <a:buFontTx/>
+                        <a:buNone/>
+                      </a:pPr>
+                      <a:r>
+                        <a:rPr lang="ko-KR" altLang="en-US" sz="1200" dirty="0"/>
+                        <a:t>이전 버전과의 호환을 위해 부분적으로 </a:t>
+                      </a:r>
+                      <a:r>
+                        <a:rPr lang="en-US" altLang="ko-KR" sz="1200" dirty="0"/>
+                        <a:t>16</a:t>
+                      </a:r>
+                      <a:r>
+                        <a:rPr lang="ko-KR" altLang="en-US" sz="1200" dirty="0"/>
+                        <a:t>비트 데이터 처리를 하나 대부분 </a:t>
+                      </a:r>
+                      <a:r>
+                        <a:rPr lang="en-US" altLang="ko-KR" sz="1200" dirty="0"/>
+                        <a:t>32</a:t>
+                      </a:r>
+                      <a:r>
+                        <a:rPr lang="ko-KR" altLang="en-US" sz="1200" dirty="0"/>
+                        <a:t>비트나 </a:t>
+                      </a:r>
+                      <a:r>
+                        <a:rPr lang="en-US" altLang="ko-KR" sz="1200" dirty="0"/>
+                        <a:t>64</a:t>
+                      </a:r>
+                      <a:r>
+                        <a:rPr lang="ko-KR" altLang="en-US" sz="1200" dirty="0"/>
+                        <a:t>비트 데이터 처리를 하므로 더 많은 양의 데이터를 빠르게 처리할 수 있음</a:t>
+                      </a:r>
+                      <a:endParaRPr lang="en-US" altLang="ko-KR" sz="1200" dirty="0"/>
+                    </a:p>
+                  </a:txBody>
+                  <a:tcPr/>
+                </a:tc>
+                <a:extLst>
+                  <a:ext uri="{0D108BD9-81ED-4DB2-BD59-A6C34878D82A}">
+                    <a16:rowId xmlns:a16="http://schemas.microsoft.com/office/drawing/2014/main" val="619283984"/>
+                  </a:ext>
+                </a:extLst>
+              </a:tr>
+              <a:tr h="370840">
+                <a:tc>
+                  <a:txBody>
+                    <a:bodyPr/>
+                    <a:lstStyle/>
+                    <a:p>
+                      <a:pPr algn="ctr" latinLnBrk="1"/>
+                      <a:r>
+                        <a:rPr lang="en-US" altLang="ko-KR" sz="1400" dirty="0"/>
+                        <a:t>FAT32 </a:t>
+                      </a:r>
+                      <a:r>
+                        <a:rPr lang="ko-KR" altLang="en-US" sz="1400" dirty="0"/>
+                        <a:t>파일 시스템</a:t>
+                      </a:r>
+                      <a:endParaRPr lang="en-US" altLang="ko-KR" sz="1400" dirty="0"/>
+                    </a:p>
+                  </a:txBody>
+                  <a:tcPr anchor="ctr">
+                    <a:solidFill>
+                      <a:srgbClr val="FFC000"/>
+                    </a:solidFill>
+                  </a:tcPr>
+                </a:tc>
+                <a:tc>
+                  <a:txBody>
+                    <a:bodyPr/>
+                    <a:lstStyle/>
+                    <a:p>
+                      <a:pPr marL="171450" indent="-171450" latinLnBrk="1">
+                        <a:buFontTx/>
+                        <a:buChar char="-"/>
+                      </a:pPr>
+                      <a:r>
+                        <a:rPr lang="ko-KR" altLang="en-US" sz="1200" dirty="0"/>
+                        <a:t>파일 시스템이란 보조기억장치에 저장되는 파일을 수정</a:t>
+                      </a:r>
+                      <a:r>
+                        <a:rPr lang="en-US" altLang="ko-KR" sz="1200" dirty="0"/>
+                        <a:t>, </a:t>
+                      </a:r>
+                      <a:r>
+                        <a:rPr lang="ko-KR" altLang="en-US" sz="1200" dirty="0"/>
+                        <a:t>삭제</a:t>
+                      </a:r>
+                      <a:r>
+                        <a:rPr lang="en-US" altLang="ko-KR" sz="1200" dirty="0"/>
+                        <a:t>, </a:t>
+                      </a:r>
+                      <a:r>
+                        <a:rPr lang="ko-KR" altLang="en-US" sz="1200" dirty="0"/>
+                        <a:t>추가</a:t>
+                      </a:r>
+                      <a:r>
+                        <a:rPr lang="en-US" altLang="ko-KR" sz="1200" dirty="0"/>
+                        <a:t>, </a:t>
+                      </a:r>
+                      <a:r>
+                        <a:rPr lang="ko-KR" altLang="en-US" sz="1200" dirty="0"/>
+                        <a:t>검색하는 등의 관리 시스템</a:t>
+                      </a:r>
+                      <a:endParaRPr lang="en-US" altLang="ko-KR" sz="1200" dirty="0"/>
+                    </a:p>
+                    <a:p>
+                      <a:pPr marL="171450" indent="-171450" latinLnBrk="1">
+                        <a:buFontTx/>
+                        <a:buChar char="-"/>
+                      </a:pPr>
+                      <a:r>
+                        <a:rPr lang="en-US" altLang="ko-KR" sz="1200" dirty="0"/>
+                        <a:t>Windows</a:t>
+                      </a:r>
+                      <a:r>
+                        <a:rPr lang="ko-KR" altLang="en-US" sz="1200" dirty="0"/>
+                        <a:t>는 </a:t>
+                      </a:r>
+                      <a:r>
+                        <a:rPr lang="en-US" altLang="ko-KR" sz="1200" dirty="0"/>
+                        <a:t>FAT32 </a:t>
+                      </a:r>
+                      <a:r>
+                        <a:rPr lang="ko-KR" altLang="en-US" sz="1200" dirty="0"/>
+                        <a:t>파일 시스템을 채용하여 디스크의 저장 공간을 절약하고</a:t>
+                      </a:r>
+                      <a:r>
+                        <a:rPr lang="en-US" altLang="ko-KR" sz="1200" dirty="0"/>
+                        <a:t>, </a:t>
+                      </a:r>
+                      <a:r>
+                        <a:rPr lang="ko-KR" altLang="en-US" sz="1200" dirty="0"/>
+                        <a:t>프로그램의 실행 속도를 향상시킴</a:t>
+                      </a:r>
+                    </a:p>
+                  </a:txBody>
+                  <a:tcPr/>
+                </a:tc>
+                <a:extLst>
+                  <a:ext uri="{0D108BD9-81ED-4DB2-BD59-A6C34878D82A}">
+                    <a16:rowId xmlns:a16="http://schemas.microsoft.com/office/drawing/2014/main" val="1179144176"/>
+                  </a:ext>
+                </a:extLst>
+              </a:tr>
+              <a:tr h="370840">
+                <a:tc>
+                  <a:txBody>
+                    <a:bodyPr/>
+                    <a:lstStyle/>
+                    <a:p>
+                      <a:pPr algn="ctr" latinLnBrk="1"/>
+                      <a:r>
+                        <a:rPr lang="ko-KR" altLang="en-US" sz="1400" dirty="0"/>
+                        <a:t>플러그앤 플레이</a:t>
+                      </a:r>
+                      <a:r>
+                        <a:rPr lang="en-US" altLang="ko-KR" sz="1400" dirty="0"/>
+                        <a:t>(PnP: Plug &amp; Play)</a:t>
+                      </a:r>
+                      <a:endParaRPr lang="ko-KR" altLang="en-US" sz="1400" dirty="0"/>
+                    </a:p>
+                  </a:txBody>
+                  <a:tcPr anchor="ctr">
+                    <a:solidFill>
+                      <a:srgbClr val="FFC000"/>
+                    </a:solidFill>
+                  </a:tcPr>
+                </a:tc>
+                <a:tc>
+                  <a:txBody>
+                    <a:bodyPr/>
+                    <a:lstStyle/>
+                    <a:p>
+                      <a:pPr marL="171450" indent="-171450" latinLnBrk="1">
+                        <a:buFontTx/>
+                        <a:buChar char="-"/>
+                      </a:pPr>
+                      <a:r>
+                        <a:rPr lang="ko-KR" altLang="en-US" sz="1200" dirty="0"/>
+                        <a:t>컴퓨터 시스템에 새로운 하드웨어를 장착하고 시스템을 가동시키면 자동으로 하드웨어를 인식하고 실행하는 기능</a:t>
+                      </a:r>
+                      <a:endParaRPr lang="en-US" altLang="ko-KR" sz="1200" dirty="0"/>
+                    </a:p>
+                    <a:p>
+                      <a:pPr marL="171450" indent="-171450" latinLnBrk="1">
+                        <a:buFontTx/>
+                        <a:buChar char="-"/>
+                      </a:pPr>
+                      <a:r>
+                        <a:rPr lang="ko-KR" altLang="en-US" sz="1200" dirty="0"/>
+                        <a:t>운영체제가 주변기기를 자동으로 인식하므로 시스템 환경을 사용자가 직접 설정할 필요 없음</a:t>
+                      </a:r>
+                    </a:p>
+                  </a:txBody>
+                  <a:tcPr/>
+                </a:tc>
+                <a:extLst>
+                  <a:ext uri="{0D108BD9-81ED-4DB2-BD59-A6C34878D82A}">
+                    <a16:rowId xmlns:a16="http://schemas.microsoft.com/office/drawing/2014/main" val="3992499628"/>
+                  </a:ext>
+                </a:extLst>
+              </a:tr>
+              <a:tr h="370840">
+                <a:tc>
+                  <a:txBody>
+                    <a:bodyPr/>
+                    <a:lstStyle/>
+                    <a:p>
+                      <a:pPr algn="ctr" latinLnBrk="1"/>
+                      <a:r>
+                        <a:rPr lang="en-US" altLang="ko-KR" sz="1400" dirty="0"/>
+                        <a:t>OLE(Object Linking and Embedding)</a:t>
+                      </a:r>
+                      <a:endParaRPr lang="ko-KR" altLang="en-US" sz="1400" dirty="0"/>
+                    </a:p>
+                  </a:txBody>
+                  <a:tcPr anchor="ctr">
+                    <a:solidFill>
+                      <a:srgbClr val="FFC000"/>
+                    </a:solidFill>
+                  </a:tcPr>
+                </a:tc>
+                <a:tc>
+                  <a:txBody>
+                    <a:bodyPr/>
+                    <a:lstStyle/>
+                    <a:p>
+                      <a:pPr marL="0" indent="0" latinLnBrk="1">
+                        <a:buFontTx/>
+                        <a:buNone/>
+                      </a:pPr>
+                      <a:r>
+                        <a:rPr lang="ko-KR" altLang="en-US" sz="1200" dirty="0"/>
+                        <a:t>다른 여러 응용 프로그램에서 작성된 문자나 그림 등의 개체</a:t>
+                      </a:r>
+                      <a:r>
+                        <a:rPr lang="en-US" altLang="ko-KR" sz="1200" dirty="0"/>
+                        <a:t>(Object)</a:t>
+                      </a:r>
+                      <a:r>
+                        <a:rPr lang="ko-KR" altLang="en-US" sz="1200" dirty="0"/>
+                        <a:t>를 현재 작성중인 문서에 자유롭게 연결</a:t>
+                      </a:r>
+                      <a:r>
+                        <a:rPr lang="en-US" altLang="ko-KR" sz="1200" dirty="0"/>
+                        <a:t>(Linking)</a:t>
+                      </a:r>
+                      <a:r>
+                        <a:rPr lang="ko-KR" altLang="en-US" sz="1200" dirty="0"/>
+                        <a:t>하거나 삽입</a:t>
+                      </a:r>
+                      <a:r>
+                        <a:rPr lang="en-US" altLang="ko-KR" sz="1200" dirty="0"/>
+                        <a:t>(Embedding)</a:t>
+                      </a:r>
+                      <a:r>
+                        <a:rPr lang="ko-KR" altLang="en-US" sz="1200" dirty="0"/>
+                        <a:t>하여 편집 할 수 있게 하는 기능</a:t>
+                      </a:r>
+                      <a:endParaRPr lang="en-US" altLang="ko-KR" sz="1200" dirty="0"/>
+                    </a:p>
+                  </a:txBody>
+                  <a:tcPr/>
+                </a:tc>
+                <a:extLst>
+                  <a:ext uri="{0D108BD9-81ED-4DB2-BD59-A6C34878D82A}">
+                    <a16:rowId xmlns:a16="http://schemas.microsoft.com/office/drawing/2014/main" val="1592922154"/>
+                  </a:ext>
+                </a:extLst>
+              </a:tr>
+              <a:tr h="370840">
+                <a:tc>
+                  <a:txBody>
+                    <a:bodyPr/>
+                    <a:lstStyle/>
+                    <a:p>
+                      <a:pPr algn="ctr" latinLnBrk="1"/>
+                      <a:r>
+                        <a:rPr lang="en-US" altLang="ko-KR" sz="1400" dirty="0"/>
+                        <a:t>255</a:t>
+                      </a:r>
+                      <a:r>
+                        <a:rPr lang="ko-KR" altLang="en-US" sz="1400" dirty="0"/>
+                        <a:t>자의 긴 파일 이름</a:t>
+                      </a:r>
+                    </a:p>
+                  </a:txBody>
+                  <a:tcPr anchor="ctr">
+                    <a:solidFill>
+                      <a:srgbClr val="FFC000"/>
+                    </a:solidFill>
+                  </a:tcPr>
+                </a:tc>
+                <a:tc>
+                  <a:txBody>
+                    <a:bodyPr/>
+                    <a:lstStyle/>
+                    <a:p>
+                      <a:pPr marL="171450" indent="-171450" latinLnBrk="1">
+                        <a:buFontTx/>
+                        <a:buChar char="-"/>
+                      </a:pPr>
+                      <a:r>
+                        <a:rPr lang="ko-KR" altLang="en-US" sz="1200" dirty="0"/>
+                        <a:t>파일 이름을 지정할 때 </a:t>
+                      </a:r>
+                      <a:r>
+                        <a:rPr lang="en-US" altLang="ko-KR" sz="1200" dirty="0"/>
+                        <a:t>VFAT(Virtual File Allocation Table) </a:t>
+                      </a:r>
+                      <a:r>
+                        <a:rPr lang="ko-KR" altLang="en-US" sz="1200" dirty="0"/>
+                        <a:t>를 이용하여 최대 </a:t>
+                      </a:r>
+                      <a:r>
+                        <a:rPr lang="en-US" altLang="ko-KR" sz="1200" dirty="0"/>
+                        <a:t>255</a:t>
+                      </a:r>
+                      <a:r>
+                        <a:rPr lang="ko-KR" altLang="en-US" sz="1200" dirty="0"/>
+                        <a:t>자 까지 지정</a:t>
+                      </a:r>
+                      <a:endParaRPr lang="en-US" altLang="ko-KR" sz="1200" dirty="0"/>
+                    </a:p>
+                    <a:p>
+                      <a:pPr marL="171450" indent="-171450" latinLnBrk="1">
+                        <a:buFontTx/>
+                        <a:buChar char="-"/>
+                      </a:pPr>
+                      <a:r>
+                        <a:rPr lang="ko-KR" altLang="en-US" sz="1200" dirty="0"/>
+                        <a:t>파일 이름에 공백을 포함할 수 있으며</a:t>
+                      </a:r>
+                      <a:r>
+                        <a:rPr lang="en-US" altLang="ko-KR" sz="1200" dirty="0"/>
+                        <a:t>, </a:t>
+                      </a:r>
+                      <a:r>
+                        <a:rPr lang="ko-KR" altLang="en-US" sz="1200" dirty="0"/>
+                        <a:t>한글은 </a:t>
+                      </a:r>
+                      <a:r>
+                        <a:rPr lang="en-US" altLang="ko-KR" sz="1200" dirty="0"/>
+                        <a:t>127</a:t>
+                      </a:r>
+                      <a:r>
+                        <a:rPr lang="ko-KR" altLang="en-US" sz="1200" dirty="0"/>
+                        <a:t>자 까지 지정할 수 있음</a:t>
+                      </a:r>
+                    </a:p>
+                  </a:txBody>
+                  <a:tcPr/>
+                </a:tc>
+                <a:extLst>
+                  <a:ext uri="{0D108BD9-81ED-4DB2-BD59-A6C34878D82A}">
+                    <a16:rowId xmlns:a16="http://schemas.microsoft.com/office/drawing/2014/main" val="3923758143"/>
+                  </a:ext>
+                </a:extLst>
+              </a:tr>
+              <a:tr h="370840">
+                <a:tc>
+                  <a:txBody>
+                    <a:bodyPr/>
+                    <a:lstStyle/>
+                    <a:p>
+                      <a:pPr algn="ctr" latinLnBrk="1"/>
+                      <a:r>
+                        <a:rPr lang="ko-KR" altLang="en-US" sz="1400" dirty="0"/>
+                        <a:t>향상된 네트워크 기능</a:t>
+                      </a:r>
+                    </a:p>
+                  </a:txBody>
+                  <a:tcPr anchor="ctr">
+                    <a:solidFill>
+                      <a:srgbClr val="FFC000"/>
+                    </a:solidFill>
+                  </a:tcPr>
+                </a:tc>
+                <a:tc>
+                  <a:txBody>
+                    <a:bodyPr/>
+                    <a:lstStyle/>
+                    <a:p>
+                      <a:pPr marL="0" indent="0" latinLnBrk="1">
+                        <a:buFontTx/>
+                        <a:buNone/>
+                      </a:pPr>
+                      <a:r>
+                        <a:rPr lang="en-US" altLang="ko-KR" sz="1200" dirty="0"/>
+                        <a:t>Windows</a:t>
+                      </a:r>
+                      <a:r>
+                        <a:rPr lang="ko-KR" altLang="en-US" sz="1200" dirty="0"/>
+                        <a:t>는 운영체제 자체에서 여러 가지 프로토콜을 지원하므로 네트워크 구축 및 통신에 관련된 여러가지 작업을 쉽게 할 수 있음</a:t>
+                      </a:r>
+                      <a:endParaRPr lang="en-US" altLang="ko-KR" sz="1200" dirty="0"/>
+                    </a:p>
+                  </a:txBody>
+                  <a:tcPr/>
+                </a:tc>
+                <a:extLst>
+                  <a:ext uri="{0D108BD9-81ED-4DB2-BD59-A6C34878D82A}">
+                    <a16:rowId xmlns:a16="http://schemas.microsoft.com/office/drawing/2014/main" val="683919637"/>
+                  </a:ext>
+                </a:extLst>
+              </a:tr>
+              <a:tr h="370840">
+                <a:tc>
+                  <a:txBody>
+                    <a:bodyPr/>
+                    <a:lstStyle/>
+                    <a:p>
+                      <a:pPr algn="ctr" latinLnBrk="1"/>
+                      <a:r>
+                        <a:rPr lang="en-US" altLang="ko-KR" sz="1400" dirty="0"/>
+                        <a:t>DOS</a:t>
+                      </a:r>
+                      <a:r>
+                        <a:rPr lang="ko-KR" altLang="en-US" sz="1400" dirty="0"/>
+                        <a:t>와 호환</a:t>
+                      </a:r>
+                    </a:p>
+                  </a:txBody>
+                  <a:tcPr anchor="ctr">
+                    <a:solidFill>
+                      <a:srgbClr val="FFC000"/>
+                    </a:solidFill>
+                  </a:tcPr>
+                </a:tc>
+                <a:tc>
+                  <a:txBody>
+                    <a:bodyPr/>
+                    <a:lstStyle/>
+                    <a:p>
+                      <a:pPr marL="171450" indent="-171450" latinLnBrk="1">
+                        <a:buFontTx/>
+                        <a:buChar char="-"/>
+                      </a:pPr>
+                      <a:r>
+                        <a:rPr lang="en-US" altLang="ko-KR" sz="1200" dirty="0"/>
+                        <a:t>Windows</a:t>
+                      </a:r>
+                      <a:r>
+                        <a:rPr lang="ko-KR" altLang="en-US" sz="1200" dirty="0"/>
+                        <a:t>는 </a:t>
+                      </a:r>
+                      <a:r>
+                        <a:rPr lang="en-US" altLang="ko-KR" sz="1200" dirty="0"/>
+                        <a:t>DOS</a:t>
+                      </a:r>
+                      <a:r>
+                        <a:rPr lang="ko-KR" altLang="en-US" sz="1200" dirty="0"/>
+                        <a:t>와 호환이 가능</a:t>
+                      </a:r>
+                      <a:endParaRPr lang="en-US" altLang="ko-KR" sz="1200" dirty="0"/>
+                    </a:p>
+                    <a:p>
+                      <a:pPr marL="171450" indent="-171450" latinLnBrk="1">
+                        <a:buFontTx/>
+                        <a:buChar char="-"/>
+                      </a:pPr>
+                      <a:r>
+                        <a:rPr lang="ko-KR" altLang="en-US" sz="1200" dirty="0"/>
+                        <a:t>기존에 사용하던 대부분의 </a:t>
+                      </a:r>
+                      <a:r>
+                        <a:rPr lang="en-US" altLang="ko-KR" sz="1200" dirty="0"/>
+                        <a:t>DOS </a:t>
+                      </a:r>
+                      <a:r>
+                        <a:rPr lang="ko-KR" altLang="en-US" sz="1200" dirty="0"/>
+                        <a:t>응용 프로그램을 </a:t>
+                      </a:r>
+                      <a:r>
+                        <a:rPr lang="en-US" altLang="ko-KR" sz="1200" dirty="0"/>
+                        <a:t>Windows</a:t>
+                      </a:r>
+                      <a:r>
+                        <a:rPr lang="ko-KR" altLang="en-US" sz="1200" dirty="0"/>
+                        <a:t>에서도 그대로 사용할 수 있음</a:t>
+                      </a:r>
+                    </a:p>
+                  </a:txBody>
+                  <a:tcPr/>
+                </a:tc>
+                <a:extLst>
+                  <a:ext uri="{0D108BD9-81ED-4DB2-BD59-A6C34878D82A}">
+                    <a16:rowId xmlns:a16="http://schemas.microsoft.com/office/drawing/2014/main" val="3882819334"/>
+                  </a:ext>
+                </a:extLst>
+              </a:tr>
+            </a:tbl>
+          </a:graphicData>
+        </a:graphic>
+      </p:graphicFrame>
     </p:spTree>
     <p:extLst>
       <p:ext uri="{BB962C8B-B14F-4D97-AF65-F5344CB8AC3E}">
-        <p14:creationId xmlns:p14="http://schemas.microsoft.com/office/powerpoint/2010/main" val="1533734791"/>
+        <p14:creationId xmlns:p14="http://schemas.microsoft.com/office/powerpoint/2010/main" val="494545232"/>
       </p:ext>
     </p:extLst>
   </p:cSld>
@@ -3603,97 +4390,1361 @@
           <p:cNvPr id="2" name="제목 1">
             <a:extLst>
               <a:ext uri="{FF2B5EF4-FFF2-40B4-BE49-F238E27FC236}">
-                <a16:creationId xmlns:a16="http://schemas.microsoft.com/office/drawing/2014/main" id="{2E41EADC-5899-4B0A-A906-3D947B19B652}"/>
+                <a16:creationId xmlns:a16="http://schemas.microsoft.com/office/drawing/2014/main" id="{810FA3FE-0E3D-4970-BFC8-A8C26E990FA6}"/>
               </a:ext>
             </a:extLst>
           </p:cNvPr>
-          <p:cNvSpPr>
-            <a:spLocks noGrp="1"/>
+          <p:cNvSpPr txBox="1">
+            <a:spLocks/>
           </p:cNvSpPr>
-          <p:nvPr>
-            <p:ph type="ctrTitle"/>
-          </p:nvPr>
+          <p:nvPr/>
         </p:nvSpPr>
-        <p:spPr/>
+        <p:spPr>
+          <a:xfrm>
+            <a:off x="838200" y="365125"/>
+            <a:ext cx="10515600" cy="649943"/>
+          </a:xfrm>
+          <a:prstGeom prst="rect">
+            <a:avLst/>
+          </a:prstGeom>
+        </p:spPr>
         <p:txBody>
-          <a:bodyPr/>
-          <a:lstStyle/>
+          <a:bodyPr>
+            <a:normAutofit fontScale="97500" lnSpcReduction="10000"/>
+          </a:bodyPr>
+          <a:lstStyle>
+            <a:lvl1pPr algn="l" defTabSz="914400" rtl="0" eaLnBrk="1" latinLnBrk="1" hangingPunct="1">
+              <a:lnSpc>
+                <a:spcPct val="90000"/>
+              </a:lnSpc>
+              <a:spcBef>
+                <a:spcPct val="0"/>
+              </a:spcBef>
+              <a:buNone/>
+              <a:defRPr sz="4400" kern="1200">
+                <a:solidFill>
+                  <a:schemeClr val="tx1"/>
+                </a:solidFill>
+                <a:latin typeface="+mj-lt"/>
+                <a:ea typeface="+mj-ea"/>
+                <a:cs typeface="+mj-cs"/>
+              </a:defRPr>
+            </a:lvl1pPr>
+          </a:lstStyle>
           <a:p>
             <a:r>
               <a:rPr lang="en-US" altLang="ko-KR" dirty="0"/>
-              <a:t>3.</a:t>
+              <a:t>Section</a:t>
             </a:r>
             <a:r>
               <a:rPr lang="ko-KR" altLang="en-US" dirty="0"/>
-              <a:t>애플리케이션 테스트 </a:t>
-            </a:r>
-            <a:br>
+              <a:t> </a:t>
+            </a:r>
+            <a:r>
               <a:rPr lang="en-US" altLang="ko-KR" dirty="0"/>
-            </a:br>
+              <a:t>002</a:t>
+            </a:r>
             <a:r>
               <a:rPr lang="ko-KR" altLang="en-US" dirty="0"/>
-              <a:t>수행</a:t>
-            </a:r>
+              <a:t> </a:t>
+            </a:r>
+            <a:r>
+              <a:rPr lang="en-US" altLang="ko-KR" dirty="0"/>
+              <a:t>Windows</a:t>
+            </a:r>
+            <a:endParaRPr lang="ko-KR" altLang="en-US" dirty="0"/>
           </a:p>
         </p:txBody>
       </p:sp>
       <p:sp>
         <p:nvSpPr>
-          <p:cNvPr id="3" name="부제목 2">
+          <p:cNvPr id="3" name="TextBox 2">
             <a:extLst>
               <a:ext uri="{FF2B5EF4-FFF2-40B4-BE49-F238E27FC236}">
-                <a16:creationId xmlns:a16="http://schemas.microsoft.com/office/drawing/2014/main" id="{D90E34A4-7BE6-45F6-B6CB-ACB5AC0D6B1D}"/>
+                <a16:creationId xmlns:a16="http://schemas.microsoft.com/office/drawing/2014/main" id="{DA90E814-F946-4324-9E28-1D671168E560}"/>
               </a:ext>
             </a:extLst>
           </p:cNvPr>
-          <p:cNvSpPr>
-            <a:spLocks noGrp="1"/>
-          </p:cNvSpPr>
-          <p:nvPr>
-            <p:ph type="subTitle" idx="1"/>
-          </p:nvPr>
+          <p:cNvSpPr txBox="1"/>
+          <p:nvPr/>
         </p:nvSpPr>
-        <p:spPr/>
+        <p:spPr>
+          <a:xfrm>
+            <a:off x="838200" y="931178"/>
+            <a:ext cx="10515599" cy="558166"/>
+          </a:xfrm>
+          <a:prstGeom prst="rect">
+            <a:avLst/>
+          </a:prstGeom>
+          <a:noFill/>
+        </p:spPr>
         <p:txBody>
-          <a:bodyPr>
-            <a:normAutofit/>
+          <a:bodyPr wrap="square" rtlCol="0">
+            <a:spAutoFit/>
           </a:bodyPr>
           <a:lstStyle/>
           <a:p>
+            <a:pPr>
+              <a:lnSpc>
+                <a:spcPct val="200000"/>
+              </a:lnSpc>
+            </a:pPr>
             <a:r>
               <a:rPr lang="en-US" altLang="ko-KR" dirty="0"/>
-              <a:t>1. </a:t>
+              <a:t>1] </a:t>
             </a:r>
             <a:r>
               <a:rPr lang="ko-KR" altLang="en-US" dirty="0"/>
-              <a:t>애플리케이션 테스트 </a:t>
-            </a:r>
-            <a:br>
+              <a:t>바로 가기 키</a:t>
+            </a:r>
+            <a:r>
               <a:rPr lang="en-US" altLang="ko-KR" dirty="0"/>
-            </a:br>
+              <a:t>(</a:t>
+            </a:r>
             <a:r>
               <a:rPr lang="ko-KR" altLang="en-US" dirty="0"/>
-              <a:t>수행</a:t>
-            </a:r>
-            <a:endParaRPr lang="en-US" altLang="ko-KR" dirty="0"/>
-          </a:p>
-          <a:p>
+              <a:t>단축키</a:t>
+            </a:r>
             <a:r>
               <a:rPr lang="en-US" altLang="ko-KR" dirty="0"/>
-              <a:t>2. </a:t>
-            </a:r>
-            <a:r>
-              <a:rPr lang="ko-KR" altLang="en-US" dirty="0"/>
-              <a:t>애플리케이션 결함 조치</a:t>
-            </a:r>
-            <a:endParaRPr lang="en-US" altLang="ko-KR" dirty="0"/>
+              <a:t>)</a:t>
+            </a:r>
+            <a:endParaRPr lang="en-US" altLang="ko-KR" sz="1400" dirty="0"/>
           </a:p>
         </p:txBody>
       </p:sp>
+      <p:graphicFrame>
+        <p:nvGraphicFramePr>
+          <p:cNvPr id="5" name="표 5">
+            <a:extLst>
+              <a:ext uri="{FF2B5EF4-FFF2-40B4-BE49-F238E27FC236}">
+                <a16:creationId xmlns:a16="http://schemas.microsoft.com/office/drawing/2014/main" id="{60F37FAA-9BEF-44CB-8636-BD6C1154C857}"/>
+              </a:ext>
+            </a:extLst>
+          </p:cNvPr>
+          <p:cNvGraphicFramePr>
+            <a:graphicFrameLocks noGrp="1"/>
+          </p:cNvGraphicFramePr>
+          <p:nvPr>
+            <p:extLst>
+              <p:ext uri="{D42A27DB-BD31-4B8C-83A1-F6EECF244321}">
+                <p14:modId xmlns:p14="http://schemas.microsoft.com/office/powerpoint/2010/main" val="2946635471"/>
+              </p:ext>
+            </p:extLst>
+          </p:nvPr>
+        </p:nvGraphicFramePr>
+        <p:xfrm>
+          <a:off x="838200" y="1493335"/>
+          <a:ext cx="10515600" cy="5242560"/>
+        </p:xfrm>
+        <a:graphic>
+          <a:graphicData uri="http://schemas.openxmlformats.org/drawingml/2006/table">
+            <a:tbl>
+              <a:tblPr firstRow="1" bandRow="1">
+                <a:tableStyleId>{5940675A-B579-460E-94D1-54222C63F5DA}</a:tableStyleId>
+              </a:tblPr>
+              <a:tblGrid>
+                <a:gridCol w="1770776">
+                  <a:extLst>
+                    <a:ext uri="{9D8B030D-6E8A-4147-A177-3AD203B41FA5}">
+                      <a16:colId xmlns:a16="http://schemas.microsoft.com/office/drawing/2014/main" val="1007952757"/>
+                    </a:ext>
+                  </a:extLst>
+                </a:gridCol>
+                <a:gridCol w="3487024">
+                  <a:extLst>
+                    <a:ext uri="{9D8B030D-6E8A-4147-A177-3AD203B41FA5}">
+                      <a16:colId xmlns:a16="http://schemas.microsoft.com/office/drawing/2014/main" val="2852450639"/>
+                    </a:ext>
+                  </a:extLst>
+                </a:gridCol>
+                <a:gridCol w="1663817">
+                  <a:extLst>
+                    <a:ext uri="{9D8B030D-6E8A-4147-A177-3AD203B41FA5}">
+                      <a16:colId xmlns:a16="http://schemas.microsoft.com/office/drawing/2014/main" val="1354830486"/>
+                    </a:ext>
+                  </a:extLst>
+                </a:gridCol>
+                <a:gridCol w="3593983">
+                  <a:extLst>
+                    <a:ext uri="{9D8B030D-6E8A-4147-A177-3AD203B41FA5}">
+                      <a16:colId xmlns:a16="http://schemas.microsoft.com/office/drawing/2014/main" val="2899846632"/>
+                    </a:ext>
+                  </a:extLst>
+                </a:gridCol>
+              </a:tblGrid>
+              <a:tr h="370840">
+                <a:tc>
+                  <a:txBody>
+                    <a:bodyPr/>
+                    <a:lstStyle/>
+                    <a:p>
+                      <a:pPr algn="ctr" latinLnBrk="1"/>
+                      <a:r>
+                        <a:rPr lang="ko-KR" altLang="en-US" sz="1400" dirty="0"/>
+                        <a:t>바로 가기 키</a:t>
+                      </a:r>
+                    </a:p>
+                  </a:txBody>
+                  <a:tcPr anchor="ctr">
+                    <a:solidFill>
+                      <a:srgbClr val="FFC000"/>
+                    </a:solidFill>
+                  </a:tcPr>
+                </a:tc>
+                <a:tc>
+                  <a:txBody>
+                    <a:bodyPr/>
+                    <a:lstStyle/>
+                    <a:p>
+                      <a:pPr algn="ctr" latinLnBrk="1"/>
+                      <a:r>
+                        <a:rPr lang="ko-KR" altLang="en-US" sz="1400" dirty="0"/>
+                        <a:t>기능</a:t>
+                      </a:r>
+                    </a:p>
+                  </a:txBody>
+                  <a:tcPr anchor="ctr">
+                    <a:solidFill>
+                      <a:srgbClr val="FFC000"/>
+                    </a:solidFill>
+                  </a:tcPr>
+                </a:tc>
+                <a:tc>
+                  <a:txBody>
+                    <a:bodyPr/>
+                    <a:lstStyle/>
+                    <a:p>
+                      <a:pPr algn="ctr" latinLnBrk="1"/>
+                      <a:r>
+                        <a:rPr lang="ko-KR" altLang="en-US" sz="1400" dirty="0"/>
+                        <a:t>바로 가기 키</a:t>
+                      </a:r>
+                    </a:p>
+                  </a:txBody>
+                  <a:tcPr anchor="ctr">
+                    <a:solidFill>
+                      <a:srgbClr val="FFC000"/>
+                    </a:solidFill>
+                  </a:tcPr>
+                </a:tc>
+                <a:tc>
+                  <a:txBody>
+                    <a:bodyPr/>
+                    <a:lstStyle/>
+                    <a:p>
+                      <a:pPr algn="ctr" latinLnBrk="1"/>
+                      <a:r>
+                        <a:rPr lang="ko-KR" altLang="en-US" sz="1400" dirty="0"/>
+                        <a:t>기능</a:t>
+                      </a:r>
+                    </a:p>
+                  </a:txBody>
+                  <a:tcPr anchor="ctr">
+                    <a:solidFill>
+                      <a:srgbClr val="FFC000"/>
+                    </a:solidFill>
+                  </a:tcPr>
+                </a:tc>
+                <a:extLst>
+                  <a:ext uri="{0D108BD9-81ED-4DB2-BD59-A6C34878D82A}">
+                    <a16:rowId xmlns:a16="http://schemas.microsoft.com/office/drawing/2014/main" val="659027116"/>
+                  </a:ext>
+                </a:extLst>
+              </a:tr>
+              <a:tr h="370840">
+                <a:tc>
+                  <a:txBody>
+                    <a:bodyPr/>
+                    <a:lstStyle/>
+                    <a:p>
+                      <a:pPr latinLnBrk="1"/>
+                      <a:r>
+                        <a:rPr lang="en-US" altLang="ko-KR" sz="1200" dirty="0"/>
+                        <a:t>Alt + F4</a:t>
+                      </a:r>
+                      <a:endParaRPr lang="ko-KR" altLang="en-US" sz="1200" dirty="0"/>
+                    </a:p>
+                  </a:txBody>
+                  <a:tcPr anchor="ctr"/>
+                </a:tc>
+                <a:tc>
+                  <a:txBody>
+                    <a:bodyPr/>
+                    <a:lstStyle/>
+                    <a:p>
+                      <a:pPr marL="0" indent="0" latinLnBrk="1">
+                        <a:buFontTx/>
+                        <a:buNone/>
+                      </a:pPr>
+                      <a:r>
+                        <a:rPr lang="ko-KR" altLang="en-US" sz="1100" dirty="0"/>
+                        <a:t>실행중인 창</a:t>
+                      </a:r>
+                      <a:r>
+                        <a:rPr lang="en-US" altLang="ko-KR" sz="1100" dirty="0"/>
+                        <a:t>(Window)</a:t>
+                      </a:r>
+                      <a:r>
+                        <a:rPr lang="ko-KR" altLang="en-US" sz="1100" dirty="0"/>
+                        <a:t>이나 앱을 종료</a:t>
+                      </a:r>
+                      <a:endParaRPr lang="en-US" altLang="ko-KR" sz="1100" dirty="0"/>
+                    </a:p>
+                    <a:p>
+                      <a:pPr marL="0" indent="0" latinLnBrk="1">
+                        <a:buFontTx/>
+                        <a:buNone/>
+                      </a:pPr>
+                      <a:r>
+                        <a:rPr lang="ko-KR" altLang="en-US" sz="1100" dirty="0"/>
+                        <a:t>실행중인 앱이 없으면 </a:t>
+                      </a:r>
+                      <a:r>
+                        <a:rPr lang="en-US" altLang="ko-KR" sz="1100" dirty="0"/>
+                        <a:t>Windows </a:t>
+                      </a:r>
+                      <a:r>
+                        <a:rPr lang="ko-KR" altLang="en-US" sz="1100" dirty="0"/>
+                        <a:t>종료 창을 선택</a:t>
+                      </a:r>
+                    </a:p>
+                  </a:txBody>
+                  <a:tcPr anchor="ctr"/>
+                </a:tc>
+                <a:tc>
+                  <a:txBody>
+                    <a:bodyPr/>
+                    <a:lstStyle/>
+                    <a:p>
+                      <a:pPr latinLnBrk="1"/>
+                      <a:r>
+                        <a:rPr lang="en-US" altLang="ko-KR" sz="1200" dirty="0"/>
+                        <a:t>Win + Ctrl + D</a:t>
+                      </a:r>
+                      <a:endParaRPr lang="ko-KR" altLang="en-US" sz="1200" dirty="0"/>
+                    </a:p>
+                  </a:txBody>
+                  <a:tcPr anchor="ctr"/>
+                </a:tc>
+                <a:tc>
+                  <a:txBody>
+                    <a:bodyPr/>
+                    <a:lstStyle/>
+                    <a:p>
+                      <a:pPr marL="0" indent="0" latinLnBrk="1">
+                        <a:buFontTx/>
+                        <a:buNone/>
+                      </a:pPr>
+                      <a:r>
+                        <a:rPr lang="ko-KR" altLang="en-US" sz="1100" dirty="0"/>
+                        <a:t>가상 데스크톱을 추가</a:t>
+                      </a:r>
+                      <a:endParaRPr lang="en-US" altLang="ko-KR" sz="1100" dirty="0"/>
+                    </a:p>
+                  </a:txBody>
+                  <a:tcPr anchor="ctr"/>
+                </a:tc>
+                <a:extLst>
+                  <a:ext uri="{0D108BD9-81ED-4DB2-BD59-A6C34878D82A}">
+                    <a16:rowId xmlns:a16="http://schemas.microsoft.com/office/drawing/2014/main" val="689662065"/>
+                  </a:ext>
+                </a:extLst>
+              </a:tr>
+              <a:tr h="370840">
+                <a:tc>
+                  <a:txBody>
+                    <a:bodyPr/>
+                    <a:lstStyle/>
+                    <a:p>
+                      <a:pPr latinLnBrk="1"/>
+                      <a:r>
+                        <a:rPr lang="en-US" altLang="ko-KR" sz="1200" dirty="0"/>
+                        <a:t>Shift + Delete</a:t>
+                      </a:r>
+                      <a:endParaRPr lang="ko-KR" altLang="en-US" sz="1200" dirty="0"/>
+                    </a:p>
+                  </a:txBody>
+                  <a:tcPr anchor="ctr"/>
+                </a:tc>
+                <a:tc>
+                  <a:txBody>
+                    <a:bodyPr/>
+                    <a:lstStyle/>
+                    <a:p>
+                      <a:pPr marL="0" indent="0" latinLnBrk="1">
+                        <a:buFontTx/>
+                        <a:buNone/>
+                      </a:pPr>
+                      <a:r>
+                        <a:rPr lang="ko-KR" altLang="en-US" sz="1100" dirty="0"/>
+                        <a:t>휴지통을 거치지 않고 폴더나 파일을 바로 삭제</a:t>
+                      </a:r>
+                      <a:endParaRPr lang="en-US" altLang="ko-KR" sz="1100" dirty="0"/>
+                    </a:p>
+                  </a:txBody>
+                  <a:tcPr anchor="ctr"/>
+                </a:tc>
+                <a:tc>
+                  <a:txBody>
+                    <a:bodyPr/>
+                    <a:lstStyle/>
+                    <a:p>
+                      <a:pPr latinLnBrk="1"/>
+                      <a:r>
+                        <a:rPr lang="en-US" altLang="ko-KR" sz="1200" dirty="0"/>
+                        <a:t>Win + Ctrl + F4</a:t>
+                      </a:r>
+                      <a:endParaRPr lang="ko-KR" altLang="en-US" sz="1200" dirty="0"/>
+                    </a:p>
+                  </a:txBody>
+                  <a:tcPr anchor="ctr"/>
+                </a:tc>
+                <a:tc>
+                  <a:txBody>
+                    <a:bodyPr/>
+                    <a:lstStyle/>
+                    <a:p>
+                      <a:pPr marL="0" indent="0" latinLnBrk="1">
+                        <a:buFontTx/>
+                        <a:buNone/>
+                      </a:pPr>
+                      <a:r>
+                        <a:rPr lang="ko-KR" altLang="en-US" sz="1100" dirty="0"/>
+                        <a:t>사용 중인 가상 데스크톱을 삭제</a:t>
+                      </a:r>
+                      <a:endParaRPr lang="en-US" altLang="ko-KR" sz="1100" dirty="0"/>
+                    </a:p>
+                  </a:txBody>
+                  <a:tcPr anchor="ctr"/>
+                </a:tc>
+                <a:extLst>
+                  <a:ext uri="{0D108BD9-81ED-4DB2-BD59-A6C34878D82A}">
+                    <a16:rowId xmlns:a16="http://schemas.microsoft.com/office/drawing/2014/main" val="2775855499"/>
+                  </a:ext>
+                </a:extLst>
+              </a:tr>
+              <a:tr h="370840">
+                <a:tc>
+                  <a:txBody>
+                    <a:bodyPr/>
+                    <a:lstStyle/>
+                    <a:p>
+                      <a:pPr latinLnBrk="1"/>
+                      <a:r>
+                        <a:rPr lang="en-US" altLang="ko-KR" sz="1200" dirty="0"/>
+                        <a:t>Win + 1 ~ 9, 0</a:t>
+                      </a:r>
+                      <a:endParaRPr lang="ko-KR" altLang="en-US" sz="1200" dirty="0"/>
+                    </a:p>
+                  </a:txBody>
+                  <a:tcPr anchor="ctr"/>
+                </a:tc>
+                <a:tc>
+                  <a:txBody>
+                    <a:bodyPr/>
+                    <a:lstStyle/>
+                    <a:p>
+                      <a:pPr marL="0" indent="0" latinLnBrk="1">
+                        <a:buFontTx/>
+                        <a:buNone/>
+                      </a:pPr>
+                      <a:r>
+                        <a:rPr lang="ko-KR" altLang="en-US" sz="1100" dirty="0"/>
+                        <a:t>작업 표시줄에 등록된 앱 중 번호 순서에 맞는 앱을 실행</a:t>
+                      </a:r>
+                      <a:r>
+                        <a:rPr lang="en-US" altLang="ko-KR" sz="1100" dirty="0"/>
+                        <a:t>  Ex)</a:t>
+                      </a:r>
+                      <a:r>
+                        <a:rPr lang="ko-KR" altLang="en-US" sz="1100" dirty="0"/>
+                        <a:t> </a:t>
+                      </a:r>
+                      <a:r>
+                        <a:rPr lang="en-US" altLang="ko-KR" sz="1100" dirty="0"/>
+                        <a:t>Win + 3 : </a:t>
+                      </a:r>
+                      <a:r>
+                        <a:rPr lang="ko-KR" altLang="en-US" sz="1100" dirty="0"/>
+                        <a:t>작업 표시줄에 등록된 앱 중 왼쪽에서 </a:t>
+                      </a:r>
+                      <a:r>
+                        <a:rPr lang="en-US" altLang="ko-KR" sz="1100" dirty="0"/>
+                        <a:t>3</a:t>
+                      </a:r>
+                      <a:r>
+                        <a:rPr lang="ko-KR" altLang="en-US" sz="1100" dirty="0"/>
+                        <a:t>번째에 위치한 앱을 실행</a:t>
+                      </a:r>
+                    </a:p>
+                  </a:txBody>
+                  <a:tcPr anchor="ctr"/>
+                </a:tc>
+                <a:tc>
+                  <a:txBody>
+                    <a:bodyPr/>
+                    <a:lstStyle/>
+                    <a:p>
+                      <a:pPr latinLnBrk="1"/>
+                      <a:r>
+                        <a:rPr lang="en-US" altLang="ko-KR" sz="1200" dirty="0"/>
+                        <a:t>Win + Ctrl + Q</a:t>
+                      </a:r>
+                      <a:endParaRPr lang="ko-KR" altLang="en-US" sz="1200" dirty="0"/>
+                    </a:p>
+                  </a:txBody>
+                  <a:tcPr anchor="ctr"/>
+                </a:tc>
+                <a:tc>
+                  <a:txBody>
+                    <a:bodyPr/>
+                    <a:lstStyle/>
+                    <a:p>
+                      <a:pPr marL="0" indent="0" latinLnBrk="1">
+                        <a:buFontTx/>
+                        <a:buNone/>
+                      </a:pPr>
+                      <a:r>
+                        <a:rPr lang="en-US" altLang="ko-KR" sz="1100" dirty="0"/>
+                        <a:t>‘</a:t>
+                      </a:r>
+                      <a:r>
+                        <a:rPr lang="ko-KR" altLang="en-US" sz="1100" dirty="0"/>
+                        <a:t>빠른 지원</a:t>
+                      </a:r>
+                      <a:r>
+                        <a:rPr lang="en-US" altLang="ko-KR" sz="1100" dirty="0"/>
+                        <a:t>‘ </a:t>
+                      </a:r>
+                      <a:r>
+                        <a:rPr lang="ko-KR" altLang="en-US" sz="1100" dirty="0"/>
+                        <a:t>실행</a:t>
+                      </a:r>
+                      <a:endParaRPr lang="en-US" altLang="ko-KR" sz="1100" dirty="0"/>
+                    </a:p>
+                  </a:txBody>
+                  <a:tcPr anchor="ctr"/>
+                </a:tc>
+                <a:extLst>
+                  <a:ext uri="{0D108BD9-81ED-4DB2-BD59-A6C34878D82A}">
+                    <a16:rowId xmlns:a16="http://schemas.microsoft.com/office/drawing/2014/main" val="2704014994"/>
+                  </a:ext>
+                </a:extLst>
+              </a:tr>
+              <a:tr h="370840">
+                <a:tc>
+                  <a:txBody>
+                    <a:bodyPr/>
+                    <a:lstStyle/>
+                    <a:p>
+                      <a:pPr latinLnBrk="1"/>
+                      <a:r>
+                        <a:rPr lang="en-US" altLang="ko-KR" sz="1200" dirty="0"/>
+                        <a:t>Win + D</a:t>
+                      </a:r>
+                      <a:endParaRPr lang="ko-KR" altLang="en-US" sz="1200" dirty="0"/>
+                    </a:p>
+                  </a:txBody>
+                  <a:tcPr anchor="ctr"/>
+                </a:tc>
+                <a:tc>
+                  <a:txBody>
+                    <a:bodyPr/>
+                    <a:lstStyle/>
+                    <a:p>
+                      <a:pPr marL="0" indent="0" latinLnBrk="1">
+                        <a:buFontTx/>
+                        <a:buNone/>
+                      </a:pPr>
+                      <a:r>
+                        <a:rPr lang="ko-KR" altLang="en-US" sz="1100" dirty="0"/>
+                        <a:t>열려 있는 모든 창과 대화상자를 최소화</a:t>
+                      </a:r>
+                      <a:r>
+                        <a:rPr lang="en-US" altLang="ko-KR" sz="1100" dirty="0"/>
+                        <a:t>(</a:t>
+                      </a:r>
+                      <a:r>
+                        <a:rPr lang="ko-KR" altLang="en-US" sz="1100" dirty="0"/>
+                        <a:t>바탕 화면 표시</a:t>
+                      </a:r>
+                      <a:r>
+                        <a:rPr lang="en-US" altLang="ko-KR" sz="1100" dirty="0"/>
+                        <a:t>)</a:t>
+                      </a:r>
+                      <a:r>
+                        <a:rPr lang="ko-KR" altLang="en-US" sz="1100" dirty="0"/>
+                        <a:t>하거나 이전 크기로 표시</a:t>
+                      </a:r>
+                      <a:endParaRPr lang="en-US" altLang="ko-KR" sz="1100" dirty="0"/>
+                    </a:p>
+                  </a:txBody>
+                  <a:tcPr anchor="ctr"/>
+                </a:tc>
+                <a:tc>
+                  <a:txBody>
+                    <a:bodyPr/>
+                    <a:lstStyle/>
+                    <a:p>
+                      <a:pPr latinLnBrk="1"/>
+                      <a:r>
+                        <a:rPr lang="en-US" altLang="ko-KR" sz="1200" dirty="0"/>
+                        <a:t>Win + R</a:t>
+                      </a:r>
+                      <a:endParaRPr lang="ko-KR" altLang="en-US" sz="1200" dirty="0"/>
+                    </a:p>
+                  </a:txBody>
+                  <a:tcPr anchor="ctr"/>
+                </a:tc>
+                <a:tc>
+                  <a:txBody>
+                    <a:bodyPr/>
+                    <a:lstStyle/>
+                    <a:p>
+                      <a:pPr marL="0" indent="0" latinLnBrk="1">
+                        <a:buFontTx/>
+                        <a:buNone/>
+                      </a:pPr>
+                      <a:r>
+                        <a:rPr lang="en-US" altLang="ko-KR" sz="1100" dirty="0"/>
+                        <a:t>‘</a:t>
+                      </a:r>
+                      <a:r>
+                        <a:rPr lang="ko-KR" altLang="en-US" sz="1100" dirty="0"/>
+                        <a:t>실행</a:t>
+                      </a:r>
+                      <a:r>
+                        <a:rPr lang="en-US" altLang="ko-KR" sz="1100" dirty="0"/>
+                        <a:t>’ </a:t>
+                      </a:r>
+                      <a:r>
+                        <a:rPr lang="ko-KR" altLang="en-US" sz="1100" dirty="0"/>
+                        <a:t>창을 나타냄</a:t>
+                      </a:r>
+                      <a:endParaRPr lang="en-US" altLang="ko-KR" sz="1100" dirty="0"/>
+                    </a:p>
+                  </a:txBody>
+                  <a:tcPr anchor="ctr"/>
+                </a:tc>
+                <a:extLst>
+                  <a:ext uri="{0D108BD9-81ED-4DB2-BD59-A6C34878D82A}">
+                    <a16:rowId xmlns:a16="http://schemas.microsoft.com/office/drawing/2014/main" val="2251575889"/>
+                  </a:ext>
+                </a:extLst>
+              </a:tr>
+              <a:tr h="370840">
+                <a:tc>
+                  <a:txBody>
+                    <a:bodyPr/>
+                    <a:lstStyle/>
+                    <a:p>
+                      <a:pPr latinLnBrk="1"/>
+                      <a:r>
+                        <a:rPr lang="en-US" altLang="ko-KR" sz="1200" dirty="0"/>
+                        <a:t>Win + Alt + D</a:t>
+                      </a:r>
+                      <a:endParaRPr lang="ko-KR" altLang="en-US" sz="1200" dirty="0"/>
+                    </a:p>
+                  </a:txBody>
+                  <a:tcPr anchor="ctr"/>
+                </a:tc>
+                <a:tc>
+                  <a:txBody>
+                    <a:bodyPr/>
+                    <a:lstStyle/>
+                    <a:p>
+                      <a:pPr marL="0" indent="0" latinLnBrk="1">
+                        <a:buFontTx/>
+                        <a:buNone/>
+                      </a:pPr>
+                      <a:r>
+                        <a:rPr lang="ko-KR" altLang="en-US" sz="1100" dirty="0"/>
+                        <a:t>화면에 날짜 및 시간을 표시하거나 숨김</a:t>
+                      </a:r>
+                      <a:endParaRPr lang="en-US" altLang="ko-KR" sz="1100" dirty="0"/>
+                    </a:p>
+                  </a:txBody>
+                  <a:tcPr anchor="ctr"/>
+                </a:tc>
+                <a:tc>
+                  <a:txBody>
+                    <a:bodyPr/>
+                    <a:lstStyle/>
+                    <a:p>
+                      <a:pPr latinLnBrk="1"/>
+                      <a:r>
+                        <a:rPr lang="en-US" altLang="ko-KR" sz="1200" dirty="0"/>
+                        <a:t>Win + S</a:t>
+                      </a:r>
+                      <a:endParaRPr lang="ko-KR" altLang="en-US" sz="1200" dirty="0"/>
+                    </a:p>
+                  </a:txBody>
+                  <a:tcPr anchor="ctr"/>
+                </a:tc>
+                <a:tc>
+                  <a:txBody>
+                    <a:bodyPr/>
+                    <a:lstStyle/>
+                    <a:p>
+                      <a:pPr marL="0" indent="0" latinLnBrk="1">
+                        <a:buFontTx/>
+                        <a:buNone/>
+                      </a:pPr>
+                      <a:r>
+                        <a:rPr lang="en-US" altLang="ko-KR" sz="1100" dirty="0"/>
+                        <a:t>‘</a:t>
+                      </a:r>
+                      <a:r>
+                        <a:rPr lang="ko-KR" altLang="en-US" sz="1100" dirty="0"/>
+                        <a:t>검색 상자</a:t>
+                      </a:r>
+                      <a:r>
+                        <a:rPr lang="en-US" altLang="ko-KR" sz="1100" dirty="0"/>
+                        <a:t>‘</a:t>
+                      </a:r>
+                      <a:r>
+                        <a:rPr lang="ko-KR" altLang="en-US" sz="1100" dirty="0"/>
+                        <a:t>로 포커스를 옮김</a:t>
+                      </a:r>
+                      <a:endParaRPr lang="en-US" altLang="ko-KR" sz="1100" dirty="0"/>
+                    </a:p>
+                  </a:txBody>
+                  <a:tcPr anchor="ctr"/>
+                </a:tc>
+                <a:extLst>
+                  <a:ext uri="{0D108BD9-81ED-4DB2-BD59-A6C34878D82A}">
+                    <a16:rowId xmlns:a16="http://schemas.microsoft.com/office/drawing/2014/main" val="296496788"/>
+                  </a:ext>
+                </a:extLst>
+              </a:tr>
+              <a:tr h="370840">
+                <a:tc>
+                  <a:txBody>
+                    <a:bodyPr/>
+                    <a:lstStyle/>
+                    <a:p>
+                      <a:pPr latinLnBrk="1"/>
+                      <a:r>
+                        <a:rPr lang="en-US" altLang="ko-KR" sz="1200" dirty="0"/>
+                        <a:t>Win + E</a:t>
+                      </a:r>
+                      <a:endParaRPr lang="ko-KR" altLang="en-US" sz="1200" dirty="0"/>
+                    </a:p>
+                  </a:txBody>
+                  <a:tcPr anchor="ctr"/>
+                </a:tc>
+                <a:tc>
+                  <a:txBody>
+                    <a:bodyPr/>
+                    <a:lstStyle/>
+                    <a:p>
+                      <a:pPr marL="0" indent="0" latinLnBrk="1">
+                        <a:buFontTx/>
+                        <a:buNone/>
+                      </a:pPr>
+                      <a:r>
+                        <a:rPr lang="en-US" altLang="ko-KR" sz="1100" dirty="0"/>
+                        <a:t>‘</a:t>
+                      </a:r>
+                      <a:r>
+                        <a:rPr lang="ko-KR" altLang="en-US" sz="1100" dirty="0"/>
+                        <a:t>파일 탐색기</a:t>
+                      </a:r>
+                      <a:r>
+                        <a:rPr lang="en-US" altLang="ko-KR" sz="1100" dirty="0"/>
+                        <a:t>’</a:t>
+                      </a:r>
+                      <a:r>
+                        <a:rPr lang="ko-KR" altLang="en-US" sz="1100" dirty="0"/>
+                        <a:t> 실행</a:t>
+                      </a:r>
+                      <a:endParaRPr lang="en-US" altLang="ko-KR" sz="1100" dirty="0"/>
+                    </a:p>
+                  </a:txBody>
+                  <a:tcPr anchor="ctr"/>
+                </a:tc>
+                <a:tc>
+                  <a:txBody>
+                    <a:bodyPr/>
+                    <a:lstStyle/>
+                    <a:p>
+                      <a:pPr latinLnBrk="1"/>
+                      <a:r>
+                        <a:rPr lang="en-US" altLang="ko-KR" sz="1200" dirty="0"/>
+                        <a:t>Win + Shift + S</a:t>
+                      </a:r>
+                      <a:endParaRPr lang="ko-KR" altLang="en-US" sz="1200" dirty="0"/>
+                    </a:p>
+                  </a:txBody>
+                  <a:tcPr anchor="ctr"/>
+                </a:tc>
+                <a:tc>
+                  <a:txBody>
+                    <a:bodyPr/>
+                    <a:lstStyle/>
+                    <a:p>
+                      <a:pPr marL="0" indent="0" latinLnBrk="1">
+                        <a:buFontTx/>
+                        <a:buNone/>
+                      </a:pPr>
+                      <a:r>
+                        <a:rPr lang="ko-KR" altLang="en-US" sz="1100" dirty="0"/>
+                        <a:t>화면 상단에 캡쳐 도구와 유사한 스크린샷 바 표시</a:t>
+                      </a:r>
+                      <a:endParaRPr lang="en-US" altLang="ko-KR" sz="1100" dirty="0"/>
+                    </a:p>
+                  </a:txBody>
+                  <a:tcPr anchor="ctr"/>
+                </a:tc>
+                <a:extLst>
+                  <a:ext uri="{0D108BD9-81ED-4DB2-BD59-A6C34878D82A}">
+                    <a16:rowId xmlns:a16="http://schemas.microsoft.com/office/drawing/2014/main" val="2704073514"/>
+                  </a:ext>
+                </a:extLst>
+              </a:tr>
+              <a:tr h="370840">
+                <a:tc>
+                  <a:txBody>
+                    <a:bodyPr/>
+                    <a:lstStyle/>
+                    <a:p>
+                      <a:pPr latinLnBrk="1"/>
+                      <a:r>
+                        <a:rPr lang="en-US" altLang="ko-KR" sz="1200" dirty="0"/>
+                        <a:t>Win + F</a:t>
+                      </a:r>
+                      <a:endParaRPr lang="ko-KR" altLang="en-US" sz="1200" dirty="0"/>
+                    </a:p>
+                  </a:txBody>
+                  <a:tcPr anchor="ctr"/>
+                </a:tc>
+                <a:tc>
+                  <a:txBody>
+                    <a:bodyPr/>
+                    <a:lstStyle/>
+                    <a:p>
+                      <a:pPr marL="0" indent="0" latinLnBrk="1">
+                        <a:buFontTx/>
+                        <a:buNone/>
+                      </a:pPr>
+                      <a:r>
+                        <a:rPr lang="en-US" altLang="ko-KR" sz="1100" dirty="0"/>
+                        <a:t>‘</a:t>
+                      </a:r>
+                      <a:r>
+                        <a:rPr lang="ko-KR" altLang="en-US" sz="1100" dirty="0"/>
+                        <a:t>피드백 허브</a:t>
+                      </a:r>
+                      <a:r>
+                        <a:rPr lang="en-US" altLang="ko-KR" sz="1100" dirty="0"/>
+                        <a:t>’</a:t>
+                      </a:r>
+                      <a:r>
+                        <a:rPr lang="ko-KR" altLang="en-US" sz="1100" dirty="0"/>
+                        <a:t> 앱 실행</a:t>
+                      </a:r>
+                      <a:endParaRPr lang="en-US" altLang="ko-KR" sz="1100" dirty="0"/>
+                    </a:p>
+                  </a:txBody>
+                  <a:tcPr anchor="ctr"/>
+                </a:tc>
+                <a:tc>
+                  <a:txBody>
+                    <a:bodyPr/>
+                    <a:lstStyle/>
+                    <a:p>
+                      <a:pPr latinLnBrk="1"/>
+                      <a:r>
+                        <a:rPr lang="en-US" altLang="ko-KR" sz="1200" dirty="0"/>
+                        <a:t>Win + T</a:t>
+                      </a:r>
+                      <a:endParaRPr lang="ko-KR" altLang="en-US" sz="1200" dirty="0"/>
+                    </a:p>
+                  </a:txBody>
+                  <a:tcPr anchor="ctr"/>
+                </a:tc>
+                <a:tc>
+                  <a:txBody>
+                    <a:bodyPr/>
+                    <a:lstStyle/>
+                    <a:p>
+                      <a:pPr marL="0" indent="0" latinLnBrk="1">
+                        <a:buFontTx/>
+                        <a:buNone/>
+                      </a:pPr>
+                      <a:r>
+                        <a:rPr lang="ko-KR" altLang="en-US" sz="1100" dirty="0"/>
+                        <a:t>작업 표시줄에 등록된 앱을 차례로 선택</a:t>
+                      </a:r>
+                      <a:endParaRPr lang="en-US" altLang="ko-KR" sz="1100" dirty="0"/>
+                    </a:p>
+                  </a:txBody>
+                  <a:tcPr anchor="ctr"/>
+                </a:tc>
+                <a:extLst>
+                  <a:ext uri="{0D108BD9-81ED-4DB2-BD59-A6C34878D82A}">
+                    <a16:rowId xmlns:a16="http://schemas.microsoft.com/office/drawing/2014/main" val="455101243"/>
+                  </a:ext>
+                </a:extLst>
+              </a:tr>
+              <a:tr h="370840">
+                <a:tc>
+                  <a:txBody>
+                    <a:bodyPr/>
+                    <a:lstStyle/>
+                    <a:p>
+                      <a:pPr latinLnBrk="1"/>
+                      <a:r>
+                        <a:rPr lang="en-US" altLang="ko-KR" sz="1200" dirty="0"/>
+                        <a:t>Win + I</a:t>
+                      </a:r>
+                      <a:endParaRPr lang="ko-KR" altLang="en-US" sz="1200" dirty="0"/>
+                    </a:p>
+                  </a:txBody>
+                  <a:tcPr anchor="ctr"/>
+                </a:tc>
+                <a:tc>
+                  <a:txBody>
+                    <a:bodyPr/>
+                    <a:lstStyle/>
+                    <a:p>
+                      <a:pPr marL="0" indent="0" latinLnBrk="1">
+                        <a:buFontTx/>
+                        <a:buNone/>
+                      </a:pPr>
+                      <a:r>
+                        <a:rPr lang="ko-KR" altLang="en-US" sz="1100" dirty="0"/>
+                        <a:t>설정 창을 화면에 나타냄</a:t>
+                      </a:r>
+                      <a:endParaRPr lang="en-US" altLang="ko-KR" sz="1100" dirty="0"/>
+                    </a:p>
+                  </a:txBody>
+                  <a:tcPr anchor="ctr"/>
+                </a:tc>
+                <a:tc>
+                  <a:txBody>
+                    <a:bodyPr/>
+                    <a:lstStyle/>
+                    <a:p>
+                      <a:pPr latinLnBrk="1"/>
+                      <a:r>
+                        <a:rPr lang="en-US" altLang="ko-KR" sz="1200" dirty="0"/>
+                        <a:t>Win + U</a:t>
+                      </a:r>
+                      <a:endParaRPr lang="ko-KR" altLang="en-US" sz="1200" dirty="0"/>
+                    </a:p>
+                  </a:txBody>
+                  <a:tcPr anchor="ctr"/>
+                </a:tc>
+                <a:tc>
+                  <a:txBody>
+                    <a:bodyPr/>
+                    <a:lstStyle/>
+                    <a:p>
+                      <a:pPr marL="0" indent="0" latinLnBrk="1">
+                        <a:buFontTx/>
+                        <a:buNone/>
+                      </a:pPr>
+                      <a:r>
+                        <a:rPr lang="en-US" altLang="ko-KR" sz="1100" dirty="0"/>
+                        <a:t>[</a:t>
+                      </a:r>
+                      <a:r>
+                        <a:rPr lang="ko-KR" altLang="en-US" sz="1100" dirty="0"/>
+                        <a:t>설정</a:t>
+                      </a:r>
+                      <a:r>
+                        <a:rPr lang="en-US" altLang="ko-KR" sz="1100" dirty="0"/>
+                        <a:t>]</a:t>
+                      </a:r>
+                      <a:r>
+                        <a:rPr lang="ko-KR" altLang="en-US" sz="1100" dirty="0"/>
+                        <a:t>의 </a:t>
+                      </a:r>
+                      <a:r>
+                        <a:rPr lang="en-US" altLang="ko-KR" sz="1100" dirty="0"/>
+                        <a:t>‘</a:t>
+                      </a:r>
+                      <a:r>
+                        <a:rPr lang="ko-KR" altLang="en-US" sz="1100" dirty="0"/>
+                        <a:t>접근성</a:t>
+                      </a:r>
+                      <a:r>
+                        <a:rPr lang="en-US" altLang="ko-KR" sz="1100" dirty="0"/>
+                        <a:t>’ </a:t>
+                      </a:r>
+                      <a:r>
+                        <a:rPr lang="ko-KR" altLang="en-US" sz="1100" dirty="0"/>
+                        <a:t>창을 표시</a:t>
+                      </a:r>
+                      <a:endParaRPr lang="en-US" altLang="ko-KR" sz="1100" dirty="0"/>
+                    </a:p>
+                  </a:txBody>
+                  <a:tcPr anchor="ctr"/>
+                </a:tc>
+                <a:extLst>
+                  <a:ext uri="{0D108BD9-81ED-4DB2-BD59-A6C34878D82A}">
+                    <a16:rowId xmlns:a16="http://schemas.microsoft.com/office/drawing/2014/main" val="2768187023"/>
+                  </a:ext>
+                </a:extLst>
+              </a:tr>
+              <a:tr h="370840">
+                <a:tc>
+                  <a:txBody>
+                    <a:bodyPr/>
+                    <a:lstStyle/>
+                    <a:p>
+                      <a:pPr latinLnBrk="1"/>
+                      <a:r>
+                        <a:rPr lang="en-US" altLang="ko-KR" sz="1200" dirty="0"/>
+                        <a:t>Win + L</a:t>
+                      </a:r>
+                      <a:endParaRPr lang="ko-KR" altLang="en-US" sz="1200" dirty="0"/>
+                    </a:p>
+                  </a:txBody>
+                  <a:tcPr anchor="ctr"/>
+                </a:tc>
+                <a:tc>
+                  <a:txBody>
+                    <a:bodyPr/>
+                    <a:lstStyle/>
+                    <a:p>
+                      <a:pPr marL="0" indent="0" latinLnBrk="1">
+                        <a:buFontTx/>
+                        <a:buNone/>
+                      </a:pPr>
+                      <a:r>
+                        <a:rPr lang="ko-KR" altLang="en-US" sz="1100" dirty="0"/>
+                        <a:t>컴퓨터를 잠그거나 사용자를 전환</a:t>
+                      </a:r>
+                      <a:endParaRPr lang="en-US" altLang="ko-KR" sz="1100" dirty="0"/>
+                    </a:p>
+                  </a:txBody>
+                  <a:tcPr anchor="ctr"/>
+                </a:tc>
+                <a:tc>
+                  <a:txBody>
+                    <a:bodyPr/>
+                    <a:lstStyle/>
+                    <a:p>
+                      <a:pPr latinLnBrk="1"/>
+                      <a:r>
+                        <a:rPr lang="en-US" altLang="ko-KR" sz="1200" dirty="0"/>
+                        <a:t>Win + V</a:t>
+                      </a:r>
+                      <a:endParaRPr lang="ko-KR" altLang="en-US" sz="1200" dirty="0"/>
+                    </a:p>
+                  </a:txBody>
+                  <a:tcPr anchor="ctr"/>
+                </a:tc>
+                <a:tc>
+                  <a:txBody>
+                    <a:bodyPr/>
+                    <a:lstStyle/>
+                    <a:p>
+                      <a:pPr marL="0" indent="0" latinLnBrk="1">
+                        <a:buFontTx/>
+                        <a:buNone/>
+                      </a:pPr>
+                      <a:r>
+                        <a:rPr lang="ko-KR" altLang="en-US" sz="1100" dirty="0"/>
+                        <a:t>클립보드를 실행</a:t>
+                      </a:r>
+                      <a:endParaRPr lang="en-US" altLang="ko-KR" sz="1100" dirty="0"/>
+                    </a:p>
+                  </a:txBody>
+                  <a:tcPr anchor="ctr"/>
+                </a:tc>
+                <a:extLst>
+                  <a:ext uri="{0D108BD9-81ED-4DB2-BD59-A6C34878D82A}">
+                    <a16:rowId xmlns:a16="http://schemas.microsoft.com/office/drawing/2014/main" val="4101671862"/>
+                  </a:ext>
+                </a:extLst>
+              </a:tr>
+              <a:tr h="370840">
+                <a:tc>
+                  <a:txBody>
+                    <a:bodyPr/>
+                    <a:lstStyle/>
+                    <a:p>
+                      <a:pPr latinLnBrk="1"/>
+                      <a:r>
+                        <a:rPr lang="en-US" altLang="ko-KR" sz="1200" dirty="0"/>
+                        <a:t>Win + M </a:t>
+                      </a:r>
+                    </a:p>
+                    <a:p>
+                      <a:pPr latinLnBrk="1"/>
+                      <a:r>
+                        <a:rPr lang="en-US" altLang="ko-KR" sz="1200" dirty="0"/>
+                        <a:t>Win + Shift + M</a:t>
+                      </a:r>
+                      <a:endParaRPr lang="ko-KR" altLang="en-US" sz="1200" dirty="0"/>
+                    </a:p>
+                  </a:txBody>
+                  <a:tcPr anchor="ctr"/>
+                </a:tc>
+                <a:tc>
+                  <a:txBody>
+                    <a:bodyPr/>
+                    <a:lstStyle/>
+                    <a:p>
+                      <a:pPr marL="0" indent="0" latinLnBrk="1">
+                        <a:buFontTx/>
+                        <a:buNone/>
+                      </a:pPr>
+                      <a:r>
+                        <a:rPr lang="ko-KR" altLang="en-US" sz="1100" dirty="0"/>
+                        <a:t>열려 있는 모든 창을 최소화 </a:t>
+                      </a:r>
+                      <a:r>
+                        <a:rPr lang="en-US" altLang="ko-KR" sz="1100" dirty="0"/>
+                        <a:t>/ </a:t>
+                      </a:r>
+                      <a:r>
+                        <a:rPr lang="ko-KR" altLang="en-US" sz="1100" dirty="0"/>
+                        <a:t>이전 크기로 표시</a:t>
+                      </a:r>
+                      <a:endParaRPr lang="en-US" altLang="ko-KR" sz="1100" dirty="0"/>
+                    </a:p>
+                  </a:txBody>
+                  <a:tcPr anchor="ctr"/>
+                </a:tc>
+                <a:tc>
+                  <a:txBody>
+                    <a:bodyPr/>
+                    <a:lstStyle/>
+                    <a:p>
+                      <a:pPr latinLnBrk="1"/>
+                      <a:r>
+                        <a:rPr lang="en-US" altLang="ko-KR" sz="1200" dirty="0"/>
+                        <a:t>Win + X</a:t>
+                      </a:r>
+                      <a:endParaRPr lang="ko-KR" altLang="en-US" sz="1200" dirty="0"/>
+                    </a:p>
+                  </a:txBody>
+                  <a:tcPr anchor="ctr"/>
+                </a:tc>
+                <a:tc>
+                  <a:txBody>
+                    <a:bodyPr/>
+                    <a:lstStyle/>
+                    <a:p>
+                      <a:pPr marL="0" indent="0" latinLnBrk="1">
+                        <a:buFontTx/>
+                        <a:buNone/>
+                      </a:pPr>
+                      <a:r>
+                        <a:rPr lang="en-US" altLang="ko-KR" sz="1100" dirty="0"/>
+                        <a:t>[</a:t>
+                      </a:r>
+                      <a:r>
+                        <a:rPr lang="ko-KR" altLang="en-US" sz="1100" dirty="0"/>
+                        <a:t>시작</a:t>
+                      </a:r>
+                      <a:r>
+                        <a:rPr lang="en-US" altLang="ko-KR" sz="1100" dirty="0"/>
+                        <a:t>] </a:t>
+                      </a:r>
+                      <a:r>
+                        <a:rPr lang="ko-KR" altLang="en-US" sz="1100" dirty="0"/>
+                        <a:t>메뉴의 바로 가기 메뉴를 표시</a:t>
+                      </a:r>
+                      <a:endParaRPr lang="en-US" altLang="ko-KR" sz="1100" dirty="0"/>
+                    </a:p>
+                  </a:txBody>
+                  <a:tcPr anchor="ctr"/>
+                </a:tc>
+                <a:extLst>
+                  <a:ext uri="{0D108BD9-81ED-4DB2-BD59-A6C34878D82A}">
+                    <a16:rowId xmlns:a16="http://schemas.microsoft.com/office/drawing/2014/main" val="3920512397"/>
+                  </a:ext>
+                </a:extLst>
+              </a:tr>
+              <a:tr h="370840">
+                <a:tc>
+                  <a:txBody>
+                    <a:bodyPr/>
+                    <a:lstStyle/>
+                    <a:p>
+                      <a:pPr latinLnBrk="1"/>
+                      <a:r>
+                        <a:rPr lang="en-US" altLang="ko-KR" sz="1200" dirty="0"/>
+                        <a:t>Win + P</a:t>
+                      </a:r>
+                      <a:endParaRPr lang="ko-KR" altLang="en-US" sz="1200" dirty="0"/>
+                    </a:p>
+                  </a:txBody>
+                  <a:tcPr anchor="ctr"/>
+                </a:tc>
+                <a:tc>
+                  <a:txBody>
+                    <a:bodyPr/>
+                    <a:lstStyle/>
+                    <a:p>
+                      <a:pPr marL="0" indent="0" latinLnBrk="1">
+                        <a:buFontTx/>
+                        <a:buNone/>
+                      </a:pPr>
+                      <a:r>
+                        <a:rPr lang="ko-KR" altLang="en-US" sz="1100" dirty="0"/>
+                        <a:t>화면 우측에 프로젝트 바로가기를 표시</a:t>
+                      </a:r>
+                      <a:endParaRPr lang="en-US" altLang="ko-KR" sz="1100" dirty="0"/>
+                    </a:p>
+                  </a:txBody>
+                  <a:tcPr anchor="ctr"/>
+                </a:tc>
+                <a:tc>
+                  <a:txBody>
+                    <a:bodyPr/>
+                    <a:lstStyle/>
+                    <a:p>
+                      <a:pPr latinLnBrk="1"/>
+                      <a:r>
+                        <a:rPr lang="en-US" altLang="ko-KR" sz="1200" dirty="0"/>
+                        <a:t>Win + Pause</a:t>
+                      </a:r>
+                      <a:endParaRPr lang="ko-KR" altLang="en-US" sz="1200" dirty="0"/>
+                    </a:p>
+                  </a:txBody>
+                  <a:tcPr anchor="ctr"/>
+                </a:tc>
+                <a:tc>
+                  <a:txBody>
+                    <a:bodyPr/>
+                    <a:lstStyle/>
+                    <a:p>
+                      <a:pPr marL="0" indent="0" latinLnBrk="1">
+                        <a:buFontTx/>
+                        <a:buNone/>
+                      </a:pPr>
+                      <a:r>
+                        <a:rPr lang="en-US" altLang="ko-KR" sz="1100" dirty="0"/>
+                        <a:t>[</a:t>
+                      </a:r>
+                      <a:r>
+                        <a:rPr lang="ko-KR" altLang="en-US" sz="1100" dirty="0"/>
+                        <a:t>설정</a:t>
+                      </a:r>
+                      <a:r>
+                        <a:rPr lang="en-US" altLang="ko-KR" sz="1100" dirty="0"/>
+                        <a:t>] -&gt; [</a:t>
+                      </a:r>
+                      <a:r>
+                        <a:rPr lang="ko-KR" altLang="en-US" sz="1100" dirty="0"/>
+                        <a:t>시스템</a:t>
+                      </a:r>
+                      <a:r>
+                        <a:rPr lang="en-US" altLang="ko-KR" sz="1100" dirty="0"/>
+                        <a:t>] -&gt; [</a:t>
+                      </a:r>
+                      <a:r>
+                        <a:rPr lang="ko-KR" altLang="en-US" sz="1100" dirty="0"/>
+                        <a:t>정보</a:t>
+                      </a:r>
+                      <a:r>
+                        <a:rPr lang="en-US" altLang="ko-KR" sz="1100" dirty="0"/>
+                        <a:t>] </a:t>
+                      </a:r>
+                      <a:r>
+                        <a:rPr lang="ko-KR" altLang="en-US" sz="1100" dirty="0"/>
+                        <a:t>창을 표시</a:t>
+                      </a:r>
+                      <a:endParaRPr lang="en-US" altLang="ko-KR" sz="1100" dirty="0"/>
+                    </a:p>
+                  </a:txBody>
+                  <a:tcPr anchor="ctr"/>
+                </a:tc>
+                <a:extLst>
+                  <a:ext uri="{0D108BD9-81ED-4DB2-BD59-A6C34878D82A}">
+                    <a16:rowId xmlns:a16="http://schemas.microsoft.com/office/drawing/2014/main" val="1361641561"/>
+                  </a:ext>
+                </a:extLst>
+              </a:tr>
+              <a:tr h="370840">
+                <a:tc>
+                  <a:txBody>
+                    <a:bodyPr/>
+                    <a:lstStyle/>
+                    <a:p>
+                      <a:pPr latinLnBrk="1"/>
+                      <a:r>
+                        <a:rPr lang="en-US" altLang="ko-KR" sz="1200" dirty="0"/>
+                        <a:t>Win + Tab</a:t>
+                      </a:r>
+                      <a:endParaRPr lang="ko-KR" altLang="en-US" sz="1200" dirty="0"/>
+                    </a:p>
+                  </a:txBody>
+                  <a:tcPr anchor="ctr"/>
+                </a:tc>
+                <a:tc>
+                  <a:txBody>
+                    <a:bodyPr/>
+                    <a:lstStyle/>
+                    <a:p>
+                      <a:pPr marL="0" indent="0" latinLnBrk="1">
+                        <a:buFontTx/>
+                        <a:buNone/>
+                      </a:pPr>
+                      <a:r>
+                        <a:rPr lang="en-US" altLang="ko-KR" sz="1100" dirty="0"/>
+                        <a:t>‘</a:t>
+                      </a:r>
+                      <a:r>
+                        <a:rPr lang="ko-KR" altLang="en-US" sz="1100" dirty="0"/>
+                        <a:t>작업 보기</a:t>
+                      </a:r>
+                      <a:r>
+                        <a:rPr lang="en-US" altLang="ko-KR" sz="1100" dirty="0"/>
+                        <a:t>’ </a:t>
+                      </a:r>
+                      <a:r>
+                        <a:rPr lang="ko-KR" altLang="en-US" sz="1100" dirty="0"/>
+                        <a:t>를 실행</a:t>
+                      </a:r>
+                      <a:endParaRPr lang="en-US" altLang="ko-KR" sz="1100" dirty="0"/>
+                    </a:p>
+                  </a:txBody>
+                  <a:tcPr anchor="ctr"/>
+                </a:tc>
+                <a:tc>
+                  <a:txBody>
+                    <a:bodyPr/>
+                    <a:lstStyle/>
+                    <a:p>
+                      <a:pPr latinLnBrk="1"/>
+                      <a:endParaRPr lang="ko-KR" altLang="en-US" sz="1200" dirty="0"/>
+                    </a:p>
+                  </a:txBody>
+                  <a:tcPr anchor="ctr"/>
+                </a:tc>
+                <a:tc>
+                  <a:txBody>
+                    <a:bodyPr/>
+                    <a:lstStyle/>
+                    <a:p>
+                      <a:pPr latinLnBrk="1"/>
+                      <a:endParaRPr lang="ko-KR" altLang="en-US" sz="1100" dirty="0"/>
+                    </a:p>
+                  </a:txBody>
+                  <a:tcPr anchor="ctr"/>
+                </a:tc>
+                <a:extLst>
+                  <a:ext uri="{0D108BD9-81ED-4DB2-BD59-A6C34878D82A}">
+                    <a16:rowId xmlns:a16="http://schemas.microsoft.com/office/drawing/2014/main" val="4063520420"/>
+                  </a:ext>
+                </a:extLst>
+              </a:tr>
+            </a:tbl>
+          </a:graphicData>
+        </a:graphic>
+      </p:graphicFrame>
     </p:spTree>
     <p:extLst>
       <p:ext uri="{BB962C8B-B14F-4D97-AF65-F5344CB8AC3E}">
-        <p14:creationId xmlns:p14="http://schemas.microsoft.com/office/powerpoint/2010/main" val="954954335"/>
+        <p14:creationId xmlns:p14="http://schemas.microsoft.com/office/powerpoint/2010/main" val="2724412028"/>
       </p:ext>
     </p:extLst>
   </p:cSld>
@@ -3725,99 +5776,4783 @@
           <p:cNvPr id="2" name="제목 1">
             <a:extLst>
               <a:ext uri="{FF2B5EF4-FFF2-40B4-BE49-F238E27FC236}">
-                <a16:creationId xmlns:a16="http://schemas.microsoft.com/office/drawing/2014/main" id="{2E41EADC-5899-4B0A-A906-3D947B19B652}"/>
+                <a16:creationId xmlns:a16="http://schemas.microsoft.com/office/drawing/2014/main" id="{A1D40836-4A18-400A-947C-B6C4A6E75647}"/>
               </a:ext>
             </a:extLst>
           </p:cNvPr>
-          <p:cNvSpPr>
-            <a:spLocks noGrp="1"/>
+          <p:cNvSpPr txBox="1">
+            <a:spLocks/>
           </p:cNvSpPr>
-          <p:nvPr>
-            <p:ph type="ctrTitle"/>
-          </p:nvPr>
+          <p:nvPr/>
         </p:nvSpPr>
-        <p:spPr/>
+        <p:spPr>
+          <a:xfrm>
+            <a:off x="838200" y="365125"/>
+            <a:ext cx="10515600" cy="649943"/>
+          </a:xfrm>
+          <a:prstGeom prst="rect">
+            <a:avLst/>
+          </a:prstGeom>
+        </p:spPr>
         <p:txBody>
-          <a:bodyPr/>
-          <a:lstStyle/>
+          <a:bodyPr>
+            <a:normAutofit fontScale="97500" lnSpcReduction="10000"/>
+          </a:bodyPr>
+          <a:lstStyle>
+            <a:lvl1pPr algn="l" defTabSz="914400" rtl="0" eaLnBrk="1" latinLnBrk="1" hangingPunct="1">
+              <a:lnSpc>
+                <a:spcPct val="90000"/>
+              </a:lnSpc>
+              <a:spcBef>
+                <a:spcPct val="0"/>
+              </a:spcBef>
+              <a:buNone/>
+              <a:defRPr sz="4400" kern="1200">
+                <a:solidFill>
+                  <a:schemeClr val="tx1"/>
+                </a:solidFill>
+                <a:latin typeface="+mj-lt"/>
+                <a:ea typeface="+mj-ea"/>
+                <a:cs typeface="+mj-cs"/>
+              </a:defRPr>
+            </a:lvl1pPr>
+          </a:lstStyle>
           <a:p>
             <a:r>
               <a:rPr lang="en-US" altLang="ko-KR" dirty="0"/>
-              <a:t>4. SQL </a:t>
+              <a:t>Section</a:t>
             </a:r>
             <a:r>
               <a:rPr lang="ko-KR" altLang="en-US" dirty="0"/>
-              <a:t>활용</a:t>
-            </a:r>
+              <a:t> </a:t>
+            </a:r>
+            <a:r>
+              <a:rPr lang="en-US" altLang="ko-KR" dirty="0"/>
+              <a:t>003</a:t>
+            </a:r>
+            <a:r>
+              <a:rPr lang="ko-KR" altLang="en-US" dirty="0"/>
+              <a:t> </a:t>
+            </a:r>
+            <a:r>
+              <a:rPr lang="en-US" altLang="ko-KR" dirty="0"/>
+              <a:t>UNIX / LINUX</a:t>
+            </a:r>
+            <a:endParaRPr lang="ko-KR" altLang="en-US" dirty="0"/>
           </a:p>
         </p:txBody>
       </p:sp>
       <p:sp>
         <p:nvSpPr>
-          <p:cNvPr id="3" name="부제목 2">
+          <p:cNvPr id="3" name="TextBox 2">
             <a:extLst>
               <a:ext uri="{FF2B5EF4-FFF2-40B4-BE49-F238E27FC236}">
-                <a16:creationId xmlns:a16="http://schemas.microsoft.com/office/drawing/2014/main" id="{D90E34A4-7BE6-45F6-B6CB-ACB5AC0D6B1D}"/>
+                <a16:creationId xmlns:a16="http://schemas.microsoft.com/office/drawing/2014/main" id="{D17CC41A-4CA5-42B4-BEB2-3780FD49D2D0}"/>
               </a:ext>
             </a:extLst>
           </p:cNvPr>
-          <p:cNvSpPr>
-            <a:spLocks noGrp="1"/>
-          </p:cNvSpPr>
-          <p:nvPr>
-            <p:ph type="subTitle" idx="1"/>
-          </p:nvPr>
+          <p:cNvSpPr txBox="1"/>
+          <p:nvPr/>
         </p:nvSpPr>
-        <p:spPr/>
+        <p:spPr>
+          <a:xfrm>
+            <a:off x="838200" y="931178"/>
+            <a:ext cx="10515599" cy="558166"/>
+          </a:xfrm>
+          <a:prstGeom prst="rect">
+            <a:avLst/>
+          </a:prstGeom>
+          <a:noFill/>
+        </p:spPr>
         <p:txBody>
-          <a:bodyPr>
-            <a:normAutofit/>
+          <a:bodyPr wrap="square" rtlCol="0">
+            <a:spAutoFit/>
           </a:bodyPr>
           <a:lstStyle/>
           <a:p>
+            <a:pPr>
+              <a:lnSpc>
+                <a:spcPct val="200000"/>
+              </a:lnSpc>
+            </a:pPr>
             <a:r>
               <a:rPr lang="en-US" altLang="ko-KR" dirty="0"/>
-              <a:t>1. </a:t>
+              <a:t>1] UNIX </a:t>
             </a:r>
             <a:r>
               <a:rPr lang="ko-KR" altLang="en-US" dirty="0"/>
-              <a:t>기본 </a:t>
-            </a:r>
+              <a:t>개요 및 특징</a:t>
+            </a:r>
+            <a:endParaRPr lang="en-US" altLang="ko-KR" sz="1400" dirty="0"/>
+          </a:p>
+        </p:txBody>
+      </p:sp>
+      <p:sp>
+        <p:nvSpPr>
+          <p:cNvPr id="4" name="TextBox 3">
+            <a:extLst>
+              <a:ext uri="{FF2B5EF4-FFF2-40B4-BE49-F238E27FC236}">
+                <a16:creationId xmlns:a16="http://schemas.microsoft.com/office/drawing/2014/main" id="{56CF1906-6854-43B1-8279-14ED73D2436C}"/>
+              </a:ext>
+            </a:extLst>
+          </p:cNvPr>
+          <p:cNvSpPr txBox="1"/>
+          <p:nvPr/>
+        </p:nvSpPr>
+        <p:spPr>
+          <a:xfrm>
+            <a:off x="838200" y="1661020"/>
+            <a:ext cx="10515600" cy="4401205"/>
+          </a:xfrm>
+          <a:prstGeom prst="rect">
+            <a:avLst/>
+          </a:prstGeom>
+          <a:noFill/>
+        </p:spPr>
+        <p:txBody>
+          <a:bodyPr wrap="square" rtlCol="0">
+            <a:spAutoFit/>
+          </a:bodyPr>
+          <a:lstStyle/>
+          <a:p>
+            <a:pPr marL="285750" indent="-285750">
+              <a:buFontTx/>
+              <a:buChar char="-"/>
+            </a:pPr>
             <a:r>
               <a:rPr lang="en-US" altLang="ko-KR" dirty="0"/>
-              <a:t>SQL </a:t>
+              <a:t>UNIX</a:t>
             </a:r>
             <a:r>
               <a:rPr lang="ko-KR" altLang="en-US" dirty="0"/>
-              <a:t>작성하기</a:t>
+              <a:t>는 </a:t>
+            </a:r>
+            <a:r>
+              <a:rPr lang="en-US" altLang="ko-KR" dirty="0"/>
+              <a:t>1960</a:t>
+            </a:r>
+            <a:r>
+              <a:rPr lang="ko-KR" altLang="en-US" dirty="0"/>
+              <a:t>년대 </a:t>
+            </a:r>
+            <a:r>
+              <a:rPr lang="en-US" altLang="ko-KR" dirty="0"/>
+              <a:t>AT&amp;T </a:t>
+            </a:r>
+            <a:r>
+              <a:rPr lang="ko-KR" altLang="en-US" dirty="0"/>
+              <a:t>벨</a:t>
+            </a:r>
+            <a:r>
+              <a:rPr lang="en-US" altLang="ko-KR" dirty="0"/>
+              <a:t>(Bell) </a:t>
+            </a:r>
+            <a:r>
+              <a:rPr lang="ko-KR" altLang="en-US" dirty="0"/>
+              <a:t>연구소</a:t>
+            </a:r>
+            <a:r>
+              <a:rPr lang="en-US" altLang="ko-KR" dirty="0"/>
+              <a:t>, MIT, General Electric </a:t>
+            </a:r>
+            <a:r>
+              <a:rPr lang="ko-KR" altLang="en-US" dirty="0"/>
+              <a:t>이 공동 개발한 운영체제</a:t>
             </a:r>
             <a:endParaRPr lang="en-US" altLang="ko-KR" dirty="0"/>
           </a:p>
           <a:p>
-            <a:r>
-              <a:rPr lang="en-US" altLang="ko-KR" dirty="0"/>
-              <a:t>2. </a:t>
-            </a:r>
-            <a:r>
-              <a:rPr lang="ko-KR" altLang="en-US" dirty="0"/>
-              <a:t>고급 </a:t>
-            </a:r>
-            <a:r>
-              <a:rPr lang="en-US" altLang="ko-KR" dirty="0"/>
-              <a:t>SQL </a:t>
-            </a:r>
-            <a:r>
-              <a:rPr lang="ko-KR" altLang="en-US" dirty="0"/>
-              <a:t>작성하기</a:t>
-            </a:r>
             <a:endParaRPr lang="en-US" altLang="ko-KR" dirty="0"/>
+          </a:p>
+          <a:p>
+            <a:r>
+              <a:rPr lang="ko-KR" altLang="en-US" dirty="0">
+                <a:highlight>
+                  <a:srgbClr val="FFFF00"/>
+                </a:highlight>
+              </a:rPr>
+              <a:t>특징</a:t>
+            </a:r>
+            <a:r>
+              <a:rPr lang="en-US" altLang="ko-KR" dirty="0">
+                <a:highlight>
+                  <a:srgbClr val="FFFF00"/>
+                </a:highlight>
+              </a:rPr>
+              <a:t>)</a:t>
+            </a:r>
+          </a:p>
+          <a:p>
+            <a:endParaRPr lang="en-US" altLang="ko-KR" dirty="0"/>
+          </a:p>
+          <a:p>
+            <a:pPr marL="285750" indent="-285750">
+              <a:buFontTx/>
+              <a:buChar char="-"/>
+            </a:pPr>
+            <a:r>
+              <a:rPr lang="ko-KR" altLang="en-US" sz="1600" dirty="0"/>
+              <a:t>시분할 시스템</a:t>
+            </a:r>
+            <a:r>
+              <a:rPr lang="en-US" altLang="ko-KR" sz="1600" dirty="0"/>
+              <a:t>(Time</a:t>
+            </a:r>
+            <a:r>
+              <a:rPr lang="ko-KR" altLang="en-US" sz="1600" dirty="0"/>
+              <a:t> </a:t>
+            </a:r>
+            <a:r>
+              <a:rPr lang="en-US" altLang="ko-KR" sz="1600" dirty="0"/>
+              <a:t>Sharing System)</a:t>
+            </a:r>
+            <a:r>
+              <a:rPr lang="ko-KR" altLang="en-US" sz="1600" dirty="0"/>
+              <a:t>을 위해 설계된 운영체제 </a:t>
+            </a:r>
+            <a:endParaRPr lang="en-US" altLang="ko-KR" sz="1600" dirty="0"/>
+          </a:p>
+          <a:p>
+            <a:pPr marL="285750" indent="-285750">
+              <a:buFontTx/>
+              <a:buChar char="-"/>
+            </a:pPr>
+            <a:r>
+              <a:rPr lang="ko-KR" altLang="en-US" sz="1600" dirty="0"/>
+              <a:t>소스가 공개된 개방형 시스템</a:t>
+            </a:r>
+            <a:r>
+              <a:rPr lang="en-US" altLang="ko-KR" sz="1600" dirty="0"/>
+              <a:t>(Open</a:t>
+            </a:r>
+            <a:r>
+              <a:rPr lang="ko-KR" altLang="en-US" sz="1600" dirty="0"/>
+              <a:t> </a:t>
+            </a:r>
+            <a:r>
+              <a:rPr lang="en-US" altLang="ko-KR" sz="1600" dirty="0"/>
+              <a:t>System)</a:t>
+            </a:r>
+          </a:p>
+          <a:p>
+            <a:pPr marL="285750" indent="-285750">
+              <a:buFontTx/>
+              <a:buChar char="-"/>
+            </a:pPr>
+            <a:r>
+              <a:rPr lang="ko-KR" altLang="en-US" sz="1600" dirty="0"/>
+              <a:t>대부분 </a:t>
+            </a:r>
+            <a:r>
+              <a:rPr lang="en-US" altLang="ko-KR" sz="1600" dirty="0"/>
+              <a:t>C</a:t>
+            </a:r>
+            <a:r>
+              <a:rPr lang="ko-KR" altLang="en-US" sz="1600" dirty="0"/>
+              <a:t>언어로 작성 이식성이 높고 장치</a:t>
+            </a:r>
+            <a:r>
+              <a:rPr lang="en-US" altLang="ko-KR" sz="1600" dirty="0"/>
+              <a:t>, </a:t>
+            </a:r>
+            <a:r>
+              <a:rPr lang="ko-KR" altLang="en-US" sz="1600" dirty="0"/>
+              <a:t>프로세스 간의 호환성이 높음</a:t>
+            </a:r>
+            <a:endParaRPr lang="en-US" altLang="ko-KR" sz="1600" dirty="0"/>
+          </a:p>
+          <a:p>
+            <a:pPr marL="285750" indent="-285750">
+              <a:buFontTx/>
+              <a:buChar char="-"/>
+            </a:pPr>
+            <a:r>
+              <a:rPr lang="ko-KR" altLang="en-US" sz="1600" dirty="0"/>
+              <a:t>크기가 작고 이해하기가 쉬움</a:t>
+            </a:r>
+            <a:endParaRPr lang="en-US" altLang="ko-KR" sz="1600" dirty="0"/>
+          </a:p>
+          <a:p>
+            <a:pPr marL="285750" indent="-285750">
+              <a:buFontTx/>
+              <a:buChar char="-"/>
+            </a:pPr>
+            <a:r>
+              <a:rPr lang="en-US" altLang="ko-KR" sz="1600" dirty="0"/>
+              <a:t>Multi-User ,Multi-Tasking </a:t>
+            </a:r>
+            <a:r>
+              <a:rPr lang="ko-KR" altLang="en-US" sz="1600" dirty="0"/>
+              <a:t>지원</a:t>
+            </a:r>
+            <a:endParaRPr lang="en-US" altLang="ko-KR" sz="1600" dirty="0"/>
+          </a:p>
+          <a:p>
+            <a:pPr marL="285750" indent="-285750">
+              <a:buFontTx/>
+              <a:buChar char="-"/>
+            </a:pPr>
+            <a:r>
+              <a:rPr lang="ko-KR" altLang="en-US" sz="1600" dirty="0"/>
+              <a:t>많은 네트워킹 기능을 제공하므로 통신망</a:t>
+            </a:r>
+            <a:r>
+              <a:rPr lang="en-US" altLang="ko-KR" sz="1600" dirty="0"/>
+              <a:t>(Network) </a:t>
+            </a:r>
+            <a:r>
+              <a:rPr lang="ko-KR" altLang="en-US" sz="1600" dirty="0"/>
+              <a:t>관리용 운영체제로 적합</a:t>
+            </a:r>
+            <a:endParaRPr lang="en-US" altLang="ko-KR" sz="1600" dirty="0"/>
+          </a:p>
+          <a:p>
+            <a:pPr marL="285750" indent="-285750">
+              <a:buFontTx/>
+              <a:buChar char="-"/>
+            </a:pPr>
+            <a:r>
+              <a:rPr lang="ko-KR" altLang="en-US" sz="1600" dirty="0"/>
+              <a:t>계층적 트리 구조의 파일 시스템</a:t>
+            </a:r>
+            <a:endParaRPr lang="en-US" altLang="ko-KR" sz="1600" dirty="0"/>
+          </a:p>
+          <a:p>
+            <a:pPr marL="285750" indent="-285750">
+              <a:buFontTx/>
+              <a:buChar char="-"/>
+            </a:pPr>
+            <a:r>
+              <a:rPr lang="ko-KR" altLang="en-US" sz="1600" dirty="0"/>
+              <a:t>표준 입 </a:t>
+            </a:r>
+            <a:r>
+              <a:rPr lang="en-US" altLang="ko-KR" sz="1600" dirty="0"/>
+              <a:t>* </a:t>
+            </a:r>
+            <a:r>
+              <a:rPr lang="ko-KR" altLang="en-US" sz="1600" dirty="0"/>
+              <a:t>출력을 통해 명령어들이 파이프라인으로 연결됨</a:t>
+            </a:r>
+            <a:endParaRPr lang="en-US" altLang="ko-KR" sz="1600" dirty="0"/>
+          </a:p>
+          <a:p>
+            <a:pPr marL="285750" indent="-285750">
+              <a:buFontTx/>
+              <a:buChar char="-"/>
+            </a:pPr>
+            <a:endParaRPr lang="en-US" altLang="ko-KR" sz="1600" dirty="0"/>
+          </a:p>
+          <a:p>
+            <a:r>
+              <a:rPr lang="en-US" altLang="ko-KR" sz="1600" dirty="0">
+                <a:highlight>
+                  <a:srgbClr val="FFFF00"/>
+                </a:highlight>
+              </a:rPr>
+              <a:t>Multi-User ,Multi-Tasking</a:t>
+            </a:r>
+          </a:p>
+          <a:p>
+            <a:pPr marL="285750" indent="-285750">
+              <a:buFontTx/>
+              <a:buChar char="-"/>
+            </a:pPr>
+            <a:r>
+              <a:rPr lang="en-US" altLang="ko-KR" sz="1600" dirty="0"/>
+              <a:t>Multi-User : </a:t>
+            </a:r>
+            <a:r>
+              <a:rPr lang="ko-KR" altLang="en-US" sz="1600" dirty="0"/>
+              <a:t>여러 사용자가 동시에 시스템을 사용하는 것</a:t>
+            </a:r>
+            <a:endParaRPr lang="en-US" altLang="ko-KR" sz="1600" dirty="0"/>
+          </a:p>
+          <a:p>
+            <a:pPr marL="285750" indent="-285750">
+              <a:buFontTx/>
+              <a:buChar char="-"/>
+            </a:pPr>
+            <a:r>
+              <a:rPr lang="en-US" altLang="ko-KR" sz="1600" dirty="0"/>
+              <a:t>Multi-System : </a:t>
+            </a:r>
+            <a:r>
+              <a:rPr lang="ko-KR" altLang="en-US" sz="1600" dirty="0"/>
+              <a:t>여러 개의 작업</a:t>
+            </a:r>
+            <a:r>
+              <a:rPr lang="en-US" altLang="ko-KR" sz="1600" dirty="0"/>
+              <a:t>(</a:t>
+            </a:r>
+            <a:r>
+              <a:rPr lang="ko-KR" altLang="en-US" sz="1600" dirty="0"/>
+              <a:t>프로그램</a:t>
+            </a:r>
+            <a:r>
+              <a:rPr lang="en-US" altLang="ko-KR" sz="1600" dirty="0"/>
+              <a:t>)</a:t>
+            </a:r>
+            <a:r>
+              <a:rPr lang="ko-KR" altLang="en-US" sz="1600" dirty="0"/>
+              <a:t>을 동시에 수행하는 것</a:t>
+            </a:r>
+            <a:endParaRPr lang="en-US" altLang="ko-KR" sz="1600" dirty="0"/>
+          </a:p>
+          <a:p>
+            <a:pPr marL="285750" indent="-285750">
+              <a:buFontTx/>
+              <a:buChar char="-"/>
+            </a:pPr>
+            <a:r>
+              <a:rPr lang="ko-KR" altLang="en-US" sz="1600" dirty="0"/>
+              <a:t>하나 이상의 작업을 백그라운드에서 수행하므로 여러 작업을 동시에 처리할 수 있음</a:t>
+            </a:r>
+            <a:endParaRPr lang="en-US" altLang="ko-KR" sz="1600" dirty="0"/>
           </a:p>
         </p:txBody>
       </p:sp>
     </p:spTree>
     <p:extLst>
       <p:ext uri="{BB962C8B-B14F-4D97-AF65-F5344CB8AC3E}">
-        <p14:creationId xmlns:p14="http://schemas.microsoft.com/office/powerpoint/2010/main" val="2329731595"/>
+        <p14:creationId xmlns:p14="http://schemas.microsoft.com/office/powerpoint/2010/main" val="3524940544"/>
+      </p:ext>
+    </p:extLst>
+  </p:cSld>
+  <p:clrMapOvr>
+    <a:masterClrMapping/>
+  </p:clrMapOvr>
+</p:sld>
+</file>
+
+<file path=ppt/slides/slide13.xml><?xml version="1.0" encoding="utf-8"?>
+<p:sld xmlns:a="http://schemas.openxmlformats.org/drawingml/2006/main" xmlns:r="http://schemas.openxmlformats.org/officeDocument/2006/relationships" xmlns:p="http://schemas.openxmlformats.org/presentationml/2006/main">
+  <p:cSld>
+    <p:spTree>
+      <p:nvGrpSpPr>
+        <p:cNvPr id="1" name=""/>
+        <p:cNvGrpSpPr/>
+        <p:nvPr/>
+      </p:nvGrpSpPr>
+      <p:grpSpPr>
+        <a:xfrm>
+          <a:off x="0" y="0"/>
+          <a:ext cx="0" cy="0"/>
+          <a:chOff x="0" y="0"/>
+          <a:chExt cx="0" cy="0"/>
+        </a:xfrm>
+      </p:grpSpPr>
+      <p:sp>
+        <p:nvSpPr>
+          <p:cNvPr id="2" name="제목 1">
+            <a:extLst>
+              <a:ext uri="{FF2B5EF4-FFF2-40B4-BE49-F238E27FC236}">
+                <a16:creationId xmlns:a16="http://schemas.microsoft.com/office/drawing/2014/main" id="{A1D40836-4A18-400A-947C-B6C4A6E75647}"/>
+              </a:ext>
+            </a:extLst>
+          </p:cNvPr>
+          <p:cNvSpPr txBox="1">
+            <a:spLocks/>
+          </p:cNvSpPr>
+          <p:nvPr/>
+        </p:nvSpPr>
+        <p:spPr>
+          <a:xfrm>
+            <a:off x="838200" y="365125"/>
+            <a:ext cx="10515600" cy="649943"/>
+          </a:xfrm>
+          <a:prstGeom prst="rect">
+            <a:avLst/>
+          </a:prstGeom>
+        </p:spPr>
+        <p:txBody>
+          <a:bodyPr>
+            <a:normAutofit fontScale="97500" lnSpcReduction="10000"/>
+          </a:bodyPr>
+          <a:lstStyle>
+            <a:lvl1pPr algn="l" defTabSz="914400" rtl="0" eaLnBrk="1" latinLnBrk="1" hangingPunct="1">
+              <a:lnSpc>
+                <a:spcPct val="90000"/>
+              </a:lnSpc>
+              <a:spcBef>
+                <a:spcPct val="0"/>
+              </a:spcBef>
+              <a:buNone/>
+              <a:defRPr sz="4400" kern="1200">
+                <a:solidFill>
+                  <a:schemeClr val="tx1"/>
+                </a:solidFill>
+                <a:latin typeface="+mj-lt"/>
+                <a:ea typeface="+mj-ea"/>
+                <a:cs typeface="+mj-cs"/>
+              </a:defRPr>
+            </a:lvl1pPr>
+          </a:lstStyle>
+          <a:p>
+            <a:r>
+              <a:rPr lang="en-US" altLang="ko-KR" dirty="0"/>
+              <a:t>Section</a:t>
+            </a:r>
+            <a:r>
+              <a:rPr lang="ko-KR" altLang="en-US" dirty="0"/>
+              <a:t> </a:t>
+            </a:r>
+            <a:r>
+              <a:rPr lang="en-US" altLang="ko-KR" dirty="0"/>
+              <a:t>003</a:t>
+            </a:r>
+            <a:r>
+              <a:rPr lang="ko-KR" altLang="en-US" dirty="0"/>
+              <a:t> </a:t>
+            </a:r>
+            <a:r>
+              <a:rPr lang="en-US" altLang="ko-KR" dirty="0"/>
+              <a:t>UNIX / LINUX</a:t>
+            </a:r>
+            <a:endParaRPr lang="ko-KR" altLang="en-US" dirty="0"/>
+          </a:p>
+        </p:txBody>
+      </p:sp>
+      <p:sp>
+        <p:nvSpPr>
+          <p:cNvPr id="3" name="TextBox 2">
+            <a:extLst>
+              <a:ext uri="{FF2B5EF4-FFF2-40B4-BE49-F238E27FC236}">
+                <a16:creationId xmlns:a16="http://schemas.microsoft.com/office/drawing/2014/main" id="{D17CC41A-4CA5-42B4-BEB2-3780FD49D2D0}"/>
+              </a:ext>
+            </a:extLst>
+          </p:cNvPr>
+          <p:cNvSpPr txBox="1"/>
+          <p:nvPr/>
+        </p:nvSpPr>
+        <p:spPr>
+          <a:xfrm>
+            <a:off x="838200" y="931178"/>
+            <a:ext cx="10515599" cy="558166"/>
+          </a:xfrm>
+          <a:prstGeom prst="rect">
+            <a:avLst/>
+          </a:prstGeom>
+          <a:noFill/>
+        </p:spPr>
+        <p:txBody>
+          <a:bodyPr wrap="square" rtlCol="0">
+            <a:spAutoFit/>
+          </a:bodyPr>
+          <a:lstStyle/>
+          <a:p>
+            <a:pPr>
+              <a:lnSpc>
+                <a:spcPct val="200000"/>
+              </a:lnSpc>
+            </a:pPr>
+            <a:r>
+              <a:rPr lang="en-US" altLang="ko-KR" dirty="0"/>
+              <a:t>1] UNIX </a:t>
+            </a:r>
+            <a:r>
+              <a:rPr lang="ko-KR" altLang="en-US" dirty="0"/>
+              <a:t>시스템의 구성</a:t>
+            </a:r>
+            <a:endParaRPr lang="en-US" altLang="ko-KR" sz="1400" dirty="0"/>
+          </a:p>
+        </p:txBody>
+      </p:sp>
+      <p:pic>
+        <p:nvPicPr>
+          <p:cNvPr id="1026" name="Picture 2">
+            <a:extLst>
+              <a:ext uri="{FF2B5EF4-FFF2-40B4-BE49-F238E27FC236}">
+                <a16:creationId xmlns:a16="http://schemas.microsoft.com/office/drawing/2014/main" id="{65EBB2D8-7A46-4DEA-AE2F-CFEF60D37D13}"/>
+              </a:ext>
+            </a:extLst>
+          </p:cNvPr>
+          <p:cNvPicPr>
+            <a:picLocks noChangeAspect="1" noChangeArrowheads="1"/>
+          </p:cNvPicPr>
+          <p:nvPr/>
+        </p:nvPicPr>
+        <p:blipFill>
+          <a:blip r:embed="rId2">
+            <a:extLst>
+              <a:ext uri="{28A0092B-C50C-407E-A947-70E740481C1C}">
+                <a14:useLocalDpi xmlns:a14="http://schemas.microsoft.com/office/drawing/2010/main" val="0"/>
+              </a:ext>
+            </a:extLst>
+          </a:blip>
+          <a:srcRect/>
+          <a:stretch>
+            <a:fillRect/>
+          </a:stretch>
+        </p:blipFill>
+        <p:spPr bwMode="auto">
+          <a:xfrm>
+            <a:off x="838200" y="1581121"/>
+            <a:ext cx="3540853" cy="3276600"/>
+          </a:xfrm>
+          <a:prstGeom prst="rect">
+            <a:avLst/>
+          </a:prstGeom>
+          <a:noFill/>
+          <a:extLst>
+            <a:ext uri="{909E8E84-426E-40DD-AFC4-6F175D3DCCD1}">
+              <a14:hiddenFill xmlns:a14="http://schemas.microsoft.com/office/drawing/2010/main">
+                <a:solidFill>
+                  <a:srgbClr val="FFFFFF"/>
+                </a:solidFill>
+              </a14:hiddenFill>
+            </a:ext>
+          </a:extLst>
+        </p:spPr>
+      </p:pic>
+      <p:graphicFrame>
+        <p:nvGraphicFramePr>
+          <p:cNvPr id="5" name="표 5">
+            <a:extLst>
+              <a:ext uri="{FF2B5EF4-FFF2-40B4-BE49-F238E27FC236}">
+                <a16:creationId xmlns:a16="http://schemas.microsoft.com/office/drawing/2014/main" id="{638BE102-20F9-4D8C-A4BD-A637BF2294E7}"/>
+              </a:ext>
+            </a:extLst>
+          </p:cNvPr>
+          <p:cNvGraphicFramePr>
+            <a:graphicFrameLocks noGrp="1"/>
+          </p:cNvGraphicFramePr>
+          <p:nvPr>
+            <p:extLst>
+              <p:ext uri="{D42A27DB-BD31-4B8C-83A1-F6EECF244321}">
+                <p14:modId xmlns:p14="http://schemas.microsoft.com/office/powerpoint/2010/main" val="1907237454"/>
+              </p:ext>
+            </p:extLst>
+          </p:nvPr>
+        </p:nvGraphicFramePr>
+        <p:xfrm>
+          <a:off x="4530055" y="1520440"/>
+          <a:ext cx="6823744" cy="4679024"/>
+        </p:xfrm>
+        <a:graphic>
+          <a:graphicData uri="http://schemas.openxmlformats.org/drawingml/2006/table">
+            <a:tbl>
+              <a:tblPr firstRow="1" bandRow="1">
+                <a:tableStyleId>{5940675A-B579-460E-94D1-54222C63F5DA}</a:tableStyleId>
+              </a:tblPr>
+              <a:tblGrid>
+                <a:gridCol w="1736521">
+                  <a:extLst>
+                    <a:ext uri="{9D8B030D-6E8A-4147-A177-3AD203B41FA5}">
+                      <a16:colId xmlns:a16="http://schemas.microsoft.com/office/drawing/2014/main" val="1912239736"/>
+                    </a:ext>
+                  </a:extLst>
+                </a:gridCol>
+                <a:gridCol w="5087223">
+                  <a:extLst>
+                    <a:ext uri="{9D8B030D-6E8A-4147-A177-3AD203B41FA5}">
+                      <a16:colId xmlns:a16="http://schemas.microsoft.com/office/drawing/2014/main" val="4208085111"/>
+                    </a:ext>
+                  </a:extLst>
+                </a:gridCol>
+              </a:tblGrid>
+              <a:tr h="771787">
+                <a:tc>
+                  <a:txBody>
+                    <a:bodyPr/>
+                    <a:lstStyle/>
+                    <a:p>
+                      <a:pPr algn="ctr" latinLnBrk="1"/>
+                      <a:r>
+                        <a:rPr lang="ko-KR" altLang="en-US" sz="1600" dirty="0"/>
+                        <a:t>요소</a:t>
+                      </a:r>
+                    </a:p>
+                  </a:txBody>
+                  <a:tcPr anchor="ctr">
+                    <a:solidFill>
+                      <a:srgbClr val="FFC000"/>
+                    </a:solidFill>
+                  </a:tcPr>
+                </a:tc>
+                <a:tc>
+                  <a:txBody>
+                    <a:bodyPr/>
+                    <a:lstStyle/>
+                    <a:p>
+                      <a:pPr algn="ctr" latinLnBrk="1"/>
+                      <a:r>
+                        <a:rPr lang="ko-KR" altLang="en-US" sz="1600" dirty="0"/>
+                        <a:t>특징</a:t>
+                      </a:r>
+                    </a:p>
+                  </a:txBody>
+                  <a:tcPr anchor="ctr">
+                    <a:solidFill>
+                      <a:srgbClr val="FFC000"/>
+                    </a:solidFill>
+                  </a:tcPr>
+                </a:tc>
+                <a:extLst>
+                  <a:ext uri="{0D108BD9-81ED-4DB2-BD59-A6C34878D82A}">
+                    <a16:rowId xmlns:a16="http://schemas.microsoft.com/office/drawing/2014/main" val="1486744947"/>
+                  </a:ext>
+                </a:extLst>
+              </a:tr>
+              <a:tr h="1159219">
+                <a:tc>
+                  <a:txBody>
+                    <a:bodyPr/>
+                    <a:lstStyle/>
+                    <a:p>
+                      <a:pPr algn="ctr" latinLnBrk="1"/>
+                      <a:r>
+                        <a:rPr lang="ko-KR" altLang="en-US" sz="1400" dirty="0"/>
+                        <a:t>커널</a:t>
+                      </a:r>
+                      <a:r>
+                        <a:rPr lang="en-US" altLang="ko-KR" sz="1400" dirty="0"/>
+                        <a:t>(Kernel)</a:t>
+                      </a:r>
+                      <a:endParaRPr lang="ko-KR" altLang="en-US" sz="1400" dirty="0"/>
+                    </a:p>
+                  </a:txBody>
+                  <a:tcPr anchor="ctr"/>
+                </a:tc>
+                <a:tc>
+                  <a:txBody>
+                    <a:bodyPr/>
+                    <a:lstStyle/>
+                    <a:p>
+                      <a:pPr marL="0" indent="0" algn="ctr" latinLnBrk="1">
+                        <a:buFontTx/>
+                        <a:buNone/>
+                      </a:pPr>
+                      <a:r>
+                        <a:rPr lang="en-US" altLang="ko-KR" sz="1100" dirty="0"/>
+                        <a:t>UNIX</a:t>
+                      </a:r>
+                      <a:r>
+                        <a:rPr lang="ko-KR" altLang="en-US" sz="1100" dirty="0"/>
+                        <a:t>의 가장 핵심적인 부분</a:t>
+                      </a:r>
+                      <a:endParaRPr lang="en-US" altLang="ko-KR" sz="1100" dirty="0"/>
+                    </a:p>
+                    <a:p>
+                      <a:pPr marL="0" indent="0" algn="ctr" latinLnBrk="1">
+                        <a:buFontTx/>
+                        <a:buNone/>
+                      </a:pPr>
+                      <a:r>
+                        <a:rPr lang="ko-KR" altLang="en-US" sz="1100" dirty="0"/>
+                        <a:t>컴퓨터가 부팅될 때 주기억장치에 적재된 후 상주하면서 실행됨</a:t>
+                      </a:r>
+                      <a:endParaRPr lang="en-US" altLang="ko-KR" sz="1100" dirty="0"/>
+                    </a:p>
+                    <a:p>
+                      <a:pPr marL="0" indent="0" algn="ctr" latinLnBrk="1">
+                        <a:buFontTx/>
+                        <a:buNone/>
+                      </a:pPr>
+                      <a:r>
+                        <a:rPr lang="ko-KR" altLang="en-US" sz="1100" dirty="0"/>
+                        <a:t>하드웨어를 보호하고</a:t>
+                      </a:r>
+                      <a:r>
+                        <a:rPr lang="en-US" altLang="ko-KR" sz="1100" dirty="0"/>
+                        <a:t>, </a:t>
+                      </a:r>
+                      <a:r>
+                        <a:rPr lang="ko-KR" altLang="en-US" sz="1100" dirty="0"/>
+                        <a:t>프로그램과 하드웨어 간의</a:t>
+                      </a:r>
+                      <a:r>
+                        <a:rPr lang="en-US" altLang="ko-KR" sz="1100" dirty="0"/>
+                        <a:t>[ </a:t>
+                      </a:r>
+                      <a:r>
+                        <a:rPr lang="ko-KR" altLang="en-US" sz="1100" dirty="0"/>
+                        <a:t>인터페이스 역할을 담당</a:t>
+                      </a:r>
+                      <a:endParaRPr lang="en-US" altLang="ko-KR" sz="1100" dirty="0"/>
+                    </a:p>
+                    <a:p>
+                      <a:pPr marL="0" indent="0" algn="ctr" latinLnBrk="1">
+                        <a:buFontTx/>
+                        <a:buNone/>
+                      </a:pPr>
+                      <a:r>
+                        <a:rPr lang="ko-KR" altLang="en-US" sz="1100" dirty="0"/>
+                        <a:t>프로세스</a:t>
+                      </a:r>
+                      <a:r>
+                        <a:rPr lang="en-US" altLang="ko-KR" sz="1100" dirty="0"/>
+                        <a:t>(CPU</a:t>
+                      </a:r>
+                      <a:r>
+                        <a:rPr lang="ko-KR" altLang="en-US" sz="1100" dirty="0"/>
+                        <a:t> 스케줄링</a:t>
+                      </a:r>
+                      <a:r>
+                        <a:rPr lang="en-US" altLang="ko-KR" sz="1100" dirty="0"/>
+                        <a:t>) </a:t>
+                      </a:r>
+                      <a:r>
+                        <a:rPr lang="ko-KR" altLang="en-US" sz="1100" dirty="0"/>
+                        <a:t>관리</a:t>
+                      </a:r>
+                      <a:r>
+                        <a:rPr lang="en-US" altLang="ko-KR" sz="1100" dirty="0"/>
+                        <a:t>, </a:t>
+                      </a:r>
+                      <a:r>
+                        <a:rPr lang="ko-KR" altLang="en-US" sz="1100" dirty="0"/>
+                        <a:t>기억장치 관리</a:t>
+                      </a:r>
+                      <a:r>
+                        <a:rPr lang="en-US" altLang="ko-KR" sz="1100" dirty="0"/>
+                        <a:t>, </a:t>
+                      </a:r>
+                      <a:r>
+                        <a:rPr lang="ko-KR" altLang="en-US" sz="1100" dirty="0"/>
+                        <a:t>파일 관리</a:t>
+                      </a:r>
+                      <a:r>
+                        <a:rPr lang="en-US" altLang="ko-KR" sz="1100" dirty="0"/>
+                        <a:t>, </a:t>
+                      </a:r>
+                      <a:r>
+                        <a:rPr lang="ko-KR" altLang="en-US" sz="1100" dirty="0"/>
+                        <a:t>입 </a:t>
+                      </a:r>
+                      <a:r>
+                        <a:rPr lang="en-US" altLang="ko-KR" sz="1100" dirty="0"/>
+                        <a:t>* </a:t>
+                      </a:r>
+                      <a:r>
+                        <a:rPr lang="ko-KR" altLang="en-US" sz="1100" dirty="0"/>
+                        <a:t>출력 관리</a:t>
+                      </a:r>
+                      <a:r>
+                        <a:rPr lang="en-US" altLang="ko-KR" sz="1100" dirty="0"/>
+                        <a:t>, </a:t>
+                      </a:r>
+                      <a:r>
+                        <a:rPr lang="ko-KR" altLang="en-US" sz="1100" dirty="0"/>
+                        <a:t>데이터 전송 및 변환 등 여러 가지 기능을 수행함</a:t>
+                      </a:r>
+                    </a:p>
+                  </a:txBody>
+                  <a:tcPr anchor="ctr"/>
+                </a:tc>
+                <a:extLst>
+                  <a:ext uri="{0D108BD9-81ED-4DB2-BD59-A6C34878D82A}">
+                    <a16:rowId xmlns:a16="http://schemas.microsoft.com/office/drawing/2014/main" val="1430542153"/>
+                  </a:ext>
+                </a:extLst>
+              </a:tr>
+              <a:tr h="1318610">
+                <a:tc>
+                  <a:txBody>
+                    <a:bodyPr/>
+                    <a:lstStyle/>
+                    <a:p>
+                      <a:pPr algn="ctr" latinLnBrk="1"/>
+                      <a:r>
+                        <a:rPr lang="ko-KR" altLang="en-US" sz="1400" dirty="0"/>
+                        <a:t>쉘</a:t>
+                      </a:r>
+                      <a:r>
+                        <a:rPr lang="en-US" altLang="ko-KR" sz="1400" dirty="0"/>
+                        <a:t>(Shell)</a:t>
+                      </a:r>
+                      <a:endParaRPr lang="ko-KR" altLang="en-US" sz="1400" dirty="0"/>
+                    </a:p>
+                  </a:txBody>
+                  <a:tcPr anchor="ctr"/>
+                </a:tc>
+                <a:tc>
+                  <a:txBody>
+                    <a:bodyPr/>
+                    <a:lstStyle/>
+                    <a:p>
+                      <a:pPr marL="0" indent="0" algn="ctr" latinLnBrk="1">
+                        <a:buFontTx/>
+                        <a:buNone/>
+                      </a:pPr>
+                      <a:r>
+                        <a:rPr lang="ko-KR" altLang="en-US" sz="1100" dirty="0"/>
+                        <a:t>사용자의 명령어를 인식</a:t>
+                      </a:r>
+                      <a:r>
+                        <a:rPr lang="en-US" altLang="ko-KR" sz="1100" dirty="0"/>
+                        <a:t>,</a:t>
+                      </a:r>
+                      <a:r>
+                        <a:rPr lang="ko-KR" altLang="en-US" sz="1100" dirty="0"/>
+                        <a:t> 프로그램 호출</a:t>
+                      </a:r>
+                      <a:r>
+                        <a:rPr lang="en-US" altLang="ko-KR" sz="1100" dirty="0"/>
+                        <a:t>, </a:t>
+                      </a:r>
+                      <a:r>
+                        <a:rPr lang="ko-KR" altLang="en-US" sz="1100" dirty="0"/>
+                        <a:t>명령을 수행하는 명령어 해석기</a:t>
+                      </a:r>
+                      <a:endParaRPr lang="en-US" altLang="ko-KR" sz="1100" dirty="0"/>
+                    </a:p>
+                    <a:p>
+                      <a:pPr marL="0" indent="0" algn="ctr" latinLnBrk="1">
+                        <a:buFontTx/>
+                        <a:buNone/>
+                      </a:pPr>
+                      <a:r>
+                        <a:rPr lang="ko-KR" altLang="en-US" sz="1100" dirty="0"/>
+                        <a:t>명령을 해석하여 커널로 처리할 수 있도록 전달해주는 명령 인터프리터</a:t>
+                      </a:r>
+                      <a:endParaRPr lang="en-US" altLang="ko-KR" sz="1100" dirty="0"/>
+                    </a:p>
+                    <a:p>
+                      <a:pPr marL="0" indent="0" algn="ctr" latinLnBrk="1">
+                        <a:buFontTx/>
+                        <a:buNone/>
+                      </a:pPr>
+                      <a:r>
+                        <a:rPr lang="ko-KR" altLang="en-US" sz="1100" dirty="0"/>
+                        <a:t>단말장치를 통하여 사용자로부터 명령어를 입력 받음</a:t>
+                      </a:r>
+                      <a:endParaRPr lang="en-US" altLang="ko-KR" sz="1100" dirty="0"/>
+                    </a:p>
+                    <a:p>
+                      <a:pPr marL="0" indent="0" algn="ctr" latinLnBrk="1">
+                        <a:buFontTx/>
+                        <a:buNone/>
+                      </a:pPr>
+                      <a:r>
+                        <a:rPr lang="ko-KR" altLang="en-US" sz="1100" dirty="0"/>
+                        <a:t>공용 </a:t>
+                      </a:r>
+                      <a:r>
+                        <a:rPr lang="en-US" altLang="ko-KR" sz="1100" dirty="0"/>
+                        <a:t>Shell(Bourn Shell, C Shell, Korn Shell)</a:t>
+                      </a:r>
+                      <a:r>
+                        <a:rPr lang="ko-KR" altLang="en-US" sz="1100" dirty="0"/>
+                        <a:t>이나 사용자 자신이 만든 </a:t>
+                      </a:r>
+                      <a:r>
+                        <a:rPr lang="en-US" altLang="ko-KR" sz="1100" dirty="0"/>
+                        <a:t>Shell</a:t>
+                      </a:r>
+                      <a:r>
+                        <a:rPr lang="ko-KR" altLang="en-US" sz="1100" dirty="0"/>
+                        <a:t>을 사용할 수 있음</a:t>
+                      </a:r>
+                      <a:endParaRPr lang="en-US" altLang="ko-KR" sz="1100" dirty="0"/>
+                    </a:p>
+                  </a:txBody>
+                  <a:tcPr anchor="ctr"/>
+                </a:tc>
+                <a:extLst>
+                  <a:ext uri="{0D108BD9-81ED-4DB2-BD59-A6C34878D82A}">
+                    <a16:rowId xmlns:a16="http://schemas.microsoft.com/office/drawing/2014/main" val="264642498"/>
+                  </a:ext>
+                </a:extLst>
+              </a:tr>
+              <a:tr h="1429408">
+                <a:tc>
+                  <a:txBody>
+                    <a:bodyPr/>
+                    <a:lstStyle/>
+                    <a:p>
+                      <a:pPr algn="ctr" latinLnBrk="1"/>
+                      <a:r>
+                        <a:rPr lang="ko-KR" altLang="en-US" sz="1400" dirty="0"/>
+                        <a:t>유틸리티 프로그램</a:t>
+                      </a:r>
+                      <a:endParaRPr lang="en-US" altLang="ko-KR" sz="1400" dirty="0"/>
+                    </a:p>
+                    <a:p>
+                      <a:pPr algn="ctr" latinLnBrk="1"/>
+                      <a:r>
+                        <a:rPr lang="en-US" altLang="ko-KR" sz="1400" dirty="0"/>
+                        <a:t>(Utility Program)</a:t>
+                      </a:r>
+                      <a:endParaRPr lang="ko-KR" altLang="en-US" sz="1400" dirty="0"/>
+                    </a:p>
+                  </a:txBody>
+                  <a:tcPr anchor="ctr"/>
+                </a:tc>
+                <a:tc>
+                  <a:txBody>
+                    <a:bodyPr/>
+                    <a:lstStyle/>
+                    <a:p>
+                      <a:pPr marL="0" indent="0" algn="ctr" latinLnBrk="1">
+                        <a:buFontTx/>
+                        <a:buNone/>
+                      </a:pPr>
+                      <a:r>
+                        <a:rPr lang="ko-KR" altLang="en-US" sz="1100" dirty="0"/>
+                        <a:t>일반 사용자가 작성한 응용 프로그램을 처리하는 데 사용</a:t>
+                      </a:r>
+                      <a:endParaRPr lang="en-US" altLang="ko-KR" sz="1100" dirty="0"/>
+                    </a:p>
+                    <a:p>
+                      <a:pPr marL="0" indent="0" algn="ctr" latinLnBrk="1">
+                        <a:buFontTx/>
+                        <a:buNone/>
+                      </a:pPr>
+                      <a:r>
+                        <a:rPr lang="en-US" altLang="ko-KR" sz="1100" dirty="0"/>
+                        <a:t>DOS</a:t>
+                      </a:r>
+                      <a:r>
+                        <a:rPr lang="ko-KR" altLang="en-US" sz="1100" dirty="0"/>
+                        <a:t>에서의 외부 명령어에 해당</a:t>
+                      </a:r>
+                      <a:endParaRPr lang="en-US" altLang="ko-KR" sz="1100" dirty="0"/>
+                    </a:p>
+                    <a:p>
+                      <a:pPr marL="0" indent="0" algn="ctr" latinLnBrk="1">
+                        <a:buFontTx/>
+                        <a:buNone/>
+                      </a:pPr>
+                      <a:r>
+                        <a:rPr lang="ko-KR" altLang="en-US" sz="1100" dirty="0"/>
+                        <a:t>유틸리티 프로그램에는 에디터</a:t>
+                      </a:r>
+                      <a:r>
+                        <a:rPr lang="en-US" altLang="ko-KR" sz="1100" dirty="0"/>
+                        <a:t>, </a:t>
+                      </a:r>
+                      <a:r>
+                        <a:rPr lang="ko-KR" altLang="en-US" sz="1100" dirty="0"/>
+                        <a:t>컴파일러</a:t>
+                      </a:r>
+                      <a:r>
+                        <a:rPr lang="en-US" altLang="ko-KR" sz="1100" dirty="0"/>
+                        <a:t>, </a:t>
+                      </a:r>
+                      <a:r>
+                        <a:rPr lang="ko-KR" altLang="en-US" sz="1100" dirty="0"/>
+                        <a:t>인터프리터</a:t>
+                      </a:r>
+                      <a:r>
+                        <a:rPr lang="en-US" altLang="ko-KR" sz="1100" dirty="0"/>
+                        <a:t>, </a:t>
+                      </a:r>
+                      <a:r>
+                        <a:rPr lang="ko-KR" altLang="en-US" sz="1100" dirty="0" err="1"/>
+                        <a:t>디버거</a:t>
+                      </a:r>
+                      <a:r>
+                        <a:rPr lang="ko-KR" altLang="en-US" sz="1100" dirty="0"/>
+                        <a:t> 등</a:t>
+                      </a:r>
+                      <a:endParaRPr lang="en-US" altLang="ko-KR" sz="1100" dirty="0"/>
+                    </a:p>
+                  </a:txBody>
+                  <a:tcPr anchor="ctr"/>
+                </a:tc>
+                <a:extLst>
+                  <a:ext uri="{0D108BD9-81ED-4DB2-BD59-A6C34878D82A}">
+                    <a16:rowId xmlns:a16="http://schemas.microsoft.com/office/drawing/2014/main" val="3959508227"/>
+                  </a:ext>
+                </a:extLst>
+              </a:tr>
+            </a:tbl>
+          </a:graphicData>
+        </a:graphic>
+      </p:graphicFrame>
+    </p:spTree>
+    <p:extLst>
+      <p:ext uri="{BB962C8B-B14F-4D97-AF65-F5344CB8AC3E}">
+        <p14:creationId xmlns:p14="http://schemas.microsoft.com/office/powerpoint/2010/main" val="790426044"/>
+      </p:ext>
+    </p:extLst>
+  </p:cSld>
+  <p:clrMapOvr>
+    <a:masterClrMapping/>
+  </p:clrMapOvr>
+</p:sld>
+</file>
+
+<file path=ppt/slides/slide14.xml><?xml version="1.0" encoding="utf-8"?>
+<p:sld xmlns:a="http://schemas.openxmlformats.org/drawingml/2006/main" xmlns:r="http://schemas.openxmlformats.org/officeDocument/2006/relationships" xmlns:p="http://schemas.openxmlformats.org/presentationml/2006/main">
+  <p:cSld>
+    <p:spTree>
+      <p:nvGrpSpPr>
+        <p:cNvPr id="1" name=""/>
+        <p:cNvGrpSpPr/>
+        <p:nvPr/>
+      </p:nvGrpSpPr>
+      <p:grpSpPr>
+        <a:xfrm>
+          <a:off x="0" y="0"/>
+          <a:ext cx="0" cy="0"/>
+          <a:chOff x="0" y="0"/>
+          <a:chExt cx="0" cy="0"/>
+        </a:xfrm>
+      </p:grpSpPr>
+      <p:sp>
+        <p:nvSpPr>
+          <p:cNvPr id="2" name="제목 1">
+            <a:extLst>
+              <a:ext uri="{FF2B5EF4-FFF2-40B4-BE49-F238E27FC236}">
+                <a16:creationId xmlns:a16="http://schemas.microsoft.com/office/drawing/2014/main" id="{A1D40836-4A18-400A-947C-B6C4A6E75647}"/>
+              </a:ext>
+            </a:extLst>
+          </p:cNvPr>
+          <p:cNvSpPr txBox="1">
+            <a:spLocks/>
+          </p:cNvSpPr>
+          <p:nvPr/>
+        </p:nvSpPr>
+        <p:spPr>
+          <a:xfrm>
+            <a:off x="838200" y="365125"/>
+            <a:ext cx="10515600" cy="649943"/>
+          </a:xfrm>
+          <a:prstGeom prst="rect">
+            <a:avLst/>
+          </a:prstGeom>
+        </p:spPr>
+        <p:txBody>
+          <a:bodyPr>
+            <a:normAutofit fontScale="97500" lnSpcReduction="10000"/>
+          </a:bodyPr>
+          <a:lstStyle>
+            <a:lvl1pPr algn="l" defTabSz="914400" rtl="0" eaLnBrk="1" latinLnBrk="1" hangingPunct="1">
+              <a:lnSpc>
+                <a:spcPct val="90000"/>
+              </a:lnSpc>
+              <a:spcBef>
+                <a:spcPct val="0"/>
+              </a:spcBef>
+              <a:buNone/>
+              <a:defRPr sz="4400" kern="1200">
+                <a:solidFill>
+                  <a:schemeClr val="tx1"/>
+                </a:solidFill>
+                <a:latin typeface="+mj-lt"/>
+                <a:ea typeface="+mj-ea"/>
+                <a:cs typeface="+mj-cs"/>
+              </a:defRPr>
+            </a:lvl1pPr>
+          </a:lstStyle>
+          <a:p>
+            <a:r>
+              <a:rPr lang="en-US" altLang="ko-KR" dirty="0"/>
+              <a:t>Section</a:t>
+            </a:r>
+            <a:r>
+              <a:rPr lang="ko-KR" altLang="en-US" dirty="0"/>
+              <a:t> </a:t>
+            </a:r>
+            <a:r>
+              <a:rPr lang="en-US" altLang="ko-KR" dirty="0"/>
+              <a:t>003</a:t>
+            </a:r>
+            <a:r>
+              <a:rPr lang="ko-KR" altLang="en-US" dirty="0"/>
+              <a:t> </a:t>
+            </a:r>
+            <a:r>
+              <a:rPr lang="en-US" altLang="ko-KR" dirty="0"/>
+              <a:t>UNIX / LINUX</a:t>
+            </a:r>
+            <a:endParaRPr lang="ko-KR" altLang="en-US" dirty="0"/>
+          </a:p>
+        </p:txBody>
+      </p:sp>
+      <p:sp>
+        <p:nvSpPr>
+          <p:cNvPr id="3" name="TextBox 2">
+            <a:extLst>
+              <a:ext uri="{FF2B5EF4-FFF2-40B4-BE49-F238E27FC236}">
+                <a16:creationId xmlns:a16="http://schemas.microsoft.com/office/drawing/2014/main" id="{D17CC41A-4CA5-42B4-BEB2-3780FD49D2D0}"/>
+              </a:ext>
+            </a:extLst>
+          </p:cNvPr>
+          <p:cNvSpPr txBox="1"/>
+          <p:nvPr/>
+        </p:nvSpPr>
+        <p:spPr>
+          <a:xfrm>
+            <a:off x="838200" y="931178"/>
+            <a:ext cx="10515599" cy="558166"/>
+          </a:xfrm>
+          <a:prstGeom prst="rect">
+            <a:avLst/>
+          </a:prstGeom>
+          <a:noFill/>
+        </p:spPr>
+        <p:txBody>
+          <a:bodyPr wrap="square" rtlCol="0">
+            <a:spAutoFit/>
+          </a:bodyPr>
+          <a:lstStyle/>
+          <a:p>
+            <a:pPr>
+              <a:lnSpc>
+                <a:spcPct val="200000"/>
+              </a:lnSpc>
+            </a:pPr>
+            <a:r>
+              <a:rPr lang="en-US" altLang="ko-KR" dirty="0"/>
+              <a:t>3] LINUX </a:t>
+            </a:r>
+            <a:r>
+              <a:rPr lang="ko-KR" altLang="en-US" dirty="0"/>
+              <a:t>개요 및 특징</a:t>
+            </a:r>
+            <a:endParaRPr lang="en-US" altLang="ko-KR" dirty="0"/>
+          </a:p>
+        </p:txBody>
+      </p:sp>
+      <p:sp>
+        <p:nvSpPr>
+          <p:cNvPr id="4" name="TextBox 3">
+            <a:extLst>
+              <a:ext uri="{FF2B5EF4-FFF2-40B4-BE49-F238E27FC236}">
+                <a16:creationId xmlns:a16="http://schemas.microsoft.com/office/drawing/2014/main" id="{043C7DE6-5752-4B7D-830B-962DF198E679}"/>
+              </a:ext>
+            </a:extLst>
+          </p:cNvPr>
+          <p:cNvSpPr txBox="1"/>
+          <p:nvPr/>
+        </p:nvSpPr>
+        <p:spPr>
+          <a:xfrm>
+            <a:off x="931178" y="1661020"/>
+            <a:ext cx="9135611" cy="2862322"/>
+          </a:xfrm>
+          <a:prstGeom prst="rect">
+            <a:avLst/>
+          </a:prstGeom>
+          <a:noFill/>
+        </p:spPr>
+        <p:txBody>
+          <a:bodyPr wrap="square" rtlCol="0">
+            <a:spAutoFit/>
+          </a:bodyPr>
+          <a:lstStyle/>
+          <a:p>
+            <a:pPr marL="285750" indent="-285750">
+              <a:buFontTx/>
+              <a:buChar char="-"/>
+            </a:pPr>
+            <a:r>
+              <a:rPr lang="en-US" altLang="ko-KR" dirty="0"/>
+              <a:t>LINUX</a:t>
+            </a:r>
+            <a:r>
+              <a:rPr lang="ko-KR" altLang="en-US" dirty="0"/>
+              <a:t>는 </a:t>
+            </a:r>
+            <a:r>
+              <a:rPr lang="en-US" altLang="ko-KR" dirty="0"/>
+              <a:t>1991</a:t>
+            </a:r>
+            <a:r>
+              <a:rPr lang="ko-KR" altLang="en-US" dirty="0"/>
+              <a:t>년 </a:t>
+            </a:r>
+            <a:r>
+              <a:rPr lang="ko-KR" altLang="en-US" dirty="0" err="1"/>
+              <a:t>리누스</a:t>
+            </a:r>
+            <a:r>
+              <a:rPr lang="ko-KR" altLang="en-US" dirty="0"/>
+              <a:t> </a:t>
+            </a:r>
+            <a:r>
+              <a:rPr lang="ko-KR" altLang="en-US" dirty="0" err="1"/>
+              <a:t>토발즈</a:t>
+            </a:r>
+            <a:r>
+              <a:rPr lang="en-US" altLang="ko-KR" dirty="0"/>
+              <a:t>(Linus </a:t>
+            </a:r>
+            <a:r>
+              <a:rPr lang="en-US" altLang="ko-KR" dirty="0" err="1"/>
+              <a:t>Tobalds</a:t>
+            </a:r>
+            <a:r>
+              <a:rPr lang="en-US" altLang="ko-KR" dirty="0"/>
+              <a:t>)</a:t>
+            </a:r>
+            <a:r>
+              <a:rPr lang="ko-KR" altLang="en-US" dirty="0"/>
+              <a:t>가 </a:t>
+            </a:r>
+            <a:r>
+              <a:rPr lang="en-US" altLang="ko-KR" dirty="0"/>
+              <a:t>UNIX</a:t>
+            </a:r>
+            <a:r>
+              <a:rPr lang="ko-KR" altLang="en-US" dirty="0"/>
+              <a:t>를 기반으로 만든 운영체제</a:t>
+            </a:r>
+            <a:endParaRPr lang="en-US" altLang="ko-KR" dirty="0"/>
+          </a:p>
+          <a:p>
+            <a:endParaRPr lang="en-US" altLang="ko-KR" dirty="0"/>
+          </a:p>
+          <a:p>
+            <a:r>
+              <a:rPr lang="ko-KR" altLang="en-US" dirty="0"/>
+              <a:t>특징</a:t>
+            </a:r>
+            <a:r>
+              <a:rPr lang="en-US" altLang="ko-KR" dirty="0"/>
+              <a:t>)</a:t>
+            </a:r>
+          </a:p>
+          <a:p>
+            <a:endParaRPr lang="en-US" altLang="ko-KR" dirty="0"/>
+          </a:p>
+          <a:p>
+            <a:pPr marL="285750" indent="-285750">
+              <a:buFontTx/>
+              <a:buChar char="-"/>
+            </a:pPr>
+            <a:r>
+              <a:rPr lang="ko-KR" altLang="en-US" dirty="0"/>
+              <a:t>프로그램 소스 코드가 무료로 공개되어 있음</a:t>
+            </a:r>
+            <a:endParaRPr lang="en-US" altLang="ko-KR" dirty="0"/>
+          </a:p>
+          <a:p>
+            <a:pPr marL="285750" indent="-285750">
+              <a:buFontTx/>
+              <a:buChar char="-"/>
+            </a:pPr>
+            <a:r>
+              <a:rPr lang="ko-KR" altLang="en-US" dirty="0"/>
+              <a:t>프로그래머가 원하는 기능을 추가할 수 있음</a:t>
+            </a:r>
+            <a:endParaRPr lang="en-US" altLang="ko-KR" dirty="0"/>
+          </a:p>
+          <a:p>
+            <a:pPr marL="285750" indent="-285750">
+              <a:buFontTx/>
+              <a:buChar char="-"/>
+            </a:pPr>
+            <a:r>
+              <a:rPr lang="ko-KR" altLang="en-US" dirty="0"/>
+              <a:t>다양한 플랫폼에 설치하여 사용 가능</a:t>
+            </a:r>
+            <a:endParaRPr lang="en-US" altLang="ko-KR" dirty="0"/>
+          </a:p>
+          <a:p>
+            <a:pPr marL="285750" indent="-285750">
+              <a:buFontTx/>
+              <a:buChar char="-"/>
+            </a:pPr>
+            <a:r>
+              <a:rPr lang="ko-KR" altLang="en-US" dirty="0"/>
+              <a:t>재 배포 가능</a:t>
+            </a:r>
+            <a:endParaRPr lang="en-US" altLang="ko-KR" dirty="0"/>
+          </a:p>
+          <a:p>
+            <a:pPr marL="285750" indent="-285750">
+              <a:buFontTx/>
+              <a:buChar char="-"/>
+            </a:pPr>
+            <a:r>
+              <a:rPr lang="en-US" altLang="ko-KR" dirty="0"/>
+              <a:t>UNIX</a:t>
+            </a:r>
+            <a:r>
+              <a:rPr lang="ko-KR" altLang="en-US" dirty="0"/>
+              <a:t>와 완벽하게 호환</a:t>
+            </a:r>
+            <a:endParaRPr lang="en-US" altLang="ko-KR" dirty="0"/>
+          </a:p>
+          <a:p>
+            <a:pPr marL="285750" indent="-285750">
+              <a:buFontTx/>
+              <a:buChar char="-"/>
+            </a:pPr>
+            <a:r>
+              <a:rPr lang="ko-KR" altLang="en-US" dirty="0"/>
+              <a:t>대부분의 특징이 </a:t>
+            </a:r>
+            <a:r>
+              <a:rPr lang="en-US" altLang="ko-KR" dirty="0"/>
+              <a:t>UNIX</a:t>
+            </a:r>
+            <a:r>
+              <a:rPr lang="ko-KR" altLang="en-US" dirty="0"/>
+              <a:t>와 동일</a:t>
+            </a:r>
+          </a:p>
+        </p:txBody>
+      </p:sp>
+    </p:spTree>
+    <p:extLst>
+      <p:ext uri="{BB962C8B-B14F-4D97-AF65-F5344CB8AC3E}">
+        <p14:creationId xmlns:p14="http://schemas.microsoft.com/office/powerpoint/2010/main" val="3569563934"/>
+      </p:ext>
+    </p:extLst>
+  </p:cSld>
+  <p:clrMapOvr>
+    <a:masterClrMapping/>
+  </p:clrMapOvr>
+</p:sld>
+</file>
+
+<file path=ppt/slides/slide15.xml><?xml version="1.0" encoding="utf-8"?>
+<p:sld xmlns:a="http://schemas.openxmlformats.org/drawingml/2006/main" xmlns:r="http://schemas.openxmlformats.org/officeDocument/2006/relationships" xmlns:p="http://schemas.openxmlformats.org/presentationml/2006/main">
+  <p:cSld>
+    <p:spTree>
+      <p:nvGrpSpPr>
+        <p:cNvPr id="1" name=""/>
+        <p:cNvGrpSpPr/>
+        <p:nvPr/>
+      </p:nvGrpSpPr>
+      <p:grpSpPr>
+        <a:xfrm>
+          <a:off x="0" y="0"/>
+          <a:ext cx="0" cy="0"/>
+          <a:chOff x="0" y="0"/>
+          <a:chExt cx="0" cy="0"/>
+        </a:xfrm>
+      </p:grpSpPr>
+      <p:sp>
+        <p:nvSpPr>
+          <p:cNvPr id="2" name="제목 1">
+            <a:extLst>
+              <a:ext uri="{FF2B5EF4-FFF2-40B4-BE49-F238E27FC236}">
+                <a16:creationId xmlns:a16="http://schemas.microsoft.com/office/drawing/2014/main" id="{A1D40836-4A18-400A-947C-B6C4A6E75647}"/>
+              </a:ext>
+            </a:extLst>
+          </p:cNvPr>
+          <p:cNvSpPr txBox="1">
+            <a:spLocks/>
+          </p:cNvSpPr>
+          <p:nvPr/>
+        </p:nvSpPr>
+        <p:spPr>
+          <a:xfrm>
+            <a:off x="838200" y="365125"/>
+            <a:ext cx="10515600" cy="649943"/>
+          </a:xfrm>
+          <a:prstGeom prst="rect">
+            <a:avLst/>
+          </a:prstGeom>
+        </p:spPr>
+        <p:txBody>
+          <a:bodyPr>
+            <a:normAutofit fontScale="97500" lnSpcReduction="10000"/>
+          </a:bodyPr>
+          <a:lstStyle>
+            <a:lvl1pPr algn="l" defTabSz="914400" rtl="0" eaLnBrk="1" latinLnBrk="1" hangingPunct="1">
+              <a:lnSpc>
+                <a:spcPct val="90000"/>
+              </a:lnSpc>
+              <a:spcBef>
+                <a:spcPct val="0"/>
+              </a:spcBef>
+              <a:buNone/>
+              <a:defRPr sz="4400" kern="1200">
+                <a:solidFill>
+                  <a:schemeClr val="tx1"/>
+                </a:solidFill>
+                <a:latin typeface="+mj-lt"/>
+                <a:ea typeface="+mj-ea"/>
+                <a:cs typeface="+mj-cs"/>
+              </a:defRPr>
+            </a:lvl1pPr>
+          </a:lstStyle>
+          <a:p>
+            <a:r>
+              <a:rPr lang="en-US" altLang="ko-KR" dirty="0"/>
+              <a:t>Section</a:t>
+            </a:r>
+            <a:r>
+              <a:rPr lang="ko-KR" altLang="en-US" dirty="0"/>
+              <a:t> </a:t>
+            </a:r>
+            <a:r>
+              <a:rPr lang="en-US" altLang="ko-KR" dirty="0"/>
+              <a:t>004</a:t>
+            </a:r>
+            <a:r>
+              <a:rPr lang="ko-KR" altLang="en-US" dirty="0"/>
+              <a:t> 운영체제의 기본 명령어</a:t>
+            </a:r>
+          </a:p>
+        </p:txBody>
+      </p:sp>
+      <p:sp>
+        <p:nvSpPr>
+          <p:cNvPr id="3" name="TextBox 2">
+            <a:extLst>
+              <a:ext uri="{FF2B5EF4-FFF2-40B4-BE49-F238E27FC236}">
+                <a16:creationId xmlns:a16="http://schemas.microsoft.com/office/drawing/2014/main" id="{D17CC41A-4CA5-42B4-BEB2-3780FD49D2D0}"/>
+              </a:ext>
+            </a:extLst>
+          </p:cNvPr>
+          <p:cNvSpPr txBox="1"/>
+          <p:nvPr/>
+        </p:nvSpPr>
+        <p:spPr>
+          <a:xfrm>
+            <a:off x="838200" y="1015067"/>
+            <a:ext cx="10515599" cy="558166"/>
+          </a:xfrm>
+          <a:prstGeom prst="rect">
+            <a:avLst/>
+          </a:prstGeom>
+          <a:noFill/>
+        </p:spPr>
+        <p:txBody>
+          <a:bodyPr wrap="square" rtlCol="0">
+            <a:spAutoFit/>
+          </a:bodyPr>
+          <a:lstStyle/>
+          <a:p>
+            <a:pPr>
+              <a:lnSpc>
+                <a:spcPct val="200000"/>
+              </a:lnSpc>
+            </a:pPr>
+            <a:r>
+              <a:rPr lang="en-US" altLang="ko-KR" dirty="0"/>
+              <a:t>1] </a:t>
+            </a:r>
+            <a:r>
+              <a:rPr lang="ko-KR" altLang="en-US" dirty="0"/>
+              <a:t>운영체제 기본 명령어의 개요</a:t>
+            </a:r>
+            <a:endParaRPr lang="en-US" altLang="ko-KR" dirty="0"/>
+          </a:p>
+        </p:txBody>
+      </p:sp>
+      <p:sp>
+        <p:nvSpPr>
+          <p:cNvPr id="4" name="TextBox 3">
+            <a:extLst>
+              <a:ext uri="{FF2B5EF4-FFF2-40B4-BE49-F238E27FC236}">
+                <a16:creationId xmlns:a16="http://schemas.microsoft.com/office/drawing/2014/main" id="{043C7DE6-5752-4B7D-830B-962DF198E679}"/>
+              </a:ext>
+            </a:extLst>
+          </p:cNvPr>
+          <p:cNvSpPr txBox="1"/>
+          <p:nvPr/>
+        </p:nvSpPr>
+        <p:spPr>
+          <a:xfrm>
+            <a:off x="838199" y="1573233"/>
+            <a:ext cx="9135611" cy="1323439"/>
+          </a:xfrm>
+          <a:prstGeom prst="rect">
+            <a:avLst/>
+          </a:prstGeom>
+          <a:noFill/>
+        </p:spPr>
+        <p:txBody>
+          <a:bodyPr wrap="square" rtlCol="0">
+            <a:spAutoFit/>
+          </a:bodyPr>
+          <a:lstStyle/>
+          <a:p>
+            <a:pPr marL="285750" indent="-285750">
+              <a:buFontTx/>
+              <a:buChar char="-"/>
+            </a:pPr>
+            <a:r>
+              <a:rPr lang="ko-KR" altLang="en-US" sz="1600" dirty="0"/>
+              <a:t>운영체제를 제어하는 방법은 크게 </a:t>
+            </a:r>
+            <a:r>
+              <a:rPr lang="en-US" altLang="ko-KR" sz="1600" dirty="0">
+                <a:highlight>
+                  <a:srgbClr val="FFFF00"/>
+                </a:highlight>
+              </a:rPr>
+              <a:t>CLI </a:t>
+            </a:r>
+            <a:r>
+              <a:rPr lang="ko-KR" altLang="en-US" sz="1600" dirty="0">
+                <a:highlight>
+                  <a:srgbClr val="FFFF00"/>
+                </a:highlight>
+              </a:rPr>
+              <a:t>와 </a:t>
+            </a:r>
+            <a:r>
+              <a:rPr lang="en-US" altLang="ko-KR" sz="1600" dirty="0">
+                <a:highlight>
+                  <a:srgbClr val="FFFF00"/>
+                </a:highlight>
+              </a:rPr>
+              <a:t>GUI</a:t>
+            </a:r>
+            <a:r>
+              <a:rPr lang="ko-KR" altLang="en-US" sz="1600" dirty="0"/>
+              <a:t>로 구분할 수 있음</a:t>
+            </a:r>
+            <a:endParaRPr lang="en-US" altLang="ko-KR" sz="1600" dirty="0"/>
+          </a:p>
+          <a:p>
+            <a:pPr marL="285750" indent="-285750">
+              <a:buFontTx/>
+              <a:buChar char="-"/>
+            </a:pPr>
+            <a:r>
+              <a:rPr lang="en-US" altLang="ko-KR" sz="1600" dirty="0"/>
+              <a:t>CLI(Command Line Interface) </a:t>
+            </a:r>
+            <a:r>
+              <a:rPr lang="ko-KR" altLang="en-US" sz="1600" dirty="0"/>
+              <a:t>는 키보드로 명령어를 직접 입력하여 작업을 수행하는 사용자 인터페이스를 의미</a:t>
+            </a:r>
+            <a:endParaRPr lang="en-US" altLang="ko-KR" sz="1600" dirty="0"/>
+          </a:p>
+          <a:p>
+            <a:pPr marL="285750" indent="-285750">
+              <a:buFontTx/>
+              <a:buChar char="-"/>
+            </a:pPr>
+            <a:r>
+              <a:rPr lang="en-US" altLang="ko-KR" sz="1600" dirty="0"/>
+              <a:t>GUI(Graphic User Interface) </a:t>
+            </a:r>
+            <a:r>
+              <a:rPr lang="ko-KR" altLang="en-US" sz="1600" dirty="0"/>
+              <a:t>는 키보드로 명령어를 직접 입력하지 않고 마우스로 아이콘이나 메뉴를 선택하여 작업을 수행하는 그래픽 사용자 인터페이스를 의미</a:t>
+            </a:r>
+            <a:endParaRPr lang="en-US" altLang="ko-KR" sz="1600" dirty="0"/>
+          </a:p>
+        </p:txBody>
+      </p:sp>
+      <p:graphicFrame>
+        <p:nvGraphicFramePr>
+          <p:cNvPr id="7" name="표 7">
+            <a:extLst>
+              <a:ext uri="{FF2B5EF4-FFF2-40B4-BE49-F238E27FC236}">
+                <a16:creationId xmlns:a16="http://schemas.microsoft.com/office/drawing/2014/main" id="{9822EA47-64BC-4072-8689-61593F0FE4C8}"/>
+              </a:ext>
+            </a:extLst>
+          </p:cNvPr>
+          <p:cNvGraphicFramePr>
+            <a:graphicFrameLocks noGrp="1"/>
+          </p:cNvGraphicFramePr>
+          <p:nvPr>
+            <p:extLst>
+              <p:ext uri="{D42A27DB-BD31-4B8C-83A1-F6EECF244321}">
+                <p14:modId xmlns:p14="http://schemas.microsoft.com/office/powerpoint/2010/main" val="4220532697"/>
+              </p:ext>
+            </p:extLst>
+          </p:nvPr>
+        </p:nvGraphicFramePr>
+        <p:xfrm>
+          <a:off x="838199" y="3545028"/>
+          <a:ext cx="10515600" cy="3139440"/>
+        </p:xfrm>
+        <a:graphic>
+          <a:graphicData uri="http://schemas.openxmlformats.org/drawingml/2006/table">
+            <a:tbl>
+              <a:tblPr firstRow="1" bandRow="1">
+                <a:tableStyleId>{5940675A-B579-460E-94D1-54222C63F5DA}</a:tableStyleId>
+              </a:tblPr>
+              <a:tblGrid>
+                <a:gridCol w="1082882">
+                  <a:extLst>
+                    <a:ext uri="{9D8B030D-6E8A-4147-A177-3AD203B41FA5}">
+                      <a16:colId xmlns:a16="http://schemas.microsoft.com/office/drawing/2014/main" val="1683633549"/>
+                    </a:ext>
+                  </a:extLst>
+                </a:gridCol>
+                <a:gridCol w="4174918">
+                  <a:extLst>
+                    <a:ext uri="{9D8B030D-6E8A-4147-A177-3AD203B41FA5}">
+                      <a16:colId xmlns:a16="http://schemas.microsoft.com/office/drawing/2014/main" val="2636988136"/>
+                    </a:ext>
+                  </a:extLst>
+                </a:gridCol>
+                <a:gridCol w="1034645">
+                  <a:extLst>
+                    <a:ext uri="{9D8B030D-6E8A-4147-A177-3AD203B41FA5}">
+                      <a16:colId xmlns:a16="http://schemas.microsoft.com/office/drawing/2014/main" val="2690457519"/>
+                    </a:ext>
+                  </a:extLst>
+                </a:gridCol>
+                <a:gridCol w="4223155">
+                  <a:extLst>
+                    <a:ext uri="{9D8B030D-6E8A-4147-A177-3AD203B41FA5}">
+                      <a16:colId xmlns:a16="http://schemas.microsoft.com/office/drawing/2014/main" val="997496563"/>
+                    </a:ext>
+                  </a:extLst>
+                </a:gridCol>
+              </a:tblGrid>
+              <a:tr h="370840">
+                <a:tc>
+                  <a:txBody>
+                    <a:bodyPr/>
+                    <a:lstStyle/>
+                    <a:p>
+                      <a:pPr algn="ctr" latinLnBrk="1"/>
+                      <a:r>
+                        <a:rPr lang="ko-KR" altLang="en-US" sz="1600" dirty="0"/>
+                        <a:t>명령어</a:t>
+                      </a:r>
+                    </a:p>
+                  </a:txBody>
+                  <a:tcPr anchor="ctr">
+                    <a:solidFill>
+                      <a:srgbClr val="FFC000"/>
+                    </a:solidFill>
+                  </a:tcPr>
+                </a:tc>
+                <a:tc>
+                  <a:txBody>
+                    <a:bodyPr/>
+                    <a:lstStyle/>
+                    <a:p>
+                      <a:pPr algn="ctr" latinLnBrk="1"/>
+                      <a:r>
+                        <a:rPr lang="ko-KR" altLang="en-US" sz="1600" dirty="0"/>
+                        <a:t>기능</a:t>
+                      </a:r>
+                    </a:p>
+                  </a:txBody>
+                  <a:tcPr anchor="ctr">
+                    <a:solidFill>
+                      <a:srgbClr val="FFC000"/>
+                    </a:solidFill>
+                  </a:tcPr>
+                </a:tc>
+                <a:tc>
+                  <a:txBody>
+                    <a:bodyPr/>
+                    <a:lstStyle/>
+                    <a:p>
+                      <a:pPr algn="ctr" latinLnBrk="1"/>
+                      <a:r>
+                        <a:rPr lang="ko-KR" altLang="en-US" sz="1600" dirty="0"/>
+                        <a:t>명령어</a:t>
+                      </a:r>
+                    </a:p>
+                  </a:txBody>
+                  <a:tcPr anchor="ctr">
+                    <a:solidFill>
+                      <a:srgbClr val="FFC000"/>
+                    </a:solidFill>
+                  </a:tcPr>
+                </a:tc>
+                <a:tc>
+                  <a:txBody>
+                    <a:bodyPr/>
+                    <a:lstStyle/>
+                    <a:p>
+                      <a:pPr algn="ctr" latinLnBrk="1"/>
+                      <a:r>
+                        <a:rPr lang="ko-KR" altLang="en-US" sz="1600" dirty="0"/>
+                        <a:t>기능</a:t>
+                      </a:r>
+                    </a:p>
+                  </a:txBody>
+                  <a:tcPr anchor="ctr">
+                    <a:solidFill>
+                      <a:srgbClr val="FFC000"/>
+                    </a:solidFill>
+                  </a:tcPr>
+                </a:tc>
+                <a:extLst>
+                  <a:ext uri="{0D108BD9-81ED-4DB2-BD59-A6C34878D82A}">
+                    <a16:rowId xmlns:a16="http://schemas.microsoft.com/office/drawing/2014/main" val="2532412145"/>
+                  </a:ext>
+                </a:extLst>
+              </a:tr>
+              <a:tr h="370840">
+                <a:tc>
+                  <a:txBody>
+                    <a:bodyPr/>
+                    <a:lstStyle/>
+                    <a:p>
+                      <a:pPr algn="ctr" latinLnBrk="1"/>
+                      <a:r>
+                        <a:rPr lang="en-US" altLang="ko-KR" sz="1600" dirty="0" err="1"/>
+                        <a:t>dir</a:t>
+                      </a:r>
+                      <a:endParaRPr lang="ko-KR" altLang="en-US" sz="1600" dirty="0"/>
+                    </a:p>
+                  </a:txBody>
+                  <a:tcPr anchor="ctr"/>
+                </a:tc>
+                <a:tc>
+                  <a:txBody>
+                    <a:bodyPr/>
+                    <a:lstStyle/>
+                    <a:p>
+                      <a:pPr marL="0" indent="0" algn="ctr" latinLnBrk="1">
+                        <a:buFontTx/>
+                        <a:buNone/>
+                      </a:pPr>
+                      <a:r>
+                        <a:rPr lang="ko-KR" altLang="en-US" sz="1200" dirty="0"/>
+                        <a:t>현재 디렉터리의 파일 목록을 표시</a:t>
+                      </a:r>
+                      <a:endParaRPr lang="en-US" altLang="ko-KR" sz="1200" dirty="0"/>
+                    </a:p>
+                  </a:txBody>
+                  <a:tcPr anchor="ctr"/>
+                </a:tc>
+                <a:tc>
+                  <a:txBody>
+                    <a:bodyPr/>
+                    <a:lstStyle/>
+                    <a:p>
+                      <a:pPr algn="ctr" latinLnBrk="1"/>
+                      <a:r>
+                        <a:rPr lang="en-US" altLang="ko-KR" sz="1600" dirty="0" err="1"/>
+                        <a:t>cls</a:t>
+                      </a:r>
+                      <a:endParaRPr lang="ko-KR" altLang="en-US" sz="1600" dirty="0"/>
+                    </a:p>
+                  </a:txBody>
+                  <a:tcPr anchor="ctr"/>
+                </a:tc>
+                <a:tc>
+                  <a:txBody>
+                    <a:bodyPr/>
+                    <a:lstStyle/>
+                    <a:p>
+                      <a:pPr marL="0" indent="0" algn="ctr" latinLnBrk="1">
+                        <a:buFontTx/>
+                        <a:buNone/>
+                      </a:pPr>
+                      <a:r>
+                        <a:rPr lang="ko-KR" altLang="en-US" sz="1200" dirty="0"/>
+                        <a:t>화면에 표시되어 있는 내용을 지움</a:t>
+                      </a:r>
+                      <a:endParaRPr lang="en-US" altLang="ko-KR" sz="1200" dirty="0"/>
+                    </a:p>
+                  </a:txBody>
+                  <a:tcPr anchor="ctr"/>
+                </a:tc>
+                <a:extLst>
+                  <a:ext uri="{0D108BD9-81ED-4DB2-BD59-A6C34878D82A}">
+                    <a16:rowId xmlns:a16="http://schemas.microsoft.com/office/drawing/2014/main" val="2409954121"/>
+                  </a:ext>
+                </a:extLst>
+              </a:tr>
+              <a:tr h="370840">
+                <a:tc>
+                  <a:txBody>
+                    <a:bodyPr/>
+                    <a:lstStyle/>
+                    <a:p>
+                      <a:pPr algn="ctr" latinLnBrk="1"/>
+                      <a:r>
+                        <a:rPr lang="en-US" altLang="ko-KR" sz="1600" dirty="0"/>
+                        <a:t>copy</a:t>
+                      </a:r>
+                      <a:endParaRPr lang="ko-KR" altLang="en-US" sz="1600" dirty="0"/>
+                    </a:p>
+                  </a:txBody>
+                  <a:tcPr anchor="ctr"/>
+                </a:tc>
+                <a:tc>
+                  <a:txBody>
+                    <a:bodyPr/>
+                    <a:lstStyle/>
+                    <a:p>
+                      <a:pPr marL="0" indent="0" algn="ctr" latinLnBrk="1">
+                        <a:buFontTx/>
+                        <a:buNone/>
+                      </a:pPr>
+                      <a:r>
+                        <a:rPr lang="en-US" altLang="ko-KR" sz="1200" dirty="0"/>
+                        <a:t>copy abc.txt aa -&gt; abc.txt </a:t>
+                      </a:r>
+                      <a:r>
+                        <a:rPr lang="ko-KR" altLang="en-US" sz="1200" dirty="0"/>
+                        <a:t>파일을 </a:t>
+                      </a:r>
+                      <a:r>
+                        <a:rPr lang="en-US" altLang="ko-KR" sz="1200" dirty="0"/>
+                        <a:t>aa </a:t>
+                      </a:r>
+                      <a:r>
+                        <a:rPr lang="ko-KR" altLang="en-US" sz="1200" dirty="0"/>
+                        <a:t>디렉터리로 복사</a:t>
+                      </a:r>
+                      <a:endParaRPr lang="en-US" altLang="ko-KR" sz="1200" dirty="0"/>
+                    </a:p>
+                  </a:txBody>
+                  <a:tcPr anchor="ctr"/>
+                </a:tc>
+                <a:tc>
+                  <a:txBody>
+                    <a:bodyPr/>
+                    <a:lstStyle/>
+                    <a:p>
+                      <a:pPr algn="ctr" latinLnBrk="1"/>
+                      <a:r>
+                        <a:rPr lang="en-US" altLang="ko-KR" sz="1600" dirty="0" err="1"/>
+                        <a:t>attrib</a:t>
+                      </a:r>
+                      <a:endParaRPr lang="ko-KR" altLang="en-US" sz="1600" dirty="0"/>
+                    </a:p>
+                  </a:txBody>
+                  <a:tcPr anchor="ctr"/>
+                </a:tc>
+                <a:tc>
+                  <a:txBody>
+                    <a:bodyPr/>
+                    <a:lstStyle/>
+                    <a:p>
+                      <a:pPr marL="0" indent="0" algn="ctr" latinLnBrk="1">
+                        <a:buFontTx/>
+                        <a:buNone/>
+                      </a:pPr>
+                      <a:r>
+                        <a:rPr lang="en-US" altLang="ko-KR" sz="1200" dirty="0" err="1"/>
+                        <a:t>attrib</a:t>
+                      </a:r>
+                      <a:r>
+                        <a:rPr lang="en-US" altLang="ko-KR" sz="1200" dirty="0"/>
+                        <a:t> + r abc.txt -&gt; abc.txt</a:t>
+                      </a:r>
+                      <a:r>
+                        <a:rPr lang="ko-KR" altLang="en-US" sz="1200" dirty="0"/>
+                        <a:t>파일 속성을 읽기 전용으로 변경</a:t>
+                      </a:r>
+                      <a:endParaRPr lang="en-US" altLang="ko-KR" sz="1200" dirty="0"/>
+                    </a:p>
+                  </a:txBody>
+                  <a:tcPr anchor="ctr"/>
+                </a:tc>
+                <a:extLst>
+                  <a:ext uri="{0D108BD9-81ED-4DB2-BD59-A6C34878D82A}">
+                    <a16:rowId xmlns:a16="http://schemas.microsoft.com/office/drawing/2014/main" val="732472041"/>
+                  </a:ext>
+                </a:extLst>
+              </a:tr>
+              <a:tr h="370840">
+                <a:tc>
+                  <a:txBody>
+                    <a:bodyPr/>
+                    <a:lstStyle/>
+                    <a:p>
+                      <a:pPr algn="ctr" latinLnBrk="1"/>
+                      <a:r>
+                        <a:rPr lang="en-US" altLang="ko-KR" sz="1600" dirty="0"/>
+                        <a:t>Del</a:t>
+                      </a:r>
+                      <a:endParaRPr lang="ko-KR" altLang="en-US" sz="1600" dirty="0"/>
+                    </a:p>
+                  </a:txBody>
+                  <a:tcPr anchor="ctr"/>
+                </a:tc>
+                <a:tc>
+                  <a:txBody>
+                    <a:bodyPr/>
+                    <a:lstStyle/>
+                    <a:p>
+                      <a:pPr marL="0" indent="0" algn="ctr" latinLnBrk="1">
+                        <a:buFontTx/>
+                        <a:buNone/>
+                      </a:pPr>
+                      <a:r>
+                        <a:rPr lang="en-US" altLang="ko-KR" sz="1200" dirty="0"/>
+                        <a:t>del abc.txt -&gt; abc.txt </a:t>
+                      </a:r>
+                      <a:r>
+                        <a:rPr lang="ko-KR" altLang="en-US" sz="1200" dirty="0"/>
+                        <a:t>파일을 삭제</a:t>
+                      </a:r>
+                      <a:endParaRPr lang="en-US" altLang="ko-KR" sz="1200" dirty="0"/>
+                    </a:p>
+                  </a:txBody>
+                  <a:tcPr anchor="ctr"/>
+                </a:tc>
+                <a:tc>
+                  <a:txBody>
+                    <a:bodyPr/>
+                    <a:lstStyle/>
+                    <a:p>
+                      <a:pPr algn="ctr" latinLnBrk="1"/>
+                      <a:r>
+                        <a:rPr lang="en-US" altLang="ko-KR" sz="1600" dirty="0"/>
+                        <a:t>find</a:t>
+                      </a:r>
+                      <a:endParaRPr lang="ko-KR" altLang="en-US" sz="1600" dirty="0"/>
+                    </a:p>
+                  </a:txBody>
+                  <a:tcPr anchor="ctr"/>
+                </a:tc>
+                <a:tc>
+                  <a:txBody>
+                    <a:bodyPr/>
+                    <a:lstStyle/>
+                    <a:p>
+                      <a:pPr marL="0" indent="0" algn="ctr" latinLnBrk="1">
+                        <a:buFontTx/>
+                        <a:buNone/>
+                      </a:pPr>
+                      <a:r>
+                        <a:rPr lang="en-US" altLang="ko-KR" sz="1200" dirty="0"/>
+                        <a:t>find “123” abc.txt -&gt; abc.txt</a:t>
+                      </a:r>
+                      <a:r>
+                        <a:rPr lang="ko-KR" altLang="en-US" sz="1200" dirty="0"/>
+                        <a:t>에서 </a:t>
+                      </a:r>
+                      <a:r>
+                        <a:rPr lang="en-US" altLang="ko-KR" sz="1200" dirty="0"/>
+                        <a:t>“123”</a:t>
+                      </a:r>
+                      <a:r>
+                        <a:rPr lang="ko-KR" altLang="en-US" sz="1200" dirty="0"/>
+                        <a:t>이 포함된 문자열을 찾는다</a:t>
+                      </a:r>
+                      <a:endParaRPr lang="en-US" altLang="ko-KR" sz="1200" dirty="0"/>
+                    </a:p>
+                  </a:txBody>
+                  <a:tcPr anchor="ctr"/>
+                </a:tc>
+                <a:extLst>
+                  <a:ext uri="{0D108BD9-81ED-4DB2-BD59-A6C34878D82A}">
+                    <a16:rowId xmlns:a16="http://schemas.microsoft.com/office/drawing/2014/main" val="409364103"/>
+                  </a:ext>
+                </a:extLst>
+              </a:tr>
+              <a:tr h="370840">
+                <a:tc>
+                  <a:txBody>
+                    <a:bodyPr/>
+                    <a:lstStyle/>
+                    <a:p>
+                      <a:pPr algn="ctr" latinLnBrk="1"/>
+                      <a:r>
+                        <a:rPr lang="en-US" altLang="ko-KR" sz="1600" dirty="0"/>
+                        <a:t>type</a:t>
+                      </a:r>
+                      <a:endParaRPr lang="ko-KR" altLang="en-US" sz="1600" dirty="0"/>
+                    </a:p>
+                  </a:txBody>
+                  <a:tcPr anchor="ctr"/>
+                </a:tc>
+                <a:tc>
+                  <a:txBody>
+                    <a:bodyPr/>
+                    <a:lstStyle/>
+                    <a:p>
+                      <a:pPr marL="0" indent="0" algn="ctr" latinLnBrk="1">
+                        <a:buFontTx/>
+                        <a:buNone/>
+                      </a:pPr>
+                      <a:r>
+                        <a:rPr lang="en-US" altLang="ko-KR" sz="1200" dirty="0"/>
+                        <a:t>type abc.txt -&gt; abc.txt</a:t>
+                      </a:r>
+                      <a:r>
+                        <a:rPr lang="ko-KR" altLang="en-US" sz="1200" dirty="0"/>
+                        <a:t>파일의 내용을 표시</a:t>
+                      </a:r>
+                      <a:endParaRPr lang="en-US" altLang="ko-KR" sz="1200" dirty="0"/>
+                    </a:p>
+                  </a:txBody>
+                  <a:tcPr anchor="ctr"/>
+                </a:tc>
+                <a:tc>
+                  <a:txBody>
+                    <a:bodyPr/>
+                    <a:lstStyle/>
+                    <a:p>
+                      <a:pPr algn="ctr" latinLnBrk="1"/>
+                      <a:r>
+                        <a:rPr lang="en-US" altLang="ko-KR" sz="1600" dirty="0" err="1"/>
+                        <a:t>chkdsk</a:t>
+                      </a:r>
+                      <a:endParaRPr lang="ko-KR" altLang="en-US" sz="1600" dirty="0"/>
+                    </a:p>
+                  </a:txBody>
+                  <a:tcPr anchor="ctr"/>
+                </a:tc>
+                <a:tc>
+                  <a:txBody>
+                    <a:bodyPr/>
+                    <a:lstStyle/>
+                    <a:p>
+                      <a:pPr marL="0" indent="0" algn="ctr" latinLnBrk="1">
+                        <a:buFontTx/>
+                        <a:buNone/>
+                      </a:pPr>
+                      <a:r>
+                        <a:rPr lang="ko-KR" altLang="en-US" sz="1200" dirty="0"/>
+                        <a:t>현재 디스크 </a:t>
+                      </a:r>
+                      <a:r>
+                        <a:rPr lang="en-US" altLang="ko-KR" sz="1200" dirty="0"/>
+                        <a:t>/ </a:t>
+                      </a:r>
+                      <a:r>
+                        <a:rPr lang="ko-KR" altLang="en-US" sz="1200" dirty="0"/>
+                        <a:t>드라이브의 상태를 점검</a:t>
+                      </a:r>
+                      <a:endParaRPr lang="en-US" altLang="ko-KR" sz="1200" dirty="0"/>
+                    </a:p>
+                  </a:txBody>
+                  <a:tcPr anchor="ctr"/>
+                </a:tc>
+                <a:extLst>
+                  <a:ext uri="{0D108BD9-81ED-4DB2-BD59-A6C34878D82A}">
+                    <a16:rowId xmlns:a16="http://schemas.microsoft.com/office/drawing/2014/main" val="7197674"/>
+                  </a:ext>
+                </a:extLst>
+              </a:tr>
+              <a:tr h="370840">
+                <a:tc>
+                  <a:txBody>
+                    <a:bodyPr/>
+                    <a:lstStyle/>
+                    <a:p>
+                      <a:pPr algn="ctr" latinLnBrk="1"/>
+                      <a:r>
+                        <a:rPr lang="en-US" altLang="ko-KR" sz="1600" dirty="0"/>
+                        <a:t>ren</a:t>
+                      </a:r>
+                      <a:endParaRPr lang="ko-KR" altLang="en-US" sz="1600" dirty="0"/>
+                    </a:p>
+                  </a:txBody>
+                  <a:tcPr anchor="ctr"/>
+                </a:tc>
+                <a:tc>
+                  <a:txBody>
+                    <a:bodyPr/>
+                    <a:lstStyle/>
+                    <a:p>
+                      <a:pPr algn="ctr" latinLnBrk="1"/>
+                      <a:r>
+                        <a:rPr lang="en-US" altLang="ko-KR" sz="1200" dirty="0"/>
+                        <a:t>-ren</a:t>
+                      </a:r>
+                      <a:r>
+                        <a:rPr lang="ko-KR" altLang="en-US" sz="1200" dirty="0"/>
+                        <a:t> </a:t>
+                      </a:r>
+                      <a:r>
+                        <a:rPr lang="en-US" altLang="ko-KR" sz="1200" dirty="0"/>
+                        <a:t>abc.txt</a:t>
+                      </a:r>
+                      <a:r>
+                        <a:rPr lang="ko-KR" altLang="en-US" sz="1200" dirty="0"/>
+                        <a:t> </a:t>
+                      </a:r>
+                      <a:r>
+                        <a:rPr lang="en-US" altLang="ko-KR" sz="1200" dirty="0"/>
+                        <a:t>13.txt -&gt; abc.txt </a:t>
+                      </a:r>
+                      <a:r>
+                        <a:rPr lang="ko-KR" altLang="en-US" sz="1200" dirty="0"/>
+                        <a:t>파일의 이름을 </a:t>
+                      </a:r>
+                      <a:r>
+                        <a:rPr lang="en-US" altLang="ko-KR" sz="1200" dirty="0"/>
+                        <a:t>13.txt</a:t>
+                      </a:r>
+                      <a:r>
+                        <a:rPr lang="ko-KR" altLang="en-US" sz="1200" dirty="0"/>
+                        <a:t>로 변경</a:t>
+                      </a:r>
+                      <a:r>
+                        <a:rPr lang="en-US" altLang="ko-KR" sz="1200" dirty="0"/>
+                        <a:t> </a:t>
+                      </a:r>
+                      <a:endParaRPr lang="ko-KR" altLang="en-US" sz="1200" dirty="0"/>
+                    </a:p>
+                  </a:txBody>
+                  <a:tcPr anchor="ctr"/>
+                </a:tc>
+                <a:tc>
+                  <a:txBody>
+                    <a:bodyPr/>
+                    <a:lstStyle/>
+                    <a:p>
+                      <a:pPr algn="ctr" latinLnBrk="1"/>
+                      <a:r>
+                        <a:rPr lang="en-US" altLang="ko-KR" sz="1600" dirty="0"/>
+                        <a:t>format</a:t>
+                      </a:r>
+                      <a:endParaRPr lang="ko-KR" altLang="en-US" sz="1600" dirty="0"/>
+                    </a:p>
+                  </a:txBody>
+                  <a:tcPr anchor="ctr"/>
+                </a:tc>
+                <a:tc>
+                  <a:txBody>
+                    <a:bodyPr/>
+                    <a:lstStyle/>
+                    <a:p>
+                      <a:pPr algn="ctr" latinLnBrk="1"/>
+                      <a:r>
+                        <a:rPr lang="en-US" altLang="ko-KR" sz="1200" dirty="0"/>
+                        <a:t>-format c -&gt; c</a:t>
+                      </a:r>
+                      <a:r>
+                        <a:rPr lang="ko-KR" altLang="en-US" sz="1200" dirty="0"/>
+                        <a:t>드라이브를 초기화</a:t>
+                      </a:r>
+                      <a:r>
+                        <a:rPr lang="en-US" altLang="ko-KR" sz="1200" dirty="0"/>
+                        <a:t> </a:t>
+                      </a:r>
+                      <a:endParaRPr lang="ko-KR" altLang="en-US" sz="1200" dirty="0"/>
+                    </a:p>
+                  </a:txBody>
+                  <a:tcPr anchor="ctr"/>
+                </a:tc>
+                <a:extLst>
+                  <a:ext uri="{0D108BD9-81ED-4DB2-BD59-A6C34878D82A}">
+                    <a16:rowId xmlns:a16="http://schemas.microsoft.com/office/drawing/2014/main" val="894878340"/>
+                  </a:ext>
+                </a:extLst>
+              </a:tr>
+              <a:tr h="370840">
+                <a:tc>
+                  <a:txBody>
+                    <a:bodyPr/>
+                    <a:lstStyle/>
+                    <a:p>
+                      <a:pPr algn="ctr" latinLnBrk="1"/>
+                      <a:r>
+                        <a:rPr lang="en-US" altLang="ko-KR" sz="1600" dirty="0"/>
+                        <a:t>md</a:t>
+                      </a:r>
+                      <a:endParaRPr lang="ko-KR" altLang="en-US" sz="1600" dirty="0"/>
+                    </a:p>
+                  </a:txBody>
+                  <a:tcPr anchor="ctr"/>
+                </a:tc>
+                <a:tc>
+                  <a:txBody>
+                    <a:bodyPr/>
+                    <a:lstStyle/>
+                    <a:p>
+                      <a:pPr marL="0" indent="0" algn="ctr" latinLnBrk="1">
+                        <a:buFontTx/>
+                        <a:buNone/>
+                      </a:pPr>
+                      <a:r>
+                        <a:rPr lang="en-US" altLang="ko-KR" sz="1200" dirty="0"/>
+                        <a:t>md aa -&gt; aa </a:t>
+                      </a:r>
+                      <a:r>
+                        <a:rPr lang="ko-KR" altLang="en-US" sz="1200" dirty="0"/>
+                        <a:t>디렉터리를 생성</a:t>
+                      </a:r>
+                      <a:endParaRPr lang="en-US" altLang="ko-KR" sz="1200" dirty="0"/>
+                    </a:p>
+                  </a:txBody>
+                  <a:tcPr anchor="ctr"/>
+                </a:tc>
+                <a:tc>
+                  <a:txBody>
+                    <a:bodyPr/>
+                    <a:lstStyle/>
+                    <a:p>
+                      <a:pPr algn="ctr" latinLnBrk="1"/>
+                      <a:r>
+                        <a:rPr lang="en-US" altLang="ko-KR" sz="1600" dirty="0"/>
+                        <a:t>move</a:t>
+                      </a:r>
+                      <a:endParaRPr lang="ko-KR" altLang="en-US" sz="1600" dirty="0"/>
+                    </a:p>
+                  </a:txBody>
+                  <a:tcPr anchor="ctr"/>
+                </a:tc>
+                <a:tc>
+                  <a:txBody>
+                    <a:bodyPr/>
+                    <a:lstStyle/>
+                    <a:p>
+                      <a:pPr algn="ctr" latinLnBrk="1"/>
+                      <a:r>
+                        <a:rPr lang="en-US" altLang="ko-KR" sz="1200" dirty="0"/>
+                        <a:t>move abc.txt aa -&gt; abc.txt </a:t>
+                      </a:r>
+                      <a:r>
+                        <a:rPr lang="ko-KR" altLang="en-US" sz="1200" dirty="0"/>
+                        <a:t>파일을 </a:t>
+                      </a:r>
+                      <a:r>
+                        <a:rPr lang="en-US" altLang="ko-KR" sz="1200" dirty="0"/>
+                        <a:t>aa </a:t>
+                      </a:r>
+                      <a:r>
+                        <a:rPr lang="ko-KR" altLang="en-US" sz="1200" dirty="0"/>
+                        <a:t>디렉터리로 이동</a:t>
+                      </a:r>
+                    </a:p>
+                  </a:txBody>
+                  <a:tcPr anchor="ctr"/>
+                </a:tc>
+                <a:extLst>
+                  <a:ext uri="{0D108BD9-81ED-4DB2-BD59-A6C34878D82A}">
+                    <a16:rowId xmlns:a16="http://schemas.microsoft.com/office/drawing/2014/main" val="3091027168"/>
+                  </a:ext>
+                </a:extLst>
+              </a:tr>
+              <a:tr h="370840">
+                <a:tc>
+                  <a:txBody>
+                    <a:bodyPr/>
+                    <a:lstStyle/>
+                    <a:p>
+                      <a:pPr algn="ctr" latinLnBrk="1"/>
+                      <a:r>
+                        <a:rPr lang="en-US" altLang="ko-KR" sz="1600" dirty="0"/>
+                        <a:t>cd</a:t>
+                      </a:r>
+                      <a:endParaRPr lang="ko-KR" altLang="en-US" sz="1600" dirty="0"/>
+                    </a:p>
+                  </a:txBody>
+                  <a:tcPr anchor="ctr"/>
+                </a:tc>
+                <a:tc>
+                  <a:txBody>
+                    <a:bodyPr/>
+                    <a:lstStyle/>
+                    <a:p>
+                      <a:pPr marL="0" indent="0" algn="ctr" latinLnBrk="1">
+                        <a:buFontTx/>
+                        <a:buNone/>
+                      </a:pPr>
+                      <a:r>
+                        <a:rPr lang="en-US" altLang="ko-KR" sz="1200" dirty="0"/>
+                        <a:t>cd aa -&gt; </a:t>
+                      </a:r>
+                      <a:r>
+                        <a:rPr lang="ko-KR" altLang="en-US" sz="1200" dirty="0"/>
+                        <a:t>디렉터리의 위치를 </a:t>
+                      </a:r>
+                      <a:r>
+                        <a:rPr lang="en-US" altLang="ko-KR" sz="1200" dirty="0"/>
+                        <a:t>aa </a:t>
+                      </a:r>
+                      <a:r>
+                        <a:rPr lang="ko-KR" altLang="en-US" sz="1200" dirty="0"/>
+                        <a:t>로 변경</a:t>
+                      </a:r>
+                      <a:endParaRPr lang="en-US" altLang="ko-KR" sz="1200" dirty="0"/>
+                    </a:p>
+                  </a:txBody>
+                  <a:tcPr anchor="ctr"/>
+                </a:tc>
+                <a:tc>
+                  <a:txBody>
+                    <a:bodyPr/>
+                    <a:lstStyle/>
+                    <a:p>
+                      <a:pPr algn="ctr" latinLnBrk="1"/>
+                      <a:endParaRPr lang="ko-KR" altLang="en-US" sz="1600" dirty="0"/>
+                    </a:p>
+                  </a:txBody>
+                  <a:tcPr anchor="ctr"/>
+                </a:tc>
+                <a:tc>
+                  <a:txBody>
+                    <a:bodyPr/>
+                    <a:lstStyle/>
+                    <a:p>
+                      <a:pPr algn="ctr" latinLnBrk="1"/>
+                      <a:endParaRPr lang="ko-KR" altLang="en-US" sz="1200" dirty="0"/>
+                    </a:p>
+                  </a:txBody>
+                  <a:tcPr anchor="ctr"/>
+                </a:tc>
+                <a:extLst>
+                  <a:ext uri="{0D108BD9-81ED-4DB2-BD59-A6C34878D82A}">
+                    <a16:rowId xmlns:a16="http://schemas.microsoft.com/office/drawing/2014/main" val="1715092124"/>
+                  </a:ext>
+                </a:extLst>
+              </a:tr>
+            </a:tbl>
+          </a:graphicData>
+        </a:graphic>
+      </p:graphicFrame>
+      <p:sp>
+        <p:nvSpPr>
+          <p:cNvPr id="8" name="TextBox 7">
+            <a:extLst>
+              <a:ext uri="{FF2B5EF4-FFF2-40B4-BE49-F238E27FC236}">
+                <a16:creationId xmlns:a16="http://schemas.microsoft.com/office/drawing/2014/main" id="{5DF2C54E-6D70-45AB-BDC5-A8D7D3A22D5B}"/>
+              </a:ext>
+            </a:extLst>
+          </p:cNvPr>
+          <p:cNvSpPr txBox="1"/>
+          <p:nvPr/>
+        </p:nvSpPr>
+        <p:spPr>
+          <a:xfrm>
+            <a:off x="838197" y="2896672"/>
+            <a:ext cx="10515599" cy="615553"/>
+          </a:xfrm>
+          <a:prstGeom prst="rect">
+            <a:avLst/>
+          </a:prstGeom>
+          <a:noFill/>
+        </p:spPr>
+        <p:txBody>
+          <a:bodyPr wrap="square" rtlCol="0">
+            <a:spAutoFit/>
+          </a:bodyPr>
+          <a:lstStyle/>
+          <a:p>
+            <a:r>
+              <a:rPr lang="en-US" altLang="ko-KR" dirty="0"/>
+              <a:t>2] Windows </a:t>
+            </a:r>
+            <a:r>
+              <a:rPr lang="ko-KR" altLang="en-US" dirty="0"/>
+              <a:t>기본 명령어</a:t>
+            </a:r>
+            <a:endParaRPr lang="en-US" altLang="ko-KR" dirty="0"/>
+          </a:p>
+          <a:p>
+            <a:pPr marL="285750" indent="-285750">
+              <a:buFontTx/>
+              <a:buChar char="-"/>
+            </a:pPr>
+            <a:r>
+              <a:rPr lang="en-US" altLang="ko-KR" sz="1600" dirty="0"/>
+              <a:t>CLI </a:t>
+            </a:r>
+            <a:r>
+              <a:rPr lang="ko-KR" altLang="en-US" sz="1600" dirty="0"/>
+              <a:t>기본 명령어</a:t>
+            </a:r>
+            <a:r>
+              <a:rPr lang="en-US" altLang="ko-KR" sz="1600" dirty="0"/>
+              <a:t>: </a:t>
+            </a:r>
+            <a:r>
+              <a:rPr lang="ko-KR" altLang="en-US" sz="1600" dirty="0"/>
+              <a:t>명령 프롬프트 창에 명령어를 입력하여 작업을 수행하는 것 </a:t>
+            </a:r>
+          </a:p>
+        </p:txBody>
+      </p:sp>
+    </p:spTree>
+    <p:extLst>
+      <p:ext uri="{BB962C8B-B14F-4D97-AF65-F5344CB8AC3E}">
+        <p14:creationId xmlns:p14="http://schemas.microsoft.com/office/powerpoint/2010/main" val="3870517269"/>
+      </p:ext>
+    </p:extLst>
+  </p:cSld>
+  <p:clrMapOvr>
+    <a:masterClrMapping/>
+  </p:clrMapOvr>
+</p:sld>
+</file>
+
+<file path=ppt/slides/slide16.xml><?xml version="1.0" encoding="utf-8"?>
+<p:sld xmlns:a="http://schemas.openxmlformats.org/drawingml/2006/main" xmlns:r="http://schemas.openxmlformats.org/officeDocument/2006/relationships" xmlns:p="http://schemas.openxmlformats.org/presentationml/2006/main">
+  <p:cSld>
+    <p:spTree>
+      <p:nvGrpSpPr>
+        <p:cNvPr id="1" name=""/>
+        <p:cNvGrpSpPr/>
+        <p:nvPr/>
+      </p:nvGrpSpPr>
+      <p:grpSpPr>
+        <a:xfrm>
+          <a:off x="0" y="0"/>
+          <a:ext cx="0" cy="0"/>
+          <a:chOff x="0" y="0"/>
+          <a:chExt cx="0" cy="0"/>
+        </a:xfrm>
+      </p:grpSpPr>
+      <p:sp>
+        <p:nvSpPr>
+          <p:cNvPr id="2" name="제목 1">
+            <a:extLst>
+              <a:ext uri="{FF2B5EF4-FFF2-40B4-BE49-F238E27FC236}">
+                <a16:creationId xmlns:a16="http://schemas.microsoft.com/office/drawing/2014/main" id="{A1D40836-4A18-400A-947C-B6C4A6E75647}"/>
+              </a:ext>
+            </a:extLst>
+          </p:cNvPr>
+          <p:cNvSpPr txBox="1">
+            <a:spLocks/>
+          </p:cNvSpPr>
+          <p:nvPr/>
+        </p:nvSpPr>
+        <p:spPr>
+          <a:xfrm>
+            <a:off x="838200" y="365125"/>
+            <a:ext cx="10515600" cy="649943"/>
+          </a:xfrm>
+          <a:prstGeom prst="rect">
+            <a:avLst/>
+          </a:prstGeom>
+        </p:spPr>
+        <p:txBody>
+          <a:bodyPr>
+            <a:normAutofit fontScale="97500" lnSpcReduction="10000"/>
+          </a:bodyPr>
+          <a:lstStyle>
+            <a:lvl1pPr algn="l" defTabSz="914400" rtl="0" eaLnBrk="1" latinLnBrk="1" hangingPunct="1">
+              <a:lnSpc>
+                <a:spcPct val="90000"/>
+              </a:lnSpc>
+              <a:spcBef>
+                <a:spcPct val="0"/>
+              </a:spcBef>
+              <a:buNone/>
+              <a:defRPr sz="4400" kern="1200">
+                <a:solidFill>
+                  <a:schemeClr val="tx1"/>
+                </a:solidFill>
+                <a:latin typeface="+mj-lt"/>
+                <a:ea typeface="+mj-ea"/>
+                <a:cs typeface="+mj-cs"/>
+              </a:defRPr>
+            </a:lvl1pPr>
+          </a:lstStyle>
+          <a:p>
+            <a:r>
+              <a:rPr lang="en-US" altLang="ko-KR" dirty="0"/>
+              <a:t>Section</a:t>
+            </a:r>
+            <a:r>
+              <a:rPr lang="ko-KR" altLang="en-US" dirty="0"/>
+              <a:t> </a:t>
+            </a:r>
+            <a:r>
+              <a:rPr lang="en-US" altLang="ko-KR" dirty="0"/>
+              <a:t>004</a:t>
+            </a:r>
+            <a:r>
+              <a:rPr lang="ko-KR" altLang="en-US" dirty="0"/>
+              <a:t> 운영체제의 기본 명령어</a:t>
+            </a:r>
+          </a:p>
+        </p:txBody>
+      </p:sp>
+      <p:sp>
+        <p:nvSpPr>
+          <p:cNvPr id="3" name="TextBox 2">
+            <a:extLst>
+              <a:ext uri="{FF2B5EF4-FFF2-40B4-BE49-F238E27FC236}">
+                <a16:creationId xmlns:a16="http://schemas.microsoft.com/office/drawing/2014/main" id="{D17CC41A-4CA5-42B4-BEB2-3780FD49D2D0}"/>
+              </a:ext>
+            </a:extLst>
+          </p:cNvPr>
+          <p:cNvSpPr txBox="1"/>
+          <p:nvPr/>
+        </p:nvSpPr>
+        <p:spPr>
+          <a:xfrm>
+            <a:off x="779476" y="690096"/>
+            <a:ext cx="10515599" cy="1400383"/>
+          </a:xfrm>
+          <a:prstGeom prst="rect">
+            <a:avLst/>
+          </a:prstGeom>
+          <a:noFill/>
+        </p:spPr>
+        <p:txBody>
+          <a:bodyPr wrap="square" rtlCol="0">
+            <a:spAutoFit/>
+          </a:bodyPr>
+          <a:lstStyle/>
+          <a:p>
+            <a:pPr>
+              <a:lnSpc>
+                <a:spcPct val="200000"/>
+              </a:lnSpc>
+            </a:pPr>
+            <a:r>
+              <a:rPr lang="en-US" altLang="ko-KR" dirty="0"/>
+              <a:t>3] UNIX / LINUX </a:t>
+            </a:r>
+            <a:r>
+              <a:rPr lang="ko-KR" altLang="en-US" dirty="0"/>
+              <a:t>기본 명령어</a:t>
+            </a:r>
+            <a:endParaRPr lang="en-US" altLang="ko-KR" dirty="0"/>
+          </a:p>
+          <a:p>
+            <a:pPr>
+              <a:lnSpc>
+                <a:spcPct val="150000"/>
+              </a:lnSpc>
+            </a:pPr>
+            <a:r>
+              <a:rPr lang="en-US" altLang="ko-KR" sz="1400" dirty="0"/>
+              <a:t>CLI </a:t>
+            </a:r>
+            <a:r>
+              <a:rPr lang="ko-KR" altLang="en-US" sz="1400" dirty="0"/>
+              <a:t>기본 명령어 </a:t>
+            </a:r>
+            <a:r>
+              <a:rPr lang="en-US" altLang="ko-KR" sz="1400" dirty="0"/>
+              <a:t>: </a:t>
+            </a:r>
+            <a:r>
+              <a:rPr lang="ko-KR" altLang="en-US" sz="1400" dirty="0"/>
+              <a:t>쉘</a:t>
+            </a:r>
+            <a:r>
+              <a:rPr lang="en-US" altLang="ko-KR" sz="1400" dirty="0"/>
+              <a:t>(Shell)</a:t>
+            </a:r>
+            <a:r>
+              <a:rPr lang="ko-KR" altLang="en-US" sz="1400" dirty="0"/>
+              <a:t>에 명령어를 입력하여 작업을 수행하는 것</a:t>
+            </a:r>
+            <a:endParaRPr lang="en-US" altLang="ko-KR" sz="1400" dirty="0"/>
+          </a:p>
+          <a:p>
+            <a:r>
+              <a:rPr lang="en-US" altLang="ko-KR" sz="1400" dirty="0"/>
+              <a:t>GUI </a:t>
+            </a:r>
+            <a:r>
+              <a:rPr lang="ko-KR" altLang="en-US" sz="1400" dirty="0"/>
+              <a:t>기본 명령어</a:t>
+            </a:r>
+            <a:r>
+              <a:rPr lang="en-US" altLang="ko-KR" sz="1400" dirty="0"/>
+              <a:t> : UNIX </a:t>
+            </a:r>
+            <a:r>
+              <a:rPr lang="ko-KR" altLang="en-US" sz="1400" dirty="0"/>
+              <a:t>와 </a:t>
+            </a:r>
+            <a:r>
+              <a:rPr lang="en-US" altLang="ko-KR" sz="1400" dirty="0"/>
+              <a:t>LINUX</a:t>
+            </a:r>
+            <a:r>
+              <a:rPr lang="ko-KR" altLang="en-US" sz="1400" dirty="0"/>
+              <a:t>는 기본적으로 </a:t>
+            </a:r>
+            <a:r>
+              <a:rPr lang="en-US" altLang="ko-KR" sz="1400" dirty="0"/>
+              <a:t>CLI </a:t>
+            </a:r>
+            <a:r>
+              <a:rPr lang="ko-KR" altLang="en-US" sz="1400" dirty="0"/>
+              <a:t>를 기반으로 운영되는 시스템</a:t>
+            </a:r>
+            <a:endParaRPr lang="en-US" altLang="ko-KR" sz="1400" dirty="0"/>
+          </a:p>
+          <a:p>
+            <a:r>
+              <a:rPr lang="en-US" altLang="ko-KR" sz="1400" dirty="0"/>
+              <a:t>	         X Window</a:t>
+            </a:r>
+            <a:r>
+              <a:rPr lang="ko-KR" altLang="en-US" sz="1400" dirty="0"/>
+              <a:t>라는 별도의 프로그램을 설치하여 </a:t>
+            </a:r>
+            <a:r>
+              <a:rPr lang="en-US" altLang="ko-KR" sz="1400" dirty="0"/>
+              <a:t>GUI </a:t>
+            </a:r>
+            <a:r>
+              <a:rPr lang="ko-KR" altLang="en-US" sz="1400" dirty="0"/>
+              <a:t>방식으로 운영 할 수 있음</a:t>
+            </a:r>
+            <a:endParaRPr lang="en-US" altLang="ko-KR" sz="1400" dirty="0"/>
+          </a:p>
+        </p:txBody>
+      </p:sp>
+      <p:graphicFrame>
+        <p:nvGraphicFramePr>
+          <p:cNvPr id="9" name="표 9">
+            <a:extLst>
+              <a:ext uri="{FF2B5EF4-FFF2-40B4-BE49-F238E27FC236}">
+                <a16:creationId xmlns:a16="http://schemas.microsoft.com/office/drawing/2014/main" id="{B90D5152-64D9-4856-B681-F40286049061}"/>
+              </a:ext>
+            </a:extLst>
+          </p:cNvPr>
+          <p:cNvGraphicFramePr>
+            <a:graphicFrameLocks noGrp="1"/>
+          </p:cNvGraphicFramePr>
+          <p:nvPr>
+            <p:extLst>
+              <p:ext uri="{D42A27DB-BD31-4B8C-83A1-F6EECF244321}">
+                <p14:modId xmlns:p14="http://schemas.microsoft.com/office/powerpoint/2010/main" val="1182812122"/>
+              </p:ext>
+            </p:extLst>
+          </p:nvPr>
+        </p:nvGraphicFramePr>
+        <p:xfrm>
+          <a:off x="838199" y="2127231"/>
+          <a:ext cx="10515600" cy="4669173"/>
+        </p:xfrm>
+        <a:graphic>
+          <a:graphicData uri="http://schemas.openxmlformats.org/drawingml/2006/table">
+            <a:tbl>
+              <a:tblPr firstRow="1" bandRow="1">
+                <a:tableStyleId>{5940675A-B579-460E-94D1-54222C63F5DA}</a:tableStyleId>
+              </a:tblPr>
+              <a:tblGrid>
+                <a:gridCol w="1116436">
+                  <a:extLst>
+                    <a:ext uri="{9D8B030D-6E8A-4147-A177-3AD203B41FA5}">
+                      <a16:colId xmlns:a16="http://schemas.microsoft.com/office/drawing/2014/main" val="2727087463"/>
+                    </a:ext>
+                  </a:extLst>
+                </a:gridCol>
+                <a:gridCol w="4141364">
+                  <a:extLst>
+                    <a:ext uri="{9D8B030D-6E8A-4147-A177-3AD203B41FA5}">
+                      <a16:colId xmlns:a16="http://schemas.microsoft.com/office/drawing/2014/main" val="395738438"/>
+                    </a:ext>
+                  </a:extLst>
+                </a:gridCol>
+                <a:gridCol w="1051421">
+                  <a:extLst>
+                    <a:ext uri="{9D8B030D-6E8A-4147-A177-3AD203B41FA5}">
+                      <a16:colId xmlns:a16="http://schemas.microsoft.com/office/drawing/2014/main" val="2540594881"/>
+                    </a:ext>
+                  </a:extLst>
+                </a:gridCol>
+                <a:gridCol w="4206379">
+                  <a:extLst>
+                    <a:ext uri="{9D8B030D-6E8A-4147-A177-3AD203B41FA5}">
+                      <a16:colId xmlns:a16="http://schemas.microsoft.com/office/drawing/2014/main" val="1665499274"/>
+                    </a:ext>
+                  </a:extLst>
+                </a:gridCol>
+              </a:tblGrid>
+              <a:tr h="396877">
+                <a:tc>
+                  <a:txBody>
+                    <a:bodyPr/>
+                    <a:lstStyle/>
+                    <a:p>
+                      <a:pPr algn="ctr" latinLnBrk="1"/>
+                      <a:r>
+                        <a:rPr lang="en-US" altLang="ko-KR" sz="1600" dirty="0"/>
+                        <a:t> </a:t>
+                      </a:r>
+                      <a:r>
+                        <a:rPr lang="ko-KR" altLang="en-US" sz="1600" dirty="0"/>
+                        <a:t>명령어</a:t>
+                      </a:r>
+                    </a:p>
+                  </a:txBody>
+                  <a:tcPr anchor="ctr">
+                    <a:solidFill>
+                      <a:srgbClr val="FFC000"/>
+                    </a:solidFill>
+                  </a:tcPr>
+                </a:tc>
+                <a:tc>
+                  <a:txBody>
+                    <a:bodyPr/>
+                    <a:lstStyle/>
+                    <a:p>
+                      <a:pPr algn="ctr" latinLnBrk="1"/>
+                      <a:r>
+                        <a:rPr lang="ko-KR" altLang="en-US" sz="1600" dirty="0"/>
+                        <a:t>기능</a:t>
+                      </a:r>
+                    </a:p>
+                  </a:txBody>
+                  <a:tcPr anchor="ctr">
+                    <a:solidFill>
+                      <a:srgbClr val="FFC000"/>
+                    </a:solidFill>
+                  </a:tcPr>
+                </a:tc>
+                <a:tc>
+                  <a:txBody>
+                    <a:bodyPr/>
+                    <a:lstStyle/>
+                    <a:p>
+                      <a:pPr algn="ctr" latinLnBrk="1"/>
+                      <a:r>
+                        <a:rPr lang="ko-KR" altLang="en-US" sz="1600" dirty="0"/>
+                        <a:t>명령어</a:t>
+                      </a:r>
+                    </a:p>
+                  </a:txBody>
+                  <a:tcPr anchor="ctr">
+                    <a:solidFill>
+                      <a:srgbClr val="FFC000"/>
+                    </a:solidFill>
+                  </a:tcPr>
+                </a:tc>
+                <a:tc>
+                  <a:txBody>
+                    <a:bodyPr/>
+                    <a:lstStyle/>
+                    <a:p>
+                      <a:pPr algn="ctr" latinLnBrk="1"/>
+                      <a:r>
+                        <a:rPr lang="ko-KR" altLang="en-US" sz="1600" dirty="0"/>
+                        <a:t>기능</a:t>
+                      </a:r>
+                    </a:p>
+                  </a:txBody>
+                  <a:tcPr anchor="ctr">
+                    <a:solidFill>
+                      <a:srgbClr val="FFC000"/>
+                    </a:solidFill>
+                  </a:tcPr>
+                </a:tc>
+                <a:extLst>
+                  <a:ext uri="{0D108BD9-81ED-4DB2-BD59-A6C34878D82A}">
+                    <a16:rowId xmlns:a16="http://schemas.microsoft.com/office/drawing/2014/main" val="2067824871"/>
+                  </a:ext>
+                </a:extLst>
+              </a:tr>
+              <a:tr h="396877">
+                <a:tc>
+                  <a:txBody>
+                    <a:bodyPr/>
+                    <a:lstStyle/>
+                    <a:p>
+                      <a:pPr algn="ctr" latinLnBrk="1"/>
+                      <a:r>
+                        <a:rPr lang="en-US" altLang="ko-KR" sz="1600" dirty="0"/>
+                        <a:t>cat</a:t>
+                      </a:r>
+                      <a:endParaRPr lang="ko-KR" altLang="en-US" sz="1600" dirty="0"/>
+                    </a:p>
+                  </a:txBody>
+                  <a:tcPr anchor="ctr"/>
+                </a:tc>
+                <a:tc>
+                  <a:txBody>
+                    <a:bodyPr/>
+                    <a:lstStyle/>
+                    <a:p>
+                      <a:pPr algn="ctr" latinLnBrk="1"/>
+                      <a:r>
+                        <a:rPr lang="ko-KR" altLang="en-US" sz="1200" dirty="0"/>
+                        <a:t>파일 내용을 화면에 표시</a:t>
+                      </a:r>
+                    </a:p>
+                  </a:txBody>
+                  <a:tcPr anchor="ctr"/>
+                </a:tc>
+                <a:tc>
+                  <a:txBody>
+                    <a:bodyPr/>
+                    <a:lstStyle/>
+                    <a:p>
+                      <a:pPr algn="ctr" latinLnBrk="1"/>
+                      <a:r>
+                        <a:rPr lang="en-US" altLang="ko-KR" sz="1600" dirty="0"/>
+                        <a:t>ls</a:t>
+                      </a:r>
+                      <a:endParaRPr lang="ko-KR" altLang="en-US" sz="1600" dirty="0"/>
+                    </a:p>
+                  </a:txBody>
+                  <a:tcPr anchor="ctr"/>
+                </a:tc>
+                <a:tc>
+                  <a:txBody>
+                    <a:bodyPr/>
+                    <a:lstStyle/>
+                    <a:p>
+                      <a:pPr algn="ctr" latinLnBrk="1"/>
+                      <a:r>
+                        <a:rPr lang="ko-KR" altLang="en-US" sz="1200" dirty="0"/>
+                        <a:t>현재 디렉터리의 파일 목록을 표시</a:t>
+                      </a:r>
+                    </a:p>
+                  </a:txBody>
+                  <a:tcPr anchor="ctr"/>
+                </a:tc>
+                <a:extLst>
+                  <a:ext uri="{0D108BD9-81ED-4DB2-BD59-A6C34878D82A}">
+                    <a16:rowId xmlns:a16="http://schemas.microsoft.com/office/drawing/2014/main" val="4135624561"/>
+                  </a:ext>
+                </a:extLst>
+              </a:tr>
+              <a:tr h="396877">
+                <a:tc>
+                  <a:txBody>
+                    <a:bodyPr/>
+                    <a:lstStyle/>
+                    <a:p>
+                      <a:pPr algn="ctr" latinLnBrk="1"/>
+                      <a:r>
+                        <a:rPr lang="en-US" altLang="ko-KR" sz="1600" dirty="0"/>
+                        <a:t>cd</a:t>
+                      </a:r>
+                      <a:endParaRPr lang="ko-KR" altLang="en-US" sz="1600" dirty="0"/>
+                    </a:p>
+                  </a:txBody>
+                  <a:tcPr anchor="ctr"/>
+                </a:tc>
+                <a:tc>
+                  <a:txBody>
+                    <a:bodyPr/>
+                    <a:lstStyle/>
+                    <a:p>
+                      <a:pPr algn="ctr" latinLnBrk="1"/>
+                      <a:r>
+                        <a:rPr lang="ko-KR" altLang="en-US" sz="1200" dirty="0"/>
+                        <a:t>디렉터리의 위치를 변경</a:t>
+                      </a:r>
+                    </a:p>
+                  </a:txBody>
+                  <a:tcPr anchor="ctr"/>
+                </a:tc>
+                <a:tc>
+                  <a:txBody>
+                    <a:bodyPr/>
+                    <a:lstStyle/>
+                    <a:p>
+                      <a:pPr algn="ctr" latinLnBrk="1"/>
+                      <a:r>
+                        <a:rPr lang="en-US" altLang="ko-KR" sz="1600" dirty="0" err="1"/>
+                        <a:t>mkdir</a:t>
+                      </a:r>
+                      <a:endParaRPr lang="ko-KR" altLang="en-US" sz="1600" dirty="0"/>
+                    </a:p>
+                  </a:txBody>
+                  <a:tcPr anchor="ctr"/>
+                </a:tc>
+                <a:tc>
+                  <a:txBody>
+                    <a:bodyPr/>
+                    <a:lstStyle/>
+                    <a:p>
+                      <a:pPr algn="ctr" latinLnBrk="1"/>
+                      <a:r>
+                        <a:rPr lang="ko-KR" altLang="en-US" sz="1200" dirty="0"/>
+                        <a:t>디렉터리를 생성</a:t>
+                      </a:r>
+                    </a:p>
+                  </a:txBody>
+                  <a:tcPr anchor="ctr"/>
+                </a:tc>
+                <a:extLst>
+                  <a:ext uri="{0D108BD9-81ED-4DB2-BD59-A6C34878D82A}">
+                    <a16:rowId xmlns:a16="http://schemas.microsoft.com/office/drawing/2014/main" val="460967650"/>
+                  </a:ext>
+                </a:extLst>
+              </a:tr>
+              <a:tr h="396877">
+                <a:tc>
+                  <a:txBody>
+                    <a:bodyPr/>
+                    <a:lstStyle/>
+                    <a:p>
+                      <a:pPr algn="ctr" latinLnBrk="1"/>
+                      <a:r>
+                        <a:rPr lang="en-US" altLang="ko-KR" sz="1600" dirty="0" err="1"/>
+                        <a:t>chmod</a:t>
+                      </a:r>
+                      <a:endParaRPr lang="ko-KR" altLang="en-US" sz="1600" dirty="0"/>
+                    </a:p>
+                  </a:txBody>
+                  <a:tcPr anchor="ctr"/>
+                </a:tc>
+                <a:tc>
+                  <a:txBody>
+                    <a:bodyPr/>
+                    <a:lstStyle/>
+                    <a:p>
+                      <a:pPr algn="ctr" latinLnBrk="1"/>
+                      <a:r>
+                        <a:rPr lang="ko-KR" altLang="en-US" sz="1200" dirty="0"/>
+                        <a:t>파일의 보호 모드를 설정하여 파일의 사용 허가를 지정</a:t>
+                      </a:r>
+                    </a:p>
+                  </a:txBody>
+                  <a:tcPr anchor="ctr"/>
+                </a:tc>
+                <a:tc>
+                  <a:txBody>
+                    <a:bodyPr/>
+                    <a:lstStyle/>
+                    <a:p>
+                      <a:pPr algn="ctr" latinLnBrk="1"/>
+                      <a:r>
+                        <a:rPr lang="en-US" altLang="ko-KR" sz="1600" dirty="0" err="1"/>
+                        <a:t>rmdir</a:t>
+                      </a:r>
+                      <a:endParaRPr lang="ko-KR" altLang="en-US" sz="1600" dirty="0"/>
+                    </a:p>
+                  </a:txBody>
+                  <a:tcPr anchor="ctr"/>
+                </a:tc>
+                <a:tc>
+                  <a:txBody>
+                    <a:bodyPr/>
+                    <a:lstStyle/>
+                    <a:p>
+                      <a:pPr algn="ctr" latinLnBrk="1"/>
+                      <a:r>
+                        <a:rPr lang="ko-KR" altLang="en-US" sz="1200" dirty="0"/>
+                        <a:t>디렉터리를 삭제</a:t>
+                      </a:r>
+                    </a:p>
+                  </a:txBody>
+                  <a:tcPr anchor="ctr"/>
+                </a:tc>
+                <a:extLst>
+                  <a:ext uri="{0D108BD9-81ED-4DB2-BD59-A6C34878D82A}">
+                    <a16:rowId xmlns:a16="http://schemas.microsoft.com/office/drawing/2014/main" val="4228545351"/>
+                  </a:ext>
+                </a:extLst>
+              </a:tr>
+              <a:tr h="396877">
+                <a:tc>
+                  <a:txBody>
+                    <a:bodyPr/>
+                    <a:lstStyle/>
+                    <a:p>
+                      <a:pPr algn="ctr" latinLnBrk="1"/>
+                      <a:r>
+                        <a:rPr lang="en-US" altLang="ko-KR" sz="1600" dirty="0" err="1"/>
+                        <a:t>chown</a:t>
+                      </a:r>
+                      <a:endParaRPr lang="ko-KR" altLang="en-US" sz="1600" dirty="0"/>
+                    </a:p>
+                  </a:txBody>
+                  <a:tcPr anchor="ctr"/>
+                </a:tc>
+                <a:tc>
+                  <a:txBody>
+                    <a:bodyPr/>
+                    <a:lstStyle/>
+                    <a:p>
+                      <a:pPr algn="ctr" latinLnBrk="1"/>
+                      <a:r>
+                        <a:rPr lang="ko-KR" altLang="en-US" sz="1200" dirty="0"/>
+                        <a:t>파일 소유자와 그룹을 변경</a:t>
+                      </a:r>
+                    </a:p>
+                  </a:txBody>
+                  <a:tcPr anchor="ctr"/>
+                </a:tc>
+                <a:tc>
+                  <a:txBody>
+                    <a:bodyPr/>
+                    <a:lstStyle/>
+                    <a:p>
+                      <a:pPr algn="ctr" latinLnBrk="1"/>
+                      <a:r>
+                        <a:rPr lang="en-US" altLang="ko-KR" sz="1600" dirty="0"/>
+                        <a:t>mv</a:t>
+                      </a:r>
+                      <a:endParaRPr lang="ko-KR" altLang="en-US" sz="1600" dirty="0"/>
+                    </a:p>
+                  </a:txBody>
+                  <a:tcPr anchor="ctr"/>
+                </a:tc>
+                <a:tc>
+                  <a:txBody>
+                    <a:bodyPr/>
+                    <a:lstStyle/>
+                    <a:p>
+                      <a:pPr algn="ctr" latinLnBrk="1"/>
+                      <a:r>
+                        <a:rPr lang="ko-KR" altLang="en-US" sz="1200" dirty="0"/>
+                        <a:t>파일을 이동</a:t>
+                      </a:r>
+                    </a:p>
+                  </a:txBody>
+                  <a:tcPr anchor="ctr"/>
+                </a:tc>
+                <a:extLst>
+                  <a:ext uri="{0D108BD9-81ED-4DB2-BD59-A6C34878D82A}">
+                    <a16:rowId xmlns:a16="http://schemas.microsoft.com/office/drawing/2014/main" val="2810861821"/>
+                  </a:ext>
+                </a:extLst>
+              </a:tr>
+              <a:tr h="396877">
+                <a:tc>
+                  <a:txBody>
+                    <a:bodyPr/>
+                    <a:lstStyle/>
+                    <a:p>
+                      <a:pPr algn="ctr" latinLnBrk="1"/>
+                      <a:r>
+                        <a:rPr lang="en-US" altLang="ko-KR" sz="1600" dirty="0"/>
+                        <a:t>cp</a:t>
+                      </a:r>
+                      <a:endParaRPr lang="ko-KR" altLang="en-US" sz="1600" dirty="0"/>
+                    </a:p>
+                  </a:txBody>
+                  <a:tcPr anchor="ctr"/>
+                </a:tc>
+                <a:tc>
+                  <a:txBody>
+                    <a:bodyPr/>
+                    <a:lstStyle/>
+                    <a:p>
+                      <a:pPr algn="ctr" latinLnBrk="1"/>
+                      <a:r>
+                        <a:rPr lang="ko-KR" altLang="en-US" sz="1200" dirty="0"/>
+                        <a:t>파일을 복사</a:t>
+                      </a:r>
+                    </a:p>
+                  </a:txBody>
+                  <a:tcPr anchor="ctr"/>
+                </a:tc>
+                <a:tc>
+                  <a:txBody>
+                    <a:bodyPr/>
+                    <a:lstStyle/>
+                    <a:p>
+                      <a:pPr algn="ctr" latinLnBrk="1"/>
+                      <a:r>
+                        <a:rPr lang="en-US" altLang="ko-KR" sz="1600" dirty="0" err="1"/>
+                        <a:t>ps</a:t>
+                      </a:r>
+                      <a:endParaRPr lang="ko-KR" altLang="en-US" sz="1600" dirty="0"/>
+                    </a:p>
+                  </a:txBody>
+                  <a:tcPr anchor="ctr"/>
+                </a:tc>
+                <a:tc>
+                  <a:txBody>
+                    <a:bodyPr/>
+                    <a:lstStyle/>
+                    <a:p>
+                      <a:pPr algn="ctr" latinLnBrk="1"/>
+                      <a:r>
+                        <a:rPr lang="ko-KR" altLang="en-US" sz="1200" dirty="0"/>
+                        <a:t>현재 실행중인 프로세스를 표시</a:t>
+                      </a:r>
+                    </a:p>
+                  </a:txBody>
+                  <a:tcPr anchor="ctr"/>
+                </a:tc>
+                <a:extLst>
+                  <a:ext uri="{0D108BD9-81ED-4DB2-BD59-A6C34878D82A}">
+                    <a16:rowId xmlns:a16="http://schemas.microsoft.com/office/drawing/2014/main" val="1481825755"/>
+                  </a:ext>
+                </a:extLst>
+              </a:tr>
+              <a:tr h="396877">
+                <a:tc>
+                  <a:txBody>
+                    <a:bodyPr/>
+                    <a:lstStyle/>
+                    <a:p>
+                      <a:pPr algn="ctr" latinLnBrk="1"/>
+                      <a:r>
+                        <a:rPr lang="en-US" altLang="ko-KR" sz="1600" dirty="0"/>
+                        <a:t>rm</a:t>
+                      </a:r>
+                      <a:endParaRPr lang="ko-KR" altLang="en-US" sz="1600" dirty="0"/>
+                    </a:p>
+                  </a:txBody>
+                  <a:tcPr anchor="ctr"/>
+                </a:tc>
+                <a:tc>
+                  <a:txBody>
+                    <a:bodyPr/>
+                    <a:lstStyle/>
+                    <a:p>
+                      <a:pPr algn="ctr" latinLnBrk="1"/>
+                      <a:r>
+                        <a:rPr lang="ko-KR" altLang="en-US" sz="1200" dirty="0"/>
+                        <a:t>파일을 삭제</a:t>
+                      </a:r>
+                    </a:p>
+                  </a:txBody>
+                  <a:tcPr anchor="ctr"/>
+                </a:tc>
+                <a:tc>
+                  <a:txBody>
+                    <a:bodyPr/>
+                    <a:lstStyle/>
+                    <a:p>
+                      <a:pPr algn="ctr" latinLnBrk="1"/>
+                      <a:r>
+                        <a:rPr lang="en-US" altLang="ko-KR" sz="1600" dirty="0" err="1"/>
+                        <a:t>pwd</a:t>
+                      </a:r>
+                      <a:endParaRPr lang="ko-KR" altLang="en-US" sz="1600" dirty="0"/>
+                    </a:p>
+                  </a:txBody>
+                  <a:tcPr anchor="ctr"/>
+                </a:tc>
+                <a:tc>
+                  <a:txBody>
+                    <a:bodyPr/>
+                    <a:lstStyle/>
+                    <a:p>
+                      <a:pPr algn="ctr" latinLnBrk="1"/>
+                      <a:r>
+                        <a:rPr lang="ko-KR" altLang="en-US" sz="1200" dirty="0"/>
+                        <a:t>현재 작업중인 디렉터리 경로를 화면에 표시</a:t>
+                      </a:r>
+                    </a:p>
+                  </a:txBody>
+                  <a:tcPr anchor="ctr"/>
+                </a:tc>
+                <a:extLst>
+                  <a:ext uri="{0D108BD9-81ED-4DB2-BD59-A6C34878D82A}">
+                    <a16:rowId xmlns:a16="http://schemas.microsoft.com/office/drawing/2014/main" val="3256856406"/>
+                  </a:ext>
+                </a:extLst>
+              </a:tr>
+              <a:tr h="396877">
+                <a:tc>
+                  <a:txBody>
+                    <a:bodyPr/>
+                    <a:lstStyle/>
+                    <a:p>
+                      <a:pPr algn="ctr" latinLnBrk="1"/>
+                      <a:r>
+                        <a:rPr lang="en-US" altLang="ko-KR" sz="1600" dirty="0"/>
+                        <a:t>find</a:t>
+                      </a:r>
+                      <a:endParaRPr lang="ko-KR" altLang="en-US" sz="1600" dirty="0"/>
+                    </a:p>
+                  </a:txBody>
+                  <a:tcPr anchor="ctr"/>
+                </a:tc>
+                <a:tc>
+                  <a:txBody>
+                    <a:bodyPr/>
+                    <a:lstStyle/>
+                    <a:p>
+                      <a:pPr algn="ctr" latinLnBrk="1"/>
+                      <a:r>
+                        <a:rPr lang="ko-KR" altLang="en-US" sz="1200" dirty="0"/>
+                        <a:t>파일을 찾음</a:t>
+                      </a:r>
+                    </a:p>
+                  </a:txBody>
+                  <a:tcPr anchor="ctr"/>
+                </a:tc>
+                <a:tc>
+                  <a:txBody>
+                    <a:bodyPr/>
+                    <a:lstStyle/>
+                    <a:p>
+                      <a:pPr algn="ctr" latinLnBrk="1"/>
+                      <a:r>
+                        <a:rPr lang="en-US" altLang="ko-KR" sz="1600" dirty="0"/>
+                        <a:t>top</a:t>
+                      </a:r>
+                      <a:endParaRPr lang="ko-KR" altLang="en-US" sz="1600" dirty="0"/>
+                    </a:p>
+                  </a:txBody>
+                  <a:tcPr anchor="ctr"/>
+                </a:tc>
+                <a:tc>
+                  <a:txBody>
+                    <a:bodyPr/>
+                    <a:lstStyle/>
+                    <a:p>
+                      <a:pPr algn="ctr" latinLnBrk="1"/>
+                      <a:r>
+                        <a:rPr lang="ko-KR" altLang="en-US" sz="1200" dirty="0"/>
+                        <a:t>시스템의 프로세스와 메모리 사용 현황을 표시</a:t>
+                      </a:r>
+                    </a:p>
+                  </a:txBody>
+                  <a:tcPr anchor="ctr"/>
+                </a:tc>
+                <a:extLst>
+                  <a:ext uri="{0D108BD9-81ED-4DB2-BD59-A6C34878D82A}">
+                    <a16:rowId xmlns:a16="http://schemas.microsoft.com/office/drawing/2014/main" val="2904456242"/>
+                  </a:ext>
+                </a:extLst>
+              </a:tr>
+              <a:tr h="396877">
+                <a:tc>
+                  <a:txBody>
+                    <a:bodyPr/>
+                    <a:lstStyle/>
+                    <a:p>
+                      <a:pPr algn="ctr" latinLnBrk="1"/>
+                      <a:r>
+                        <a:rPr lang="en-US" altLang="ko-KR" sz="1600" dirty="0" err="1"/>
+                        <a:t>fsck</a:t>
+                      </a:r>
+                      <a:endParaRPr lang="ko-KR" altLang="en-US" sz="1600" dirty="0"/>
+                    </a:p>
+                  </a:txBody>
+                  <a:tcPr anchor="ctr"/>
+                </a:tc>
+                <a:tc>
+                  <a:txBody>
+                    <a:bodyPr/>
+                    <a:lstStyle/>
+                    <a:p>
+                      <a:pPr algn="ctr" latinLnBrk="1"/>
+                      <a:r>
+                        <a:rPr lang="ko-KR" altLang="en-US" sz="1200" dirty="0"/>
+                        <a:t>파일 시스템을 검사하고 보수</a:t>
+                      </a:r>
+                    </a:p>
+                  </a:txBody>
+                  <a:tcPr anchor="ctr"/>
+                </a:tc>
+                <a:tc>
+                  <a:txBody>
+                    <a:bodyPr/>
+                    <a:lstStyle/>
+                    <a:p>
+                      <a:pPr algn="ctr" latinLnBrk="1"/>
+                      <a:r>
+                        <a:rPr lang="en-US" altLang="ko-KR" sz="1600" dirty="0"/>
+                        <a:t>who</a:t>
+                      </a:r>
+                      <a:endParaRPr lang="ko-KR" altLang="en-US" sz="1600" dirty="0"/>
+                    </a:p>
+                  </a:txBody>
+                  <a:tcPr anchor="ctr"/>
+                </a:tc>
+                <a:tc>
+                  <a:txBody>
+                    <a:bodyPr/>
+                    <a:lstStyle/>
+                    <a:p>
+                      <a:pPr algn="ctr" latinLnBrk="1"/>
+                      <a:r>
+                        <a:rPr lang="ko-KR" altLang="en-US" sz="1200" dirty="0"/>
+                        <a:t>현재 시스템에 접속해 있는 사용자를 표시</a:t>
+                      </a:r>
+                    </a:p>
+                  </a:txBody>
+                  <a:tcPr anchor="ctr"/>
+                </a:tc>
+                <a:extLst>
+                  <a:ext uri="{0D108BD9-81ED-4DB2-BD59-A6C34878D82A}">
+                    <a16:rowId xmlns:a16="http://schemas.microsoft.com/office/drawing/2014/main" val="1633169032"/>
+                  </a:ext>
+                </a:extLst>
+              </a:tr>
+              <a:tr h="396877">
+                <a:tc>
+                  <a:txBody>
+                    <a:bodyPr/>
+                    <a:lstStyle/>
+                    <a:p>
+                      <a:pPr algn="ctr" latinLnBrk="1"/>
+                      <a:r>
+                        <a:rPr lang="en-US" altLang="ko-KR" sz="1600" dirty="0"/>
+                        <a:t>kill</a:t>
+                      </a:r>
+                      <a:endParaRPr lang="ko-KR" altLang="en-US" sz="1600" dirty="0"/>
+                    </a:p>
+                  </a:txBody>
+                  <a:tcPr anchor="ctr"/>
+                </a:tc>
+                <a:tc>
+                  <a:txBody>
+                    <a:bodyPr/>
+                    <a:lstStyle/>
+                    <a:p>
+                      <a:pPr algn="ctr" latinLnBrk="1"/>
+                      <a:r>
+                        <a:rPr lang="en-US" altLang="ko-KR" sz="1200" dirty="0"/>
+                        <a:t>PID(</a:t>
+                      </a:r>
+                      <a:r>
+                        <a:rPr lang="ko-KR" altLang="en-US" sz="1200" dirty="0"/>
+                        <a:t>프로세스 고유 번호</a:t>
+                      </a:r>
+                      <a:r>
+                        <a:rPr lang="en-US" altLang="ko-KR" sz="1200" dirty="0"/>
+                        <a:t>)</a:t>
+                      </a:r>
+                      <a:r>
+                        <a:rPr lang="ko-KR" altLang="en-US" sz="1200" dirty="0"/>
+                        <a:t>를 이용하여 프로세스를 종료</a:t>
+                      </a:r>
+                    </a:p>
+                  </a:txBody>
+                  <a:tcPr anchor="ctr"/>
+                </a:tc>
+                <a:tc>
+                  <a:txBody>
+                    <a:bodyPr/>
+                    <a:lstStyle/>
+                    <a:p>
+                      <a:pPr algn="ctr" latinLnBrk="1"/>
+                      <a:r>
+                        <a:rPr lang="en-US" altLang="ko-KR" sz="1600" dirty="0"/>
+                        <a:t>tar</a:t>
+                      </a:r>
+                      <a:endParaRPr lang="ko-KR" altLang="en-US" sz="1600" dirty="0"/>
+                    </a:p>
+                  </a:txBody>
+                  <a:tcPr anchor="ctr"/>
+                </a:tc>
+                <a:tc>
+                  <a:txBody>
+                    <a:bodyPr/>
+                    <a:lstStyle/>
+                    <a:p>
+                      <a:pPr algn="ctr" latinLnBrk="1"/>
+                      <a:r>
+                        <a:rPr lang="ko-KR" altLang="en-US" sz="1200" dirty="0"/>
+                        <a:t>파일을 압축하거나 압축을 해제</a:t>
+                      </a:r>
+                      <a:endParaRPr lang="en-US" altLang="ko-KR" sz="1200" dirty="0"/>
+                    </a:p>
+                    <a:p>
+                      <a:pPr algn="ctr" latinLnBrk="1"/>
+                      <a:r>
+                        <a:rPr lang="en-US" altLang="ko-KR" sz="1200" dirty="0" err="1"/>
+                        <a:t>cvf</a:t>
+                      </a:r>
+                      <a:r>
+                        <a:rPr lang="en-US" altLang="ko-KR" sz="1200" dirty="0"/>
+                        <a:t> – </a:t>
+                      </a:r>
+                      <a:r>
+                        <a:rPr lang="ko-KR" altLang="en-US" sz="1200" dirty="0"/>
+                        <a:t>모든 파일을 압축</a:t>
+                      </a:r>
+                      <a:r>
+                        <a:rPr lang="en-US" altLang="ko-KR" sz="1200" dirty="0"/>
+                        <a:t>, </a:t>
+                      </a:r>
+                      <a:r>
+                        <a:rPr lang="ko-KR" altLang="en-US" sz="1200" dirty="0"/>
+                        <a:t>처리 과정 표시</a:t>
+                      </a:r>
+                      <a:endParaRPr lang="en-US" altLang="ko-KR" sz="1200" dirty="0"/>
+                    </a:p>
+                    <a:p>
+                      <a:pPr algn="ctr" latinLnBrk="1"/>
+                      <a:r>
+                        <a:rPr lang="en-US" altLang="ko-KR" sz="1200" dirty="0" err="1"/>
+                        <a:t>xvf</a:t>
+                      </a:r>
+                      <a:r>
+                        <a:rPr lang="en-US" altLang="ko-KR" sz="1200" dirty="0"/>
+                        <a:t> – </a:t>
+                      </a:r>
+                      <a:r>
+                        <a:rPr lang="ko-KR" altLang="en-US" sz="1200" dirty="0"/>
+                        <a:t>압축된 파일을 현재 디렉터리에 해제</a:t>
+                      </a:r>
+                      <a:r>
+                        <a:rPr lang="en-US" altLang="ko-KR" sz="1200" dirty="0"/>
+                        <a:t>, </a:t>
+                      </a:r>
+                      <a:r>
+                        <a:rPr lang="ko-KR" altLang="en-US" sz="1200" dirty="0"/>
+                        <a:t>처리 과정 표시</a:t>
+                      </a:r>
+                    </a:p>
+                  </a:txBody>
+                  <a:tcPr anchor="ctr"/>
+                </a:tc>
+                <a:extLst>
+                  <a:ext uri="{0D108BD9-81ED-4DB2-BD59-A6C34878D82A}">
+                    <a16:rowId xmlns:a16="http://schemas.microsoft.com/office/drawing/2014/main" val="721115915"/>
+                  </a:ext>
+                </a:extLst>
+              </a:tr>
+              <a:tr h="396877">
+                <a:tc>
+                  <a:txBody>
+                    <a:bodyPr/>
+                    <a:lstStyle/>
+                    <a:p>
+                      <a:pPr algn="ctr" latinLnBrk="1"/>
+                      <a:r>
+                        <a:rPr lang="en-US" altLang="ko-KR" sz="1600" dirty="0" err="1"/>
+                        <a:t>killall</a:t>
+                      </a:r>
+                      <a:endParaRPr lang="ko-KR" altLang="en-US" sz="1600" dirty="0"/>
+                    </a:p>
+                  </a:txBody>
+                  <a:tcPr anchor="ctr"/>
+                </a:tc>
+                <a:tc>
+                  <a:txBody>
+                    <a:bodyPr/>
+                    <a:lstStyle/>
+                    <a:p>
+                      <a:pPr algn="ctr" latinLnBrk="1"/>
+                      <a:r>
+                        <a:rPr lang="ko-KR" altLang="en-US" sz="1200" dirty="0"/>
+                        <a:t>프로세스의 이름을 이용하여 프로세스를 종료</a:t>
+                      </a:r>
+                    </a:p>
+                  </a:txBody>
+                  <a:tcPr anchor="ctr"/>
+                </a:tc>
+                <a:tc>
+                  <a:txBody>
+                    <a:bodyPr/>
+                    <a:lstStyle/>
+                    <a:p>
+                      <a:pPr algn="ctr" latinLnBrk="1"/>
+                      <a:r>
+                        <a:rPr lang="en-US" altLang="ko-KR" sz="1600" dirty="0"/>
+                        <a:t>head</a:t>
+                      </a:r>
+                      <a:endParaRPr lang="ko-KR" altLang="en-US" sz="1600" dirty="0"/>
+                    </a:p>
+                  </a:txBody>
+                  <a:tcPr anchor="ctr"/>
+                </a:tc>
+                <a:tc>
+                  <a:txBody>
+                    <a:bodyPr/>
+                    <a:lstStyle/>
+                    <a:p>
+                      <a:pPr marL="171450" indent="-171450" algn="ctr" latinLnBrk="1">
+                        <a:buFontTx/>
+                        <a:buChar char="-"/>
+                      </a:pPr>
+                      <a:r>
+                        <a:rPr lang="ko-KR" altLang="en-US" sz="1200" dirty="0"/>
+                        <a:t>파일의 내용의 앞부분을 출력</a:t>
+                      </a:r>
+                      <a:endParaRPr lang="en-US" altLang="ko-KR" sz="1200" dirty="0"/>
+                    </a:p>
+                    <a:p>
+                      <a:pPr marL="171450" indent="-171450" algn="ctr" latinLnBrk="1">
+                        <a:buFontTx/>
+                        <a:buChar char="-"/>
+                      </a:pPr>
+                      <a:r>
+                        <a:rPr lang="ko-KR" altLang="en-US" sz="1200" dirty="0"/>
+                        <a:t>옵션을 지정하지 않을 경우 기본값은 </a:t>
+                      </a:r>
+                      <a:r>
+                        <a:rPr lang="en-US" altLang="ko-KR" sz="1200" dirty="0"/>
+                        <a:t>10</a:t>
+                      </a:r>
+                      <a:r>
+                        <a:rPr lang="ko-KR" altLang="en-US" sz="1200" dirty="0"/>
+                        <a:t>행</a:t>
+                      </a:r>
+                    </a:p>
+                  </a:txBody>
+                  <a:tcPr anchor="ctr"/>
+                </a:tc>
+                <a:extLst>
+                  <a:ext uri="{0D108BD9-81ED-4DB2-BD59-A6C34878D82A}">
+                    <a16:rowId xmlns:a16="http://schemas.microsoft.com/office/drawing/2014/main" val="632521391"/>
+                  </a:ext>
+                </a:extLst>
+              </a:tr>
+            </a:tbl>
+          </a:graphicData>
+        </a:graphic>
+      </p:graphicFrame>
+    </p:spTree>
+    <p:extLst>
+      <p:ext uri="{BB962C8B-B14F-4D97-AF65-F5344CB8AC3E}">
+        <p14:creationId xmlns:p14="http://schemas.microsoft.com/office/powerpoint/2010/main" val="528039541"/>
+      </p:ext>
+    </p:extLst>
+  </p:cSld>
+  <p:clrMapOvr>
+    <a:masterClrMapping/>
+  </p:clrMapOvr>
+</p:sld>
+</file>
+
+<file path=ppt/slides/slide17.xml><?xml version="1.0" encoding="utf-8"?>
+<p:sld xmlns:a="http://schemas.openxmlformats.org/drawingml/2006/main" xmlns:r="http://schemas.openxmlformats.org/officeDocument/2006/relationships" xmlns:p="http://schemas.openxmlformats.org/presentationml/2006/main">
+  <p:cSld>
+    <p:spTree>
+      <p:nvGrpSpPr>
+        <p:cNvPr id="1" name=""/>
+        <p:cNvGrpSpPr/>
+        <p:nvPr/>
+      </p:nvGrpSpPr>
+      <p:grpSpPr>
+        <a:xfrm>
+          <a:off x="0" y="0"/>
+          <a:ext cx="0" cy="0"/>
+          <a:chOff x="0" y="0"/>
+          <a:chExt cx="0" cy="0"/>
+        </a:xfrm>
+      </p:grpSpPr>
+      <p:sp>
+        <p:nvSpPr>
+          <p:cNvPr id="2" name="제목 1">
+            <a:extLst>
+              <a:ext uri="{FF2B5EF4-FFF2-40B4-BE49-F238E27FC236}">
+                <a16:creationId xmlns:a16="http://schemas.microsoft.com/office/drawing/2014/main" id="{A1D40836-4A18-400A-947C-B6C4A6E75647}"/>
+              </a:ext>
+            </a:extLst>
+          </p:cNvPr>
+          <p:cNvSpPr txBox="1">
+            <a:spLocks/>
+          </p:cNvSpPr>
+          <p:nvPr/>
+        </p:nvSpPr>
+        <p:spPr>
+          <a:xfrm>
+            <a:off x="838200" y="365125"/>
+            <a:ext cx="10515600" cy="649943"/>
+          </a:xfrm>
+          <a:prstGeom prst="rect">
+            <a:avLst/>
+          </a:prstGeom>
+        </p:spPr>
+        <p:txBody>
+          <a:bodyPr>
+            <a:normAutofit fontScale="97500" lnSpcReduction="10000"/>
+          </a:bodyPr>
+          <a:lstStyle>
+            <a:lvl1pPr algn="l" defTabSz="914400" rtl="0" eaLnBrk="1" latinLnBrk="1" hangingPunct="1">
+              <a:lnSpc>
+                <a:spcPct val="90000"/>
+              </a:lnSpc>
+              <a:spcBef>
+                <a:spcPct val="0"/>
+              </a:spcBef>
+              <a:buNone/>
+              <a:defRPr sz="4400" kern="1200">
+                <a:solidFill>
+                  <a:schemeClr val="tx1"/>
+                </a:solidFill>
+                <a:latin typeface="+mj-lt"/>
+                <a:ea typeface="+mj-ea"/>
+                <a:cs typeface="+mj-cs"/>
+              </a:defRPr>
+            </a:lvl1pPr>
+          </a:lstStyle>
+          <a:p>
+            <a:r>
+              <a:rPr lang="en-US" altLang="ko-KR" dirty="0"/>
+              <a:t>Section</a:t>
+            </a:r>
+            <a:r>
+              <a:rPr lang="ko-KR" altLang="en-US" dirty="0"/>
+              <a:t> </a:t>
+            </a:r>
+            <a:r>
+              <a:rPr lang="en-US" altLang="ko-KR" dirty="0"/>
+              <a:t>005 </a:t>
+            </a:r>
+            <a:r>
+              <a:rPr lang="ko-KR" altLang="en-US" dirty="0"/>
+              <a:t>기억장치 관리</a:t>
+            </a:r>
+          </a:p>
+        </p:txBody>
+      </p:sp>
+      <p:sp>
+        <p:nvSpPr>
+          <p:cNvPr id="3" name="TextBox 2">
+            <a:extLst>
+              <a:ext uri="{FF2B5EF4-FFF2-40B4-BE49-F238E27FC236}">
+                <a16:creationId xmlns:a16="http://schemas.microsoft.com/office/drawing/2014/main" id="{D17CC41A-4CA5-42B4-BEB2-3780FD49D2D0}"/>
+              </a:ext>
+            </a:extLst>
+          </p:cNvPr>
+          <p:cNvSpPr txBox="1"/>
+          <p:nvPr/>
+        </p:nvSpPr>
+        <p:spPr>
+          <a:xfrm>
+            <a:off x="838200" y="1015068"/>
+            <a:ext cx="10515599" cy="3461012"/>
+          </a:xfrm>
+          <a:prstGeom prst="rect">
+            <a:avLst/>
+          </a:prstGeom>
+          <a:noFill/>
+        </p:spPr>
+        <p:txBody>
+          <a:bodyPr wrap="square" rtlCol="0">
+            <a:spAutoFit/>
+          </a:bodyPr>
+          <a:lstStyle/>
+          <a:p>
+            <a:pPr>
+              <a:lnSpc>
+                <a:spcPct val="200000"/>
+              </a:lnSpc>
+            </a:pPr>
+            <a:r>
+              <a:rPr lang="en-US" altLang="ko-KR" dirty="0"/>
+              <a:t>1] </a:t>
+            </a:r>
+            <a:r>
+              <a:rPr lang="ko-KR" altLang="en-US" dirty="0"/>
+              <a:t>기억장치의 관리 전략의 개요</a:t>
+            </a:r>
+            <a:endParaRPr lang="en-US" altLang="ko-KR" dirty="0"/>
+          </a:p>
+          <a:p>
+            <a:pPr marL="285750" indent="-285750">
+              <a:lnSpc>
+                <a:spcPct val="200000"/>
+              </a:lnSpc>
+              <a:buFontTx/>
+              <a:buChar char="-"/>
+            </a:pPr>
+            <a:r>
+              <a:rPr lang="ko-KR" altLang="en-US" sz="1400" dirty="0"/>
+              <a:t>기억장치의 관리 전략은 보조기억장치의 프로그램이나 데이터를 주기억장치에 적재 시키는 시기</a:t>
+            </a:r>
+            <a:r>
+              <a:rPr lang="en-US" altLang="ko-KR" sz="1400" dirty="0"/>
+              <a:t>, </a:t>
+            </a:r>
+            <a:r>
+              <a:rPr lang="ko-KR" altLang="en-US" sz="1400" dirty="0"/>
+              <a:t>적재 위치 등을 지정하여 한정된 주기억장치의 공간을 효율적으로 사용하기 위한 것</a:t>
+            </a:r>
+            <a:endParaRPr lang="en-US" altLang="ko-KR" sz="1400" dirty="0"/>
+          </a:p>
+          <a:p>
+            <a:pPr>
+              <a:lnSpc>
+                <a:spcPct val="200000"/>
+              </a:lnSpc>
+            </a:pPr>
+            <a:r>
+              <a:rPr lang="en-US" altLang="ko-KR" sz="1400" dirty="0"/>
+              <a:t>**</a:t>
+            </a:r>
+            <a:r>
+              <a:rPr lang="ko-KR" altLang="en-US" sz="1400" dirty="0"/>
+              <a:t> </a:t>
+            </a:r>
+            <a:r>
+              <a:rPr lang="ko-KR" altLang="en-US" dirty="0"/>
+              <a:t>기억장치 관리 전략의 종류</a:t>
+            </a:r>
+            <a:endParaRPr lang="en-US" altLang="ko-KR" sz="1600" dirty="0"/>
+          </a:p>
+          <a:p>
+            <a:pPr marL="285750" indent="-285750">
+              <a:lnSpc>
+                <a:spcPct val="200000"/>
+              </a:lnSpc>
+              <a:buFontTx/>
+              <a:buChar char="-"/>
+            </a:pPr>
+            <a:r>
+              <a:rPr lang="ko-KR" altLang="en-US" sz="1600" dirty="0"/>
+              <a:t>반입</a:t>
+            </a:r>
+            <a:r>
+              <a:rPr lang="en-US" altLang="ko-KR" sz="1600" dirty="0"/>
+              <a:t>(Fetch) </a:t>
+            </a:r>
+            <a:r>
+              <a:rPr lang="ko-KR" altLang="en-US" sz="1600" dirty="0"/>
+              <a:t>전략</a:t>
+            </a:r>
+            <a:endParaRPr lang="en-US" altLang="ko-KR" sz="1600" dirty="0"/>
+          </a:p>
+          <a:p>
+            <a:pPr marL="285750" indent="-285750">
+              <a:lnSpc>
+                <a:spcPct val="200000"/>
+              </a:lnSpc>
+              <a:buFontTx/>
+              <a:buChar char="-"/>
+            </a:pPr>
+            <a:r>
+              <a:rPr lang="ko-KR" altLang="en-US" sz="1600" dirty="0"/>
+              <a:t>배치</a:t>
+            </a:r>
+            <a:r>
+              <a:rPr lang="en-US" altLang="ko-KR" sz="1600" dirty="0"/>
+              <a:t>(Placement)</a:t>
+            </a:r>
+            <a:r>
+              <a:rPr lang="ko-KR" altLang="en-US" sz="1600" dirty="0"/>
+              <a:t> 전략</a:t>
+            </a:r>
+            <a:endParaRPr lang="en-US" altLang="ko-KR" sz="1600" dirty="0"/>
+          </a:p>
+          <a:p>
+            <a:pPr marL="285750" indent="-285750">
+              <a:lnSpc>
+                <a:spcPct val="200000"/>
+              </a:lnSpc>
+              <a:buFontTx/>
+              <a:buChar char="-"/>
+            </a:pPr>
+            <a:r>
+              <a:rPr lang="ko-KR" altLang="en-US" sz="1600" dirty="0"/>
+              <a:t>교체</a:t>
+            </a:r>
+            <a:r>
+              <a:rPr lang="en-US" altLang="ko-KR" sz="1600" dirty="0"/>
+              <a:t>(Replacement)</a:t>
+            </a:r>
+            <a:r>
+              <a:rPr lang="ko-KR" altLang="en-US" sz="1600" dirty="0"/>
+              <a:t> 전략</a:t>
+            </a:r>
+            <a:endParaRPr lang="en-US" altLang="ko-KR" sz="1600" dirty="0"/>
+          </a:p>
+        </p:txBody>
+      </p:sp>
+    </p:spTree>
+    <p:extLst>
+      <p:ext uri="{BB962C8B-B14F-4D97-AF65-F5344CB8AC3E}">
+        <p14:creationId xmlns:p14="http://schemas.microsoft.com/office/powerpoint/2010/main" val="4079541019"/>
+      </p:ext>
+    </p:extLst>
+  </p:cSld>
+  <p:clrMapOvr>
+    <a:masterClrMapping/>
+  </p:clrMapOvr>
+</p:sld>
+</file>
+
+<file path=ppt/slides/slide18.xml><?xml version="1.0" encoding="utf-8"?>
+<p:sld xmlns:a="http://schemas.openxmlformats.org/drawingml/2006/main" xmlns:r="http://schemas.openxmlformats.org/officeDocument/2006/relationships" xmlns:p="http://schemas.openxmlformats.org/presentationml/2006/main">
+  <p:cSld>
+    <p:spTree>
+      <p:nvGrpSpPr>
+        <p:cNvPr id="1" name=""/>
+        <p:cNvGrpSpPr/>
+        <p:nvPr/>
+      </p:nvGrpSpPr>
+      <p:grpSpPr>
+        <a:xfrm>
+          <a:off x="0" y="0"/>
+          <a:ext cx="0" cy="0"/>
+          <a:chOff x="0" y="0"/>
+          <a:chExt cx="0" cy="0"/>
+        </a:xfrm>
+      </p:grpSpPr>
+      <p:sp>
+        <p:nvSpPr>
+          <p:cNvPr id="2" name="제목 1">
+            <a:extLst>
+              <a:ext uri="{FF2B5EF4-FFF2-40B4-BE49-F238E27FC236}">
+                <a16:creationId xmlns:a16="http://schemas.microsoft.com/office/drawing/2014/main" id="{A1D40836-4A18-400A-947C-B6C4A6E75647}"/>
+              </a:ext>
+            </a:extLst>
+          </p:cNvPr>
+          <p:cNvSpPr txBox="1">
+            <a:spLocks/>
+          </p:cNvSpPr>
+          <p:nvPr/>
+        </p:nvSpPr>
+        <p:spPr>
+          <a:xfrm>
+            <a:off x="838200" y="365125"/>
+            <a:ext cx="10515600" cy="649943"/>
+          </a:xfrm>
+          <a:prstGeom prst="rect">
+            <a:avLst/>
+          </a:prstGeom>
+        </p:spPr>
+        <p:txBody>
+          <a:bodyPr>
+            <a:normAutofit fontScale="97500" lnSpcReduction="10000"/>
+          </a:bodyPr>
+          <a:lstStyle>
+            <a:lvl1pPr algn="l" defTabSz="914400" rtl="0" eaLnBrk="1" latinLnBrk="1" hangingPunct="1">
+              <a:lnSpc>
+                <a:spcPct val="90000"/>
+              </a:lnSpc>
+              <a:spcBef>
+                <a:spcPct val="0"/>
+              </a:spcBef>
+              <a:buNone/>
+              <a:defRPr sz="4400" kern="1200">
+                <a:solidFill>
+                  <a:schemeClr val="tx1"/>
+                </a:solidFill>
+                <a:latin typeface="+mj-lt"/>
+                <a:ea typeface="+mj-ea"/>
+                <a:cs typeface="+mj-cs"/>
+              </a:defRPr>
+            </a:lvl1pPr>
+          </a:lstStyle>
+          <a:p>
+            <a:r>
+              <a:rPr lang="en-US" altLang="ko-KR" dirty="0"/>
+              <a:t>Section</a:t>
+            </a:r>
+            <a:r>
+              <a:rPr lang="ko-KR" altLang="en-US" dirty="0"/>
+              <a:t> </a:t>
+            </a:r>
+            <a:r>
+              <a:rPr lang="en-US" altLang="ko-KR" dirty="0"/>
+              <a:t>005 </a:t>
+            </a:r>
+            <a:r>
+              <a:rPr lang="ko-KR" altLang="en-US" dirty="0"/>
+              <a:t>기억장치 관리</a:t>
+            </a:r>
+          </a:p>
+        </p:txBody>
+      </p:sp>
+      <p:sp>
+        <p:nvSpPr>
+          <p:cNvPr id="3" name="TextBox 2">
+            <a:extLst>
+              <a:ext uri="{FF2B5EF4-FFF2-40B4-BE49-F238E27FC236}">
+                <a16:creationId xmlns:a16="http://schemas.microsoft.com/office/drawing/2014/main" id="{D17CC41A-4CA5-42B4-BEB2-3780FD49D2D0}"/>
+              </a:ext>
+            </a:extLst>
+          </p:cNvPr>
+          <p:cNvSpPr txBox="1"/>
+          <p:nvPr/>
+        </p:nvSpPr>
+        <p:spPr>
+          <a:xfrm>
+            <a:off x="838200" y="1015068"/>
+            <a:ext cx="10515599" cy="5344476"/>
+          </a:xfrm>
+          <a:prstGeom prst="rect">
+            <a:avLst/>
+          </a:prstGeom>
+          <a:noFill/>
+        </p:spPr>
+        <p:txBody>
+          <a:bodyPr wrap="square" rtlCol="0">
+            <a:spAutoFit/>
+          </a:bodyPr>
+          <a:lstStyle/>
+          <a:p>
+            <a:pPr>
+              <a:lnSpc>
+                <a:spcPct val="150000"/>
+              </a:lnSpc>
+            </a:pPr>
+            <a:r>
+              <a:rPr lang="en-US" altLang="ko-KR" dirty="0"/>
+              <a:t>2] </a:t>
+            </a:r>
+            <a:r>
+              <a:rPr lang="ko-KR" altLang="en-US" dirty="0"/>
+              <a:t>반입</a:t>
+            </a:r>
+            <a:r>
+              <a:rPr lang="en-US" altLang="ko-KR" dirty="0"/>
+              <a:t>(Fetch)</a:t>
+            </a:r>
+            <a:r>
+              <a:rPr lang="ko-KR" altLang="en-US" dirty="0"/>
+              <a:t> 전략</a:t>
+            </a:r>
+            <a:endParaRPr lang="en-US" altLang="ko-KR" dirty="0"/>
+          </a:p>
+          <a:p>
+            <a:pPr>
+              <a:lnSpc>
+                <a:spcPct val="150000"/>
+              </a:lnSpc>
+            </a:pPr>
+            <a:r>
+              <a:rPr lang="en-US" altLang="ko-KR" sz="1600" dirty="0"/>
+              <a:t>- </a:t>
+            </a:r>
+            <a:r>
+              <a:rPr lang="ko-KR" altLang="en-US" sz="1600" dirty="0"/>
+              <a:t>반입 전략은 보조기억장치에 보관중인 프로그램이나 데이터를 언제 주기억장치로 적재할 것인지 결정하는 전략</a:t>
+            </a:r>
+            <a:endParaRPr lang="en-US" altLang="ko-KR" sz="1600" dirty="0"/>
+          </a:p>
+          <a:p>
+            <a:pPr>
+              <a:lnSpc>
+                <a:spcPct val="200000"/>
+              </a:lnSpc>
+            </a:pPr>
+            <a:r>
+              <a:rPr lang="en-US" altLang="ko-KR" sz="1600" dirty="0"/>
+              <a:t>** </a:t>
+            </a:r>
+            <a:r>
+              <a:rPr lang="ko-KR" altLang="en-US" sz="1600" dirty="0"/>
+              <a:t>요구 반입</a:t>
+            </a:r>
+            <a:r>
+              <a:rPr lang="en-US" altLang="ko-KR" sz="1600" dirty="0"/>
+              <a:t>(Demand Fetch)</a:t>
+            </a:r>
+            <a:r>
+              <a:rPr lang="ko-KR" altLang="en-US" sz="1600" dirty="0"/>
+              <a:t>과 예상 반입</a:t>
+            </a:r>
+            <a:r>
+              <a:rPr lang="en-US" altLang="ko-KR" sz="1600" dirty="0"/>
+              <a:t>(Anticipatory Fetch)</a:t>
+            </a:r>
+          </a:p>
+          <a:p>
+            <a:pPr marL="285750" indent="-285750">
+              <a:lnSpc>
+                <a:spcPct val="150000"/>
+              </a:lnSpc>
+              <a:buFont typeface="Arial" panose="020B0604020202020204" pitchFamily="34" charset="0"/>
+              <a:buChar char="•"/>
+            </a:pPr>
+            <a:r>
+              <a:rPr lang="ko-KR" altLang="en-US" sz="1400" dirty="0"/>
+              <a:t>요구 반입</a:t>
+            </a:r>
+            <a:r>
+              <a:rPr lang="en-US" altLang="ko-KR" sz="1400" dirty="0"/>
+              <a:t>(Demand Fetch) : </a:t>
+            </a:r>
+            <a:r>
+              <a:rPr lang="ko-KR" altLang="en-US" sz="1400" dirty="0"/>
+              <a:t>실행중인 프로그램이 특정 프로그램이나 데이터 등의 참조를 요구할 때 적재하는 방법</a:t>
+            </a:r>
+            <a:endParaRPr lang="en-US" altLang="ko-KR" sz="1400" dirty="0"/>
+          </a:p>
+          <a:p>
+            <a:pPr marL="285750" indent="-285750">
+              <a:lnSpc>
+                <a:spcPct val="150000"/>
+              </a:lnSpc>
+              <a:buFont typeface="Arial" panose="020B0604020202020204" pitchFamily="34" charset="0"/>
+              <a:buChar char="•"/>
+            </a:pPr>
+            <a:r>
+              <a:rPr lang="ko-KR" altLang="en-US" sz="1400" dirty="0"/>
+              <a:t>예상 반입</a:t>
+            </a:r>
+            <a:r>
+              <a:rPr lang="en-US" altLang="ko-KR" sz="1400" dirty="0"/>
+              <a:t>(Anticipatory Fetch) : </a:t>
+            </a:r>
+            <a:r>
+              <a:rPr lang="ko-KR" altLang="en-US" sz="1400" dirty="0"/>
+              <a:t>실행중인 프로그램에 의해 참조될 프로그램이나 데이터를 미리 예상하여 적재하는 방법</a:t>
+            </a:r>
+            <a:endParaRPr lang="en-US" altLang="ko-KR" sz="1400" dirty="0"/>
+          </a:p>
+          <a:p>
+            <a:pPr marL="285750" indent="-285750">
+              <a:lnSpc>
+                <a:spcPct val="150000"/>
+              </a:lnSpc>
+              <a:buFontTx/>
+              <a:buChar char="-"/>
+            </a:pPr>
+            <a:endParaRPr lang="en-US" altLang="ko-KR" sz="1400" dirty="0"/>
+          </a:p>
+          <a:p>
+            <a:pPr>
+              <a:lnSpc>
+                <a:spcPct val="150000"/>
+              </a:lnSpc>
+            </a:pPr>
+            <a:r>
+              <a:rPr lang="en-US" altLang="ko-KR" dirty="0"/>
+              <a:t>3] </a:t>
+            </a:r>
+            <a:r>
+              <a:rPr lang="ko-KR" altLang="en-US" dirty="0"/>
+              <a:t>배치</a:t>
+            </a:r>
+            <a:r>
+              <a:rPr lang="en-US" altLang="ko-KR" dirty="0"/>
+              <a:t>(Placement)</a:t>
+            </a:r>
+            <a:r>
+              <a:rPr lang="ko-KR" altLang="en-US" dirty="0"/>
+              <a:t> 전략</a:t>
+            </a:r>
+            <a:endParaRPr lang="en-US" altLang="ko-KR" dirty="0"/>
+          </a:p>
+          <a:p>
+            <a:pPr marL="285750" indent="-285750">
+              <a:lnSpc>
+                <a:spcPct val="150000"/>
+              </a:lnSpc>
+              <a:buFontTx/>
+              <a:buChar char="-"/>
+            </a:pPr>
+            <a:r>
+              <a:rPr lang="ko-KR" altLang="en-US" sz="1600" dirty="0"/>
+              <a:t>배치 전략은 새로 반입되는 프로그램이나 데이터를 주기억장치의 어디에 위치시킬 것인지를 결정하는 전략</a:t>
+            </a:r>
+            <a:endParaRPr lang="en-US" altLang="ko-KR" sz="1600" dirty="0"/>
+          </a:p>
+          <a:p>
+            <a:pPr>
+              <a:lnSpc>
+                <a:spcPct val="150000"/>
+              </a:lnSpc>
+            </a:pPr>
+            <a:endParaRPr lang="en-US" altLang="ko-KR" sz="1200" dirty="0"/>
+          </a:p>
+          <a:p>
+            <a:pPr>
+              <a:lnSpc>
+                <a:spcPct val="150000"/>
+              </a:lnSpc>
+            </a:pPr>
+            <a:r>
+              <a:rPr lang="en-US" altLang="ko-KR" sz="1600" dirty="0"/>
+              <a:t>** </a:t>
+            </a:r>
+            <a:r>
+              <a:rPr lang="ko-KR" altLang="en-US" sz="1600" dirty="0"/>
+              <a:t>최초</a:t>
+            </a:r>
+            <a:r>
+              <a:rPr lang="en-US" altLang="ko-KR" sz="1600" dirty="0"/>
+              <a:t>(First Fit)</a:t>
+            </a:r>
+            <a:r>
+              <a:rPr lang="ko-KR" altLang="en-US" sz="1600" dirty="0"/>
+              <a:t> 적합</a:t>
+            </a:r>
+            <a:r>
+              <a:rPr lang="en-US" altLang="ko-KR" sz="1600" dirty="0"/>
+              <a:t>, </a:t>
+            </a:r>
+            <a:r>
+              <a:rPr lang="ko-KR" altLang="en-US" sz="1600" dirty="0"/>
+              <a:t>최적</a:t>
+            </a:r>
+            <a:r>
+              <a:rPr lang="en-US" altLang="ko-KR" sz="1600" dirty="0"/>
+              <a:t>(Best Fit)</a:t>
+            </a:r>
+            <a:r>
+              <a:rPr lang="ko-KR" altLang="en-US" sz="1600" dirty="0"/>
+              <a:t>  적합</a:t>
+            </a:r>
+            <a:r>
+              <a:rPr lang="en-US" altLang="ko-KR" sz="1600" dirty="0"/>
+              <a:t>, </a:t>
+            </a:r>
+            <a:r>
+              <a:rPr lang="ko-KR" altLang="en-US" sz="1600" dirty="0"/>
+              <a:t>최악</a:t>
+            </a:r>
+            <a:r>
+              <a:rPr lang="en-US" altLang="ko-KR" sz="1600" dirty="0"/>
+              <a:t>(Worst Fit)</a:t>
+            </a:r>
+            <a:r>
+              <a:rPr lang="ko-KR" altLang="en-US" sz="1600" dirty="0"/>
+              <a:t> 적합</a:t>
+            </a:r>
+            <a:endParaRPr lang="en-US" altLang="ko-KR" sz="1600" dirty="0"/>
+          </a:p>
+          <a:p>
+            <a:pPr marL="285750" indent="-285750">
+              <a:lnSpc>
+                <a:spcPct val="150000"/>
+              </a:lnSpc>
+              <a:buFont typeface="Arial" panose="020B0604020202020204" pitchFamily="34" charset="0"/>
+              <a:buChar char="•"/>
+            </a:pPr>
+            <a:r>
+              <a:rPr lang="ko-KR" altLang="en-US" sz="1400" b="1" dirty="0"/>
+              <a:t>최초</a:t>
+            </a:r>
+            <a:r>
+              <a:rPr lang="en-US" altLang="ko-KR" sz="1400" b="1" dirty="0"/>
+              <a:t>(First Fit)</a:t>
+            </a:r>
+            <a:r>
+              <a:rPr lang="ko-KR" altLang="en-US" sz="1400" b="1" dirty="0"/>
+              <a:t> 적합 </a:t>
+            </a:r>
+            <a:r>
+              <a:rPr lang="en-US" altLang="ko-KR" sz="1400" dirty="0"/>
+              <a:t>: </a:t>
+            </a:r>
+            <a:r>
+              <a:rPr lang="ko-KR" altLang="en-US" sz="1400" dirty="0"/>
+              <a:t>프로그램이나 데이터가 들어갈 수 있는 크기의 빈 영역 중에서 첫 번째 분할 영역에 배치시키는 방법</a:t>
+            </a:r>
+            <a:endParaRPr lang="en-US" altLang="ko-KR" sz="1400" dirty="0"/>
+          </a:p>
+          <a:p>
+            <a:pPr marL="285750" indent="-285750">
+              <a:lnSpc>
+                <a:spcPct val="150000"/>
+              </a:lnSpc>
+              <a:buFont typeface="Arial" panose="020B0604020202020204" pitchFamily="34" charset="0"/>
+              <a:buChar char="•"/>
+            </a:pPr>
+            <a:r>
+              <a:rPr lang="ko-KR" altLang="en-US" sz="1400" b="1" dirty="0"/>
+              <a:t>최적</a:t>
+            </a:r>
+            <a:r>
+              <a:rPr lang="en-US" altLang="ko-KR" sz="1400" b="1" dirty="0"/>
+              <a:t>(Best Fit)</a:t>
+            </a:r>
+            <a:r>
+              <a:rPr lang="ko-KR" altLang="en-US" sz="1400" b="1" dirty="0"/>
+              <a:t> 적합 </a:t>
+            </a:r>
+            <a:r>
+              <a:rPr lang="en-US" altLang="ko-KR" sz="1400" dirty="0"/>
+              <a:t>: </a:t>
+            </a:r>
+            <a:r>
+              <a:rPr lang="ko-KR" altLang="en-US" sz="1400" dirty="0"/>
+              <a:t>프로그램이나 데이터가 들어갈 수 있는 크기의 빈 영역 중에서 단편화를 가장 작게 남기는 분할 영역에 배치시키는 방법</a:t>
+            </a:r>
+            <a:endParaRPr lang="en-US" altLang="ko-KR" sz="1400" dirty="0"/>
+          </a:p>
+          <a:p>
+            <a:pPr marL="285750" indent="-285750">
+              <a:lnSpc>
+                <a:spcPct val="150000"/>
+              </a:lnSpc>
+              <a:buFont typeface="Arial" panose="020B0604020202020204" pitchFamily="34" charset="0"/>
+              <a:buChar char="•"/>
+            </a:pPr>
+            <a:r>
+              <a:rPr lang="ko-KR" altLang="en-US" sz="1400" b="1" dirty="0"/>
+              <a:t>최악</a:t>
+            </a:r>
+            <a:r>
+              <a:rPr lang="en-US" altLang="ko-KR" sz="1400" b="1" dirty="0"/>
+              <a:t>(Worst Fit)</a:t>
+            </a:r>
+            <a:r>
+              <a:rPr lang="ko-KR" altLang="en-US" sz="1400" b="1" dirty="0"/>
+              <a:t> 적합 </a:t>
+            </a:r>
+            <a:r>
+              <a:rPr lang="en-US" altLang="ko-KR" sz="1400" dirty="0"/>
+              <a:t>: </a:t>
+            </a:r>
+            <a:r>
+              <a:rPr lang="ko-KR" altLang="en-US" sz="1400" dirty="0"/>
+              <a:t>프로그램이나 데이터가 들어갈 수 있는 크기의 빈 영역 중에서 단편화를 가장 많이 남기는 분할 영역에 배치시키는 방법</a:t>
+            </a:r>
+            <a:endParaRPr lang="en-US" altLang="ko-KR" sz="1400" dirty="0"/>
+          </a:p>
+        </p:txBody>
+      </p:sp>
+    </p:spTree>
+    <p:extLst>
+      <p:ext uri="{BB962C8B-B14F-4D97-AF65-F5344CB8AC3E}">
+        <p14:creationId xmlns:p14="http://schemas.microsoft.com/office/powerpoint/2010/main" val="2297891999"/>
+      </p:ext>
+    </p:extLst>
+  </p:cSld>
+  <p:clrMapOvr>
+    <a:masterClrMapping/>
+  </p:clrMapOvr>
+</p:sld>
+</file>
+
+<file path=ppt/slides/slide19.xml><?xml version="1.0" encoding="utf-8"?>
+<p:sld xmlns:a="http://schemas.openxmlformats.org/drawingml/2006/main" xmlns:r="http://schemas.openxmlformats.org/officeDocument/2006/relationships" xmlns:p="http://schemas.openxmlformats.org/presentationml/2006/main">
+  <p:cSld>
+    <p:spTree>
+      <p:nvGrpSpPr>
+        <p:cNvPr id="1" name=""/>
+        <p:cNvGrpSpPr/>
+        <p:nvPr/>
+      </p:nvGrpSpPr>
+      <p:grpSpPr>
+        <a:xfrm>
+          <a:off x="0" y="0"/>
+          <a:ext cx="0" cy="0"/>
+          <a:chOff x="0" y="0"/>
+          <a:chExt cx="0" cy="0"/>
+        </a:xfrm>
+      </p:grpSpPr>
+      <p:sp>
+        <p:nvSpPr>
+          <p:cNvPr id="2" name="제목 1">
+            <a:extLst>
+              <a:ext uri="{FF2B5EF4-FFF2-40B4-BE49-F238E27FC236}">
+                <a16:creationId xmlns:a16="http://schemas.microsoft.com/office/drawing/2014/main" id="{A1D40836-4A18-400A-947C-B6C4A6E75647}"/>
+              </a:ext>
+            </a:extLst>
+          </p:cNvPr>
+          <p:cNvSpPr txBox="1">
+            <a:spLocks/>
+          </p:cNvSpPr>
+          <p:nvPr/>
+        </p:nvSpPr>
+        <p:spPr>
+          <a:xfrm>
+            <a:off x="838200" y="365125"/>
+            <a:ext cx="10515600" cy="649943"/>
+          </a:xfrm>
+          <a:prstGeom prst="rect">
+            <a:avLst/>
+          </a:prstGeom>
+        </p:spPr>
+        <p:txBody>
+          <a:bodyPr>
+            <a:normAutofit fontScale="97500" lnSpcReduction="10000"/>
+          </a:bodyPr>
+          <a:lstStyle>
+            <a:lvl1pPr algn="l" defTabSz="914400" rtl="0" eaLnBrk="1" latinLnBrk="1" hangingPunct="1">
+              <a:lnSpc>
+                <a:spcPct val="90000"/>
+              </a:lnSpc>
+              <a:spcBef>
+                <a:spcPct val="0"/>
+              </a:spcBef>
+              <a:buNone/>
+              <a:defRPr sz="4400" kern="1200">
+                <a:solidFill>
+                  <a:schemeClr val="tx1"/>
+                </a:solidFill>
+                <a:latin typeface="+mj-lt"/>
+                <a:ea typeface="+mj-ea"/>
+                <a:cs typeface="+mj-cs"/>
+              </a:defRPr>
+            </a:lvl1pPr>
+          </a:lstStyle>
+          <a:p>
+            <a:r>
+              <a:rPr lang="en-US" altLang="ko-KR" dirty="0"/>
+              <a:t>Section</a:t>
+            </a:r>
+            <a:r>
+              <a:rPr lang="ko-KR" altLang="en-US" dirty="0"/>
+              <a:t> </a:t>
+            </a:r>
+            <a:r>
+              <a:rPr lang="en-US" altLang="ko-KR" dirty="0"/>
+              <a:t>005 </a:t>
+            </a:r>
+            <a:r>
+              <a:rPr lang="ko-KR" altLang="en-US" dirty="0"/>
+              <a:t>기억장치 관리</a:t>
+            </a:r>
+          </a:p>
+        </p:txBody>
+      </p:sp>
+      <p:sp>
+        <p:nvSpPr>
+          <p:cNvPr id="3" name="TextBox 2">
+            <a:extLst>
+              <a:ext uri="{FF2B5EF4-FFF2-40B4-BE49-F238E27FC236}">
+                <a16:creationId xmlns:a16="http://schemas.microsoft.com/office/drawing/2014/main" id="{D17CC41A-4CA5-42B4-BEB2-3780FD49D2D0}"/>
+              </a:ext>
+            </a:extLst>
+          </p:cNvPr>
+          <p:cNvSpPr txBox="1"/>
+          <p:nvPr/>
+        </p:nvSpPr>
+        <p:spPr>
+          <a:xfrm>
+            <a:off x="838200" y="1015068"/>
+            <a:ext cx="10515599" cy="2082045"/>
+          </a:xfrm>
+          <a:prstGeom prst="rect">
+            <a:avLst/>
+          </a:prstGeom>
+          <a:noFill/>
+        </p:spPr>
+        <p:txBody>
+          <a:bodyPr wrap="square" rtlCol="0">
+            <a:spAutoFit/>
+          </a:bodyPr>
+          <a:lstStyle/>
+          <a:p>
+            <a:pPr>
+              <a:lnSpc>
+                <a:spcPct val="150000"/>
+              </a:lnSpc>
+            </a:pPr>
+            <a:r>
+              <a:rPr lang="en-US" altLang="ko-KR" dirty="0"/>
+              <a:t>4] </a:t>
+            </a:r>
+            <a:r>
+              <a:rPr lang="ko-KR" altLang="en-US" dirty="0"/>
+              <a:t>교체 전략</a:t>
+            </a:r>
+            <a:r>
+              <a:rPr lang="en-US" altLang="ko-KR" dirty="0"/>
+              <a:t>(Replacement) </a:t>
+            </a:r>
+            <a:r>
+              <a:rPr lang="ko-KR" altLang="en-US" dirty="0"/>
+              <a:t>전략</a:t>
+            </a:r>
+            <a:endParaRPr lang="en-US" altLang="ko-KR" dirty="0"/>
+          </a:p>
+          <a:p>
+            <a:pPr>
+              <a:lnSpc>
+                <a:spcPct val="150000"/>
+              </a:lnSpc>
+            </a:pPr>
+            <a:r>
+              <a:rPr lang="en-US" altLang="ko-KR" sz="1400" dirty="0"/>
+              <a:t>- </a:t>
+            </a:r>
+            <a:r>
+              <a:rPr lang="ko-KR" altLang="en-US" sz="1400" dirty="0"/>
+              <a:t>교체 전략은 주기억장치의 모든 영역이 이미 사용중인 상태에서 새로운 프로그램이나 데이터를 주기억장치에 배치하려고 할 때</a:t>
+            </a:r>
+            <a:r>
+              <a:rPr lang="en-US" altLang="ko-KR" sz="1400" dirty="0"/>
+              <a:t>,</a:t>
+            </a:r>
+          </a:p>
+          <a:p>
+            <a:pPr>
+              <a:lnSpc>
+                <a:spcPct val="150000"/>
+              </a:lnSpc>
+            </a:pPr>
+            <a:r>
+              <a:rPr lang="ko-KR" altLang="en-US" sz="1400" dirty="0"/>
+              <a:t>이미 사용되고 있는 영역 중에서 어느 영역을 교체하여 사용할 것인지를 결정하는 전략</a:t>
+            </a:r>
+            <a:endParaRPr lang="en-US" altLang="ko-KR" sz="1400" dirty="0"/>
+          </a:p>
+          <a:p>
+            <a:pPr>
+              <a:lnSpc>
+                <a:spcPct val="150000"/>
+              </a:lnSpc>
+            </a:pPr>
+            <a:endParaRPr lang="en-US" altLang="ko-KR" sz="1400" dirty="0"/>
+          </a:p>
+          <a:p>
+            <a:pPr>
+              <a:lnSpc>
+                <a:spcPct val="150000"/>
+              </a:lnSpc>
+            </a:pPr>
+            <a:r>
+              <a:rPr lang="en-US" altLang="ko-KR" sz="1400" dirty="0"/>
+              <a:t>** </a:t>
+            </a:r>
+            <a:r>
+              <a:rPr lang="ko-KR" altLang="en-US" sz="1400" dirty="0"/>
+              <a:t>교체 전략의 종류</a:t>
+            </a:r>
+            <a:endParaRPr lang="en-US" altLang="ko-KR" sz="1400" dirty="0"/>
+          </a:p>
+          <a:p>
+            <a:pPr>
+              <a:lnSpc>
+                <a:spcPct val="150000"/>
+              </a:lnSpc>
+            </a:pPr>
+            <a:r>
+              <a:rPr lang="en-US" altLang="ko-KR" sz="1400" dirty="0"/>
+              <a:t>– OPT, FIFO, LRU, LFU, NURM MRU </a:t>
+            </a:r>
+            <a:r>
+              <a:rPr lang="ko-KR" altLang="en-US" sz="1400" dirty="0"/>
+              <a:t>등</a:t>
+            </a:r>
+            <a:endParaRPr lang="en-US" altLang="ko-KR" sz="1400" dirty="0"/>
+          </a:p>
+        </p:txBody>
+      </p:sp>
+      <p:graphicFrame>
+        <p:nvGraphicFramePr>
+          <p:cNvPr id="4" name="표 4">
+            <a:extLst>
+              <a:ext uri="{FF2B5EF4-FFF2-40B4-BE49-F238E27FC236}">
+                <a16:creationId xmlns:a16="http://schemas.microsoft.com/office/drawing/2014/main" id="{43C6764F-1B4D-4E74-BD1E-662256A25073}"/>
+              </a:ext>
+            </a:extLst>
+          </p:cNvPr>
+          <p:cNvGraphicFramePr>
+            <a:graphicFrameLocks noGrp="1"/>
+          </p:cNvGraphicFramePr>
+          <p:nvPr>
+            <p:extLst>
+              <p:ext uri="{D42A27DB-BD31-4B8C-83A1-F6EECF244321}">
+                <p14:modId xmlns:p14="http://schemas.microsoft.com/office/powerpoint/2010/main" val="1087367053"/>
+              </p:ext>
+            </p:extLst>
+          </p:nvPr>
+        </p:nvGraphicFramePr>
+        <p:xfrm>
+          <a:off x="838199" y="3097113"/>
+          <a:ext cx="10515598" cy="3261744"/>
+        </p:xfrm>
+        <a:graphic>
+          <a:graphicData uri="http://schemas.openxmlformats.org/drawingml/2006/table">
+            <a:tbl>
+              <a:tblPr firstRow="1" bandRow="1">
+                <a:tableStyleId>{5940675A-B579-460E-94D1-54222C63F5DA}</a:tableStyleId>
+              </a:tblPr>
+              <a:tblGrid>
+                <a:gridCol w="3708634">
+                  <a:extLst>
+                    <a:ext uri="{9D8B030D-6E8A-4147-A177-3AD203B41FA5}">
+                      <a16:colId xmlns:a16="http://schemas.microsoft.com/office/drawing/2014/main" val="1968629082"/>
+                    </a:ext>
+                  </a:extLst>
+                </a:gridCol>
+                <a:gridCol w="6806964">
+                  <a:extLst>
+                    <a:ext uri="{9D8B030D-6E8A-4147-A177-3AD203B41FA5}">
+                      <a16:colId xmlns:a16="http://schemas.microsoft.com/office/drawing/2014/main" val="3466296069"/>
+                    </a:ext>
+                  </a:extLst>
+                </a:gridCol>
+              </a:tblGrid>
+              <a:tr h="543624">
+                <a:tc>
+                  <a:txBody>
+                    <a:bodyPr/>
+                    <a:lstStyle/>
+                    <a:p>
+                      <a:pPr algn="ctr" latinLnBrk="1"/>
+                      <a:r>
+                        <a:rPr lang="en-US" altLang="ko-KR" sz="1600" dirty="0"/>
+                        <a:t>OPT(Optimal replacement, </a:t>
+                      </a:r>
+                      <a:r>
+                        <a:rPr lang="ko-KR" altLang="en-US" sz="1600" dirty="0"/>
+                        <a:t>최적 교체</a:t>
+                      </a:r>
+                      <a:r>
+                        <a:rPr lang="en-US" altLang="ko-KR" sz="1600" dirty="0"/>
+                        <a:t>)</a:t>
+                      </a:r>
+                      <a:endParaRPr lang="ko-KR" altLang="en-US" sz="1600" dirty="0"/>
+                    </a:p>
+                  </a:txBody>
+                  <a:tcPr anchor="ctr">
+                    <a:solidFill>
+                      <a:srgbClr val="FFC000"/>
+                    </a:solidFill>
+                  </a:tcPr>
+                </a:tc>
+                <a:tc>
+                  <a:txBody>
+                    <a:bodyPr/>
+                    <a:lstStyle/>
+                    <a:p>
+                      <a:pPr algn="l" latinLnBrk="1"/>
+                      <a:r>
+                        <a:rPr lang="ko-KR" altLang="en-US" sz="1400" dirty="0"/>
+                        <a:t>앞으로 가장 오랫동안 사용하지 않을 페이지를 교체하는 기법</a:t>
+                      </a:r>
+                    </a:p>
+                  </a:txBody>
+                  <a:tcPr anchor="ctr"/>
+                </a:tc>
+                <a:extLst>
+                  <a:ext uri="{0D108BD9-81ED-4DB2-BD59-A6C34878D82A}">
+                    <a16:rowId xmlns:a16="http://schemas.microsoft.com/office/drawing/2014/main" val="839860856"/>
+                  </a:ext>
+                </a:extLst>
+              </a:tr>
+              <a:tr h="543624">
+                <a:tc>
+                  <a:txBody>
+                    <a:bodyPr/>
+                    <a:lstStyle/>
+                    <a:p>
+                      <a:pPr algn="ctr" latinLnBrk="1"/>
+                      <a:r>
+                        <a:rPr lang="en-US" altLang="ko-KR" sz="1600" dirty="0"/>
+                        <a:t>FIFO(First In First Out)</a:t>
+                      </a:r>
+                      <a:endParaRPr lang="ko-KR" altLang="en-US" sz="1600" dirty="0"/>
+                    </a:p>
+                  </a:txBody>
+                  <a:tcPr anchor="ctr">
+                    <a:solidFill>
+                      <a:srgbClr val="FFC000"/>
+                    </a:solidFill>
+                  </a:tcPr>
+                </a:tc>
+                <a:tc>
+                  <a:txBody>
+                    <a:bodyPr/>
+                    <a:lstStyle/>
+                    <a:p>
+                      <a:pPr algn="l" latinLnBrk="1"/>
+                      <a:r>
+                        <a:rPr lang="ko-KR" altLang="en-US" sz="1400" dirty="0"/>
+                        <a:t>각 페이지가 주기억장치에 적재될 때 마다 그때의 시간을 기억시켜 가장 먼저 들어와서 가장 오래 있었던 페이지를 교체하는 기법</a:t>
+                      </a:r>
+                    </a:p>
+                  </a:txBody>
+                  <a:tcPr anchor="ctr"/>
+                </a:tc>
+                <a:extLst>
+                  <a:ext uri="{0D108BD9-81ED-4DB2-BD59-A6C34878D82A}">
+                    <a16:rowId xmlns:a16="http://schemas.microsoft.com/office/drawing/2014/main" val="3803861998"/>
+                  </a:ext>
+                </a:extLst>
+              </a:tr>
+              <a:tr h="543624">
+                <a:tc>
+                  <a:txBody>
+                    <a:bodyPr/>
+                    <a:lstStyle/>
+                    <a:p>
+                      <a:pPr algn="ctr" latinLnBrk="1"/>
+                      <a:r>
+                        <a:rPr lang="en-US" altLang="ko-KR" sz="1600" dirty="0"/>
+                        <a:t>LRU(Least Recently Used)</a:t>
+                      </a:r>
+                      <a:endParaRPr lang="ko-KR" altLang="en-US" sz="1600" dirty="0"/>
+                    </a:p>
+                  </a:txBody>
+                  <a:tcPr anchor="ctr">
+                    <a:solidFill>
+                      <a:srgbClr val="FFC000"/>
+                    </a:solidFill>
+                  </a:tcPr>
+                </a:tc>
+                <a:tc>
+                  <a:txBody>
+                    <a:bodyPr/>
+                    <a:lstStyle/>
+                    <a:p>
+                      <a:pPr algn="l" latinLnBrk="1"/>
+                      <a:r>
+                        <a:rPr lang="ko-KR" altLang="en-US" sz="1400" dirty="0"/>
+                        <a:t>계수기를 두어 가장 오랫동안 참조되지 않은 페이지를 교체하는 기법</a:t>
+                      </a:r>
+                    </a:p>
+                  </a:txBody>
+                  <a:tcPr anchor="ctr"/>
+                </a:tc>
+                <a:extLst>
+                  <a:ext uri="{0D108BD9-81ED-4DB2-BD59-A6C34878D82A}">
+                    <a16:rowId xmlns:a16="http://schemas.microsoft.com/office/drawing/2014/main" val="2580831258"/>
+                  </a:ext>
+                </a:extLst>
+              </a:tr>
+              <a:tr h="543624">
+                <a:tc>
+                  <a:txBody>
+                    <a:bodyPr/>
+                    <a:lstStyle/>
+                    <a:p>
+                      <a:pPr algn="ctr" latinLnBrk="1"/>
+                      <a:r>
+                        <a:rPr lang="en-US" altLang="ko-KR" sz="1600" dirty="0"/>
+                        <a:t>LFU(Least Frequency Used)</a:t>
+                      </a:r>
+                      <a:endParaRPr lang="ko-KR" altLang="en-US" sz="1600" dirty="0"/>
+                    </a:p>
+                  </a:txBody>
+                  <a:tcPr anchor="ctr">
+                    <a:solidFill>
+                      <a:srgbClr val="FFC000"/>
+                    </a:solidFill>
+                  </a:tcPr>
+                </a:tc>
+                <a:tc>
+                  <a:txBody>
+                    <a:bodyPr/>
+                    <a:lstStyle/>
+                    <a:p>
+                      <a:pPr algn="l" latinLnBrk="1"/>
+                      <a:r>
+                        <a:rPr lang="ko-KR" altLang="en-US" sz="1400" dirty="0"/>
+                        <a:t>사용 빈도가 가장 적은 페이지를 교체하는 기법</a:t>
+                      </a:r>
+                    </a:p>
+                  </a:txBody>
+                  <a:tcPr anchor="ctr"/>
+                </a:tc>
+                <a:extLst>
+                  <a:ext uri="{0D108BD9-81ED-4DB2-BD59-A6C34878D82A}">
+                    <a16:rowId xmlns:a16="http://schemas.microsoft.com/office/drawing/2014/main" val="2509305216"/>
+                  </a:ext>
+                </a:extLst>
+              </a:tr>
+              <a:tr h="543624">
+                <a:tc>
+                  <a:txBody>
+                    <a:bodyPr/>
+                    <a:lstStyle/>
+                    <a:p>
+                      <a:pPr algn="ctr" latinLnBrk="1"/>
+                      <a:r>
+                        <a:rPr lang="en-US" altLang="ko-KR" sz="1600" dirty="0"/>
+                        <a:t>NUR(Not Used Recently)</a:t>
+                      </a:r>
+                      <a:endParaRPr lang="ko-KR" altLang="en-US" sz="1600" dirty="0"/>
+                    </a:p>
+                  </a:txBody>
+                  <a:tcPr anchor="ctr">
+                    <a:solidFill>
+                      <a:srgbClr val="FFC000"/>
+                    </a:solidFill>
+                  </a:tcPr>
+                </a:tc>
+                <a:tc>
+                  <a:txBody>
+                    <a:bodyPr/>
+                    <a:lstStyle/>
+                    <a:p>
+                      <a:pPr algn="l" latinLnBrk="1"/>
+                      <a:r>
+                        <a:rPr lang="ko-KR" altLang="en-US" sz="1400" dirty="0"/>
+                        <a:t>최근에 사용하지 않은 페이지를 교체하는 기법</a:t>
+                      </a:r>
+                    </a:p>
+                  </a:txBody>
+                  <a:tcPr anchor="ctr"/>
+                </a:tc>
+                <a:extLst>
+                  <a:ext uri="{0D108BD9-81ED-4DB2-BD59-A6C34878D82A}">
+                    <a16:rowId xmlns:a16="http://schemas.microsoft.com/office/drawing/2014/main" val="3220502813"/>
+                  </a:ext>
+                </a:extLst>
+              </a:tr>
+              <a:tr h="543624">
+                <a:tc>
+                  <a:txBody>
+                    <a:bodyPr/>
+                    <a:lstStyle/>
+                    <a:p>
+                      <a:pPr algn="ctr" latinLnBrk="1"/>
+                      <a:r>
+                        <a:rPr lang="en-US" altLang="ko-KR" sz="1600" dirty="0"/>
+                        <a:t>MRU(Most Recently Used)</a:t>
+                      </a:r>
+                      <a:endParaRPr lang="ko-KR" altLang="en-US" sz="1600" dirty="0"/>
+                    </a:p>
+                  </a:txBody>
+                  <a:tcPr anchor="ctr">
+                    <a:solidFill>
+                      <a:srgbClr val="FFC000"/>
+                    </a:solidFill>
+                  </a:tcPr>
+                </a:tc>
+                <a:tc>
+                  <a:txBody>
+                    <a:bodyPr/>
+                    <a:lstStyle/>
+                    <a:p>
+                      <a:pPr algn="l" latinLnBrk="1"/>
+                      <a:r>
+                        <a:rPr lang="ko-KR" altLang="en-US" sz="1400" dirty="0"/>
+                        <a:t>사용 빈도가 가장 많은 페이지를 교체하는 기법</a:t>
+                      </a:r>
+                    </a:p>
+                  </a:txBody>
+                  <a:tcPr anchor="ctr"/>
+                </a:tc>
+                <a:extLst>
+                  <a:ext uri="{0D108BD9-81ED-4DB2-BD59-A6C34878D82A}">
+                    <a16:rowId xmlns:a16="http://schemas.microsoft.com/office/drawing/2014/main" val="1605816544"/>
+                  </a:ext>
+                </a:extLst>
+              </a:tr>
+            </a:tbl>
+          </a:graphicData>
+        </a:graphic>
+      </p:graphicFrame>
+    </p:spTree>
+    <p:extLst>
+      <p:ext uri="{BB962C8B-B14F-4D97-AF65-F5344CB8AC3E}">
+        <p14:creationId xmlns:p14="http://schemas.microsoft.com/office/powerpoint/2010/main" val="3909750429"/>
       </p:ext>
     </p:extLst>
   </p:cSld>
@@ -3942,6 +10677,373 @@
     <p:extLst>
       <p:ext uri="{BB962C8B-B14F-4D97-AF65-F5344CB8AC3E}">
         <p14:creationId xmlns:p14="http://schemas.microsoft.com/office/powerpoint/2010/main" val="2952646073"/>
+      </p:ext>
+    </p:extLst>
+  </p:cSld>
+  <p:clrMapOvr>
+    <a:masterClrMapping/>
+  </p:clrMapOvr>
+</p:sld>
+</file>
+
+<file path=ppt/slides/slide20.xml><?xml version="1.0" encoding="utf-8"?>
+<p:sld xmlns:a="http://schemas.openxmlformats.org/drawingml/2006/main" xmlns:r="http://schemas.openxmlformats.org/officeDocument/2006/relationships" xmlns:p="http://schemas.openxmlformats.org/presentationml/2006/main">
+  <p:cSld>
+    <p:spTree>
+      <p:nvGrpSpPr>
+        <p:cNvPr id="1" name=""/>
+        <p:cNvGrpSpPr/>
+        <p:nvPr/>
+      </p:nvGrpSpPr>
+      <p:grpSpPr>
+        <a:xfrm>
+          <a:off x="0" y="0"/>
+          <a:ext cx="0" cy="0"/>
+          <a:chOff x="0" y="0"/>
+          <a:chExt cx="0" cy="0"/>
+        </a:xfrm>
+      </p:grpSpPr>
+      <p:sp>
+        <p:nvSpPr>
+          <p:cNvPr id="2" name="제목 1">
+            <a:extLst>
+              <a:ext uri="{FF2B5EF4-FFF2-40B4-BE49-F238E27FC236}">
+                <a16:creationId xmlns:a16="http://schemas.microsoft.com/office/drawing/2014/main" id="{2E41EADC-5899-4B0A-A906-3D947B19B652}"/>
+              </a:ext>
+            </a:extLst>
+          </p:cNvPr>
+          <p:cNvSpPr>
+            <a:spLocks noGrp="1"/>
+          </p:cNvSpPr>
+          <p:nvPr>
+            <p:ph type="ctrTitle"/>
+          </p:nvPr>
+        </p:nvSpPr>
+        <p:spPr/>
+        <p:txBody>
+          <a:bodyPr/>
+          <a:lstStyle/>
+          <a:p>
+            <a:r>
+              <a:rPr lang="en-US" altLang="ko-KR" dirty="0"/>
+              <a:t>2.</a:t>
+            </a:r>
+            <a:r>
+              <a:rPr lang="ko-KR" altLang="en-US" dirty="0"/>
+              <a:t>프로그래밍 언어 활용</a:t>
+            </a:r>
+          </a:p>
+        </p:txBody>
+      </p:sp>
+      <p:sp>
+        <p:nvSpPr>
+          <p:cNvPr id="3" name="부제목 2">
+            <a:extLst>
+              <a:ext uri="{FF2B5EF4-FFF2-40B4-BE49-F238E27FC236}">
+                <a16:creationId xmlns:a16="http://schemas.microsoft.com/office/drawing/2014/main" id="{D90E34A4-7BE6-45F6-B6CB-ACB5AC0D6B1D}"/>
+              </a:ext>
+            </a:extLst>
+          </p:cNvPr>
+          <p:cNvSpPr>
+            <a:spLocks noGrp="1"/>
+          </p:cNvSpPr>
+          <p:nvPr>
+            <p:ph type="subTitle" idx="1"/>
+          </p:nvPr>
+        </p:nvSpPr>
+        <p:spPr/>
+        <p:txBody>
+          <a:bodyPr>
+            <a:normAutofit lnSpcReduction="10000"/>
+          </a:bodyPr>
+          <a:lstStyle/>
+          <a:p>
+            <a:r>
+              <a:rPr lang="en-US" altLang="ko-KR" dirty="0"/>
+              <a:t>1. </a:t>
+            </a:r>
+            <a:r>
+              <a:rPr lang="ko-KR" altLang="en-US" dirty="0"/>
+              <a:t>프로그래밍 언어의 종류</a:t>
+            </a:r>
+            <a:endParaRPr lang="en-US" altLang="ko-KR" dirty="0"/>
+          </a:p>
+          <a:p>
+            <a:r>
+              <a:rPr lang="en-US" altLang="ko-KR" dirty="0"/>
+              <a:t>2. C</a:t>
+            </a:r>
+            <a:r>
+              <a:rPr lang="ko-KR" altLang="en-US" dirty="0"/>
+              <a:t>언어</a:t>
+            </a:r>
+            <a:endParaRPr lang="en-US" altLang="ko-KR" dirty="0"/>
+          </a:p>
+          <a:p>
+            <a:r>
+              <a:rPr lang="en-US" altLang="ko-KR" dirty="0"/>
+              <a:t>3. Java</a:t>
+            </a:r>
+          </a:p>
+          <a:p>
+            <a:r>
+              <a:rPr lang="en-US" altLang="ko-KR" dirty="0"/>
+              <a:t>4. Python</a:t>
+            </a:r>
+            <a:endParaRPr lang="ko-KR" altLang="en-US" dirty="0"/>
+          </a:p>
+        </p:txBody>
+      </p:sp>
+    </p:spTree>
+    <p:extLst>
+      <p:ext uri="{BB962C8B-B14F-4D97-AF65-F5344CB8AC3E}">
+        <p14:creationId xmlns:p14="http://schemas.microsoft.com/office/powerpoint/2010/main" val="1533734791"/>
+      </p:ext>
+    </p:extLst>
+  </p:cSld>
+  <p:clrMapOvr>
+    <a:masterClrMapping/>
+  </p:clrMapOvr>
+</p:sld>
+</file>
+
+<file path=ppt/slides/slide21.xml><?xml version="1.0" encoding="utf-8"?>
+<p:sld xmlns:a="http://schemas.openxmlformats.org/drawingml/2006/main" xmlns:r="http://schemas.openxmlformats.org/officeDocument/2006/relationships" xmlns:p="http://schemas.openxmlformats.org/presentationml/2006/main">
+  <p:cSld>
+    <p:spTree>
+      <p:nvGrpSpPr>
+        <p:cNvPr id="1" name=""/>
+        <p:cNvGrpSpPr/>
+        <p:nvPr/>
+      </p:nvGrpSpPr>
+      <p:grpSpPr>
+        <a:xfrm>
+          <a:off x="0" y="0"/>
+          <a:ext cx="0" cy="0"/>
+          <a:chOff x="0" y="0"/>
+          <a:chExt cx="0" cy="0"/>
+        </a:xfrm>
+      </p:grpSpPr>
+      <p:sp>
+        <p:nvSpPr>
+          <p:cNvPr id="2" name="제목 1">
+            <a:extLst>
+              <a:ext uri="{FF2B5EF4-FFF2-40B4-BE49-F238E27FC236}">
+                <a16:creationId xmlns:a16="http://schemas.microsoft.com/office/drawing/2014/main" id="{2E41EADC-5899-4B0A-A906-3D947B19B652}"/>
+              </a:ext>
+            </a:extLst>
+          </p:cNvPr>
+          <p:cNvSpPr>
+            <a:spLocks noGrp="1"/>
+          </p:cNvSpPr>
+          <p:nvPr>
+            <p:ph type="ctrTitle"/>
+          </p:nvPr>
+        </p:nvSpPr>
+        <p:spPr/>
+        <p:txBody>
+          <a:bodyPr/>
+          <a:lstStyle/>
+          <a:p>
+            <a:r>
+              <a:rPr lang="en-US" altLang="ko-KR" dirty="0"/>
+              <a:t>3.</a:t>
+            </a:r>
+            <a:r>
+              <a:rPr lang="ko-KR" altLang="en-US" dirty="0"/>
+              <a:t>애플리케이션 테스트 </a:t>
+            </a:r>
+            <a:br>
+              <a:rPr lang="en-US" altLang="ko-KR" dirty="0"/>
+            </a:br>
+            <a:r>
+              <a:rPr lang="ko-KR" altLang="en-US" dirty="0"/>
+              <a:t>수행</a:t>
+            </a:r>
+          </a:p>
+        </p:txBody>
+      </p:sp>
+      <p:sp>
+        <p:nvSpPr>
+          <p:cNvPr id="3" name="부제목 2">
+            <a:extLst>
+              <a:ext uri="{FF2B5EF4-FFF2-40B4-BE49-F238E27FC236}">
+                <a16:creationId xmlns:a16="http://schemas.microsoft.com/office/drawing/2014/main" id="{D90E34A4-7BE6-45F6-B6CB-ACB5AC0D6B1D}"/>
+              </a:ext>
+            </a:extLst>
+          </p:cNvPr>
+          <p:cNvSpPr>
+            <a:spLocks noGrp="1"/>
+          </p:cNvSpPr>
+          <p:nvPr>
+            <p:ph type="subTitle" idx="1"/>
+          </p:nvPr>
+        </p:nvSpPr>
+        <p:spPr/>
+        <p:txBody>
+          <a:bodyPr>
+            <a:normAutofit/>
+          </a:bodyPr>
+          <a:lstStyle/>
+          <a:p>
+            <a:r>
+              <a:rPr lang="en-US" altLang="ko-KR" dirty="0"/>
+              <a:t>1. </a:t>
+            </a:r>
+            <a:r>
+              <a:rPr lang="ko-KR" altLang="en-US" dirty="0"/>
+              <a:t>애플리케이션 테스트 </a:t>
+            </a:r>
+            <a:br>
+              <a:rPr lang="en-US" altLang="ko-KR" dirty="0"/>
+            </a:br>
+            <a:r>
+              <a:rPr lang="ko-KR" altLang="en-US" dirty="0"/>
+              <a:t>수행</a:t>
+            </a:r>
+            <a:endParaRPr lang="en-US" altLang="ko-KR" dirty="0"/>
+          </a:p>
+          <a:p>
+            <a:r>
+              <a:rPr lang="en-US" altLang="ko-KR" dirty="0"/>
+              <a:t>2. </a:t>
+            </a:r>
+            <a:r>
+              <a:rPr lang="ko-KR" altLang="en-US" dirty="0"/>
+              <a:t>애플리케이션 결함 조치</a:t>
+            </a:r>
+            <a:endParaRPr lang="en-US" altLang="ko-KR" dirty="0"/>
+          </a:p>
+        </p:txBody>
+      </p:sp>
+    </p:spTree>
+    <p:extLst>
+      <p:ext uri="{BB962C8B-B14F-4D97-AF65-F5344CB8AC3E}">
+        <p14:creationId xmlns:p14="http://schemas.microsoft.com/office/powerpoint/2010/main" val="954954335"/>
+      </p:ext>
+    </p:extLst>
+  </p:cSld>
+  <p:clrMapOvr>
+    <a:masterClrMapping/>
+  </p:clrMapOvr>
+</p:sld>
+</file>
+
+<file path=ppt/slides/slide22.xml><?xml version="1.0" encoding="utf-8"?>
+<p:sld xmlns:a="http://schemas.openxmlformats.org/drawingml/2006/main" xmlns:r="http://schemas.openxmlformats.org/officeDocument/2006/relationships" xmlns:p="http://schemas.openxmlformats.org/presentationml/2006/main">
+  <p:cSld>
+    <p:spTree>
+      <p:nvGrpSpPr>
+        <p:cNvPr id="1" name=""/>
+        <p:cNvGrpSpPr/>
+        <p:nvPr/>
+      </p:nvGrpSpPr>
+      <p:grpSpPr>
+        <a:xfrm>
+          <a:off x="0" y="0"/>
+          <a:ext cx="0" cy="0"/>
+          <a:chOff x="0" y="0"/>
+          <a:chExt cx="0" cy="0"/>
+        </a:xfrm>
+      </p:grpSpPr>
+      <p:sp>
+        <p:nvSpPr>
+          <p:cNvPr id="2" name="제목 1">
+            <a:extLst>
+              <a:ext uri="{FF2B5EF4-FFF2-40B4-BE49-F238E27FC236}">
+                <a16:creationId xmlns:a16="http://schemas.microsoft.com/office/drawing/2014/main" id="{2E41EADC-5899-4B0A-A906-3D947B19B652}"/>
+              </a:ext>
+            </a:extLst>
+          </p:cNvPr>
+          <p:cNvSpPr>
+            <a:spLocks noGrp="1"/>
+          </p:cNvSpPr>
+          <p:nvPr>
+            <p:ph type="ctrTitle"/>
+          </p:nvPr>
+        </p:nvSpPr>
+        <p:spPr/>
+        <p:txBody>
+          <a:bodyPr/>
+          <a:lstStyle/>
+          <a:p>
+            <a:r>
+              <a:rPr lang="en-US" altLang="ko-KR" dirty="0"/>
+              <a:t>4. SQL </a:t>
+            </a:r>
+            <a:r>
+              <a:rPr lang="ko-KR" altLang="en-US" dirty="0"/>
+              <a:t>활용</a:t>
+            </a:r>
+          </a:p>
+        </p:txBody>
+      </p:sp>
+      <p:sp>
+        <p:nvSpPr>
+          <p:cNvPr id="3" name="부제목 2">
+            <a:extLst>
+              <a:ext uri="{FF2B5EF4-FFF2-40B4-BE49-F238E27FC236}">
+                <a16:creationId xmlns:a16="http://schemas.microsoft.com/office/drawing/2014/main" id="{D90E34A4-7BE6-45F6-B6CB-ACB5AC0D6B1D}"/>
+              </a:ext>
+            </a:extLst>
+          </p:cNvPr>
+          <p:cNvSpPr>
+            <a:spLocks noGrp="1"/>
+          </p:cNvSpPr>
+          <p:nvPr>
+            <p:ph type="subTitle" idx="1"/>
+          </p:nvPr>
+        </p:nvSpPr>
+        <p:spPr/>
+        <p:txBody>
+          <a:bodyPr>
+            <a:normAutofit/>
+          </a:bodyPr>
+          <a:lstStyle/>
+          <a:p>
+            <a:r>
+              <a:rPr lang="en-US" altLang="ko-KR" dirty="0"/>
+              <a:t>1. </a:t>
+            </a:r>
+            <a:r>
+              <a:rPr lang="ko-KR" altLang="en-US" dirty="0"/>
+              <a:t>기본 </a:t>
+            </a:r>
+            <a:r>
+              <a:rPr lang="en-US" altLang="ko-KR" dirty="0"/>
+              <a:t>SQL </a:t>
+            </a:r>
+            <a:r>
+              <a:rPr lang="ko-KR" altLang="en-US" dirty="0"/>
+              <a:t>작성하기</a:t>
+            </a:r>
+            <a:endParaRPr lang="en-US" altLang="ko-KR" dirty="0"/>
+          </a:p>
+          <a:p>
+            <a:r>
+              <a:rPr lang="en-US" altLang="ko-KR" dirty="0"/>
+              <a:t>2. </a:t>
+            </a:r>
+            <a:r>
+              <a:rPr lang="ko-KR" altLang="en-US" dirty="0"/>
+              <a:t>고급 </a:t>
+            </a:r>
+            <a:r>
+              <a:rPr lang="en-US" altLang="ko-KR" dirty="0"/>
+              <a:t>SQL </a:t>
+            </a:r>
+            <a:r>
+              <a:rPr lang="ko-KR" altLang="en-US" dirty="0"/>
+              <a:t>작성하기</a:t>
+            </a:r>
+            <a:endParaRPr lang="en-US" altLang="ko-KR" dirty="0"/>
+          </a:p>
+        </p:txBody>
+      </p:sp>
+    </p:spTree>
+    <p:extLst>
+      <p:ext uri="{BB962C8B-B14F-4D97-AF65-F5344CB8AC3E}">
+        <p14:creationId xmlns:p14="http://schemas.microsoft.com/office/powerpoint/2010/main" val="2329731595"/>
       </p:ext>
     </p:extLst>
   </p:cSld>
@@ -5372,14 +12474,14 @@
           <p:nvPr>
             <p:extLst>
               <p:ext uri="{D42A27DB-BD31-4B8C-83A1-F6EECF244321}">
-                <p14:modId xmlns:p14="http://schemas.microsoft.com/office/powerpoint/2010/main" val="3439046815"/>
+                <p14:modId xmlns:p14="http://schemas.microsoft.com/office/powerpoint/2010/main" val="1536752267"/>
               </p:ext>
             </p:extLst>
           </p:nvPr>
         </p:nvGraphicFramePr>
         <p:xfrm>
-          <a:off x="838198" y="2655116"/>
-          <a:ext cx="5176707" cy="2834640"/>
+          <a:off x="838198" y="2655115"/>
+          <a:ext cx="5176708" cy="2828349"/>
         </p:xfrm>
         <a:graphic>
           <a:graphicData uri="http://schemas.openxmlformats.org/drawingml/2006/table">
@@ -5395,7 +12497,7 @@
                     </a:ext>
                   </a:extLst>
                 </a:gridCol>
-                <a:gridCol w="3433242">
+                <a:gridCol w="3433243">
                   <a:extLst>
                     <a:ext uri="{9D8B030D-6E8A-4147-A177-3AD203B41FA5}">
                       <a16:colId xmlns:a16="http://schemas.microsoft.com/office/drawing/2014/main" val="3851098808"/>
@@ -5403,7 +12505,7 @@
                   </a:extLst>
                 </a:gridCol>
               </a:tblGrid>
-              <a:tr h="426829">
+              <a:tr h="565670">
                 <a:tc>
                   <a:txBody>
                     <a:bodyPr/>
@@ -5411,18 +12513,18 @@
                     <a:p>
                       <a:pPr latinLnBrk="1"/>
                       <a:r>
-                        <a:rPr lang="ko-KR" altLang="en-US" sz="1400" dirty="0"/>
+                        <a:rPr lang="ko-KR" altLang="en-US" sz="1200" b="1" dirty="0"/>
                         <a:t>감시 프로그램</a:t>
                       </a:r>
-                      <a:endParaRPr lang="en-US" altLang="ko-KR" sz="1400" dirty="0"/>
+                      <a:endParaRPr lang="en-US" altLang="ko-KR" sz="1200" b="1" dirty="0"/>
                     </a:p>
                     <a:p>
                       <a:pPr latinLnBrk="1"/>
                       <a:r>
-                        <a:rPr lang="en-US" altLang="ko-KR" sz="1400" dirty="0"/>
+                        <a:rPr lang="en-US" altLang="ko-KR" sz="1200" b="1" dirty="0"/>
                         <a:t>(Supervisor Program)</a:t>
                       </a:r>
-                      <a:endParaRPr lang="ko-KR" altLang="en-US" sz="1400" dirty="0"/>
+                      <a:endParaRPr lang="ko-KR" altLang="en-US" sz="1200" b="1" dirty="0"/>
                     </a:p>
                   </a:txBody>
                   <a:tcPr anchor="ctr">
@@ -5472,19 +12574,23 @@
                     <a:bodyPr/>
                     <a:lstStyle/>
                     <a:p>
-                      <a:pPr latinLnBrk="1"/>
-                      <a:r>
-                        <a:rPr lang="ko-KR" altLang="en-US" sz="1400" dirty="0"/>
+                      <a:pPr marL="0" indent="0" latinLnBrk="1">
+                        <a:buFontTx/>
+                        <a:buNone/>
+                      </a:pPr>
+                      <a:r>
+                        <a:rPr lang="ko-KR" altLang="en-US" sz="1200" dirty="0"/>
                         <a:t>각종 프로그램의 실행과 시스템 전체의 작동 상태를 감시 </a:t>
                       </a:r>
                       <a:r>
-                        <a:rPr lang="en-US" altLang="ko-KR" sz="1400" dirty="0"/>
+                        <a:rPr lang="en-US" altLang="ko-KR" sz="1200" dirty="0"/>
                         <a:t>* </a:t>
                       </a:r>
                       <a:r>
-                        <a:rPr lang="ko-KR" altLang="en-US" sz="1400" dirty="0"/>
+                        <a:rPr lang="ko-KR" altLang="en-US" sz="1200" dirty="0"/>
                         <a:t>감독하는 프로그램</a:t>
                       </a:r>
+                      <a:endParaRPr lang="en-US" altLang="ko-KR" sz="1200" dirty="0"/>
                     </a:p>
                   </a:txBody>
                   <a:tcPr anchor="ctr">
@@ -5532,7 +12638,7 @@
                   </a:ext>
                 </a:extLst>
               </a:tr>
-              <a:tr h="426829">
+              <a:tr h="791938">
                 <a:tc>
                   <a:txBody>
                     <a:bodyPr/>
@@ -5540,18 +12646,18 @@
                     <a:p>
                       <a:pPr latinLnBrk="1"/>
                       <a:r>
-                        <a:rPr lang="ko-KR" altLang="en-US" sz="1400" dirty="0"/>
+                        <a:rPr lang="ko-KR" altLang="en-US" sz="1200" b="1" dirty="0"/>
                         <a:t>작업 제어 프로그램</a:t>
                       </a:r>
-                      <a:endParaRPr lang="en-US" altLang="ko-KR" sz="1400" dirty="0"/>
+                      <a:endParaRPr lang="en-US" altLang="ko-KR" sz="1200" b="1" dirty="0"/>
                     </a:p>
                     <a:p>
                       <a:pPr latinLnBrk="1"/>
                       <a:r>
-                        <a:rPr lang="en-US" altLang="ko-KR" sz="1400" dirty="0"/>
+                        <a:rPr lang="en-US" altLang="ko-KR" sz="1200" b="1" dirty="0"/>
                         <a:t>(Job Control Program)</a:t>
                       </a:r>
-                      <a:endParaRPr lang="ko-KR" altLang="en-US" sz="1400" dirty="0"/>
+                      <a:endParaRPr lang="ko-KR" altLang="en-US" sz="1200" b="1" dirty="0"/>
                     </a:p>
                   </a:txBody>
                   <a:tcPr anchor="ctr">
@@ -5601,11 +12707,15 @@
                     <a:bodyPr/>
                     <a:lstStyle/>
                     <a:p>
-                      <a:pPr latinLnBrk="1"/>
-                      <a:r>
-                        <a:rPr lang="ko-KR" altLang="en-US" sz="1400" dirty="0"/>
+                      <a:pPr marL="0" indent="0" latinLnBrk="1">
+                        <a:buFontTx/>
+                        <a:buNone/>
+                      </a:pPr>
+                      <a:r>
+                        <a:rPr lang="ko-KR" altLang="en-US" sz="1200" dirty="0"/>
                         <a:t>어떤 업무를 처리하고 다름 업무로의 이행을 자동으로 수행하기 위한 준비 및 그 처리에 대한 완료를 담당하는 프로그램</a:t>
                       </a:r>
+                      <a:endParaRPr lang="en-US" altLang="ko-KR" sz="1200" dirty="0"/>
                     </a:p>
                   </a:txBody>
                   <a:tcPr anchor="ctr">
@@ -5653,7 +12763,7 @@
                   </a:ext>
                 </a:extLst>
               </a:tr>
-              <a:tr h="792682">
+              <a:tr h="1470741">
                 <a:tc>
                   <a:txBody>
                     <a:bodyPr/>
@@ -5661,18 +12771,18 @@
                     <a:p>
                       <a:pPr algn="l" latinLnBrk="1"/>
                       <a:r>
-                        <a:rPr lang="ko-KR" altLang="en-US" sz="1400" dirty="0"/>
+                        <a:rPr lang="ko-KR" altLang="en-US" sz="1200" b="1" dirty="0"/>
                         <a:t>자료 관리 프로그램</a:t>
                       </a:r>
-                      <a:endParaRPr lang="en-US" altLang="ko-KR" sz="1400" dirty="0"/>
+                      <a:endParaRPr lang="en-US" altLang="ko-KR" sz="1200" b="1" dirty="0"/>
                     </a:p>
                     <a:p>
                       <a:pPr algn="l" latinLnBrk="1"/>
                       <a:r>
-                        <a:rPr lang="en-US" altLang="ko-KR" sz="1400" dirty="0"/>
+                        <a:rPr lang="en-US" altLang="ko-KR" sz="1200" b="1" dirty="0"/>
                         <a:t>(Data Management Program)</a:t>
                       </a:r>
-                      <a:endParaRPr lang="ko-KR" altLang="en-US" sz="1400" dirty="0"/>
+                      <a:endParaRPr lang="ko-KR" altLang="en-US" sz="1200" b="1" dirty="0"/>
                     </a:p>
                   </a:txBody>
                   <a:tcPr anchor="ctr">
@@ -5722,36 +12832,39 @@
                     <a:bodyPr/>
                     <a:lstStyle/>
                     <a:p>
-                      <a:pPr latinLnBrk="1"/>
-                      <a:r>
-                        <a:rPr lang="ko-KR" altLang="en-US" sz="1400" dirty="0"/>
+                      <a:pPr marL="171450" indent="-171450" latinLnBrk="1">
+                        <a:buFontTx/>
+                        <a:buChar char="-"/>
+                      </a:pPr>
+                      <a:r>
+                        <a:rPr lang="ko-KR" altLang="en-US" sz="1200" dirty="0"/>
                         <a:t>주기억장치와 보조기억장치 사이의 자료 전송</a:t>
                       </a:r>
                       <a:r>
-                        <a:rPr lang="en-US" altLang="ko-KR" sz="1400" dirty="0"/>
+                        <a:rPr lang="en-US" altLang="ko-KR" sz="1200" dirty="0"/>
                         <a:t>, </a:t>
                       </a:r>
                       <a:r>
-                        <a:rPr lang="ko-KR" altLang="en-US" sz="1400" dirty="0"/>
+                        <a:rPr lang="ko-KR" altLang="en-US" sz="1200" dirty="0"/>
                         <a:t>파일의 조작 및 처리</a:t>
                       </a:r>
-                      <a:r>
-                        <a:rPr lang="en-US" altLang="ko-KR" sz="1400" dirty="0"/>
-                        <a:t>, </a:t>
-                      </a:r>
-                    </a:p>
-                    <a:p>
-                      <a:pPr latinLnBrk="1"/>
-                      <a:r>
-                        <a:rPr lang="ko-KR" altLang="en-US" sz="1400" dirty="0"/>
+                      <a:endParaRPr lang="en-US" altLang="ko-KR" sz="1200" dirty="0"/>
+                    </a:p>
+                    <a:p>
+                      <a:pPr marL="171450" indent="-171450" latinLnBrk="1">
+                        <a:buFontTx/>
+                        <a:buChar char="-"/>
+                      </a:pPr>
+                      <a:r>
+                        <a:rPr lang="ko-KR" altLang="en-US" sz="1200" dirty="0"/>
                         <a:t>입 </a:t>
                       </a:r>
                       <a:r>
-                        <a:rPr lang="en-US" altLang="ko-KR" sz="1400" dirty="0"/>
+                        <a:rPr lang="en-US" altLang="ko-KR" sz="1200" dirty="0"/>
                         <a:t>* </a:t>
                       </a:r>
                       <a:r>
-                        <a:rPr lang="ko-KR" altLang="en-US" sz="1400" dirty="0"/>
+                        <a:rPr lang="ko-KR" altLang="en-US" sz="1200" dirty="0"/>
                         <a:t>출력 자료와 프로그램 간의 논리적 연결 등 시스템에서 취급하는 파일과 데이터를 표준적인 방법으로 처리할 수 있도록 관리하는 프로그램</a:t>
                       </a:r>
                     </a:p>
@@ -5820,7 +12933,7 @@
           <p:nvPr>
             <p:extLst>
               <p:ext uri="{D42A27DB-BD31-4B8C-83A1-F6EECF244321}">
-                <p14:modId xmlns:p14="http://schemas.microsoft.com/office/powerpoint/2010/main" val="1926451281"/>
+                <p14:modId xmlns:p14="http://schemas.microsoft.com/office/powerpoint/2010/main" val="509215269"/>
               </p:ext>
             </p:extLst>
           </p:nvPr>
@@ -5859,18 +12972,18 @@
                     <a:p>
                       <a:pPr latinLnBrk="1"/>
                       <a:r>
-                        <a:rPr lang="ko-KR" altLang="en-US" sz="1400" dirty="0"/>
+                        <a:rPr lang="ko-KR" altLang="en-US" sz="1200" b="1" dirty="0"/>
                         <a:t>언어 번역 프로그램</a:t>
                       </a:r>
-                      <a:endParaRPr lang="en-US" altLang="ko-KR" sz="1400" dirty="0"/>
+                      <a:endParaRPr lang="en-US" altLang="ko-KR" sz="1200" b="1" dirty="0"/>
                     </a:p>
                     <a:p>
                       <a:pPr latinLnBrk="1"/>
                       <a:r>
-                        <a:rPr lang="en-US" altLang="ko-KR" sz="1400" dirty="0"/>
+                        <a:rPr lang="en-US" altLang="ko-KR" sz="1200" b="1" dirty="0"/>
                         <a:t>(Language Translate Program)</a:t>
                       </a:r>
-                      <a:endParaRPr lang="ko-KR" altLang="en-US" sz="1400" dirty="0"/>
+                      <a:endParaRPr lang="ko-KR" altLang="en-US" sz="1200" b="1" dirty="0"/>
                     </a:p>
                   </a:txBody>
                   <a:tcPr anchor="ctr">
@@ -5920,35 +13033,31 @@
                     <a:bodyPr/>
                     <a:lstStyle/>
                     <a:p>
-                      <a:pPr latinLnBrk="1"/>
-                      <a:r>
-                        <a:rPr lang="ko-KR" altLang="en-US" sz="1400" dirty="0"/>
+                      <a:pPr marL="0" indent="0" latinLnBrk="1">
+                        <a:buFontTx/>
+                        <a:buNone/>
+                      </a:pPr>
+                      <a:r>
+                        <a:rPr lang="ko-KR" altLang="en-US" sz="1200" dirty="0"/>
                         <a:t>원시 프로그램</a:t>
                       </a:r>
                       <a:r>
-                        <a:rPr lang="en-US" altLang="ko-KR" sz="1400" dirty="0"/>
+                        <a:rPr lang="en-US" altLang="ko-KR" sz="1200" dirty="0"/>
                         <a:t>(Source Program)</a:t>
                       </a:r>
                       <a:r>
-                        <a:rPr lang="ko-KR" altLang="en-US" sz="1400" dirty="0"/>
-                        <a:t>을 </a:t>
-                      </a:r>
-                      <a:endParaRPr lang="en-US" altLang="ko-KR" sz="1400" dirty="0"/>
-                    </a:p>
-                    <a:p>
-                      <a:pPr latinLnBrk="1"/>
-                      <a:r>
-                        <a:rPr lang="ko-KR" altLang="en-US" sz="1400" dirty="0"/>
-                        <a:t>기계어 형태의 목적 프로그램</a:t>
-                      </a:r>
-                      <a:r>
-                        <a:rPr lang="en-US" altLang="ko-KR" sz="1400" dirty="0"/>
+                        <a:rPr lang="ko-KR" altLang="en-US" sz="1200" dirty="0"/>
+                        <a:t>을 기계어 형태의 목적 프로그램</a:t>
+                      </a:r>
+                      <a:r>
+                        <a:rPr lang="en-US" altLang="ko-KR" sz="1200" dirty="0"/>
                         <a:t>(Object Program)</a:t>
                       </a:r>
                       <a:r>
-                        <a:rPr lang="ko-KR" altLang="en-US" sz="1400" dirty="0"/>
+                        <a:rPr lang="ko-KR" altLang="en-US" sz="1200" dirty="0"/>
                         <a:t>으로 번역하는 프로그램</a:t>
                       </a:r>
+                      <a:endParaRPr lang="en-US" altLang="ko-KR" sz="1200" dirty="0"/>
                     </a:p>
                   </a:txBody>
                   <a:tcPr anchor="ctr">
@@ -6004,18 +13113,18 @@
                     <a:p>
                       <a:pPr latinLnBrk="1"/>
                       <a:r>
-                        <a:rPr lang="ko-KR" altLang="en-US" sz="1400" dirty="0"/>
+                        <a:rPr lang="ko-KR" altLang="en-US" sz="1200" b="1" dirty="0"/>
                         <a:t>서비스 프로그램</a:t>
                       </a:r>
-                      <a:endParaRPr lang="en-US" altLang="ko-KR" sz="1400" dirty="0"/>
+                      <a:endParaRPr lang="en-US" altLang="ko-KR" sz="1200" b="1" dirty="0"/>
                     </a:p>
                     <a:p>
                       <a:pPr latinLnBrk="1"/>
                       <a:r>
-                        <a:rPr lang="en-US" altLang="ko-KR" sz="1400" dirty="0"/>
+                        <a:rPr lang="en-US" altLang="ko-KR" sz="1200" b="1" dirty="0"/>
                         <a:t>(Service Program)</a:t>
                       </a:r>
-                      <a:endParaRPr lang="ko-KR" altLang="en-US" sz="1400" dirty="0"/>
+                      <a:endParaRPr lang="ko-KR" altLang="en-US" sz="1200" b="1" dirty="0"/>
                     </a:p>
                   </a:txBody>
                   <a:tcPr anchor="ctr">
@@ -6065,17 +13174,23 @@
                     <a:bodyPr/>
                     <a:lstStyle/>
                     <a:p>
-                      <a:pPr latinLnBrk="1"/>
-                      <a:r>
-                        <a:rPr lang="ko-KR" altLang="en-US" sz="1400" dirty="0"/>
+                      <a:pPr marL="171450" indent="-171450" latinLnBrk="1">
+                        <a:buFontTx/>
+                        <a:buChar char="-"/>
+                      </a:pPr>
+                      <a:r>
+                        <a:rPr lang="ko-KR" altLang="en-US" sz="1200" dirty="0"/>
                         <a:t>사용자의 편의를 위해 시스템 제공자가 미리 작성하여 사용자에게 제공해주는 것</a:t>
                       </a:r>
-                      <a:r>
-                        <a:rPr lang="en-US" altLang="ko-KR" sz="1400" dirty="0"/>
-                        <a:t>, </a:t>
-                      </a:r>
-                      <a:r>
-                        <a:rPr lang="ko-KR" altLang="en-US" sz="1400" dirty="0"/>
+                      <a:endParaRPr lang="en-US" altLang="ko-KR" sz="1200" dirty="0"/>
+                    </a:p>
+                    <a:p>
+                      <a:pPr marL="171450" indent="-171450" latinLnBrk="1">
+                        <a:buFontTx/>
+                        <a:buChar char="-"/>
+                      </a:pPr>
+                      <a:r>
+                        <a:rPr lang="ko-KR" altLang="en-US" sz="1200" dirty="0"/>
                         <a:t>사용 빈도가 높은 프로그램</a:t>
                       </a:r>
                     </a:p>
@@ -6133,18 +13248,18 @@
                     <a:p>
                       <a:pPr latinLnBrk="1"/>
                       <a:r>
-                        <a:rPr lang="ko-KR" altLang="en-US" sz="1400" dirty="0"/>
+                        <a:rPr lang="ko-KR" altLang="en-US" sz="1200" b="1" dirty="0"/>
                         <a:t>문제 프로그램</a:t>
                       </a:r>
-                      <a:endParaRPr lang="en-US" altLang="ko-KR" sz="1400" dirty="0"/>
+                      <a:endParaRPr lang="en-US" altLang="ko-KR" sz="1200" b="1" dirty="0"/>
                     </a:p>
                     <a:p>
                       <a:pPr latinLnBrk="1"/>
                       <a:r>
-                        <a:rPr lang="en-US" altLang="ko-KR" sz="1400" dirty="0"/>
+                        <a:rPr lang="en-US" altLang="ko-KR" sz="1200" b="1" dirty="0"/>
                         <a:t>(Problem Program)</a:t>
                       </a:r>
-                      <a:endParaRPr lang="ko-KR" altLang="en-US" sz="1400" dirty="0"/>
+                      <a:endParaRPr lang="ko-KR" altLang="en-US" sz="1200" b="1" dirty="0"/>
                     </a:p>
                   </a:txBody>
                   <a:tcPr anchor="ctr">
@@ -6194,11 +13309,15 @@
                     <a:bodyPr/>
                     <a:lstStyle/>
                     <a:p>
-                      <a:pPr latinLnBrk="1"/>
-                      <a:r>
-                        <a:rPr lang="ko-KR" altLang="en-US" sz="1400" dirty="0"/>
+                      <a:pPr marL="0" indent="0" latinLnBrk="1">
+                        <a:buFontTx/>
+                        <a:buNone/>
+                      </a:pPr>
+                      <a:r>
+                        <a:rPr lang="ko-KR" altLang="en-US" sz="1200" dirty="0"/>
                         <a:t>특정 업무 및 문제 해결을 위해 사용자가 작성한 프로그램</a:t>
                       </a:r>
+                      <a:endParaRPr lang="en-US" altLang="ko-KR" sz="1200" dirty="0"/>
                     </a:p>
                   </a:txBody>
                   <a:tcPr anchor="ctr">
@@ -9732,7 +16851,7 @@
           <a:p>
             <a:r>
               <a:rPr lang="en-US" altLang="ko-KR" dirty="0"/>
-              <a:t>4] </a:t>
+              <a:t>5] </a:t>
             </a:r>
             <a:r>
               <a:rPr lang="ko-KR" altLang="en-US" dirty="0"/>
@@ -9851,8 +16970,8 @@
         </p:blipFill>
         <p:spPr bwMode="auto">
           <a:xfrm>
-            <a:off x="838201" y="2086437"/>
-            <a:ext cx="10515598" cy="4406438"/>
+            <a:off x="838199" y="2086437"/>
+            <a:ext cx="4002248" cy="4406438"/>
           </a:xfrm>
           <a:prstGeom prst="rect">
             <a:avLst/>
@@ -9869,6 +16988,1205 @@
           </a:extLst>
         </p:spPr>
       </p:pic>
+      <p:graphicFrame>
+        <p:nvGraphicFramePr>
+          <p:cNvPr id="2" name="표 4">
+            <a:extLst>
+              <a:ext uri="{FF2B5EF4-FFF2-40B4-BE49-F238E27FC236}">
+                <a16:creationId xmlns:a16="http://schemas.microsoft.com/office/drawing/2014/main" id="{D11742D6-9072-4467-B228-631167FA970A}"/>
+              </a:ext>
+            </a:extLst>
+          </p:cNvPr>
+          <p:cNvGraphicFramePr>
+            <a:graphicFrameLocks noGrp="1"/>
+          </p:cNvGraphicFramePr>
+          <p:nvPr>
+            <p:extLst>
+              <p:ext uri="{D42A27DB-BD31-4B8C-83A1-F6EECF244321}">
+                <p14:modId xmlns:p14="http://schemas.microsoft.com/office/powerpoint/2010/main" val="3830077126"/>
+              </p:ext>
+            </p:extLst>
+          </p:nvPr>
+        </p:nvGraphicFramePr>
+        <p:xfrm>
+          <a:off x="4840448" y="1015068"/>
+          <a:ext cx="6513352" cy="5391330"/>
+        </p:xfrm>
+        <a:graphic>
+          <a:graphicData uri="http://schemas.openxmlformats.org/drawingml/2006/table">
+            <a:tbl>
+              <a:tblPr firstRow="1" bandRow="1">
+                <a:tableStyleId>{2D5ABB26-0587-4C30-8999-92F81FD0307C}</a:tableStyleId>
+              </a:tblPr>
+              <a:tblGrid>
+                <a:gridCol w="2281805">
+                  <a:extLst>
+                    <a:ext uri="{9D8B030D-6E8A-4147-A177-3AD203B41FA5}">
+                      <a16:colId xmlns:a16="http://schemas.microsoft.com/office/drawing/2014/main" val="1375747325"/>
+                    </a:ext>
+                  </a:extLst>
+                </a:gridCol>
+                <a:gridCol w="4231547">
+                  <a:extLst>
+                    <a:ext uri="{9D8B030D-6E8A-4147-A177-3AD203B41FA5}">
+                      <a16:colId xmlns:a16="http://schemas.microsoft.com/office/drawing/2014/main" val="1402257658"/>
+                    </a:ext>
+                  </a:extLst>
+                </a:gridCol>
+              </a:tblGrid>
+              <a:tr h="761395">
+                <a:tc>
+                  <a:txBody>
+                    <a:bodyPr/>
+                    <a:lstStyle/>
+                    <a:p>
+                      <a:pPr algn="ctr" latinLnBrk="1"/>
+                      <a:r>
+                        <a:rPr lang="ko-KR" altLang="en-US" sz="1200" b="1" dirty="0"/>
+                        <a:t>일괄 처리 시스템</a:t>
+                      </a:r>
+                      <a:endParaRPr lang="en-US" altLang="ko-KR" sz="1200" b="1" dirty="0"/>
+                    </a:p>
+                    <a:p>
+                      <a:pPr algn="ctr" latinLnBrk="1"/>
+                      <a:r>
+                        <a:rPr lang="en-US" altLang="ko-KR" sz="1200" b="1" dirty="0"/>
+                        <a:t>(Batch Processing System)</a:t>
+                      </a:r>
+                      <a:endParaRPr lang="ko-KR" altLang="en-US" sz="1200" b="1" dirty="0"/>
+                    </a:p>
+                  </a:txBody>
+                  <a:tcPr anchor="ctr">
+                    <a:lnL w="12700" cap="flat" cmpd="sng" algn="ctr">
+                      <a:solidFill>
+                        <a:schemeClr val="tx1"/>
+                      </a:solidFill>
+                      <a:prstDash val="solid"/>
+                      <a:round/>
+                      <a:headEnd type="none" w="med" len="med"/>
+                      <a:tailEnd type="none" w="med" len="med"/>
+                    </a:lnL>
+                    <a:lnR w="12700" cap="flat" cmpd="sng" algn="ctr">
+                      <a:solidFill>
+                        <a:schemeClr val="tx1"/>
+                      </a:solidFill>
+                      <a:prstDash val="solid"/>
+                      <a:round/>
+                      <a:headEnd type="none" w="med" len="med"/>
+                      <a:tailEnd type="none" w="med" len="med"/>
+                    </a:lnR>
+                    <a:lnT w="12700" cap="flat" cmpd="sng" algn="ctr">
+                      <a:solidFill>
+                        <a:schemeClr val="tx1"/>
+                      </a:solidFill>
+                      <a:prstDash val="solid"/>
+                      <a:round/>
+                      <a:headEnd type="none" w="med" len="med"/>
+                      <a:tailEnd type="none" w="med" len="med"/>
+                    </a:lnT>
+                    <a:lnB w="12700" cap="flat" cmpd="sng" algn="ctr">
+                      <a:solidFill>
+                        <a:schemeClr val="tx1"/>
+                      </a:solidFill>
+                      <a:prstDash val="solid"/>
+                      <a:round/>
+                      <a:headEnd type="none" w="med" len="med"/>
+                      <a:tailEnd type="none" w="med" len="med"/>
+                    </a:lnB>
+                    <a:lnTlToBr w="12700" cmpd="sng">
+                      <a:noFill/>
+                      <a:prstDash val="solid"/>
+                    </a:lnTlToBr>
+                    <a:lnBlToTr w="12700" cmpd="sng">
+                      <a:noFill/>
+                      <a:prstDash val="solid"/>
+                    </a:lnBlToTr>
+                    <a:solidFill>
+                      <a:srgbClr val="FFC000"/>
+                    </a:solidFill>
+                  </a:tcPr>
+                </a:tc>
+                <a:tc>
+                  <a:txBody>
+                    <a:bodyPr/>
+                    <a:lstStyle/>
+                    <a:p>
+                      <a:pPr marL="285750" indent="-285750" algn="l" latinLnBrk="1">
+                        <a:buFontTx/>
+                        <a:buChar char="-"/>
+                      </a:pPr>
+                      <a:r>
+                        <a:rPr lang="ko-KR" altLang="en-US" sz="1200" dirty="0"/>
+                        <a:t>초기 컴퓨터 시스템에서 사용된 형태</a:t>
+                      </a:r>
+                      <a:endParaRPr lang="en-US" altLang="ko-KR" sz="1200" dirty="0"/>
+                    </a:p>
+                    <a:p>
+                      <a:pPr marL="285750" indent="-285750" algn="l" latinLnBrk="1">
+                        <a:buFontTx/>
+                        <a:buChar char="-"/>
+                      </a:pPr>
+                      <a:r>
+                        <a:rPr lang="ko-KR" altLang="en-US" sz="1200" dirty="0"/>
+                        <a:t>일정량</a:t>
+                      </a:r>
+                      <a:r>
+                        <a:rPr lang="en-US" altLang="ko-KR" sz="1200" dirty="0"/>
+                        <a:t>, </a:t>
+                      </a:r>
+                      <a:r>
+                        <a:rPr lang="ko-KR" altLang="en-US" sz="1200" dirty="0"/>
+                        <a:t>일정 기간 동안 데이터를 모아서</a:t>
+                      </a:r>
+                      <a:r>
+                        <a:rPr lang="en-US" altLang="ko-KR" sz="1200" dirty="0"/>
+                        <a:t> </a:t>
+                      </a:r>
+                      <a:r>
+                        <a:rPr lang="ko-KR" altLang="en-US" sz="1200" dirty="0"/>
+                        <a:t>한꺼번에 처리하는 방식</a:t>
+                      </a:r>
+                      <a:endParaRPr lang="en-US" altLang="ko-KR" sz="1200" dirty="0"/>
+                    </a:p>
+                  </a:txBody>
+                  <a:tcPr anchor="ctr">
+                    <a:lnL w="12700" cap="flat" cmpd="sng" algn="ctr">
+                      <a:solidFill>
+                        <a:schemeClr val="tx1"/>
+                      </a:solidFill>
+                      <a:prstDash val="solid"/>
+                      <a:round/>
+                      <a:headEnd type="none" w="med" len="med"/>
+                      <a:tailEnd type="none" w="med" len="med"/>
+                    </a:lnL>
+                    <a:lnR w="12700" cap="flat" cmpd="sng" algn="ctr">
+                      <a:solidFill>
+                        <a:schemeClr val="tx1"/>
+                      </a:solidFill>
+                      <a:prstDash val="solid"/>
+                      <a:round/>
+                      <a:headEnd type="none" w="med" len="med"/>
+                      <a:tailEnd type="none" w="med" len="med"/>
+                    </a:lnR>
+                    <a:lnT w="12700" cap="flat" cmpd="sng" algn="ctr">
+                      <a:solidFill>
+                        <a:schemeClr val="tx1"/>
+                      </a:solidFill>
+                      <a:prstDash val="solid"/>
+                      <a:round/>
+                      <a:headEnd type="none" w="med" len="med"/>
+                      <a:tailEnd type="none" w="med" len="med"/>
+                    </a:lnT>
+                    <a:lnB w="12700" cap="flat" cmpd="sng" algn="ctr">
+                      <a:solidFill>
+                        <a:schemeClr val="tx1"/>
+                      </a:solidFill>
+                      <a:prstDash val="solid"/>
+                      <a:round/>
+                      <a:headEnd type="none" w="med" len="med"/>
+                      <a:tailEnd type="none" w="med" len="med"/>
+                    </a:lnB>
+                    <a:lnTlToBr w="12700" cmpd="sng">
+                      <a:noFill/>
+                      <a:prstDash val="solid"/>
+                    </a:lnTlToBr>
+                    <a:lnBlToTr w="12700" cmpd="sng">
+                      <a:noFill/>
+                      <a:prstDash val="solid"/>
+                    </a:lnBlToTr>
+                  </a:tcPr>
+                </a:tc>
+                <a:extLst>
+                  <a:ext uri="{0D108BD9-81ED-4DB2-BD59-A6C34878D82A}">
+                    <a16:rowId xmlns:a16="http://schemas.microsoft.com/office/drawing/2014/main" val="2132889908"/>
+                  </a:ext>
+                </a:extLst>
+              </a:tr>
+              <a:tr h="761395">
+                <a:tc>
+                  <a:txBody>
+                    <a:bodyPr/>
+                    <a:lstStyle/>
+                    <a:p>
+                      <a:pPr algn="ctr" latinLnBrk="1"/>
+                      <a:r>
+                        <a:rPr lang="ko-KR" altLang="en-US" sz="1200" b="1" dirty="0"/>
+                        <a:t>다중 프로그래밍 시스템</a:t>
+                      </a:r>
+                      <a:endParaRPr lang="en-US" altLang="ko-KR" sz="1200" b="1" dirty="0"/>
+                    </a:p>
+                    <a:p>
+                      <a:pPr algn="ctr" latinLnBrk="1"/>
+                      <a:r>
+                        <a:rPr lang="en-US" altLang="ko-KR" sz="1200" b="1" dirty="0"/>
+                        <a:t>(Multi-Programming System)</a:t>
+                      </a:r>
+                      <a:endParaRPr lang="ko-KR" altLang="en-US" sz="1200" b="1" dirty="0"/>
+                    </a:p>
+                  </a:txBody>
+                  <a:tcPr anchor="ctr">
+                    <a:lnL w="12700" cap="flat" cmpd="sng" algn="ctr">
+                      <a:solidFill>
+                        <a:schemeClr val="tx1"/>
+                      </a:solidFill>
+                      <a:prstDash val="solid"/>
+                      <a:round/>
+                      <a:headEnd type="none" w="med" len="med"/>
+                      <a:tailEnd type="none" w="med" len="med"/>
+                    </a:lnL>
+                    <a:lnR w="12700" cap="flat" cmpd="sng" algn="ctr">
+                      <a:solidFill>
+                        <a:schemeClr val="tx1"/>
+                      </a:solidFill>
+                      <a:prstDash val="solid"/>
+                      <a:round/>
+                      <a:headEnd type="none" w="med" len="med"/>
+                      <a:tailEnd type="none" w="med" len="med"/>
+                    </a:lnR>
+                    <a:lnT w="12700" cap="flat" cmpd="sng" algn="ctr">
+                      <a:solidFill>
+                        <a:schemeClr val="tx1"/>
+                      </a:solidFill>
+                      <a:prstDash val="solid"/>
+                      <a:round/>
+                      <a:headEnd type="none" w="med" len="med"/>
+                      <a:tailEnd type="none" w="med" len="med"/>
+                    </a:lnT>
+                    <a:lnB w="12700" cap="flat" cmpd="sng" algn="ctr">
+                      <a:solidFill>
+                        <a:schemeClr val="tx1"/>
+                      </a:solidFill>
+                      <a:prstDash val="solid"/>
+                      <a:round/>
+                      <a:headEnd type="none" w="med" len="med"/>
+                      <a:tailEnd type="none" w="med" len="med"/>
+                    </a:lnB>
+                    <a:lnTlToBr w="12700" cmpd="sng">
+                      <a:noFill/>
+                      <a:prstDash val="solid"/>
+                    </a:lnTlToBr>
+                    <a:lnBlToTr w="12700" cmpd="sng">
+                      <a:noFill/>
+                      <a:prstDash val="solid"/>
+                    </a:lnBlToTr>
+                    <a:solidFill>
+                      <a:srgbClr val="FFC000"/>
+                    </a:solidFill>
+                  </a:tcPr>
+                </a:tc>
+                <a:tc>
+                  <a:txBody>
+                    <a:bodyPr/>
+                    <a:lstStyle/>
+                    <a:p>
+                      <a:pPr marL="0" indent="0" algn="l" latinLnBrk="1">
+                        <a:buFontTx/>
+                        <a:buNone/>
+                      </a:pPr>
+                      <a:r>
+                        <a:rPr lang="ko-KR" altLang="en-US" sz="1200" dirty="0"/>
+                        <a:t>하나의 </a:t>
+                      </a:r>
+                      <a:r>
+                        <a:rPr lang="en-US" altLang="ko-KR" sz="1200" dirty="0"/>
+                        <a:t>CPU</a:t>
+                      </a:r>
+                      <a:r>
+                        <a:rPr lang="ko-KR" altLang="en-US" sz="1200" dirty="0"/>
+                        <a:t>와 주기억장치를 이용하여 여러 개의 프로그램을 동시에 처리하는 방식</a:t>
+                      </a:r>
+                      <a:endParaRPr lang="en-US" altLang="ko-KR" sz="1200" dirty="0"/>
+                    </a:p>
+                  </a:txBody>
+                  <a:tcPr anchor="ctr">
+                    <a:lnL w="12700" cap="flat" cmpd="sng" algn="ctr">
+                      <a:solidFill>
+                        <a:schemeClr val="tx1"/>
+                      </a:solidFill>
+                      <a:prstDash val="solid"/>
+                      <a:round/>
+                      <a:headEnd type="none" w="med" len="med"/>
+                      <a:tailEnd type="none" w="med" len="med"/>
+                    </a:lnL>
+                    <a:lnR w="12700" cap="flat" cmpd="sng" algn="ctr">
+                      <a:solidFill>
+                        <a:schemeClr val="tx1"/>
+                      </a:solidFill>
+                      <a:prstDash val="solid"/>
+                      <a:round/>
+                      <a:headEnd type="none" w="med" len="med"/>
+                      <a:tailEnd type="none" w="med" len="med"/>
+                    </a:lnR>
+                    <a:lnT w="12700" cap="flat" cmpd="sng" algn="ctr">
+                      <a:solidFill>
+                        <a:schemeClr val="tx1"/>
+                      </a:solidFill>
+                      <a:prstDash val="solid"/>
+                      <a:round/>
+                      <a:headEnd type="none" w="med" len="med"/>
+                      <a:tailEnd type="none" w="med" len="med"/>
+                    </a:lnT>
+                    <a:lnB w="12700" cap="flat" cmpd="sng" algn="ctr">
+                      <a:solidFill>
+                        <a:schemeClr val="tx1"/>
+                      </a:solidFill>
+                      <a:prstDash val="solid"/>
+                      <a:round/>
+                      <a:headEnd type="none" w="med" len="med"/>
+                      <a:tailEnd type="none" w="med" len="med"/>
+                    </a:lnB>
+                    <a:lnTlToBr w="12700" cmpd="sng">
+                      <a:noFill/>
+                      <a:prstDash val="solid"/>
+                    </a:lnTlToBr>
+                    <a:lnBlToTr w="12700" cmpd="sng">
+                      <a:noFill/>
+                      <a:prstDash val="solid"/>
+                    </a:lnBlToTr>
+                  </a:tcPr>
+                </a:tc>
+                <a:extLst>
+                  <a:ext uri="{0D108BD9-81ED-4DB2-BD59-A6C34878D82A}">
+                    <a16:rowId xmlns:a16="http://schemas.microsoft.com/office/drawing/2014/main" val="3660672725"/>
+                  </a:ext>
+                </a:extLst>
+              </a:tr>
+              <a:tr h="761395">
+                <a:tc>
+                  <a:txBody>
+                    <a:bodyPr/>
+                    <a:lstStyle/>
+                    <a:p>
+                      <a:pPr algn="ctr" latinLnBrk="1"/>
+                      <a:r>
+                        <a:rPr lang="ko-KR" altLang="en-US" sz="1200" b="1" dirty="0"/>
+                        <a:t>시분할 시스템</a:t>
+                      </a:r>
+                      <a:endParaRPr lang="en-US" altLang="ko-KR" sz="1200" b="1" dirty="0"/>
+                    </a:p>
+                    <a:p>
+                      <a:pPr algn="ctr" latinLnBrk="1"/>
+                      <a:r>
+                        <a:rPr lang="en-US" altLang="ko-KR" sz="1200" b="1" dirty="0"/>
+                        <a:t>(Time Sharing System)</a:t>
+                      </a:r>
+                      <a:endParaRPr lang="ko-KR" altLang="en-US" sz="1200" b="1" dirty="0"/>
+                    </a:p>
+                  </a:txBody>
+                  <a:tcPr anchor="ctr">
+                    <a:lnL w="12700" cap="flat" cmpd="sng" algn="ctr">
+                      <a:solidFill>
+                        <a:schemeClr val="tx1"/>
+                      </a:solidFill>
+                      <a:prstDash val="solid"/>
+                      <a:round/>
+                      <a:headEnd type="none" w="med" len="med"/>
+                      <a:tailEnd type="none" w="med" len="med"/>
+                    </a:lnL>
+                    <a:lnR w="12700" cap="flat" cmpd="sng" algn="ctr">
+                      <a:solidFill>
+                        <a:schemeClr val="tx1"/>
+                      </a:solidFill>
+                      <a:prstDash val="solid"/>
+                      <a:round/>
+                      <a:headEnd type="none" w="med" len="med"/>
+                      <a:tailEnd type="none" w="med" len="med"/>
+                    </a:lnR>
+                    <a:lnT w="12700" cap="flat" cmpd="sng" algn="ctr">
+                      <a:solidFill>
+                        <a:schemeClr val="tx1"/>
+                      </a:solidFill>
+                      <a:prstDash val="solid"/>
+                      <a:round/>
+                      <a:headEnd type="none" w="med" len="med"/>
+                      <a:tailEnd type="none" w="med" len="med"/>
+                    </a:lnT>
+                    <a:lnB w="12700" cap="flat" cmpd="sng" algn="ctr">
+                      <a:solidFill>
+                        <a:schemeClr val="tx1"/>
+                      </a:solidFill>
+                      <a:prstDash val="solid"/>
+                      <a:round/>
+                      <a:headEnd type="none" w="med" len="med"/>
+                      <a:tailEnd type="none" w="med" len="med"/>
+                    </a:lnB>
+                    <a:lnTlToBr w="12700" cmpd="sng">
+                      <a:noFill/>
+                      <a:prstDash val="solid"/>
+                    </a:lnTlToBr>
+                    <a:lnBlToTr w="12700" cmpd="sng">
+                      <a:noFill/>
+                      <a:prstDash val="solid"/>
+                    </a:lnBlToTr>
+                    <a:solidFill>
+                      <a:srgbClr val="FFC000"/>
+                    </a:solidFill>
+                  </a:tcPr>
+                </a:tc>
+                <a:tc>
+                  <a:txBody>
+                    <a:bodyPr/>
+                    <a:lstStyle/>
+                    <a:p>
+                      <a:pPr marL="285750" indent="-285750" algn="l" latinLnBrk="1">
+                        <a:buFontTx/>
+                        <a:buChar char="-"/>
+                      </a:pPr>
+                      <a:r>
+                        <a:rPr lang="ko-KR" altLang="en-US" sz="1200" dirty="0"/>
+                        <a:t>여러 명의 사용자가 사용하는 시스템에서 컴퓨터가 사용자들의 프로그램을 번갈아 가며 처리해 줌으로써 각 사용자에게 독립된 컴퓨터를 사용하는 느낌을 주는 것</a:t>
+                      </a:r>
+                      <a:endParaRPr lang="en-US" altLang="ko-KR" sz="1200" dirty="0"/>
+                    </a:p>
+                    <a:p>
+                      <a:pPr marL="285750" indent="-285750" algn="l" latinLnBrk="1">
+                        <a:buFontTx/>
+                        <a:buChar char="-"/>
+                      </a:pPr>
+                      <a:r>
+                        <a:rPr lang="ko-KR" altLang="en-US" sz="1200" dirty="0"/>
+                        <a:t>라운드 로빈</a:t>
+                      </a:r>
+                      <a:r>
+                        <a:rPr lang="en-US" altLang="ko-KR" sz="1200" dirty="0"/>
+                        <a:t>(Round-Robin) </a:t>
+                      </a:r>
+                      <a:r>
+                        <a:rPr lang="ko-KR" altLang="en-US" sz="1200" dirty="0"/>
+                        <a:t>방식</a:t>
+                      </a:r>
+                      <a:endParaRPr lang="en-US" altLang="ko-KR" sz="1200" dirty="0"/>
+                    </a:p>
+                  </a:txBody>
+                  <a:tcPr anchor="ctr">
+                    <a:lnL w="12700" cap="flat" cmpd="sng" algn="ctr">
+                      <a:solidFill>
+                        <a:schemeClr val="tx1"/>
+                      </a:solidFill>
+                      <a:prstDash val="solid"/>
+                      <a:round/>
+                      <a:headEnd type="none" w="med" len="med"/>
+                      <a:tailEnd type="none" w="med" len="med"/>
+                    </a:lnL>
+                    <a:lnR w="12700" cap="flat" cmpd="sng" algn="ctr">
+                      <a:solidFill>
+                        <a:schemeClr val="tx1"/>
+                      </a:solidFill>
+                      <a:prstDash val="solid"/>
+                      <a:round/>
+                      <a:headEnd type="none" w="med" len="med"/>
+                      <a:tailEnd type="none" w="med" len="med"/>
+                    </a:lnR>
+                    <a:lnT w="12700" cap="flat" cmpd="sng" algn="ctr">
+                      <a:solidFill>
+                        <a:schemeClr val="tx1"/>
+                      </a:solidFill>
+                      <a:prstDash val="solid"/>
+                      <a:round/>
+                      <a:headEnd type="none" w="med" len="med"/>
+                      <a:tailEnd type="none" w="med" len="med"/>
+                    </a:lnT>
+                    <a:lnB w="12700" cap="flat" cmpd="sng" algn="ctr">
+                      <a:solidFill>
+                        <a:schemeClr val="tx1"/>
+                      </a:solidFill>
+                      <a:prstDash val="solid"/>
+                      <a:round/>
+                      <a:headEnd type="none" w="med" len="med"/>
+                      <a:tailEnd type="none" w="med" len="med"/>
+                    </a:lnB>
+                    <a:lnTlToBr w="12700" cmpd="sng">
+                      <a:noFill/>
+                      <a:prstDash val="solid"/>
+                    </a:lnTlToBr>
+                    <a:lnBlToTr w="12700" cmpd="sng">
+                      <a:noFill/>
+                      <a:prstDash val="solid"/>
+                    </a:lnBlToTr>
+                  </a:tcPr>
+                </a:tc>
+                <a:extLst>
+                  <a:ext uri="{0D108BD9-81ED-4DB2-BD59-A6C34878D82A}">
+                    <a16:rowId xmlns:a16="http://schemas.microsoft.com/office/drawing/2014/main" val="2602236664"/>
+                  </a:ext>
+                </a:extLst>
+              </a:tr>
+              <a:tr h="761395">
+                <a:tc>
+                  <a:txBody>
+                    <a:bodyPr/>
+                    <a:lstStyle/>
+                    <a:p>
+                      <a:pPr algn="ctr" latinLnBrk="1"/>
+                      <a:r>
+                        <a:rPr lang="ko-KR" altLang="en-US" sz="1200" b="1" dirty="0"/>
+                        <a:t>다중 처리 시스템</a:t>
+                      </a:r>
+                      <a:endParaRPr lang="en-US" altLang="ko-KR" sz="1200" b="1" dirty="0"/>
+                    </a:p>
+                    <a:p>
+                      <a:pPr algn="ctr" latinLnBrk="1"/>
+                      <a:r>
+                        <a:rPr lang="en-US" altLang="ko-KR" sz="1200" b="1" dirty="0"/>
+                        <a:t>(Multi-Processing System)</a:t>
+                      </a:r>
+                      <a:endParaRPr lang="ko-KR" altLang="en-US" sz="1200" b="1" dirty="0"/>
+                    </a:p>
+                  </a:txBody>
+                  <a:tcPr anchor="ctr">
+                    <a:lnL w="12700" cap="flat" cmpd="sng" algn="ctr">
+                      <a:solidFill>
+                        <a:schemeClr val="tx1"/>
+                      </a:solidFill>
+                      <a:prstDash val="solid"/>
+                      <a:round/>
+                      <a:headEnd type="none" w="med" len="med"/>
+                      <a:tailEnd type="none" w="med" len="med"/>
+                    </a:lnL>
+                    <a:lnR w="12700" cap="flat" cmpd="sng" algn="ctr">
+                      <a:solidFill>
+                        <a:schemeClr val="tx1"/>
+                      </a:solidFill>
+                      <a:prstDash val="solid"/>
+                      <a:round/>
+                      <a:headEnd type="none" w="med" len="med"/>
+                      <a:tailEnd type="none" w="med" len="med"/>
+                    </a:lnR>
+                    <a:lnT w="12700" cap="flat" cmpd="sng" algn="ctr">
+                      <a:solidFill>
+                        <a:schemeClr val="tx1"/>
+                      </a:solidFill>
+                      <a:prstDash val="solid"/>
+                      <a:round/>
+                      <a:headEnd type="none" w="med" len="med"/>
+                      <a:tailEnd type="none" w="med" len="med"/>
+                    </a:lnT>
+                    <a:lnB w="12700" cap="flat" cmpd="sng" algn="ctr">
+                      <a:solidFill>
+                        <a:schemeClr val="tx1"/>
+                      </a:solidFill>
+                      <a:prstDash val="solid"/>
+                      <a:round/>
+                      <a:headEnd type="none" w="med" len="med"/>
+                      <a:tailEnd type="none" w="med" len="med"/>
+                    </a:lnB>
+                    <a:lnTlToBr w="12700" cmpd="sng">
+                      <a:noFill/>
+                      <a:prstDash val="solid"/>
+                    </a:lnTlToBr>
+                    <a:lnBlToTr w="12700" cmpd="sng">
+                      <a:noFill/>
+                      <a:prstDash val="solid"/>
+                    </a:lnBlToTr>
+                    <a:solidFill>
+                      <a:srgbClr val="FFC000"/>
+                    </a:solidFill>
+                  </a:tcPr>
+                </a:tc>
+                <a:tc>
+                  <a:txBody>
+                    <a:bodyPr/>
+                    <a:lstStyle/>
+                    <a:p>
+                      <a:pPr marL="0" indent="0" algn="l" latinLnBrk="1">
+                        <a:buFontTx/>
+                        <a:buNone/>
+                      </a:pPr>
+                      <a:r>
+                        <a:rPr lang="ko-KR" altLang="en-US" sz="1200" dirty="0"/>
+                        <a:t>여러 개의 </a:t>
+                      </a:r>
+                      <a:r>
+                        <a:rPr lang="en-US" altLang="ko-KR" sz="1200" dirty="0"/>
+                        <a:t>CPU</a:t>
+                      </a:r>
+                      <a:r>
+                        <a:rPr lang="ko-KR" altLang="en-US" sz="1200" dirty="0"/>
+                        <a:t>와 하나의 주기억장치를 이용하여 여러 개의 프로그램을 동시에 처리하는 방식</a:t>
+                      </a:r>
+                      <a:endParaRPr lang="en-US" altLang="ko-KR" sz="1200" dirty="0"/>
+                    </a:p>
+                  </a:txBody>
+                  <a:tcPr anchor="ctr">
+                    <a:lnL w="12700" cap="flat" cmpd="sng" algn="ctr">
+                      <a:solidFill>
+                        <a:schemeClr val="tx1"/>
+                      </a:solidFill>
+                      <a:prstDash val="solid"/>
+                      <a:round/>
+                      <a:headEnd type="none" w="med" len="med"/>
+                      <a:tailEnd type="none" w="med" len="med"/>
+                    </a:lnL>
+                    <a:lnR w="12700" cap="flat" cmpd="sng" algn="ctr">
+                      <a:solidFill>
+                        <a:schemeClr val="tx1"/>
+                      </a:solidFill>
+                      <a:prstDash val="solid"/>
+                      <a:round/>
+                      <a:headEnd type="none" w="med" len="med"/>
+                      <a:tailEnd type="none" w="med" len="med"/>
+                    </a:lnR>
+                    <a:lnT w="12700" cap="flat" cmpd="sng" algn="ctr">
+                      <a:solidFill>
+                        <a:schemeClr val="tx1"/>
+                      </a:solidFill>
+                      <a:prstDash val="solid"/>
+                      <a:round/>
+                      <a:headEnd type="none" w="med" len="med"/>
+                      <a:tailEnd type="none" w="med" len="med"/>
+                    </a:lnT>
+                    <a:lnB w="12700" cap="flat" cmpd="sng" algn="ctr">
+                      <a:solidFill>
+                        <a:schemeClr val="tx1"/>
+                      </a:solidFill>
+                      <a:prstDash val="solid"/>
+                      <a:round/>
+                      <a:headEnd type="none" w="med" len="med"/>
+                      <a:tailEnd type="none" w="med" len="med"/>
+                    </a:lnB>
+                    <a:lnTlToBr w="12700" cmpd="sng">
+                      <a:noFill/>
+                      <a:prstDash val="solid"/>
+                    </a:lnTlToBr>
+                    <a:lnBlToTr w="12700" cmpd="sng">
+                      <a:noFill/>
+                      <a:prstDash val="solid"/>
+                    </a:lnBlToTr>
+                  </a:tcPr>
+                </a:tc>
+                <a:extLst>
+                  <a:ext uri="{0D108BD9-81ED-4DB2-BD59-A6C34878D82A}">
+                    <a16:rowId xmlns:a16="http://schemas.microsoft.com/office/drawing/2014/main" val="1534676763"/>
+                  </a:ext>
+                </a:extLst>
+              </a:tr>
+              <a:tr h="761395">
+                <a:tc>
+                  <a:txBody>
+                    <a:bodyPr/>
+                    <a:lstStyle/>
+                    <a:p>
+                      <a:pPr algn="ctr" latinLnBrk="1"/>
+                      <a:r>
+                        <a:rPr lang="ko-KR" altLang="en-US" sz="1200" b="1" dirty="0"/>
+                        <a:t>실시간 처리 시스템</a:t>
+                      </a:r>
+                      <a:endParaRPr lang="en-US" altLang="ko-KR" sz="1200" b="1" dirty="0"/>
+                    </a:p>
+                    <a:p>
+                      <a:pPr algn="ctr" latinLnBrk="1"/>
+                      <a:r>
+                        <a:rPr lang="en-US" altLang="ko-KR" sz="1200" b="1" dirty="0"/>
+                        <a:t>(Real Time Processing System)</a:t>
+                      </a:r>
+                      <a:endParaRPr lang="ko-KR" altLang="en-US" sz="1200" b="1" dirty="0"/>
+                    </a:p>
+                  </a:txBody>
+                  <a:tcPr anchor="ctr">
+                    <a:lnL w="12700" cap="flat" cmpd="sng" algn="ctr">
+                      <a:solidFill>
+                        <a:schemeClr val="tx1"/>
+                      </a:solidFill>
+                      <a:prstDash val="solid"/>
+                      <a:round/>
+                      <a:headEnd type="none" w="med" len="med"/>
+                      <a:tailEnd type="none" w="med" len="med"/>
+                    </a:lnL>
+                    <a:lnR w="12700" cap="flat" cmpd="sng" algn="ctr">
+                      <a:solidFill>
+                        <a:schemeClr val="tx1"/>
+                      </a:solidFill>
+                      <a:prstDash val="solid"/>
+                      <a:round/>
+                      <a:headEnd type="none" w="med" len="med"/>
+                      <a:tailEnd type="none" w="med" len="med"/>
+                    </a:lnR>
+                    <a:lnT w="12700" cap="flat" cmpd="sng" algn="ctr">
+                      <a:solidFill>
+                        <a:schemeClr val="tx1"/>
+                      </a:solidFill>
+                      <a:prstDash val="solid"/>
+                      <a:round/>
+                      <a:headEnd type="none" w="med" len="med"/>
+                      <a:tailEnd type="none" w="med" len="med"/>
+                    </a:lnT>
+                    <a:lnB w="12700" cap="flat" cmpd="sng" algn="ctr">
+                      <a:solidFill>
+                        <a:schemeClr val="tx1"/>
+                      </a:solidFill>
+                      <a:prstDash val="solid"/>
+                      <a:round/>
+                      <a:headEnd type="none" w="med" len="med"/>
+                      <a:tailEnd type="none" w="med" len="med"/>
+                    </a:lnB>
+                    <a:lnTlToBr w="12700" cmpd="sng">
+                      <a:noFill/>
+                      <a:prstDash val="solid"/>
+                    </a:lnTlToBr>
+                    <a:lnBlToTr w="12700" cmpd="sng">
+                      <a:noFill/>
+                      <a:prstDash val="solid"/>
+                    </a:lnBlToTr>
+                    <a:solidFill>
+                      <a:srgbClr val="FFC000"/>
+                    </a:solidFill>
+                  </a:tcPr>
+                </a:tc>
+                <a:tc>
+                  <a:txBody>
+                    <a:bodyPr/>
+                    <a:lstStyle/>
+                    <a:p>
+                      <a:pPr marL="0" indent="0" algn="l" latinLnBrk="1">
+                        <a:buFontTx/>
+                        <a:buNone/>
+                      </a:pPr>
+                      <a:r>
+                        <a:rPr lang="ko-KR" altLang="en-US" sz="1200" dirty="0"/>
+                        <a:t>데이터 발생 즉시</a:t>
+                      </a:r>
+                      <a:r>
+                        <a:rPr lang="en-US" altLang="ko-KR" sz="1200" dirty="0"/>
+                        <a:t>,</a:t>
+                      </a:r>
+                      <a:r>
+                        <a:rPr lang="ko-KR" altLang="en-US" sz="1200" dirty="0"/>
+                        <a:t> 또는 데이터 처리 요구가 있는 즉시 처리하여 결과를 산출하는 방식</a:t>
+                      </a:r>
+                      <a:endParaRPr lang="en-US" altLang="ko-KR" sz="1200" dirty="0"/>
+                    </a:p>
+                  </a:txBody>
+                  <a:tcPr anchor="ctr">
+                    <a:lnL w="12700" cap="flat" cmpd="sng" algn="ctr">
+                      <a:solidFill>
+                        <a:schemeClr val="tx1"/>
+                      </a:solidFill>
+                      <a:prstDash val="solid"/>
+                      <a:round/>
+                      <a:headEnd type="none" w="med" len="med"/>
+                      <a:tailEnd type="none" w="med" len="med"/>
+                    </a:lnL>
+                    <a:lnR w="12700" cap="flat" cmpd="sng" algn="ctr">
+                      <a:solidFill>
+                        <a:schemeClr val="tx1"/>
+                      </a:solidFill>
+                      <a:prstDash val="solid"/>
+                      <a:round/>
+                      <a:headEnd type="none" w="med" len="med"/>
+                      <a:tailEnd type="none" w="med" len="med"/>
+                    </a:lnR>
+                    <a:lnT w="12700" cap="flat" cmpd="sng" algn="ctr">
+                      <a:solidFill>
+                        <a:schemeClr val="tx1"/>
+                      </a:solidFill>
+                      <a:prstDash val="solid"/>
+                      <a:round/>
+                      <a:headEnd type="none" w="med" len="med"/>
+                      <a:tailEnd type="none" w="med" len="med"/>
+                    </a:lnT>
+                    <a:lnB w="12700" cap="flat" cmpd="sng" algn="ctr">
+                      <a:solidFill>
+                        <a:schemeClr val="tx1"/>
+                      </a:solidFill>
+                      <a:prstDash val="solid"/>
+                      <a:round/>
+                      <a:headEnd type="none" w="med" len="med"/>
+                      <a:tailEnd type="none" w="med" len="med"/>
+                    </a:lnB>
+                    <a:lnTlToBr w="12700" cmpd="sng">
+                      <a:noFill/>
+                      <a:prstDash val="solid"/>
+                    </a:lnTlToBr>
+                    <a:lnBlToTr w="12700" cmpd="sng">
+                      <a:noFill/>
+                      <a:prstDash val="solid"/>
+                    </a:lnBlToTr>
+                  </a:tcPr>
+                </a:tc>
+                <a:extLst>
+                  <a:ext uri="{0D108BD9-81ED-4DB2-BD59-A6C34878D82A}">
+                    <a16:rowId xmlns:a16="http://schemas.microsoft.com/office/drawing/2014/main" val="2223403686"/>
+                  </a:ext>
+                </a:extLst>
+              </a:tr>
+              <a:tr h="761395">
+                <a:tc>
+                  <a:txBody>
+                    <a:bodyPr/>
+                    <a:lstStyle/>
+                    <a:p>
+                      <a:pPr algn="ctr" latinLnBrk="1"/>
+                      <a:r>
+                        <a:rPr lang="ko-KR" altLang="en-US" sz="1200" b="1" dirty="0"/>
+                        <a:t>범용 시스템</a:t>
+                      </a:r>
+                      <a:endParaRPr lang="en-US" altLang="ko-KR" sz="1200" b="1" dirty="0"/>
+                    </a:p>
+                    <a:p>
+                      <a:pPr algn="ctr" latinLnBrk="1"/>
+                      <a:r>
+                        <a:rPr lang="en-US" altLang="ko-KR" sz="1200" b="1" dirty="0"/>
+                        <a:t>(General-Purpose System)</a:t>
+                      </a:r>
+                      <a:endParaRPr lang="ko-KR" altLang="en-US" sz="1200" b="1" dirty="0"/>
+                    </a:p>
+                  </a:txBody>
+                  <a:tcPr anchor="ctr">
+                    <a:lnL w="12700" cap="flat" cmpd="sng" algn="ctr">
+                      <a:solidFill>
+                        <a:schemeClr val="tx1"/>
+                      </a:solidFill>
+                      <a:prstDash val="solid"/>
+                      <a:round/>
+                      <a:headEnd type="none" w="med" len="med"/>
+                      <a:tailEnd type="none" w="med" len="med"/>
+                    </a:lnL>
+                    <a:lnR w="12700" cap="flat" cmpd="sng" algn="ctr">
+                      <a:solidFill>
+                        <a:schemeClr val="tx1"/>
+                      </a:solidFill>
+                      <a:prstDash val="solid"/>
+                      <a:round/>
+                      <a:headEnd type="none" w="med" len="med"/>
+                      <a:tailEnd type="none" w="med" len="med"/>
+                    </a:lnR>
+                    <a:lnT w="12700" cap="flat" cmpd="sng" algn="ctr">
+                      <a:solidFill>
+                        <a:schemeClr val="tx1"/>
+                      </a:solidFill>
+                      <a:prstDash val="solid"/>
+                      <a:round/>
+                      <a:headEnd type="none" w="med" len="med"/>
+                      <a:tailEnd type="none" w="med" len="med"/>
+                    </a:lnT>
+                    <a:lnB w="12700" cap="flat" cmpd="sng" algn="ctr">
+                      <a:solidFill>
+                        <a:schemeClr val="tx1"/>
+                      </a:solidFill>
+                      <a:prstDash val="solid"/>
+                      <a:round/>
+                      <a:headEnd type="none" w="med" len="med"/>
+                      <a:tailEnd type="none" w="med" len="med"/>
+                    </a:lnB>
+                    <a:lnTlToBr w="12700" cmpd="sng">
+                      <a:noFill/>
+                      <a:prstDash val="solid"/>
+                    </a:lnTlToBr>
+                    <a:lnBlToTr w="12700" cmpd="sng">
+                      <a:noFill/>
+                      <a:prstDash val="solid"/>
+                    </a:lnBlToTr>
+                    <a:solidFill>
+                      <a:srgbClr val="FFC000"/>
+                    </a:solidFill>
+                  </a:tcPr>
+                </a:tc>
+                <a:tc>
+                  <a:txBody>
+                    <a:bodyPr/>
+                    <a:lstStyle/>
+                    <a:p>
+                      <a:pPr marL="0" indent="0" algn="l" latinLnBrk="1">
+                        <a:buFontTx/>
+                        <a:buNone/>
+                      </a:pPr>
+                      <a:r>
+                        <a:rPr lang="ko-KR" altLang="en-US" sz="1200" dirty="0"/>
+                        <a:t>일괄 처리 시스템</a:t>
+                      </a:r>
+                      <a:r>
+                        <a:rPr lang="en-US" altLang="ko-KR" sz="1200" dirty="0"/>
+                        <a:t>, </a:t>
+                      </a:r>
+                      <a:r>
+                        <a:rPr lang="ko-KR" altLang="en-US" sz="1200" dirty="0"/>
+                        <a:t>시분할 시스템</a:t>
+                      </a:r>
+                      <a:r>
+                        <a:rPr lang="en-US" altLang="ko-KR" sz="1200" dirty="0"/>
+                        <a:t>, </a:t>
+                      </a:r>
+                      <a:r>
+                        <a:rPr lang="ko-KR" altLang="en-US" sz="1200" dirty="0"/>
+                        <a:t>다중 처리 시스템</a:t>
+                      </a:r>
+                      <a:r>
+                        <a:rPr lang="en-US" altLang="ko-KR" sz="1200" dirty="0"/>
+                        <a:t>, </a:t>
+                      </a:r>
+                      <a:r>
+                        <a:rPr lang="ko-KR" altLang="en-US" sz="1200" dirty="0"/>
+                        <a:t>실시간 처리 시스템을 한 시스템에서 모두 제공하는 방식 </a:t>
+                      </a:r>
+                      <a:r>
+                        <a:rPr lang="en-US" altLang="ko-KR" sz="1200" dirty="0"/>
+                        <a:t>(</a:t>
+                      </a:r>
+                      <a:r>
+                        <a:rPr lang="ko-KR" altLang="en-US" sz="1200" dirty="0"/>
+                        <a:t>다중 모드 처리 시스템 이라고도 함</a:t>
+                      </a:r>
+                      <a:r>
+                        <a:rPr lang="en-US" altLang="ko-KR" sz="1200" dirty="0"/>
+                        <a:t>)</a:t>
+                      </a:r>
+                    </a:p>
+                  </a:txBody>
+                  <a:tcPr anchor="ctr">
+                    <a:lnL w="12700" cap="flat" cmpd="sng" algn="ctr">
+                      <a:solidFill>
+                        <a:schemeClr val="tx1"/>
+                      </a:solidFill>
+                      <a:prstDash val="solid"/>
+                      <a:round/>
+                      <a:headEnd type="none" w="med" len="med"/>
+                      <a:tailEnd type="none" w="med" len="med"/>
+                    </a:lnL>
+                    <a:lnR w="12700" cap="flat" cmpd="sng" algn="ctr">
+                      <a:solidFill>
+                        <a:schemeClr val="tx1"/>
+                      </a:solidFill>
+                      <a:prstDash val="solid"/>
+                      <a:round/>
+                      <a:headEnd type="none" w="med" len="med"/>
+                      <a:tailEnd type="none" w="med" len="med"/>
+                    </a:lnR>
+                    <a:lnT w="12700" cap="flat" cmpd="sng" algn="ctr">
+                      <a:solidFill>
+                        <a:schemeClr val="tx1"/>
+                      </a:solidFill>
+                      <a:prstDash val="solid"/>
+                      <a:round/>
+                      <a:headEnd type="none" w="med" len="med"/>
+                      <a:tailEnd type="none" w="med" len="med"/>
+                    </a:lnT>
+                    <a:lnB w="12700" cap="flat" cmpd="sng" algn="ctr">
+                      <a:solidFill>
+                        <a:schemeClr val="tx1"/>
+                      </a:solidFill>
+                      <a:prstDash val="solid"/>
+                      <a:round/>
+                      <a:headEnd type="none" w="med" len="med"/>
+                      <a:tailEnd type="none" w="med" len="med"/>
+                    </a:lnB>
+                    <a:lnTlToBr w="12700" cmpd="sng">
+                      <a:noFill/>
+                      <a:prstDash val="solid"/>
+                    </a:lnTlToBr>
+                    <a:lnBlToTr w="12700" cmpd="sng">
+                      <a:noFill/>
+                      <a:prstDash val="solid"/>
+                    </a:lnBlToTr>
+                  </a:tcPr>
+                </a:tc>
+                <a:extLst>
+                  <a:ext uri="{0D108BD9-81ED-4DB2-BD59-A6C34878D82A}">
+                    <a16:rowId xmlns:a16="http://schemas.microsoft.com/office/drawing/2014/main" val="646493672"/>
+                  </a:ext>
+                </a:extLst>
+              </a:tr>
+              <a:tr h="761395">
+                <a:tc>
+                  <a:txBody>
+                    <a:bodyPr/>
+                    <a:lstStyle/>
+                    <a:p>
+                      <a:pPr algn="ctr" latinLnBrk="1"/>
+                      <a:r>
+                        <a:rPr lang="ko-KR" altLang="en-US" sz="1200" b="1" dirty="0"/>
+                        <a:t>분산 처리 시스템</a:t>
+                      </a:r>
+                      <a:endParaRPr lang="en-US" altLang="ko-KR" sz="1200" b="1" dirty="0"/>
+                    </a:p>
+                    <a:p>
+                      <a:pPr algn="ctr" latinLnBrk="1"/>
+                      <a:r>
+                        <a:rPr lang="en-US" altLang="ko-KR" sz="1200" b="1" dirty="0"/>
+                        <a:t>(Distributed Processing System)</a:t>
+                      </a:r>
+                      <a:endParaRPr lang="ko-KR" altLang="en-US" sz="1200" b="1" dirty="0"/>
+                    </a:p>
+                  </a:txBody>
+                  <a:tcPr anchor="ctr">
+                    <a:lnL w="12700" cap="flat" cmpd="sng" algn="ctr">
+                      <a:solidFill>
+                        <a:schemeClr val="tx1"/>
+                      </a:solidFill>
+                      <a:prstDash val="solid"/>
+                      <a:round/>
+                      <a:headEnd type="none" w="med" len="med"/>
+                      <a:tailEnd type="none" w="med" len="med"/>
+                    </a:lnL>
+                    <a:lnR w="12700" cap="flat" cmpd="sng" algn="ctr">
+                      <a:solidFill>
+                        <a:schemeClr val="tx1"/>
+                      </a:solidFill>
+                      <a:prstDash val="solid"/>
+                      <a:round/>
+                      <a:headEnd type="none" w="med" len="med"/>
+                      <a:tailEnd type="none" w="med" len="med"/>
+                    </a:lnR>
+                    <a:lnT w="12700" cap="flat" cmpd="sng" algn="ctr">
+                      <a:solidFill>
+                        <a:schemeClr val="tx1"/>
+                      </a:solidFill>
+                      <a:prstDash val="solid"/>
+                      <a:round/>
+                      <a:headEnd type="none" w="med" len="med"/>
+                      <a:tailEnd type="none" w="med" len="med"/>
+                    </a:lnT>
+                    <a:lnB w="12700" cap="flat" cmpd="sng" algn="ctr">
+                      <a:solidFill>
+                        <a:schemeClr val="tx1"/>
+                      </a:solidFill>
+                      <a:prstDash val="solid"/>
+                      <a:round/>
+                      <a:headEnd type="none" w="med" len="med"/>
+                      <a:tailEnd type="none" w="med" len="med"/>
+                    </a:lnB>
+                    <a:lnTlToBr w="12700" cmpd="sng">
+                      <a:noFill/>
+                      <a:prstDash val="solid"/>
+                    </a:lnTlToBr>
+                    <a:lnBlToTr w="12700" cmpd="sng">
+                      <a:noFill/>
+                      <a:prstDash val="solid"/>
+                    </a:lnBlToTr>
+                    <a:solidFill>
+                      <a:srgbClr val="FFC000"/>
+                    </a:solidFill>
+                  </a:tcPr>
+                </a:tc>
+                <a:tc>
+                  <a:txBody>
+                    <a:bodyPr/>
+                    <a:lstStyle/>
+                    <a:p>
+                      <a:pPr marL="0" marR="0" lvl="0" indent="0" algn="l" defTabSz="914400" rtl="0" eaLnBrk="1" fontAlgn="auto" latinLnBrk="1" hangingPunct="1">
+                        <a:lnSpc>
+                          <a:spcPct val="100000"/>
+                        </a:lnSpc>
+                        <a:spcBef>
+                          <a:spcPts val="0"/>
+                        </a:spcBef>
+                        <a:spcAft>
+                          <a:spcPts val="0"/>
+                        </a:spcAft>
+                        <a:buClrTx/>
+                        <a:buSzTx/>
+                        <a:buFontTx/>
+                        <a:buNone/>
+                        <a:tabLst/>
+                        <a:defRPr/>
+                      </a:pPr>
+                      <a:r>
+                        <a:rPr lang="ko-KR" altLang="en-US" sz="1200" dirty="0"/>
+                        <a:t>여러 개의 컴퓨터</a:t>
+                      </a:r>
+                      <a:r>
+                        <a:rPr lang="en-US" altLang="ko-KR" sz="1200" dirty="0"/>
+                        <a:t>(</a:t>
+                      </a:r>
+                      <a:r>
+                        <a:rPr lang="ko-KR" altLang="en-US" sz="1200" dirty="0"/>
+                        <a:t>프로세서</a:t>
+                      </a:r>
+                      <a:r>
+                        <a:rPr lang="en-US" altLang="ko-KR" sz="1200" dirty="0"/>
+                        <a:t>)</a:t>
+                      </a:r>
+                      <a:r>
+                        <a:rPr lang="ko-KR" altLang="en-US" sz="1200" dirty="0"/>
+                        <a:t>를 통신 회선으로 연결하여</a:t>
+                      </a:r>
+                      <a:r>
+                        <a:rPr lang="en-US" altLang="ko-KR" sz="1200" dirty="0"/>
+                        <a:t> </a:t>
+                      </a:r>
+                      <a:r>
+                        <a:rPr lang="ko-KR" altLang="en-US" sz="1200" dirty="0"/>
+                        <a:t>하나의 작업을 처리하는 방식</a:t>
+                      </a:r>
+                      <a:endParaRPr lang="en-US" altLang="ko-KR" sz="1200" dirty="0"/>
+                    </a:p>
+                    <a:p>
+                      <a:pPr marL="0" marR="0" lvl="0" indent="0" algn="l" defTabSz="914400" rtl="0" eaLnBrk="1" fontAlgn="auto" latinLnBrk="1" hangingPunct="1">
+                        <a:lnSpc>
+                          <a:spcPct val="100000"/>
+                        </a:lnSpc>
+                        <a:spcBef>
+                          <a:spcPts val="0"/>
+                        </a:spcBef>
+                        <a:spcAft>
+                          <a:spcPts val="0"/>
+                        </a:spcAft>
+                        <a:buClrTx/>
+                        <a:buSzTx/>
+                        <a:buFontTx/>
+                        <a:buNone/>
+                        <a:tabLst/>
+                        <a:defRPr/>
+                      </a:pPr>
+                      <a:endParaRPr lang="en-US" altLang="ko-KR" sz="1200" dirty="0"/>
+                    </a:p>
+                  </a:txBody>
+                  <a:tcPr anchor="ctr">
+                    <a:lnL w="12700" cap="flat" cmpd="sng" algn="ctr">
+                      <a:solidFill>
+                        <a:schemeClr val="tx1"/>
+                      </a:solidFill>
+                      <a:prstDash val="solid"/>
+                      <a:round/>
+                      <a:headEnd type="none" w="med" len="med"/>
+                      <a:tailEnd type="none" w="med" len="med"/>
+                    </a:lnL>
+                    <a:lnR w="12700" cap="flat" cmpd="sng" algn="ctr">
+                      <a:solidFill>
+                        <a:schemeClr val="tx1"/>
+                      </a:solidFill>
+                      <a:prstDash val="solid"/>
+                      <a:round/>
+                      <a:headEnd type="none" w="med" len="med"/>
+                      <a:tailEnd type="none" w="med" len="med"/>
+                    </a:lnR>
+                    <a:lnT w="12700" cap="flat" cmpd="sng" algn="ctr">
+                      <a:solidFill>
+                        <a:schemeClr val="tx1"/>
+                      </a:solidFill>
+                      <a:prstDash val="solid"/>
+                      <a:round/>
+                      <a:headEnd type="none" w="med" len="med"/>
+                      <a:tailEnd type="none" w="med" len="med"/>
+                    </a:lnT>
+                    <a:lnB w="12700" cap="flat" cmpd="sng" algn="ctr">
+                      <a:solidFill>
+                        <a:schemeClr val="tx1"/>
+                      </a:solidFill>
+                      <a:prstDash val="solid"/>
+                      <a:round/>
+                      <a:headEnd type="none" w="med" len="med"/>
+                      <a:tailEnd type="none" w="med" len="med"/>
+                    </a:lnB>
+                    <a:lnTlToBr w="12700" cmpd="sng">
+                      <a:noFill/>
+                      <a:prstDash val="solid"/>
+                    </a:lnTlToBr>
+                    <a:lnBlToTr w="12700" cmpd="sng">
+                      <a:noFill/>
+                      <a:prstDash val="solid"/>
+                    </a:lnBlToTr>
+                  </a:tcPr>
+                </a:tc>
+                <a:extLst>
+                  <a:ext uri="{0D108BD9-81ED-4DB2-BD59-A6C34878D82A}">
+                    <a16:rowId xmlns:a16="http://schemas.microsoft.com/office/drawing/2014/main" val="1863229905"/>
+                  </a:ext>
+                </a:extLst>
+              </a:tr>
+            </a:tbl>
+          </a:graphicData>
+        </a:graphic>
+      </p:graphicFrame>
     </p:spTree>
     <p:extLst>
       <p:ext uri="{BB962C8B-B14F-4D97-AF65-F5344CB8AC3E}">

--- a/실기 정리/정보처리 기능사 실기.pptx
+++ b/실기 정리/정보처리 기능사 실기.pptx
@@ -280,7 +280,7 @@
           <a:p>
             <a:fld id="{5F662FEA-D639-4FDF-9E2F-83059EC2917D}" type="datetimeFigureOut">
               <a:rPr lang="ko-KR" altLang="en-US" smtClean="0"/>
-              <a:t>2024-06-24</a:t>
+              <a:t>2024-06-25</a:t>
             </a:fld>
             <a:endParaRPr lang="ko-KR" altLang="en-US"/>
           </a:p>
@@ -478,7 +478,7 @@
           <a:p>
             <a:fld id="{5F662FEA-D639-4FDF-9E2F-83059EC2917D}" type="datetimeFigureOut">
               <a:rPr lang="ko-KR" altLang="en-US" smtClean="0"/>
-              <a:t>2024-06-24</a:t>
+              <a:t>2024-06-25</a:t>
             </a:fld>
             <a:endParaRPr lang="ko-KR" altLang="en-US"/>
           </a:p>
@@ -686,7 +686,7 @@
           <a:p>
             <a:fld id="{5F662FEA-D639-4FDF-9E2F-83059EC2917D}" type="datetimeFigureOut">
               <a:rPr lang="ko-KR" altLang="en-US" smtClean="0"/>
-              <a:t>2024-06-24</a:t>
+              <a:t>2024-06-25</a:t>
             </a:fld>
             <a:endParaRPr lang="ko-KR" altLang="en-US"/>
           </a:p>
@@ -884,7 +884,7 @@
           <a:p>
             <a:fld id="{5F662FEA-D639-4FDF-9E2F-83059EC2917D}" type="datetimeFigureOut">
               <a:rPr lang="ko-KR" altLang="en-US" smtClean="0"/>
-              <a:t>2024-06-24</a:t>
+              <a:t>2024-06-25</a:t>
             </a:fld>
             <a:endParaRPr lang="ko-KR" altLang="en-US"/>
           </a:p>
@@ -1159,7 +1159,7 @@
           <a:p>
             <a:fld id="{5F662FEA-D639-4FDF-9E2F-83059EC2917D}" type="datetimeFigureOut">
               <a:rPr lang="ko-KR" altLang="en-US" smtClean="0"/>
-              <a:t>2024-06-24</a:t>
+              <a:t>2024-06-25</a:t>
             </a:fld>
             <a:endParaRPr lang="ko-KR" altLang="en-US"/>
           </a:p>
@@ -1424,7 +1424,7 @@
           <a:p>
             <a:fld id="{5F662FEA-D639-4FDF-9E2F-83059EC2917D}" type="datetimeFigureOut">
               <a:rPr lang="ko-KR" altLang="en-US" smtClean="0"/>
-              <a:t>2024-06-24</a:t>
+              <a:t>2024-06-25</a:t>
             </a:fld>
             <a:endParaRPr lang="ko-KR" altLang="en-US"/>
           </a:p>
@@ -1836,7 +1836,7 @@
           <a:p>
             <a:fld id="{5F662FEA-D639-4FDF-9E2F-83059EC2917D}" type="datetimeFigureOut">
               <a:rPr lang="ko-KR" altLang="en-US" smtClean="0"/>
-              <a:t>2024-06-24</a:t>
+              <a:t>2024-06-25</a:t>
             </a:fld>
             <a:endParaRPr lang="ko-KR" altLang="en-US"/>
           </a:p>
@@ -1977,7 +1977,7 @@
           <a:p>
             <a:fld id="{5F662FEA-D639-4FDF-9E2F-83059EC2917D}" type="datetimeFigureOut">
               <a:rPr lang="ko-KR" altLang="en-US" smtClean="0"/>
-              <a:t>2024-06-24</a:t>
+              <a:t>2024-06-25</a:t>
             </a:fld>
             <a:endParaRPr lang="ko-KR" altLang="en-US"/>
           </a:p>
@@ -2090,7 +2090,7 @@
           <a:p>
             <a:fld id="{5F662FEA-D639-4FDF-9E2F-83059EC2917D}" type="datetimeFigureOut">
               <a:rPr lang="ko-KR" altLang="en-US" smtClean="0"/>
-              <a:t>2024-06-24</a:t>
+              <a:t>2024-06-25</a:t>
             </a:fld>
             <a:endParaRPr lang="ko-KR" altLang="en-US"/>
           </a:p>
@@ -2401,7 +2401,7 @@
           <a:p>
             <a:fld id="{5F662FEA-D639-4FDF-9E2F-83059EC2917D}" type="datetimeFigureOut">
               <a:rPr lang="ko-KR" altLang="en-US" smtClean="0"/>
-              <a:t>2024-06-24</a:t>
+              <a:t>2024-06-25</a:t>
             </a:fld>
             <a:endParaRPr lang="ko-KR" altLang="en-US"/>
           </a:p>
@@ -2689,7 +2689,7 @@
           <a:p>
             <a:fld id="{5F662FEA-D639-4FDF-9E2F-83059EC2917D}" type="datetimeFigureOut">
               <a:rPr lang="ko-KR" altLang="en-US" smtClean="0"/>
-              <a:t>2024-06-24</a:t>
+              <a:t>2024-06-25</a:t>
             </a:fld>
             <a:endParaRPr lang="ko-KR" altLang="en-US"/>
           </a:p>
@@ -2930,7 +2930,7 @@
           <a:p>
             <a:fld id="{5F662FEA-D639-4FDF-9E2F-83059EC2917D}" type="datetimeFigureOut">
               <a:rPr lang="ko-KR" altLang="en-US" smtClean="0"/>
-              <a:t>2024-06-24</a:t>
+              <a:t>2024-06-25</a:t>
             </a:fld>
             <a:endParaRPr lang="ko-KR" altLang="en-US"/>
           </a:p>
@@ -11473,8 +11473,8 @@
         </p:blipFill>
         <p:spPr bwMode="auto">
           <a:xfrm>
-            <a:off x="2371987" y="1150376"/>
-            <a:ext cx="7231310" cy="2493863"/>
+            <a:off x="838200" y="1150376"/>
+            <a:ext cx="10407241" cy="2493863"/>
           </a:xfrm>
           <a:prstGeom prst="rect">
             <a:avLst/>

--- a/실기 정리/정보처리 기능사 실기.pptx
+++ b/실기 정리/정보처리 기능사 실기.pptx
@@ -280,7 +280,7 @@
           <a:p>
             <a:fld id="{5F662FEA-D639-4FDF-9E2F-83059EC2917D}" type="datetimeFigureOut">
               <a:rPr lang="ko-KR" altLang="en-US" smtClean="0"/>
-              <a:t>2024-06-25</a:t>
+              <a:t>2024-06-26</a:t>
             </a:fld>
             <a:endParaRPr lang="ko-KR" altLang="en-US"/>
           </a:p>
@@ -478,7 +478,7 @@
           <a:p>
             <a:fld id="{5F662FEA-D639-4FDF-9E2F-83059EC2917D}" type="datetimeFigureOut">
               <a:rPr lang="ko-KR" altLang="en-US" smtClean="0"/>
-              <a:t>2024-06-25</a:t>
+              <a:t>2024-06-26</a:t>
             </a:fld>
             <a:endParaRPr lang="ko-KR" altLang="en-US"/>
           </a:p>
@@ -686,7 +686,7 @@
           <a:p>
             <a:fld id="{5F662FEA-D639-4FDF-9E2F-83059EC2917D}" type="datetimeFigureOut">
               <a:rPr lang="ko-KR" altLang="en-US" smtClean="0"/>
-              <a:t>2024-06-25</a:t>
+              <a:t>2024-06-26</a:t>
             </a:fld>
             <a:endParaRPr lang="ko-KR" altLang="en-US"/>
           </a:p>
@@ -884,7 +884,7 @@
           <a:p>
             <a:fld id="{5F662FEA-D639-4FDF-9E2F-83059EC2917D}" type="datetimeFigureOut">
               <a:rPr lang="ko-KR" altLang="en-US" smtClean="0"/>
-              <a:t>2024-06-25</a:t>
+              <a:t>2024-06-26</a:t>
             </a:fld>
             <a:endParaRPr lang="ko-KR" altLang="en-US"/>
           </a:p>
@@ -1159,7 +1159,7 @@
           <a:p>
             <a:fld id="{5F662FEA-D639-4FDF-9E2F-83059EC2917D}" type="datetimeFigureOut">
               <a:rPr lang="ko-KR" altLang="en-US" smtClean="0"/>
-              <a:t>2024-06-25</a:t>
+              <a:t>2024-06-26</a:t>
             </a:fld>
             <a:endParaRPr lang="ko-KR" altLang="en-US"/>
           </a:p>
@@ -1424,7 +1424,7 @@
           <a:p>
             <a:fld id="{5F662FEA-D639-4FDF-9E2F-83059EC2917D}" type="datetimeFigureOut">
               <a:rPr lang="ko-KR" altLang="en-US" smtClean="0"/>
-              <a:t>2024-06-25</a:t>
+              <a:t>2024-06-26</a:t>
             </a:fld>
             <a:endParaRPr lang="ko-KR" altLang="en-US"/>
           </a:p>
@@ -1836,7 +1836,7 @@
           <a:p>
             <a:fld id="{5F662FEA-D639-4FDF-9E2F-83059EC2917D}" type="datetimeFigureOut">
               <a:rPr lang="ko-KR" altLang="en-US" smtClean="0"/>
-              <a:t>2024-06-25</a:t>
+              <a:t>2024-06-26</a:t>
             </a:fld>
             <a:endParaRPr lang="ko-KR" altLang="en-US"/>
           </a:p>
@@ -1977,7 +1977,7 @@
           <a:p>
             <a:fld id="{5F662FEA-D639-4FDF-9E2F-83059EC2917D}" type="datetimeFigureOut">
               <a:rPr lang="ko-KR" altLang="en-US" smtClean="0"/>
-              <a:t>2024-06-25</a:t>
+              <a:t>2024-06-26</a:t>
             </a:fld>
             <a:endParaRPr lang="ko-KR" altLang="en-US"/>
           </a:p>
@@ -2090,7 +2090,7 @@
           <a:p>
             <a:fld id="{5F662FEA-D639-4FDF-9E2F-83059EC2917D}" type="datetimeFigureOut">
               <a:rPr lang="ko-KR" altLang="en-US" smtClean="0"/>
-              <a:t>2024-06-25</a:t>
+              <a:t>2024-06-26</a:t>
             </a:fld>
             <a:endParaRPr lang="ko-KR" altLang="en-US"/>
           </a:p>
@@ -2401,7 +2401,7 @@
           <a:p>
             <a:fld id="{5F662FEA-D639-4FDF-9E2F-83059EC2917D}" type="datetimeFigureOut">
               <a:rPr lang="ko-KR" altLang="en-US" smtClean="0"/>
-              <a:t>2024-06-25</a:t>
+              <a:t>2024-06-26</a:t>
             </a:fld>
             <a:endParaRPr lang="ko-KR" altLang="en-US"/>
           </a:p>
@@ -2689,7 +2689,7 @@
           <a:p>
             <a:fld id="{5F662FEA-D639-4FDF-9E2F-83059EC2917D}" type="datetimeFigureOut">
               <a:rPr lang="ko-KR" altLang="en-US" smtClean="0"/>
-              <a:t>2024-06-25</a:t>
+              <a:t>2024-06-26</a:t>
             </a:fld>
             <a:endParaRPr lang="ko-KR" altLang="en-US"/>
           </a:p>
@@ -2930,7 +2930,7 @@
           <a:p>
             <a:fld id="{5F662FEA-D639-4FDF-9E2F-83059EC2917D}" type="datetimeFigureOut">
               <a:rPr lang="ko-KR" altLang="en-US" smtClean="0"/>
-              <a:t>2024-06-25</a:t>
+              <a:t>2024-06-26</a:t>
             </a:fld>
             <a:endParaRPr lang="ko-KR" altLang="en-US"/>
           </a:p>
@@ -6387,8 +6387,8 @@
         </p:blipFill>
         <p:spPr bwMode="auto">
           <a:xfrm>
-            <a:off x="838200" y="1581121"/>
-            <a:ext cx="3540853" cy="3276600"/>
+            <a:off x="838200" y="1581120"/>
+            <a:ext cx="3540853" cy="4618343"/>
           </a:xfrm>
           <a:prstGeom prst="rect">
             <a:avLst/>
